--- a/Lectures/M4-ModernWeb.pptx
+++ b/Lectures/M4-ModernWeb.pptx
@@ -24080,7 +24080,7 @@
             </a:r>
             <a:r>
               <a:rPr lang="en-US" dirty="0"/>
-              <a:t> (Angular 4 currently)</a:t>
+              <a:t> (Angular 7 currently)</a:t>
             </a:r>
           </a:p>
         </p:txBody>
@@ -24239,7 +24239,7 @@
             </a:r>
             <a:r>
               <a:rPr lang="en-US" dirty="0"/>
-              <a:t> (Angular 4 currently)</a:t>
+              <a:t> (Angular 7 currently)</a:t>
             </a:r>
           </a:p>
         </p:txBody>
@@ -24428,7 +24428,7 @@
             </a:r>
             <a:r>
               <a:rPr lang="en-US" dirty="0"/>
-              <a:t> (Angular 4 currently)</a:t>
+              <a:t> (Angular 7 currently)</a:t>
             </a:r>
           </a:p>
         </p:txBody>

--- a/Lectures/M4-ModernWeb.pptx
+++ b/Lectures/M4-ModernWeb.pptx
@@ -5,10 +5,10 @@
     <p:sldMasterId id="2147483649" r:id="rId1"/>
   </p:sldMasterIdLst>
   <p:notesMasterIdLst>
-    <p:notesMasterId r:id="rId54"/>
+    <p:notesMasterId r:id="rId55"/>
   </p:notesMasterIdLst>
   <p:handoutMasterIdLst>
-    <p:handoutMasterId r:id="rId55"/>
+    <p:handoutMasterId r:id="rId56"/>
   </p:handoutMasterIdLst>
   <p:sldIdLst>
     <p:sldId id="528" r:id="rId2"/>
@@ -58,11 +58,12 @@
     <p:sldId id="798" r:id="rId46"/>
     <p:sldId id="796" r:id="rId47"/>
     <p:sldId id="792" r:id="rId48"/>
-    <p:sldId id="773" r:id="rId49"/>
-    <p:sldId id="774" r:id="rId50"/>
-    <p:sldId id="777" r:id="rId51"/>
-    <p:sldId id="778" r:id="rId52"/>
-    <p:sldId id="532" r:id="rId53"/>
+    <p:sldId id="802" r:id="rId49"/>
+    <p:sldId id="773" r:id="rId50"/>
+    <p:sldId id="774" r:id="rId51"/>
+    <p:sldId id="777" r:id="rId52"/>
+    <p:sldId id="778" r:id="rId53"/>
+    <p:sldId id="532" r:id="rId54"/>
   </p:sldIdLst>
   <p:sldSz cx="9144000" cy="6858000" type="screen4x3"/>
   <p:notesSz cx="7010400" cy="9296400"/>
@@ -260,17 +261,17 @@
           <a:effectLst/>
           <a:extLst>
             <a:ext uri="{FAA26D3D-D897-4be2-8F04-BA451C77F1D7}">
-              <ma14:placeholderFlag xmlns:ma14="http://schemas.microsoft.com/office/mac/drawingml/2011/main" xmlns="" val="1"/>
+              <ma14:placeholderFlag xmlns="" xmlns:ma14="http://schemas.microsoft.com/office/mac/drawingml/2011/main" val="1"/>
             </a:ext>
             <a:ext uri="{909E8E84-426E-40dd-AFC4-6F175D3DCCD1}">
-              <a14:hiddenFill xmlns:a14="http://schemas.microsoft.com/office/drawing/2010/main" xmlns="">
+              <a14:hiddenFill xmlns="" xmlns:a14="http://schemas.microsoft.com/office/drawing/2010/main">
                 <a:solidFill>
                   <a:schemeClr val="accent1"/>
                 </a:solidFill>
               </a14:hiddenFill>
             </a:ext>
             <a:ext uri="{91240B29-F687-4f45-9708-019B960494DF}">
-              <a14:hiddenLine xmlns:a14="http://schemas.microsoft.com/office/drawing/2010/main" xmlns="" w="9525">
+              <a14:hiddenLine xmlns="" xmlns:a14="http://schemas.microsoft.com/office/drawing/2010/main" w="9525">
                 <a:solidFill>
                   <a:schemeClr val="tx1"/>
                 </a:solidFill>
@@ -280,7 +281,7 @@
               </a14:hiddenLine>
             </a:ext>
             <a:ext uri="{AF507438-7753-43e0-B8FC-AC1667EBCBE1}">
-              <a14:hiddenEffects xmlns:a14="http://schemas.microsoft.com/office/drawing/2010/main" xmlns="">
+              <a14:hiddenEffects xmlns="" xmlns:a14="http://schemas.microsoft.com/office/drawing/2010/main">
                 <a:effectLst>
                   <a:outerShdw blurRad="63500" dist="38099" dir="2700000" algn="ctr" rotWithShape="0">
                     <a:schemeClr val="bg2">
@@ -333,17 +334,17 @@
           <a:effectLst/>
           <a:extLst>
             <a:ext uri="{FAA26D3D-D897-4be2-8F04-BA451C77F1D7}">
-              <ma14:placeholderFlag xmlns:ma14="http://schemas.microsoft.com/office/mac/drawingml/2011/main" xmlns="" val="1"/>
+              <ma14:placeholderFlag xmlns="" xmlns:ma14="http://schemas.microsoft.com/office/mac/drawingml/2011/main" val="1"/>
             </a:ext>
             <a:ext uri="{909E8E84-426E-40dd-AFC4-6F175D3DCCD1}">
-              <a14:hiddenFill xmlns:a14="http://schemas.microsoft.com/office/drawing/2010/main" xmlns="">
+              <a14:hiddenFill xmlns="" xmlns:a14="http://schemas.microsoft.com/office/drawing/2010/main">
                 <a:solidFill>
                   <a:schemeClr val="accent1"/>
                 </a:solidFill>
               </a14:hiddenFill>
             </a:ext>
             <a:ext uri="{91240B29-F687-4f45-9708-019B960494DF}">
-              <a14:hiddenLine xmlns:a14="http://schemas.microsoft.com/office/drawing/2010/main" xmlns="" w="9525">
+              <a14:hiddenLine xmlns="" xmlns:a14="http://schemas.microsoft.com/office/drawing/2010/main" w="9525">
                 <a:solidFill>
                   <a:schemeClr val="tx1"/>
                 </a:solidFill>
@@ -353,7 +354,7 @@
               </a14:hiddenLine>
             </a:ext>
             <a:ext uri="{AF507438-7753-43e0-B8FC-AC1667EBCBE1}">
-              <a14:hiddenEffects xmlns:a14="http://schemas.microsoft.com/office/drawing/2010/main" xmlns="">
+              <a14:hiddenEffects xmlns="" xmlns:a14="http://schemas.microsoft.com/office/drawing/2010/main">
                 <a:effectLst>
                   <a:outerShdw blurRad="63500" dist="38099" dir="2700000" algn="ctr" rotWithShape="0">
                     <a:schemeClr val="bg2">
@@ -406,17 +407,17 @@
           <a:effectLst/>
           <a:extLst>
             <a:ext uri="{FAA26D3D-D897-4be2-8F04-BA451C77F1D7}">
-              <ma14:placeholderFlag xmlns:ma14="http://schemas.microsoft.com/office/mac/drawingml/2011/main" xmlns="" val="1"/>
+              <ma14:placeholderFlag xmlns="" xmlns:ma14="http://schemas.microsoft.com/office/mac/drawingml/2011/main" val="1"/>
             </a:ext>
             <a:ext uri="{909E8E84-426E-40dd-AFC4-6F175D3DCCD1}">
-              <a14:hiddenFill xmlns:a14="http://schemas.microsoft.com/office/drawing/2010/main" xmlns="">
+              <a14:hiddenFill xmlns="" xmlns:a14="http://schemas.microsoft.com/office/drawing/2010/main">
                 <a:solidFill>
                   <a:schemeClr val="accent1"/>
                 </a:solidFill>
               </a14:hiddenFill>
             </a:ext>
             <a:ext uri="{91240B29-F687-4f45-9708-019B960494DF}">
-              <a14:hiddenLine xmlns:a14="http://schemas.microsoft.com/office/drawing/2010/main" xmlns="" w="9525">
+              <a14:hiddenLine xmlns="" xmlns:a14="http://schemas.microsoft.com/office/drawing/2010/main" w="9525">
                 <a:solidFill>
                   <a:schemeClr val="tx1"/>
                 </a:solidFill>
@@ -426,7 +427,7 @@
               </a14:hiddenLine>
             </a:ext>
             <a:ext uri="{AF507438-7753-43e0-B8FC-AC1667EBCBE1}">
-              <a14:hiddenEffects xmlns:a14="http://schemas.microsoft.com/office/drawing/2010/main" xmlns="">
+              <a14:hiddenEffects xmlns="" xmlns:a14="http://schemas.microsoft.com/office/drawing/2010/main">
                 <a:effectLst>
                   <a:outerShdw blurRad="63500" dist="38099" dir="2700000" algn="ctr" rotWithShape="0">
                     <a:schemeClr val="bg2">
@@ -479,17 +480,17 @@
           <a:effectLst/>
           <a:extLst>
             <a:ext uri="{FAA26D3D-D897-4be2-8F04-BA451C77F1D7}">
-              <ma14:placeholderFlag xmlns:ma14="http://schemas.microsoft.com/office/mac/drawingml/2011/main" xmlns="" val="1"/>
+              <ma14:placeholderFlag xmlns="" xmlns:ma14="http://schemas.microsoft.com/office/mac/drawingml/2011/main" val="1"/>
             </a:ext>
             <a:ext uri="{909E8E84-426E-40dd-AFC4-6F175D3DCCD1}">
-              <a14:hiddenFill xmlns:a14="http://schemas.microsoft.com/office/drawing/2010/main" xmlns="">
+              <a14:hiddenFill xmlns="" xmlns:a14="http://schemas.microsoft.com/office/drawing/2010/main">
                 <a:solidFill>
                   <a:schemeClr val="accent1"/>
                 </a:solidFill>
               </a14:hiddenFill>
             </a:ext>
             <a:ext uri="{91240B29-F687-4f45-9708-019B960494DF}">
-              <a14:hiddenLine xmlns:a14="http://schemas.microsoft.com/office/drawing/2010/main" xmlns="" w="9525">
+              <a14:hiddenLine xmlns="" xmlns:a14="http://schemas.microsoft.com/office/drawing/2010/main" w="9525">
                 <a:solidFill>
                   <a:schemeClr val="tx1"/>
                 </a:solidFill>
@@ -499,7 +500,7 @@
               </a14:hiddenLine>
             </a:ext>
             <a:ext uri="{AF507438-7753-43e0-B8FC-AC1667EBCBE1}">
-              <a14:hiddenEffects xmlns:a14="http://schemas.microsoft.com/office/drawing/2010/main" xmlns="">
+              <a14:hiddenEffects xmlns="" xmlns:a14="http://schemas.microsoft.com/office/drawing/2010/main">
                 <a:effectLst>
                   <a:outerShdw blurRad="63500" dist="38099" dir="2700000" algn="ctr" rotWithShape="0">
                     <a:schemeClr val="bg2">
@@ -593,17 +594,17 @@
           <a:effectLst/>
           <a:extLst>
             <a:ext uri="{FAA26D3D-D897-4be2-8F04-BA451C77F1D7}">
-              <ma14:placeholderFlag xmlns:ma14="http://schemas.microsoft.com/office/mac/drawingml/2011/main" xmlns="" val="1"/>
+              <ma14:placeholderFlag xmlns="" xmlns:ma14="http://schemas.microsoft.com/office/mac/drawingml/2011/main" val="1"/>
             </a:ext>
             <a:ext uri="{909E8E84-426E-40dd-AFC4-6F175D3DCCD1}">
-              <a14:hiddenFill xmlns:a14="http://schemas.microsoft.com/office/drawing/2010/main" xmlns="">
+              <a14:hiddenFill xmlns="" xmlns:a14="http://schemas.microsoft.com/office/drawing/2010/main">
                 <a:solidFill>
                   <a:schemeClr val="accent1"/>
                 </a:solidFill>
               </a14:hiddenFill>
             </a:ext>
             <a:ext uri="{91240B29-F687-4f45-9708-019B960494DF}">
-              <a14:hiddenLine xmlns:a14="http://schemas.microsoft.com/office/drawing/2010/main" xmlns="" w="9525">
+              <a14:hiddenLine xmlns="" xmlns:a14="http://schemas.microsoft.com/office/drawing/2010/main" w="9525">
                 <a:solidFill>
                   <a:schemeClr val="tx1"/>
                 </a:solidFill>
@@ -613,7 +614,7 @@
               </a14:hiddenLine>
             </a:ext>
             <a:ext uri="{AF507438-7753-43e0-B8FC-AC1667EBCBE1}">
-              <a14:hiddenEffects xmlns:a14="http://schemas.microsoft.com/office/drawing/2010/main" xmlns="">
+              <a14:hiddenEffects xmlns="" xmlns:a14="http://schemas.microsoft.com/office/drawing/2010/main">
                 <a:effectLst>
                   <a:outerShdw blurRad="63500" dist="38099" dir="2700000" algn="ctr" rotWithShape="0">
                     <a:schemeClr val="bg2">
@@ -666,17 +667,17 @@
           <a:effectLst/>
           <a:extLst>
             <a:ext uri="{FAA26D3D-D897-4be2-8F04-BA451C77F1D7}">
-              <ma14:placeholderFlag xmlns:ma14="http://schemas.microsoft.com/office/mac/drawingml/2011/main" xmlns="" val="1"/>
+              <ma14:placeholderFlag xmlns="" xmlns:ma14="http://schemas.microsoft.com/office/mac/drawingml/2011/main" val="1"/>
             </a:ext>
             <a:ext uri="{909E8E84-426E-40dd-AFC4-6F175D3DCCD1}">
-              <a14:hiddenFill xmlns:a14="http://schemas.microsoft.com/office/drawing/2010/main" xmlns="">
+              <a14:hiddenFill xmlns="" xmlns:a14="http://schemas.microsoft.com/office/drawing/2010/main">
                 <a:solidFill>
                   <a:schemeClr val="accent1"/>
                 </a:solidFill>
               </a14:hiddenFill>
             </a:ext>
             <a:ext uri="{91240B29-F687-4f45-9708-019B960494DF}">
-              <a14:hiddenLine xmlns:a14="http://schemas.microsoft.com/office/drawing/2010/main" xmlns="" w="9525">
+              <a14:hiddenLine xmlns="" xmlns:a14="http://schemas.microsoft.com/office/drawing/2010/main" w="9525">
                 <a:solidFill>
                   <a:schemeClr val="tx1"/>
                 </a:solidFill>
@@ -686,7 +687,7 @@
               </a14:hiddenLine>
             </a:ext>
             <a:ext uri="{AF507438-7753-43e0-B8FC-AC1667EBCBE1}">
-              <a14:hiddenEffects xmlns:a14="http://schemas.microsoft.com/office/drawing/2010/main" xmlns="">
+              <a14:hiddenEffects xmlns="" xmlns:a14="http://schemas.microsoft.com/office/drawing/2010/main">
                 <a:effectLst>
                   <a:outerShdw blurRad="63500" dist="38099" dir="2700000" algn="ctr" rotWithShape="0">
                     <a:schemeClr val="bg2">
@@ -744,7 +745,7 @@
           <a:effectLst/>
           <a:extLst>
             <a:ext uri="{AF507438-7753-43e0-B8FC-AC1667EBCBE1}">
-              <a14:hiddenEffects xmlns:a14="http://schemas.microsoft.com/office/drawing/2010/main" xmlns="">
+              <a14:hiddenEffects xmlns="" xmlns:a14="http://schemas.microsoft.com/office/drawing/2010/main">
                 <a:effectLst>
                   <a:outerShdw blurRad="63500" dist="38099" dir="2700000" algn="ctr" rotWithShape="0">
                     <a:srgbClr val="000000">
@@ -755,7 +756,7 @@
               </a14:hiddenEffects>
             </a:ext>
             <a:ext uri="{53640926-AAD7-44d8-BBD7-CCE9431645EC}">
-              <a14:shadowObscured xmlns:a14="http://schemas.microsoft.com/office/drawing/2010/main" xmlns="" val="1"/>
+              <a14:shadowObscured xmlns="" xmlns:a14="http://schemas.microsoft.com/office/drawing/2010/main" val="1"/>
             </a:ext>
           </a:extLst>
         </p:spPr>
@@ -785,17 +786,17 @@
           <a:effectLst/>
           <a:extLst>
             <a:ext uri="{FAA26D3D-D897-4be2-8F04-BA451C77F1D7}">
-              <ma14:placeholderFlag xmlns:ma14="http://schemas.microsoft.com/office/mac/drawingml/2011/main" xmlns="" val="1"/>
+              <ma14:placeholderFlag xmlns="" xmlns:ma14="http://schemas.microsoft.com/office/mac/drawingml/2011/main" val="1"/>
             </a:ext>
             <a:ext uri="{909E8E84-426E-40dd-AFC4-6F175D3DCCD1}">
-              <a14:hiddenFill xmlns:a14="http://schemas.microsoft.com/office/drawing/2010/main" xmlns="">
+              <a14:hiddenFill xmlns="" xmlns:a14="http://schemas.microsoft.com/office/drawing/2010/main">
                 <a:solidFill>
                   <a:schemeClr val="accent1"/>
                 </a:solidFill>
               </a14:hiddenFill>
             </a:ext>
             <a:ext uri="{91240B29-F687-4f45-9708-019B960494DF}">
-              <a14:hiddenLine xmlns:a14="http://schemas.microsoft.com/office/drawing/2010/main" xmlns="" w="9525">
+              <a14:hiddenLine xmlns="" xmlns:a14="http://schemas.microsoft.com/office/drawing/2010/main" w="9525">
                 <a:solidFill>
                   <a:schemeClr val="tx1"/>
                 </a:solidFill>
@@ -805,7 +806,7 @@
               </a14:hiddenLine>
             </a:ext>
             <a:ext uri="{AF507438-7753-43e0-B8FC-AC1667EBCBE1}">
-              <a14:hiddenEffects xmlns:a14="http://schemas.microsoft.com/office/drawing/2010/main" xmlns="">
+              <a14:hiddenEffects xmlns="" xmlns:a14="http://schemas.microsoft.com/office/drawing/2010/main">
                 <a:effectLst>
                   <a:outerShdw blurRad="63500" dist="38099" dir="2700000" algn="ctr" rotWithShape="0">
                     <a:schemeClr val="bg2">
@@ -886,17 +887,17 @@
           <a:effectLst/>
           <a:extLst>
             <a:ext uri="{FAA26D3D-D897-4be2-8F04-BA451C77F1D7}">
-              <ma14:placeholderFlag xmlns:ma14="http://schemas.microsoft.com/office/mac/drawingml/2011/main" xmlns="" val="1"/>
+              <ma14:placeholderFlag xmlns="" xmlns:ma14="http://schemas.microsoft.com/office/mac/drawingml/2011/main" val="1"/>
             </a:ext>
             <a:ext uri="{909E8E84-426E-40dd-AFC4-6F175D3DCCD1}">
-              <a14:hiddenFill xmlns:a14="http://schemas.microsoft.com/office/drawing/2010/main" xmlns="">
+              <a14:hiddenFill xmlns="" xmlns:a14="http://schemas.microsoft.com/office/drawing/2010/main">
                 <a:solidFill>
                   <a:schemeClr val="accent1"/>
                 </a:solidFill>
               </a14:hiddenFill>
             </a:ext>
             <a:ext uri="{91240B29-F687-4f45-9708-019B960494DF}">
-              <a14:hiddenLine xmlns:a14="http://schemas.microsoft.com/office/drawing/2010/main" xmlns="" w="9525">
+              <a14:hiddenLine xmlns="" xmlns:a14="http://schemas.microsoft.com/office/drawing/2010/main" w="9525">
                 <a:solidFill>
                   <a:schemeClr val="tx1"/>
                 </a:solidFill>
@@ -906,7 +907,7 @@
               </a14:hiddenLine>
             </a:ext>
             <a:ext uri="{AF507438-7753-43e0-B8FC-AC1667EBCBE1}">
-              <a14:hiddenEffects xmlns:a14="http://schemas.microsoft.com/office/drawing/2010/main" xmlns="">
+              <a14:hiddenEffects xmlns="" xmlns:a14="http://schemas.microsoft.com/office/drawing/2010/main">
                 <a:effectLst>
                   <a:outerShdw blurRad="63500" dist="38099" dir="2700000" algn="ctr" rotWithShape="0">
                     <a:schemeClr val="bg2">
@@ -959,17 +960,17 @@
           <a:effectLst/>
           <a:extLst>
             <a:ext uri="{FAA26D3D-D897-4be2-8F04-BA451C77F1D7}">
-              <ma14:placeholderFlag xmlns:ma14="http://schemas.microsoft.com/office/mac/drawingml/2011/main" xmlns="" val="1"/>
+              <ma14:placeholderFlag xmlns="" xmlns:ma14="http://schemas.microsoft.com/office/mac/drawingml/2011/main" val="1"/>
             </a:ext>
             <a:ext uri="{909E8E84-426E-40dd-AFC4-6F175D3DCCD1}">
-              <a14:hiddenFill xmlns:a14="http://schemas.microsoft.com/office/drawing/2010/main" xmlns="">
+              <a14:hiddenFill xmlns="" xmlns:a14="http://schemas.microsoft.com/office/drawing/2010/main">
                 <a:solidFill>
                   <a:schemeClr val="accent1"/>
                 </a:solidFill>
               </a14:hiddenFill>
             </a:ext>
             <a:ext uri="{91240B29-F687-4f45-9708-019B960494DF}">
-              <a14:hiddenLine xmlns:a14="http://schemas.microsoft.com/office/drawing/2010/main" xmlns="" w="9525">
+              <a14:hiddenLine xmlns="" xmlns:a14="http://schemas.microsoft.com/office/drawing/2010/main" w="9525">
                 <a:solidFill>
                   <a:schemeClr val="tx1"/>
                 </a:solidFill>
@@ -979,7 +980,7 @@
               </a14:hiddenLine>
             </a:ext>
             <a:ext uri="{AF507438-7753-43e0-B8FC-AC1667EBCBE1}">
-              <a14:hiddenEffects xmlns:a14="http://schemas.microsoft.com/office/drawing/2010/main" xmlns="">
+              <a14:hiddenEffects xmlns="" xmlns:a14="http://schemas.microsoft.com/office/drawing/2010/main">
                 <a:effectLst>
                   <a:outerShdw blurRad="63500" dist="38099" dir="2700000" algn="ctr" rotWithShape="0">
                     <a:schemeClr val="bg2">
@@ -1219,7 +1220,7 @@
               <a:effectLst/>
               <a:extLst>
                 <a:ext uri="{91240B29-F687-4f45-9708-019B960494DF}">
-                  <a14:hiddenLine xmlns:a14="http://schemas.microsoft.com/office/drawing/2010/main" xmlns="" w="9525">
+                  <a14:hiddenLine xmlns="" xmlns:a14="http://schemas.microsoft.com/office/drawing/2010/main" w="9525">
                     <a:solidFill>
                       <a:schemeClr val="tx1"/>
                     </a:solidFill>
@@ -1229,7 +1230,7 @@
                   </a14:hiddenLine>
                 </a:ext>
                 <a:ext uri="{AF507438-7753-43e0-B8FC-AC1667EBCBE1}">
-                  <a14:hiddenEffects xmlns:a14="http://schemas.microsoft.com/office/drawing/2010/main" xmlns="">
+                  <a14:hiddenEffects xmlns="" xmlns:a14="http://schemas.microsoft.com/office/drawing/2010/main">
                     <a:effectLst>
                       <a:outerShdw blurRad="63500" dist="38099" dir="2700000" algn="ctr" rotWithShape="0">
                         <a:schemeClr val="bg2">
@@ -1298,12 +1299,12 @@
                 <a:effectLst/>
                 <a:extLst>
                   <a:ext uri="{909E8E84-426E-40dd-AFC4-6F175D3DCCD1}">
-                    <a14:hiddenFill xmlns:a14="http://schemas.microsoft.com/office/drawing/2010/main" xmlns="">
+                    <a14:hiddenFill xmlns="" xmlns:a14="http://schemas.microsoft.com/office/drawing/2010/main">
                       <a:noFill/>
                     </a14:hiddenFill>
                   </a:ext>
                   <a:ext uri="{AF507438-7753-43e0-B8FC-AC1667EBCBE1}">
-                    <a14:hiddenEffects xmlns:a14="http://schemas.microsoft.com/office/drawing/2010/main" xmlns="">
+                    <a14:hiddenEffects xmlns="" xmlns:a14="http://schemas.microsoft.com/office/drawing/2010/main">
                       <a:effectLst>
                         <a:outerShdw blurRad="63500" dist="38099" dir="2700000" algn="ctr" rotWithShape="0">
                           <a:schemeClr val="bg2">
@@ -1356,12 +1357,12 @@
                 <a:effectLst/>
                 <a:extLst>
                   <a:ext uri="{909E8E84-426E-40dd-AFC4-6F175D3DCCD1}">
-                    <a14:hiddenFill xmlns:a14="http://schemas.microsoft.com/office/drawing/2010/main" xmlns="">
+                    <a14:hiddenFill xmlns="" xmlns:a14="http://schemas.microsoft.com/office/drawing/2010/main">
                       <a:noFill/>
                     </a14:hiddenFill>
                   </a:ext>
                   <a:ext uri="{AF507438-7753-43e0-B8FC-AC1667EBCBE1}">
-                    <a14:hiddenEffects xmlns:a14="http://schemas.microsoft.com/office/drawing/2010/main" xmlns="">
+                    <a14:hiddenEffects xmlns="" xmlns:a14="http://schemas.microsoft.com/office/drawing/2010/main">
                       <a:effectLst>
                         <a:outerShdw blurRad="63500" dist="38099" dir="2700000" algn="ctr" rotWithShape="0">
                           <a:schemeClr val="bg2">
@@ -1414,12 +1415,12 @@
                 <a:effectLst/>
                 <a:extLst>
                   <a:ext uri="{909E8E84-426E-40dd-AFC4-6F175D3DCCD1}">
-                    <a14:hiddenFill xmlns:a14="http://schemas.microsoft.com/office/drawing/2010/main" xmlns="">
+                    <a14:hiddenFill xmlns="" xmlns:a14="http://schemas.microsoft.com/office/drawing/2010/main">
                       <a:noFill/>
                     </a14:hiddenFill>
                   </a:ext>
                   <a:ext uri="{AF507438-7753-43e0-B8FC-AC1667EBCBE1}">
-                    <a14:hiddenEffects xmlns:a14="http://schemas.microsoft.com/office/drawing/2010/main" xmlns="">
+                    <a14:hiddenEffects xmlns="" xmlns:a14="http://schemas.microsoft.com/office/drawing/2010/main">
                       <a:effectLst>
                         <a:outerShdw blurRad="63500" dist="38099" dir="2700000" algn="ctr" rotWithShape="0">
                           <a:schemeClr val="bg2">
@@ -1472,12 +1473,12 @@
                 <a:effectLst/>
                 <a:extLst>
                   <a:ext uri="{909E8E84-426E-40dd-AFC4-6F175D3DCCD1}">
-                    <a14:hiddenFill xmlns:a14="http://schemas.microsoft.com/office/drawing/2010/main" xmlns="">
+                    <a14:hiddenFill xmlns="" xmlns:a14="http://schemas.microsoft.com/office/drawing/2010/main">
                       <a:noFill/>
                     </a14:hiddenFill>
                   </a:ext>
                   <a:ext uri="{AF507438-7753-43e0-B8FC-AC1667EBCBE1}">
-                    <a14:hiddenEffects xmlns:a14="http://schemas.microsoft.com/office/drawing/2010/main" xmlns="">
+                    <a14:hiddenEffects xmlns="" xmlns:a14="http://schemas.microsoft.com/office/drawing/2010/main">
                       <a:effectLst>
                         <a:outerShdw blurRad="63500" dist="38099" dir="2700000" algn="ctr" rotWithShape="0">
                           <a:schemeClr val="bg2">
@@ -1530,12 +1531,12 @@
                 <a:effectLst/>
                 <a:extLst>
                   <a:ext uri="{909E8E84-426E-40dd-AFC4-6F175D3DCCD1}">
-                    <a14:hiddenFill xmlns:a14="http://schemas.microsoft.com/office/drawing/2010/main" xmlns="">
+                    <a14:hiddenFill xmlns="" xmlns:a14="http://schemas.microsoft.com/office/drawing/2010/main">
                       <a:noFill/>
                     </a14:hiddenFill>
                   </a:ext>
                   <a:ext uri="{AF507438-7753-43e0-B8FC-AC1667EBCBE1}">
-                    <a14:hiddenEffects xmlns:a14="http://schemas.microsoft.com/office/drawing/2010/main" xmlns="">
+                    <a14:hiddenEffects xmlns="" xmlns:a14="http://schemas.microsoft.com/office/drawing/2010/main">
                       <a:effectLst>
                         <a:outerShdw blurRad="63500" dist="38099" dir="2700000" algn="ctr" rotWithShape="0">
                           <a:schemeClr val="bg2">
@@ -1588,12 +1589,12 @@
                 <a:effectLst/>
                 <a:extLst>
                   <a:ext uri="{909E8E84-426E-40dd-AFC4-6F175D3DCCD1}">
-                    <a14:hiddenFill xmlns:a14="http://schemas.microsoft.com/office/drawing/2010/main" xmlns="">
+                    <a14:hiddenFill xmlns="" xmlns:a14="http://schemas.microsoft.com/office/drawing/2010/main">
                       <a:noFill/>
                     </a14:hiddenFill>
                   </a:ext>
                   <a:ext uri="{AF507438-7753-43e0-B8FC-AC1667EBCBE1}">
-                    <a14:hiddenEffects xmlns:a14="http://schemas.microsoft.com/office/drawing/2010/main" xmlns="">
+                    <a14:hiddenEffects xmlns="" xmlns:a14="http://schemas.microsoft.com/office/drawing/2010/main">
                       <a:effectLst>
                         <a:outerShdw blurRad="63500" dist="38099" dir="2700000" algn="ctr" rotWithShape="0">
                           <a:schemeClr val="bg2">
@@ -1646,12 +1647,12 @@
                 <a:effectLst/>
                 <a:extLst>
                   <a:ext uri="{909E8E84-426E-40dd-AFC4-6F175D3DCCD1}">
-                    <a14:hiddenFill xmlns:a14="http://schemas.microsoft.com/office/drawing/2010/main" xmlns="">
+                    <a14:hiddenFill xmlns="" xmlns:a14="http://schemas.microsoft.com/office/drawing/2010/main">
                       <a:noFill/>
                     </a14:hiddenFill>
                   </a:ext>
                   <a:ext uri="{AF507438-7753-43e0-B8FC-AC1667EBCBE1}">
-                    <a14:hiddenEffects xmlns:a14="http://schemas.microsoft.com/office/drawing/2010/main" xmlns="">
+                    <a14:hiddenEffects xmlns="" xmlns:a14="http://schemas.microsoft.com/office/drawing/2010/main">
                       <a:effectLst>
                         <a:outerShdw blurRad="63500" dist="38099" dir="2700000" algn="ctr" rotWithShape="0">
                           <a:schemeClr val="bg2">
@@ -1704,12 +1705,12 @@
                 <a:effectLst/>
                 <a:extLst>
                   <a:ext uri="{909E8E84-426E-40dd-AFC4-6F175D3DCCD1}">
-                    <a14:hiddenFill xmlns:a14="http://schemas.microsoft.com/office/drawing/2010/main" xmlns="">
+                    <a14:hiddenFill xmlns="" xmlns:a14="http://schemas.microsoft.com/office/drawing/2010/main">
                       <a:noFill/>
                     </a14:hiddenFill>
                   </a:ext>
                   <a:ext uri="{AF507438-7753-43e0-B8FC-AC1667EBCBE1}">
-                    <a14:hiddenEffects xmlns:a14="http://schemas.microsoft.com/office/drawing/2010/main" xmlns="">
+                    <a14:hiddenEffects xmlns="" xmlns:a14="http://schemas.microsoft.com/office/drawing/2010/main">
                       <a:effectLst>
                         <a:outerShdw blurRad="63500" dist="38099" dir="2700000" algn="ctr" rotWithShape="0">
                           <a:schemeClr val="bg2">
@@ -1762,12 +1763,12 @@
                 <a:effectLst/>
                 <a:extLst>
                   <a:ext uri="{909E8E84-426E-40dd-AFC4-6F175D3DCCD1}">
-                    <a14:hiddenFill xmlns:a14="http://schemas.microsoft.com/office/drawing/2010/main" xmlns="">
+                    <a14:hiddenFill xmlns="" xmlns:a14="http://schemas.microsoft.com/office/drawing/2010/main">
                       <a:noFill/>
                     </a14:hiddenFill>
                   </a:ext>
                   <a:ext uri="{AF507438-7753-43e0-B8FC-AC1667EBCBE1}">
-                    <a14:hiddenEffects xmlns:a14="http://schemas.microsoft.com/office/drawing/2010/main" xmlns="">
+                    <a14:hiddenEffects xmlns="" xmlns:a14="http://schemas.microsoft.com/office/drawing/2010/main">
                       <a:effectLst>
                         <a:outerShdw blurRad="63500" dist="38099" dir="2700000" algn="ctr" rotWithShape="0">
                           <a:schemeClr val="bg2">
@@ -1820,12 +1821,12 @@
                 <a:effectLst/>
                 <a:extLst>
                   <a:ext uri="{909E8E84-426E-40dd-AFC4-6F175D3DCCD1}">
-                    <a14:hiddenFill xmlns:a14="http://schemas.microsoft.com/office/drawing/2010/main" xmlns="">
+                    <a14:hiddenFill xmlns="" xmlns:a14="http://schemas.microsoft.com/office/drawing/2010/main">
                       <a:noFill/>
                     </a14:hiddenFill>
                   </a:ext>
                   <a:ext uri="{AF507438-7753-43e0-B8FC-AC1667EBCBE1}">
-                    <a14:hiddenEffects xmlns:a14="http://schemas.microsoft.com/office/drawing/2010/main" xmlns="">
+                    <a14:hiddenEffects xmlns="" xmlns:a14="http://schemas.microsoft.com/office/drawing/2010/main">
                       <a:effectLst>
                         <a:outerShdw blurRad="63500" dist="38099" dir="2700000" algn="ctr" rotWithShape="0">
                           <a:schemeClr val="bg2">
@@ -1878,12 +1879,12 @@
                 <a:effectLst/>
                 <a:extLst>
                   <a:ext uri="{909E8E84-426E-40dd-AFC4-6F175D3DCCD1}">
-                    <a14:hiddenFill xmlns:a14="http://schemas.microsoft.com/office/drawing/2010/main" xmlns="">
+                    <a14:hiddenFill xmlns="" xmlns:a14="http://schemas.microsoft.com/office/drawing/2010/main">
                       <a:noFill/>
                     </a14:hiddenFill>
                   </a:ext>
                   <a:ext uri="{AF507438-7753-43e0-B8FC-AC1667EBCBE1}">
-                    <a14:hiddenEffects xmlns:a14="http://schemas.microsoft.com/office/drawing/2010/main" xmlns="">
+                    <a14:hiddenEffects xmlns="" xmlns:a14="http://schemas.microsoft.com/office/drawing/2010/main">
                       <a:effectLst>
                         <a:outerShdw blurRad="63500" dist="38099" dir="2700000" algn="ctr" rotWithShape="0">
                           <a:schemeClr val="bg2">
@@ -1936,12 +1937,12 @@
                 <a:effectLst/>
                 <a:extLst>
                   <a:ext uri="{909E8E84-426E-40dd-AFC4-6F175D3DCCD1}">
-                    <a14:hiddenFill xmlns:a14="http://schemas.microsoft.com/office/drawing/2010/main" xmlns="">
+                    <a14:hiddenFill xmlns="" xmlns:a14="http://schemas.microsoft.com/office/drawing/2010/main">
                       <a:noFill/>
                     </a14:hiddenFill>
                   </a:ext>
                   <a:ext uri="{AF507438-7753-43e0-B8FC-AC1667EBCBE1}">
-                    <a14:hiddenEffects xmlns:a14="http://schemas.microsoft.com/office/drawing/2010/main" xmlns="">
+                    <a14:hiddenEffects xmlns="" xmlns:a14="http://schemas.microsoft.com/office/drawing/2010/main">
                       <a:effectLst>
                         <a:outerShdw blurRad="63500" dist="38099" dir="2700000" algn="ctr" rotWithShape="0">
                           <a:schemeClr val="bg2">
@@ -1994,12 +1995,12 @@
                 <a:effectLst/>
                 <a:extLst>
                   <a:ext uri="{909E8E84-426E-40dd-AFC4-6F175D3DCCD1}">
-                    <a14:hiddenFill xmlns:a14="http://schemas.microsoft.com/office/drawing/2010/main" xmlns="">
+                    <a14:hiddenFill xmlns="" xmlns:a14="http://schemas.microsoft.com/office/drawing/2010/main">
                       <a:noFill/>
                     </a14:hiddenFill>
                   </a:ext>
                   <a:ext uri="{AF507438-7753-43e0-B8FC-AC1667EBCBE1}">
-                    <a14:hiddenEffects xmlns:a14="http://schemas.microsoft.com/office/drawing/2010/main" xmlns="">
+                    <a14:hiddenEffects xmlns="" xmlns:a14="http://schemas.microsoft.com/office/drawing/2010/main">
                       <a:effectLst>
                         <a:outerShdw blurRad="63500" dist="38099" dir="2700000" algn="ctr" rotWithShape="0">
                           <a:schemeClr val="bg2">
@@ -2052,12 +2053,12 @@
                 <a:effectLst/>
                 <a:extLst>
                   <a:ext uri="{909E8E84-426E-40dd-AFC4-6F175D3DCCD1}">
-                    <a14:hiddenFill xmlns:a14="http://schemas.microsoft.com/office/drawing/2010/main" xmlns="">
+                    <a14:hiddenFill xmlns="" xmlns:a14="http://schemas.microsoft.com/office/drawing/2010/main">
                       <a:noFill/>
                     </a14:hiddenFill>
                   </a:ext>
                   <a:ext uri="{AF507438-7753-43e0-B8FC-AC1667EBCBE1}">
-                    <a14:hiddenEffects xmlns:a14="http://schemas.microsoft.com/office/drawing/2010/main" xmlns="">
+                    <a14:hiddenEffects xmlns="" xmlns:a14="http://schemas.microsoft.com/office/drawing/2010/main">
                       <a:effectLst>
                         <a:outerShdw blurRad="63500" dist="38099" dir="2700000" algn="ctr" rotWithShape="0">
                           <a:schemeClr val="bg2">
@@ -2110,12 +2111,12 @@
                 <a:effectLst/>
                 <a:extLst>
                   <a:ext uri="{909E8E84-426E-40dd-AFC4-6F175D3DCCD1}">
-                    <a14:hiddenFill xmlns:a14="http://schemas.microsoft.com/office/drawing/2010/main" xmlns="">
+                    <a14:hiddenFill xmlns="" xmlns:a14="http://schemas.microsoft.com/office/drawing/2010/main">
                       <a:noFill/>
                     </a14:hiddenFill>
                   </a:ext>
                   <a:ext uri="{AF507438-7753-43e0-B8FC-AC1667EBCBE1}">
-                    <a14:hiddenEffects xmlns:a14="http://schemas.microsoft.com/office/drawing/2010/main" xmlns="">
+                    <a14:hiddenEffects xmlns="" xmlns:a14="http://schemas.microsoft.com/office/drawing/2010/main">
                       <a:effectLst>
                         <a:outerShdw blurRad="63500" dist="38099" dir="2700000" algn="ctr" rotWithShape="0">
                           <a:schemeClr val="bg2">
@@ -2168,12 +2169,12 @@
                 <a:effectLst/>
                 <a:extLst>
                   <a:ext uri="{909E8E84-426E-40dd-AFC4-6F175D3DCCD1}">
-                    <a14:hiddenFill xmlns:a14="http://schemas.microsoft.com/office/drawing/2010/main" xmlns="">
+                    <a14:hiddenFill xmlns="" xmlns:a14="http://schemas.microsoft.com/office/drawing/2010/main">
                       <a:noFill/>
                     </a14:hiddenFill>
                   </a:ext>
                   <a:ext uri="{AF507438-7753-43e0-B8FC-AC1667EBCBE1}">
-                    <a14:hiddenEffects xmlns:a14="http://schemas.microsoft.com/office/drawing/2010/main" xmlns="">
+                    <a14:hiddenEffects xmlns="" xmlns:a14="http://schemas.microsoft.com/office/drawing/2010/main">
                       <a:effectLst>
                         <a:outerShdw blurRad="63500" dist="38099" dir="2700000" algn="ctr" rotWithShape="0">
                           <a:schemeClr val="bg2">
@@ -2226,12 +2227,12 @@
                 <a:effectLst/>
                 <a:extLst>
                   <a:ext uri="{909E8E84-426E-40dd-AFC4-6F175D3DCCD1}">
-                    <a14:hiddenFill xmlns:a14="http://schemas.microsoft.com/office/drawing/2010/main" xmlns="">
+                    <a14:hiddenFill xmlns="" xmlns:a14="http://schemas.microsoft.com/office/drawing/2010/main">
                       <a:noFill/>
                     </a14:hiddenFill>
                   </a:ext>
                   <a:ext uri="{AF507438-7753-43e0-B8FC-AC1667EBCBE1}">
-                    <a14:hiddenEffects xmlns:a14="http://schemas.microsoft.com/office/drawing/2010/main" xmlns="">
+                    <a14:hiddenEffects xmlns="" xmlns:a14="http://schemas.microsoft.com/office/drawing/2010/main">
                       <a:effectLst>
                         <a:outerShdw blurRad="63500" dist="38099" dir="2700000" algn="ctr" rotWithShape="0">
                           <a:schemeClr val="bg2">
@@ -2284,12 +2285,12 @@
                 <a:effectLst/>
                 <a:extLst>
                   <a:ext uri="{909E8E84-426E-40dd-AFC4-6F175D3DCCD1}">
-                    <a14:hiddenFill xmlns:a14="http://schemas.microsoft.com/office/drawing/2010/main" xmlns="">
+                    <a14:hiddenFill xmlns="" xmlns:a14="http://schemas.microsoft.com/office/drawing/2010/main">
                       <a:noFill/>
                     </a14:hiddenFill>
                   </a:ext>
                   <a:ext uri="{AF507438-7753-43e0-B8FC-AC1667EBCBE1}">
-                    <a14:hiddenEffects xmlns:a14="http://schemas.microsoft.com/office/drawing/2010/main" xmlns="">
+                    <a14:hiddenEffects xmlns="" xmlns:a14="http://schemas.microsoft.com/office/drawing/2010/main">
                       <a:effectLst>
                         <a:outerShdw blurRad="63500" dist="38099" dir="2700000" algn="ctr" rotWithShape="0">
                           <a:schemeClr val="bg2">
@@ -2342,12 +2343,12 @@
                 <a:effectLst/>
                 <a:extLst>
                   <a:ext uri="{909E8E84-426E-40dd-AFC4-6F175D3DCCD1}">
-                    <a14:hiddenFill xmlns:a14="http://schemas.microsoft.com/office/drawing/2010/main" xmlns="">
+                    <a14:hiddenFill xmlns="" xmlns:a14="http://schemas.microsoft.com/office/drawing/2010/main">
                       <a:noFill/>
                     </a14:hiddenFill>
                   </a:ext>
                   <a:ext uri="{AF507438-7753-43e0-B8FC-AC1667EBCBE1}">
-                    <a14:hiddenEffects xmlns:a14="http://schemas.microsoft.com/office/drawing/2010/main" xmlns="">
+                    <a14:hiddenEffects xmlns="" xmlns:a14="http://schemas.microsoft.com/office/drawing/2010/main">
                       <a:effectLst>
                         <a:outerShdw blurRad="63500" dist="38099" dir="2700000" algn="ctr" rotWithShape="0">
                           <a:schemeClr val="bg2">
@@ -2400,12 +2401,12 @@
                 <a:effectLst/>
                 <a:extLst>
                   <a:ext uri="{909E8E84-426E-40dd-AFC4-6F175D3DCCD1}">
-                    <a14:hiddenFill xmlns:a14="http://schemas.microsoft.com/office/drawing/2010/main" xmlns="">
+                    <a14:hiddenFill xmlns="" xmlns:a14="http://schemas.microsoft.com/office/drawing/2010/main">
                       <a:noFill/>
                     </a14:hiddenFill>
                   </a:ext>
                   <a:ext uri="{AF507438-7753-43e0-B8FC-AC1667EBCBE1}">
-                    <a14:hiddenEffects xmlns:a14="http://schemas.microsoft.com/office/drawing/2010/main" xmlns="">
+                    <a14:hiddenEffects xmlns="" xmlns:a14="http://schemas.microsoft.com/office/drawing/2010/main">
                       <a:effectLst>
                         <a:outerShdw blurRad="63500" dist="38099" dir="2700000" algn="ctr" rotWithShape="0">
                           <a:schemeClr val="bg2">
@@ -2458,12 +2459,12 @@
                 <a:effectLst/>
                 <a:extLst>
                   <a:ext uri="{909E8E84-426E-40dd-AFC4-6F175D3DCCD1}">
-                    <a14:hiddenFill xmlns:a14="http://schemas.microsoft.com/office/drawing/2010/main" xmlns="">
+                    <a14:hiddenFill xmlns="" xmlns:a14="http://schemas.microsoft.com/office/drawing/2010/main">
                       <a:noFill/>
                     </a14:hiddenFill>
                   </a:ext>
                   <a:ext uri="{AF507438-7753-43e0-B8FC-AC1667EBCBE1}">
-                    <a14:hiddenEffects xmlns:a14="http://schemas.microsoft.com/office/drawing/2010/main" xmlns="">
+                    <a14:hiddenEffects xmlns="" xmlns:a14="http://schemas.microsoft.com/office/drawing/2010/main">
                       <a:effectLst>
                         <a:outerShdw blurRad="63500" dist="38099" dir="2700000" algn="ctr" rotWithShape="0">
                           <a:schemeClr val="bg2">
@@ -2516,12 +2517,12 @@
                 <a:effectLst/>
                 <a:extLst>
                   <a:ext uri="{909E8E84-426E-40dd-AFC4-6F175D3DCCD1}">
-                    <a14:hiddenFill xmlns:a14="http://schemas.microsoft.com/office/drawing/2010/main" xmlns="">
+                    <a14:hiddenFill xmlns="" xmlns:a14="http://schemas.microsoft.com/office/drawing/2010/main">
                       <a:noFill/>
                     </a14:hiddenFill>
                   </a:ext>
                   <a:ext uri="{AF507438-7753-43e0-B8FC-AC1667EBCBE1}">
-                    <a14:hiddenEffects xmlns:a14="http://schemas.microsoft.com/office/drawing/2010/main" xmlns="">
+                    <a14:hiddenEffects xmlns="" xmlns:a14="http://schemas.microsoft.com/office/drawing/2010/main">
                       <a:effectLst>
                         <a:outerShdw blurRad="63500" dist="38099" dir="2700000" algn="ctr" rotWithShape="0">
                           <a:schemeClr val="bg2">
@@ -2574,12 +2575,12 @@
                 <a:effectLst/>
                 <a:extLst>
                   <a:ext uri="{909E8E84-426E-40dd-AFC4-6F175D3DCCD1}">
-                    <a14:hiddenFill xmlns:a14="http://schemas.microsoft.com/office/drawing/2010/main" xmlns="">
+                    <a14:hiddenFill xmlns="" xmlns:a14="http://schemas.microsoft.com/office/drawing/2010/main">
                       <a:noFill/>
                     </a14:hiddenFill>
                   </a:ext>
                   <a:ext uri="{AF507438-7753-43e0-B8FC-AC1667EBCBE1}">
-                    <a14:hiddenEffects xmlns:a14="http://schemas.microsoft.com/office/drawing/2010/main" xmlns="">
+                    <a14:hiddenEffects xmlns="" xmlns:a14="http://schemas.microsoft.com/office/drawing/2010/main">
                       <a:effectLst>
                         <a:outerShdw blurRad="63500" dist="38099" dir="2700000" algn="ctr" rotWithShape="0">
                           <a:schemeClr val="bg2">
@@ -2632,12 +2633,12 @@
                 <a:effectLst/>
                 <a:extLst>
                   <a:ext uri="{909E8E84-426E-40dd-AFC4-6F175D3DCCD1}">
-                    <a14:hiddenFill xmlns:a14="http://schemas.microsoft.com/office/drawing/2010/main" xmlns="">
+                    <a14:hiddenFill xmlns="" xmlns:a14="http://schemas.microsoft.com/office/drawing/2010/main">
                       <a:noFill/>
                     </a14:hiddenFill>
                   </a:ext>
                   <a:ext uri="{AF507438-7753-43e0-B8FC-AC1667EBCBE1}">
-                    <a14:hiddenEffects xmlns:a14="http://schemas.microsoft.com/office/drawing/2010/main" xmlns="">
+                    <a14:hiddenEffects xmlns="" xmlns:a14="http://schemas.microsoft.com/office/drawing/2010/main">
                       <a:effectLst>
                         <a:outerShdw blurRad="63500" dist="38099" dir="2700000" algn="ctr" rotWithShape="0">
                           <a:schemeClr val="bg2">
@@ -2690,12 +2691,12 @@
                 <a:effectLst/>
                 <a:extLst>
                   <a:ext uri="{909E8E84-426E-40dd-AFC4-6F175D3DCCD1}">
-                    <a14:hiddenFill xmlns:a14="http://schemas.microsoft.com/office/drawing/2010/main" xmlns="">
+                    <a14:hiddenFill xmlns="" xmlns:a14="http://schemas.microsoft.com/office/drawing/2010/main">
                       <a:noFill/>
                     </a14:hiddenFill>
                   </a:ext>
                   <a:ext uri="{AF507438-7753-43e0-B8FC-AC1667EBCBE1}">
-                    <a14:hiddenEffects xmlns:a14="http://schemas.microsoft.com/office/drawing/2010/main" xmlns="">
+                    <a14:hiddenEffects xmlns="" xmlns:a14="http://schemas.microsoft.com/office/drawing/2010/main">
                       <a:effectLst>
                         <a:outerShdw blurRad="63500" dist="38099" dir="2700000" algn="ctr" rotWithShape="0">
                           <a:schemeClr val="bg2">
@@ -2748,12 +2749,12 @@
                 <a:effectLst/>
                 <a:extLst>
                   <a:ext uri="{909E8E84-426E-40dd-AFC4-6F175D3DCCD1}">
-                    <a14:hiddenFill xmlns:a14="http://schemas.microsoft.com/office/drawing/2010/main" xmlns="">
+                    <a14:hiddenFill xmlns="" xmlns:a14="http://schemas.microsoft.com/office/drawing/2010/main">
                       <a:noFill/>
                     </a14:hiddenFill>
                   </a:ext>
                   <a:ext uri="{AF507438-7753-43e0-B8FC-AC1667EBCBE1}">
-                    <a14:hiddenEffects xmlns:a14="http://schemas.microsoft.com/office/drawing/2010/main" xmlns="">
+                    <a14:hiddenEffects xmlns="" xmlns:a14="http://schemas.microsoft.com/office/drawing/2010/main">
                       <a:effectLst>
                         <a:outerShdw blurRad="63500" dist="38099" dir="2700000" algn="ctr" rotWithShape="0">
                           <a:schemeClr val="bg2">
@@ -2806,12 +2807,12 @@
                 <a:effectLst/>
                 <a:extLst>
                   <a:ext uri="{909E8E84-426E-40dd-AFC4-6F175D3DCCD1}">
-                    <a14:hiddenFill xmlns:a14="http://schemas.microsoft.com/office/drawing/2010/main" xmlns="">
+                    <a14:hiddenFill xmlns="" xmlns:a14="http://schemas.microsoft.com/office/drawing/2010/main">
                       <a:noFill/>
                     </a14:hiddenFill>
                   </a:ext>
                   <a:ext uri="{AF507438-7753-43e0-B8FC-AC1667EBCBE1}">
-                    <a14:hiddenEffects xmlns:a14="http://schemas.microsoft.com/office/drawing/2010/main" xmlns="">
+                    <a14:hiddenEffects xmlns="" xmlns:a14="http://schemas.microsoft.com/office/drawing/2010/main">
                       <a:effectLst>
                         <a:outerShdw blurRad="63500" dist="38099" dir="2700000" algn="ctr" rotWithShape="0">
                           <a:schemeClr val="bg2">
@@ -2864,12 +2865,12 @@
                 <a:effectLst/>
                 <a:extLst>
                   <a:ext uri="{909E8E84-426E-40dd-AFC4-6F175D3DCCD1}">
-                    <a14:hiddenFill xmlns:a14="http://schemas.microsoft.com/office/drawing/2010/main" xmlns="">
+                    <a14:hiddenFill xmlns="" xmlns:a14="http://schemas.microsoft.com/office/drawing/2010/main">
                       <a:noFill/>
                     </a14:hiddenFill>
                   </a:ext>
                   <a:ext uri="{AF507438-7753-43e0-B8FC-AC1667EBCBE1}">
-                    <a14:hiddenEffects xmlns:a14="http://schemas.microsoft.com/office/drawing/2010/main" xmlns="">
+                    <a14:hiddenEffects xmlns="" xmlns:a14="http://schemas.microsoft.com/office/drawing/2010/main">
                       <a:effectLst>
                         <a:outerShdw blurRad="63500" dist="38099" dir="2700000" algn="ctr" rotWithShape="0">
                           <a:schemeClr val="bg2">
@@ -2922,12 +2923,12 @@
                 <a:effectLst/>
                 <a:extLst>
                   <a:ext uri="{909E8E84-426E-40dd-AFC4-6F175D3DCCD1}">
-                    <a14:hiddenFill xmlns:a14="http://schemas.microsoft.com/office/drawing/2010/main" xmlns="">
+                    <a14:hiddenFill xmlns="" xmlns:a14="http://schemas.microsoft.com/office/drawing/2010/main">
                       <a:noFill/>
                     </a14:hiddenFill>
                   </a:ext>
                   <a:ext uri="{AF507438-7753-43e0-B8FC-AC1667EBCBE1}">
-                    <a14:hiddenEffects xmlns:a14="http://schemas.microsoft.com/office/drawing/2010/main" xmlns="">
+                    <a14:hiddenEffects xmlns="" xmlns:a14="http://schemas.microsoft.com/office/drawing/2010/main">
                       <a:effectLst>
                         <a:outerShdw blurRad="63500" dist="38099" dir="2700000" algn="ctr" rotWithShape="0">
                           <a:schemeClr val="bg2">
@@ -2980,12 +2981,12 @@
                 <a:effectLst/>
                 <a:extLst>
                   <a:ext uri="{909E8E84-426E-40dd-AFC4-6F175D3DCCD1}">
-                    <a14:hiddenFill xmlns:a14="http://schemas.microsoft.com/office/drawing/2010/main" xmlns="">
+                    <a14:hiddenFill xmlns="" xmlns:a14="http://schemas.microsoft.com/office/drawing/2010/main">
                       <a:noFill/>
                     </a14:hiddenFill>
                   </a:ext>
                   <a:ext uri="{AF507438-7753-43e0-B8FC-AC1667EBCBE1}">
-                    <a14:hiddenEffects xmlns:a14="http://schemas.microsoft.com/office/drawing/2010/main" xmlns="">
+                    <a14:hiddenEffects xmlns="" xmlns:a14="http://schemas.microsoft.com/office/drawing/2010/main">
                       <a:effectLst>
                         <a:outerShdw blurRad="63500" dist="38099" dir="2700000" algn="ctr" rotWithShape="0">
                           <a:schemeClr val="bg2">
@@ -3038,12 +3039,12 @@
                 <a:effectLst/>
                 <a:extLst>
                   <a:ext uri="{909E8E84-426E-40dd-AFC4-6F175D3DCCD1}">
-                    <a14:hiddenFill xmlns:a14="http://schemas.microsoft.com/office/drawing/2010/main" xmlns="">
+                    <a14:hiddenFill xmlns="" xmlns:a14="http://schemas.microsoft.com/office/drawing/2010/main">
                       <a:noFill/>
                     </a14:hiddenFill>
                   </a:ext>
                   <a:ext uri="{AF507438-7753-43e0-B8FC-AC1667EBCBE1}">
-                    <a14:hiddenEffects xmlns:a14="http://schemas.microsoft.com/office/drawing/2010/main" xmlns="">
+                    <a14:hiddenEffects xmlns="" xmlns:a14="http://schemas.microsoft.com/office/drawing/2010/main">
                       <a:effectLst>
                         <a:outerShdw blurRad="63500" dist="38099" dir="2700000" algn="ctr" rotWithShape="0">
                           <a:schemeClr val="bg2">
@@ -3096,12 +3097,12 @@
                 <a:effectLst/>
                 <a:extLst>
                   <a:ext uri="{909E8E84-426E-40dd-AFC4-6F175D3DCCD1}">
-                    <a14:hiddenFill xmlns:a14="http://schemas.microsoft.com/office/drawing/2010/main" xmlns="">
+                    <a14:hiddenFill xmlns="" xmlns:a14="http://schemas.microsoft.com/office/drawing/2010/main">
                       <a:noFill/>
                     </a14:hiddenFill>
                   </a:ext>
                   <a:ext uri="{AF507438-7753-43e0-B8FC-AC1667EBCBE1}">
-                    <a14:hiddenEffects xmlns:a14="http://schemas.microsoft.com/office/drawing/2010/main" xmlns="">
+                    <a14:hiddenEffects xmlns="" xmlns:a14="http://schemas.microsoft.com/office/drawing/2010/main">
                       <a:effectLst>
                         <a:outerShdw blurRad="63500" dist="38099" dir="2700000" algn="ctr" rotWithShape="0">
                           <a:schemeClr val="bg2">
@@ -3154,12 +3155,12 @@
                 <a:effectLst/>
                 <a:extLst>
                   <a:ext uri="{909E8E84-426E-40dd-AFC4-6F175D3DCCD1}">
-                    <a14:hiddenFill xmlns:a14="http://schemas.microsoft.com/office/drawing/2010/main" xmlns="">
+                    <a14:hiddenFill xmlns="" xmlns:a14="http://schemas.microsoft.com/office/drawing/2010/main">
                       <a:noFill/>
                     </a14:hiddenFill>
                   </a:ext>
                   <a:ext uri="{AF507438-7753-43e0-B8FC-AC1667EBCBE1}">
-                    <a14:hiddenEffects xmlns:a14="http://schemas.microsoft.com/office/drawing/2010/main" xmlns="">
+                    <a14:hiddenEffects xmlns="" xmlns:a14="http://schemas.microsoft.com/office/drawing/2010/main">
                       <a:effectLst>
                         <a:outerShdw blurRad="63500" dist="38099" dir="2700000" algn="ctr" rotWithShape="0">
                           <a:schemeClr val="bg2">
@@ -3212,12 +3213,12 @@
                 <a:effectLst/>
                 <a:extLst>
                   <a:ext uri="{909E8E84-426E-40dd-AFC4-6F175D3DCCD1}">
-                    <a14:hiddenFill xmlns:a14="http://schemas.microsoft.com/office/drawing/2010/main" xmlns="">
+                    <a14:hiddenFill xmlns="" xmlns:a14="http://schemas.microsoft.com/office/drawing/2010/main">
                       <a:noFill/>
                     </a14:hiddenFill>
                   </a:ext>
                   <a:ext uri="{AF507438-7753-43e0-B8FC-AC1667EBCBE1}">
-                    <a14:hiddenEffects xmlns:a14="http://schemas.microsoft.com/office/drawing/2010/main" xmlns="">
+                    <a14:hiddenEffects xmlns="" xmlns:a14="http://schemas.microsoft.com/office/drawing/2010/main">
                       <a:effectLst>
                         <a:outerShdw blurRad="63500" dist="38099" dir="2700000" algn="ctr" rotWithShape="0">
                           <a:schemeClr val="bg2">
@@ -3270,12 +3271,12 @@
                 <a:effectLst/>
                 <a:extLst>
                   <a:ext uri="{909E8E84-426E-40dd-AFC4-6F175D3DCCD1}">
-                    <a14:hiddenFill xmlns:a14="http://schemas.microsoft.com/office/drawing/2010/main" xmlns="">
+                    <a14:hiddenFill xmlns="" xmlns:a14="http://schemas.microsoft.com/office/drawing/2010/main">
                       <a:noFill/>
                     </a14:hiddenFill>
                   </a:ext>
                   <a:ext uri="{AF507438-7753-43e0-B8FC-AC1667EBCBE1}">
-                    <a14:hiddenEffects xmlns:a14="http://schemas.microsoft.com/office/drawing/2010/main" xmlns="">
+                    <a14:hiddenEffects xmlns="" xmlns:a14="http://schemas.microsoft.com/office/drawing/2010/main">
                       <a:effectLst>
                         <a:outerShdw blurRad="63500" dist="38099" dir="2700000" algn="ctr" rotWithShape="0">
                           <a:schemeClr val="bg2">
@@ -3328,12 +3329,12 @@
                 <a:effectLst/>
                 <a:extLst>
                   <a:ext uri="{909E8E84-426E-40dd-AFC4-6F175D3DCCD1}">
-                    <a14:hiddenFill xmlns:a14="http://schemas.microsoft.com/office/drawing/2010/main" xmlns="">
+                    <a14:hiddenFill xmlns="" xmlns:a14="http://schemas.microsoft.com/office/drawing/2010/main">
                       <a:noFill/>
                     </a14:hiddenFill>
                   </a:ext>
                   <a:ext uri="{AF507438-7753-43e0-B8FC-AC1667EBCBE1}">
-                    <a14:hiddenEffects xmlns:a14="http://schemas.microsoft.com/office/drawing/2010/main" xmlns="">
+                    <a14:hiddenEffects xmlns="" xmlns:a14="http://schemas.microsoft.com/office/drawing/2010/main">
                       <a:effectLst>
                         <a:outerShdw blurRad="63500" dist="38099" dir="2700000" algn="ctr" rotWithShape="0">
                           <a:schemeClr val="bg2">
@@ -3386,12 +3387,12 @@
                 <a:effectLst/>
                 <a:extLst>
                   <a:ext uri="{909E8E84-426E-40dd-AFC4-6F175D3DCCD1}">
-                    <a14:hiddenFill xmlns:a14="http://schemas.microsoft.com/office/drawing/2010/main" xmlns="">
+                    <a14:hiddenFill xmlns="" xmlns:a14="http://schemas.microsoft.com/office/drawing/2010/main">
                       <a:noFill/>
                     </a14:hiddenFill>
                   </a:ext>
                   <a:ext uri="{AF507438-7753-43e0-B8FC-AC1667EBCBE1}">
-                    <a14:hiddenEffects xmlns:a14="http://schemas.microsoft.com/office/drawing/2010/main" xmlns="">
+                    <a14:hiddenEffects xmlns="" xmlns:a14="http://schemas.microsoft.com/office/drawing/2010/main">
                       <a:effectLst>
                         <a:outerShdw blurRad="63500" dist="38099" dir="2700000" algn="ctr" rotWithShape="0">
                           <a:schemeClr val="bg2">
@@ -3444,12 +3445,12 @@
                 <a:effectLst/>
                 <a:extLst>
                   <a:ext uri="{909E8E84-426E-40dd-AFC4-6F175D3DCCD1}">
-                    <a14:hiddenFill xmlns:a14="http://schemas.microsoft.com/office/drawing/2010/main" xmlns="">
+                    <a14:hiddenFill xmlns="" xmlns:a14="http://schemas.microsoft.com/office/drawing/2010/main">
                       <a:noFill/>
                     </a14:hiddenFill>
                   </a:ext>
                   <a:ext uri="{AF507438-7753-43e0-B8FC-AC1667EBCBE1}">
-                    <a14:hiddenEffects xmlns:a14="http://schemas.microsoft.com/office/drawing/2010/main" xmlns="">
+                    <a14:hiddenEffects xmlns="" xmlns:a14="http://schemas.microsoft.com/office/drawing/2010/main">
                       <a:effectLst>
                         <a:outerShdw blurRad="63500" dist="38099" dir="2700000" algn="ctr" rotWithShape="0">
                           <a:schemeClr val="bg2">
@@ -3502,12 +3503,12 @@
                 <a:effectLst/>
                 <a:extLst>
                   <a:ext uri="{909E8E84-426E-40dd-AFC4-6F175D3DCCD1}">
-                    <a14:hiddenFill xmlns:a14="http://schemas.microsoft.com/office/drawing/2010/main" xmlns="">
+                    <a14:hiddenFill xmlns="" xmlns:a14="http://schemas.microsoft.com/office/drawing/2010/main">
                       <a:noFill/>
                     </a14:hiddenFill>
                   </a:ext>
                   <a:ext uri="{AF507438-7753-43e0-B8FC-AC1667EBCBE1}">
-                    <a14:hiddenEffects xmlns:a14="http://schemas.microsoft.com/office/drawing/2010/main" xmlns="">
+                    <a14:hiddenEffects xmlns="" xmlns:a14="http://schemas.microsoft.com/office/drawing/2010/main">
                       <a:effectLst>
                         <a:outerShdw blurRad="63500" dist="38099" dir="2700000" algn="ctr" rotWithShape="0">
                           <a:schemeClr val="bg2">
@@ -3560,12 +3561,12 @@
                 <a:effectLst/>
                 <a:extLst>
                   <a:ext uri="{909E8E84-426E-40dd-AFC4-6F175D3DCCD1}">
-                    <a14:hiddenFill xmlns:a14="http://schemas.microsoft.com/office/drawing/2010/main" xmlns="">
+                    <a14:hiddenFill xmlns="" xmlns:a14="http://schemas.microsoft.com/office/drawing/2010/main">
                       <a:noFill/>
                     </a14:hiddenFill>
                   </a:ext>
                   <a:ext uri="{AF507438-7753-43e0-B8FC-AC1667EBCBE1}">
-                    <a14:hiddenEffects xmlns:a14="http://schemas.microsoft.com/office/drawing/2010/main" xmlns="">
+                    <a14:hiddenEffects xmlns="" xmlns:a14="http://schemas.microsoft.com/office/drawing/2010/main">
                       <a:effectLst>
                         <a:outerShdw blurRad="63500" dist="38099" dir="2700000" algn="ctr" rotWithShape="0">
                           <a:schemeClr val="bg2">
@@ -3618,12 +3619,12 @@
                 <a:effectLst/>
                 <a:extLst>
                   <a:ext uri="{909E8E84-426E-40dd-AFC4-6F175D3DCCD1}">
-                    <a14:hiddenFill xmlns:a14="http://schemas.microsoft.com/office/drawing/2010/main" xmlns="">
+                    <a14:hiddenFill xmlns="" xmlns:a14="http://schemas.microsoft.com/office/drawing/2010/main">
                       <a:noFill/>
                     </a14:hiddenFill>
                   </a:ext>
                   <a:ext uri="{AF507438-7753-43e0-B8FC-AC1667EBCBE1}">
-                    <a14:hiddenEffects xmlns:a14="http://schemas.microsoft.com/office/drawing/2010/main" xmlns="">
+                    <a14:hiddenEffects xmlns="" xmlns:a14="http://schemas.microsoft.com/office/drawing/2010/main">
                       <a:effectLst>
                         <a:outerShdw blurRad="63500" dist="38099" dir="2700000" algn="ctr" rotWithShape="0">
                           <a:schemeClr val="bg2">
@@ -3676,12 +3677,12 @@
                 <a:effectLst/>
                 <a:extLst>
                   <a:ext uri="{909E8E84-426E-40dd-AFC4-6F175D3DCCD1}">
-                    <a14:hiddenFill xmlns:a14="http://schemas.microsoft.com/office/drawing/2010/main" xmlns="">
+                    <a14:hiddenFill xmlns="" xmlns:a14="http://schemas.microsoft.com/office/drawing/2010/main">
                       <a:noFill/>
                     </a14:hiddenFill>
                   </a:ext>
                   <a:ext uri="{AF507438-7753-43e0-B8FC-AC1667EBCBE1}">
-                    <a14:hiddenEffects xmlns:a14="http://schemas.microsoft.com/office/drawing/2010/main" xmlns="">
+                    <a14:hiddenEffects xmlns="" xmlns:a14="http://schemas.microsoft.com/office/drawing/2010/main">
                       <a:effectLst>
                         <a:outerShdw blurRad="63500" dist="38099" dir="2700000" algn="ctr" rotWithShape="0">
                           <a:schemeClr val="bg2">
@@ -3734,12 +3735,12 @@
                 <a:effectLst/>
                 <a:extLst>
                   <a:ext uri="{909E8E84-426E-40dd-AFC4-6F175D3DCCD1}">
-                    <a14:hiddenFill xmlns:a14="http://schemas.microsoft.com/office/drawing/2010/main" xmlns="">
+                    <a14:hiddenFill xmlns="" xmlns:a14="http://schemas.microsoft.com/office/drawing/2010/main">
                       <a:noFill/>
                     </a14:hiddenFill>
                   </a:ext>
                   <a:ext uri="{AF507438-7753-43e0-B8FC-AC1667EBCBE1}">
-                    <a14:hiddenEffects xmlns:a14="http://schemas.microsoft.com/office/drawing/2010/main" xmlns="">
+                    <a14:hiddenEffects xmlns="" xmlns:a14="http://schemas.microsoft.com/office/drawing/2010/main">
                       <a:effectLst>
                         <a:outerShdw blurRad="63500" dist="38099" dir="2700000" algn="ctr" rotWithShape="0">
                           <a:schemeClr val="bg2">
@@ -3792,12 +3793,12 @@
                 <a:effectLst/>
                 <a:extLst>
                   <a:ext uri="{909E8E84-426E-40dd-AFC4-6F175D3DCCD1}">
-                    <a14:hiddenFill xmlns:a14="http://schemas.microsoft.com/office/drawing/2010/main" xmlns="">
+                    <a14:hiddenFill xmlns="" xmlns:a14="http://schemas.microsoft.com/office/drawing/2010/main">
                       <a:noFill/>
                     </a14:hiddenFill>
                   </a:ext>
                   <a:ext uri="{AF507438-7753-43e0-B8FC-AC1667EBCBE1}">
-                    <a14:hiddenEffects xmlns:a14="http://schemas.microsoft.com/office/drawing/2010/main" xmlns="">
+                    <a14:hiddenEffects xmlns="" xmlns:a14="http://schemas.microsoft.com/office/drawing/2010/main">
                       <a:effectLst>
                         <a:outerShdw blurRad="63500" dist="38099" dir="2700000" algn="ctr" rotWithShape="0">
                           <a:schemeClr val="bg2">
@@ -3850,12 +3851,12 @@
                 <a:effectLst/>
                 <a:extLst>
                   <a:ext uri="{909E8E84-426E-40dd-AFC4-6F175D3DCCD1}">
-                    <a14:hiddenFill xmlns:a14="http://schemas.microsoft.com/office/drawing/2010/main" xmlns="">
+                    <a14:hiddenFill xmlns="" xmlns:a14="http://schemas.microsoft.com/office/drawing/2010/main">
                       <a:noFill/>
                     </a14:hiddenFill>
                   </a:ext>
                   <a:ext uri="{AF507438-7753-43e0-B8FC-AC1667EBCBE1}">
-                    <a14:hiddenEffects xmlns:a14="http://schemas.microsoft.com/office/drawing/2010/main" xmlns="">
+                    <a14:hiddenEffects xmlns="" xmlns:a14="http://schemas.microsoft.com/office/drawing/2010/main">
                       <a:effectLst>
                         <a:outerShdw blurRad="63500" dist="38099" dir="2700000" algn="ctr" rotWithShape="0">
                           <a:schemeClr val="bg2">
@@ -3908,12 +3909,12 @@
                 <a:effectLst/>
                 <a:extLst>
                   <a:ext uri="{909E8E84-426E-40dd-AFC4-6F175D3DCCD1}">
-                    <a14:hiddenFill xmlns:a14="http://schemas.microsoft.com/office/drawing/2010/main" xmlns="">
+                    <a14:hiddenFill xmlns="" xmlns:a14="http://schemas.microsoft.com/office/drawing/2010/main">
                       <a:noFill/>
                     </a14:hiddenFill>
                   </a:ext>
                   <a:ext uri="{AF507438-7753-43e0-B8FC-AC1667EBCBE1}">
-                    <a14:hiddenEffects xmlns:a14="http://schemas.microsoft.com/office/drawing/2010/main" xmlns="">
+                    <a14:hiddenEffects xmlns="" xmlns:a14="http://schemas.microsoft.com/office/drawing/2010/main">
                       <a:effectLst>
                         <a:outerShdw blurRad="63500" dist="38099" dir="2700000" algn="ctr" rotWithShape="0">
                           <a:schemeClr val="bg2">
@@ -3966,12 +3967,12 @@
                 <a:effectLst/>
                 <a:extLst>
                   <a:ext uri="{909E8E84-426E-40dd-AFC4-6F175D3DCCD1}">
-                    <a14:hiddenFill xmlns:a14="http://schemas.microsoft.com/office/drawing/2010/main" xmlns="">
+                    <a14:hiddenFill xmlns="" xmlns:a14="http://schemas.microsoft.com/office/drawing/2010/main">
                       <a:noFill/>
                     </a14:hiddenFill>
                   </a:ext>
                   <a:ext uri="{AF507438-7753-43e0-B8FC-AC1667EBCBE1}">
-                    <a14:hiddenEffects xmlns:a14="http://schemas.microsoft.com/office/drawing/2010/main" xmlns="">
+                    <a14:hiddenEffects xmlns="" xmlns:a14="http://schemas.microsoft.com/office/drawing/2010/main">
                       <a:effectLst>
                         <a:outerShdw blurRad="63500" dist="38099" dir="2700000" algn="ctr" rotWithShape="0">
                           <a:schemeClr val="bg2">
@@ -4024,12 +4025,12 @@
                 <a:effectLst/>
                 <a:extLst>
                   <a:ext uri="{909E8E84-426E-40dd-AFC4-6F175D3DCCD1}">
-                    <a14:hiddenFill xmlns:a14="http://schemas.microsoft.com/office/drawing/2010/main" xmlns="">
+                    <a14:hiddenFill xmlns="" xmlns:a14="http://schemas.microsoft.com/office/drawing/2010/main">
                       <a:noFill/>
                     </a14:hiddenFill>
                   </a:ext>
                   <a:ext uri="{AF507438-7753-43e0-B8FC-AC1667EBCBE1}">
-                    <a14:hiddenEffects xmlns:a14="http://schemas.microsoft.com/office/drawing/2010/main" xmlns="">
+                    <a14:hiddenEffects xmlns="" xmlns:a14="http://schemas.microsoft.com/office/drawing/2010/main">
                       <a:effectLst>
                         <a:outerShdw blurRad="63500" dist="38099" dir="2700000" algn="ctr" rotWithShape="0">
                           <a:schemeClr val="bg2">
@@ -4082,12 +4083,12 @@
                 <a:effectLst/>
                 <a:extLst>
                   <a:ext uri="{909E8E84-426E-40dd-AFC4-6F175D3DCCD1}">
-                    <a14:hiddenFill xmlns:a14="http://schemas.microsoft.com/office/drawing/2010/main" xmlns="">
+                    <a14:hiddenFill xmlns="" xmlns:a14="http://schemas.microsoft.com/office/drawing/2010/main">
                       <a:noFill/>
                     </a14:hiddenFill>
                   </a:ext>
                   <a:ext uri="{AF507438-7753-43e0-B8FC-AC1667EBCBE1}">
-                    <a14:hiddenEffects xmlns:a14="http://schemas.microsoft.com/office/drawing/2010/main" xmlns="">
+                    <a14:hiddenEffects xmlns="" xmlns:a14="http://schemas.microsoft.com/office/drawing/2010/main">
                       <a:effectLst>
                         <a:outerShdw blurRad="63500" dist="38099" dir="2700000" algn="ctr" rotWithShape="0">
                           <a:schemeClr val="bg2">
@@ -4140,12 +4141,12 @@
                 <a:effectLst/>
                 <a:extLst>
                   <a:ext uri="{909E8E84-426E-40dd-AFC4-6F175D3DCCD1}">
-                    <a14:hiddenFill xmlns:a14="http://schemas.microsoft.com/office/drawing/2010/main" xmlns="">
+                    <a14:hiddenFill xmlns="" xmlns:a14="http://schemas.microsoft.com/office/drawing/2010/main">
                       <a:noFill/>
                     </a14:hiddenFill>
                   </a:ext>
                   <a:ext uri="{AF507438-7753-43e0-B8FC-AC1667EBCBE1}">
-                    <a14:hiddenEffects xmlns:a14="http://schemas.microsoft.com/office/drawing/2010/main" xmlns="">
+                    <a14:hiddenEffects xmlns="" xmlns:a14="http://schemas.microsoft.com/office/drawing/2010/main">
                       <a:effectLst>
                         <a:outerShdw blurRad="63500" dist="38099" dir="2700000" algn="ctr" rotWithShape="0">
                           <a:schemeClr val="bg2">
@@ -4198,12 +4199,12 @@
                 <a:effectLst/>
                 <a:extLst>
                   <a:ext uri="{909E8E84-426E-40dd-AFC4-6F175D3DCCD1}">
-                    <a14:hiddenFill xmlns:a14="http://schemas.microsoft.com/office/drawing/2010/main" xmlns="">
+                    <a14:hiddenFill xmlns="" xmlns:a14="http://schemas.microsoft.com/office/drawing/2010/main">
                       <a:noFill/>
                     </a14:hiddenFill>
                   </a:ext>
                   <a:ext uri="{AF507438-7753-43e0-B8FC-AC1667EBCBE1}">
-                    <a14:hiddenEffects xmlns:a14="http://schemas.microsoft.com/office/drawing/2010/main" xmlns="">
+                    <a14:hiddenEffects xmlns="" xmlns:a14="http://schemas.microsoft.com/office/drawing/2010/main">
                       <a:effectLst>
                         <a:outerShdw blurRad="63500" dist="38099" dir="2700000" algn="ctr" rotWithShape="0">
                           <a:schemeClr val="bg2">
@@ -4252,12 +4253,12 @@
               <a:effectLst/>
               <a:extLst>
                 <a:ext uri="{909E8E84-426E-40dd-AFC4-6F175D3DCCD1}">
-                  <a14:hiddenFill xmlns:a14="http://schemas.microsoft.com/office/drawing/2010/main" xmlns="">
+                  <a14:hiddenFill xmlns="" xmlns:a14="http://schemas.microsoft.com/office/drawing/2010/main">
                     <a:noFill/>
                   </a14:hiddenFill>
                 </a:ext>
                 <a:ext uri="{AF507438-7753-43e0-B8FC-AC1667EBCBE1}">
-                  <a14:hiddenEffects xmlns:a14="http://schemas.microsoft.com/office/drawing/2010/main" xmlns="">
+                  <a14:hiddenEffects xmlns="" xmlns:a14="http://schemas.microsoft.com/office/drawing/2010/main">
                     <a:effectLst>
                       <a:outerShdw blurRad="63500" dist="38099" dir="2700000" algn="ctr" rotWithShape="0">
                         <a:schemeClr val="bg2">
@@ -4322,12 +4323,12 @@
               <a:effectLst/>
               <a:extLst>
                 <a:ext uri="{909E8E84-426E-40dd-AFC4-6F175D3DCCD1}">
-                  <a14:hiddenFill xmlns:a14="http://schemas.microsoft.com/office/drawing/2010/main" xmlns="">
+                  <a14:hiddenFill xmlns="" xmlns:a14="http://schemas.microsoft.com/office/drawing/2010/main">
                     <a:noFill/>
                   </a14:hiddenFill>
                 </a:ext>
                 <a:ext uri="{AF507438-7753-43e0-B8FC-AC1667EBCBE1}">
-                  <a14:hiddenEffects xmlns:a14="http://schemas.microsoft.com/office/drawing/2010/main" xmlns="">
+                  <a14:hiddenEffects xmlns="" xmlns:a14="http://schemas.microsoft.com/office/drawing/2010/main">
                     <a:effectLst>
                       <a:outerShdw blurRad="63500" dist="38099" dir="2700000" algn="ctr" rotWithShape="0">
                         <a:schemeClr val="bg2">
@@ -4375,12 +4376,12 @@
               <a:effectLst/>
               <a:extLst>
                 <a:ext uri="{909E8E84-426E-40dd-AFC4-6F175D3DCCD1}">
-                  <a14:hiddenFill xmlns:a14="http://schemas.microsoft.com/office/drawing/2010/main" xmlns="">
+                  <a14:hiddenFill xmlns="" xmlns:a14="http://schemas.microsoft.com/office/drawing/2010/main">
                     <a:noFill/>
                   </a14:hiddenFill>
                 </a:ext>
                 <a:ext uri="{AF507438-7753-43e0-B8FC-AC1667EBCBE1}">
-                  <a14:hiddenEffects xmlns:a14="http://schemas.microsoft.com/office/drawing/2010/main" xmlns="">
+                  <a14:hiddenEffects xmlns="" xmlns:a14="http://schemas.microsoft.com/office/drawing/2010/main">
                     <a:effectLst>
                       <a:outerShdw blurRad="63500" dist="38099" dir="2700000" algn="ctr" rotWithShape="0">
                         <a:schemeClr val="bg2">
@@ -4428,12 +4429,12 @@
               <a:effectLst/>
               <a:extLst>
                 <a:ext uri="{909E8E84-426E-40dd-AFC4-6F175D3DCCD1}">
-                  <a14:hiddenFill xmlns:a14="http://schemas.microsoft.com/office/drawing/2010/main" xmlns="">
+                  <a14:hiddenFill xmlns="" xmlns:a14="http://schemas.microsoft.com/office/drawing/2010/main">
                     <a:noFill/>
                   </a14:hiddenFill>
                 </a:ext>
                 <a:ext uri="{AF507438-7753-43e0-B8FC-AC1667EBCBE1}">
-                  <a14:hiddenEffects xmlns:a14="http://schemas.microsoft.com/office/drawing/2010/main" xmlns="">
+                  <a14:hiddenEffects xmlns="" xmlns:a14="http://schemas.microsoft.com/office/drawing/2010/main">
                     <a:effectLst>
                       <a:outerShdw blurRad="63500" dist="38099" dir="2700000" algn="ctr" rotWithShape="0">
                         <a:schemeClr val="bg2">
@@ -4561,14 +4562,14 @@
               <a:effectLst/>
               <a:extLst>
                 <a:ext uri="{909E8E84-426E-40dd-AFC4-6F175D3DCCD1}">
-                  <a14:hiddenFill xmlns:a14="http://schemas.microsoft.com/office/drawing/2010/main" xmlns="">
+                  <a14:hiddenFill xmlns="" xmlns:a14="http://schemas.microsoft.com/office/drawing/2010/main">
                     <a:solidFill>
                       <a:schemeClr val="accent1"/>
                     </a:solidFill>
                   </a14:hiddenFill>
                 </a:ext>
                 <a:ext uri="{AF507438-7753-43e0-B8FC-AC1667EBCBE1}">
-                  <a14:hiddenEffects xmlns:a14="http://schemas.microsoft.com/office/drawing/2010/main" xmlns="">
+                  <a14:hiddenEffects xmlns="" xmlns:a14="http://schemas.microsoft.com/office/drawing/2010/main">
                     <a:effectLst>
                       <a:outerShdw blurRad="63500" dist="38099" dir="2700000" algn="ctr" rotWithShape="0">
                         <a:schemeClr val="bg2">
@@ -4633,12 +4634,12 @@
               <a:effectLst/>
               <a:extLst>
                 <a:ext uri="{909E8E84-426E-40dd-AFC4-6F175D3DCCD1}">
-                  <a14:hiddenFill xmlns:a14="http://schemas.microsoft.com/office/drawing/2010/main" xmlns="">
+                  <a14:hiddenFill xmlns="" xmlns:a14="http://schemas.microsoft.com/office/drawing/2010/main">
                     <a:noFill/>
                   </a14:hiddenFill>
                 </a:ext>
                 <a:ext uri="{AF507438-7753-43e0-B8FC-AC1667EBCBE1}">
-                  <a14:hiddenEffects xmlns:a14="http://schemas.microsoft.com/office/drawing/2010/main" xmlns="">
+                  <a14:hiddenEffects xmlns="" xmlns:a14="http://schemas.microsoft.com/office/drawing/2010/main">
                     <a:effectLst>
                       <a:outerShdw blurRad="63500" dist="38099" dir="2700000" algn="ctr" rotWithShape="0">
                         <a:schemeClr val="bg2">
@@ -4686,12 +4687,12 @@
               <a:effectLst/>
               <a:extLst>
                 <a:ext uri="{909E8E84-426E-40dd-AFC4-6F175D3DCCD1}">
-                  <a14:hiddenFill xmlns:a14="http://schemas.microsoft.com/office/drawing/2010/main" xmlns="">
+                  <a14:hiddenFill xmlns="" xmlns:a14="http://schemas.microsoft.com/office/drawing/2010/main">
                     <a:noFill/>
                   </a14:hiddenFill>
                 </a:ext>
                 <a:ext uri="{AF507438-7753-43e0-B8FC-AC1667EBCBE1}">
-                  <a14:hiddenEffects xmlns:a14="http://schemas.microsoft.com/office/drawing/2010/main" xmlns="">
+                  <a14:hiddenEffects xmlns="" xmlns:a14="http://schemas.microsoft.com/office/drawing/2010/main">
                     <a:effectLst>
                       <a:outerShdw blurRad="63500" dist="38099" dir="2700000" algn="ctr" rotWithShape="0">
                         <a:schemeClr val="bg2">
@@ -4819,14 +4820,14 @@
               <a:effectLst/>
               <a:extLst>
                 <a:ext uri="{909E8E84-426E-40dd-AFC4-6F175D3DCCD1}">
-                  <a14:hiddenFill xmlns:a14="http://schemas.microsoft.com/office/drawing/2010/main" xmlns="">
+                  <a14:hiddenFill xmlns="" xmlns:a14="http://schemas.microsoft.com/office/drawing/2010/main">
                     <a:solidFill>
                       <a:schemeClr val="accent1"/>
                     </a:solidFill>
                   </a14:hiddenFill>
                 </a:ext>
                 <a:ext uri="{AF507438-7753-43e0-B8FC-AC1667EBCBE1}">
-                  <a14:hiddenEffects xmlns:a14="http://schemas.microsoft.com/office/drawing/2010/main" xmlns="">
+                  <a14:hiddenEffects xmlns="" xmlns:a14="http://schemas.microsoft.com/office/drawing/2010/main">
                     <a:effectLst>
                       <a:outerShdw blurRad="63500" dist="38099" dir="2700000" algn="ctr" rotWithShape="0">
                         <a:schemeClr val="bg2">
@@ -4935,17 +4936,17 @@
           <a:noFill/>
           <a:extLst>
             <a:ext uri="{FAA26D3D-D897-4be2-8F04-BA451C77F1D7}">
-              <ma14:placeholderFlag xmlns:ma14="http://schemas.microsoft.com/office/mac/drawingml/2011/main" xmlns="" val="1"/>
+              <ma14:placeholderFlag xmlns="" xmlns:ma14="http://schemas.microsoft.com/office/mac/drawingml/2011/main" val="1"/>
             </a:ext>
             <a:ext uri="{909E8E84-426E-40dd-AFC4-6F175D3DCCD1}">
-              <a14:hiddenFill xmlns:a14="http://schemas.microsoft.com/office/drawing/2010/main" xmlns="">
+              <a14:hiddenFill xmlns="" xmlns:a14="http://schemas.microsoft.com/office/drawing/2010/main">
                 <a:solidFill>
                   <a:schemeClr val="accent1"/>
                 </a:solidFill>
               </a14:hiddenFill>
             </a:ext>
             <a:ext uri="{91240B29-F687-4f45-9708-019B960494DF}">
-              <a14:hiddenLine xmlns:a14="http://schemas.microsoft.com/office/drawing/2010/main" xmlns="" w="9525">
+              <a14:hiddenLine xmlns="" xmlns:a14="http://schemas.microsoft.com/office/drawing/2010/main" w="9525">
                 <a:solidFill>
                   <a:schemeClr val="tx1"/>
                 </a:solidFill>
@@ -4955,7 +4956,7 @@
               </a14:hiddenLine>
             </a:ext>
             <a:ext uri="{AF507438-7753-43e0-B8FC-AC1667EBCBE1}">
-              <a14:hiddenEffects xmlns:a14="http://schemas.microsoft.com/office/drawing/2010/main" xmlns="">
+              <a14:hiddenEffects xmlns="" xmlns:a14="http://schemas.microsoft.com/office/drawing/2010/main">
                 <a:effectLst>
                   <a:outerShdw blurRad="63500" dist="38099" dir="2700000" algn="ctr" rotWithShape="0">
                     <a:schemeClr val="bg2">
@@ -5076,7 +5077,7 @@
           <a:noFill/>
           <a:extLst>
             <a:ext uri="{909E8E84-426E-40dd-AFC4-6F175D3DCCD1}">
-              <a14:hiddenFill xmlns:a14="http://schemas.microsoft.com/office/drawing/2010/main" xmlns="">
+              <a14:hiddenFill xmlns="" xmlns:a14="http://schemas.microsoft.com/office/drawing/2010/main">
                 <a:solidFill>
                   <a:srgbClr val="FFFFFF"/>
                 </a:solidFill>
@@ -7454,12 +7455,12 @@
                 <a:effectLst/>
                 <a:extLst>
                   <a:ext uri="{909E8E84-426E-40dd-AFC4-6F175D3DCCD1}">
-                    <a14:hiddenFill xmlns:a14="http://schemas.microsoft.com/office/drawing/2010/main" xmlns="">
+                    <a14:hiddenFill xmlns="" xmlns:a14="http://schemas.microsoft.com/office/drawing/2010/main">
                       <a:noFill/>
                     </a14:hiddenFill>
                   </a:ext>
                   <a:ext uri="{AF507438-7753-43e0-B8FC-AC1667EBCBE1}">
-                    <a14:hiddenEffects xmlns:a14="http://schemas.microsoft.com/office/drawing/2010/main" xmlns="">
+                    <a14:hiddenEffects xmlns="" xmlns:a14="http://schemas.microsoft.com/office/drawing/2010/main">
                       <a:effectLst>
                         <a:outerShdw blurRad="63500" dist="38099" dir="2700000" algn="ctr" rotWithShape="0">
                           <a:schemeClr val="bg2">
@@ -7512,12 +7513,12 @@
                 <a:effectLst/>
                 <a:extLst>
                   <a:ext uri="{909E8E84-426E-40dd-AFC4-6F175D3DCCD1}">
-                    <a14:hiddenFill xmlns:a14="http://schemas.microsoft.com/office/drawing/2010/main" xmlns="">
+                    <a14:hiddenFill xmlns="" xmlns:a14="http://schemas.microsoft.com/office/drawing/2010/main">
                       <a:noFill/>
                     </a14:hiddenFill>
                   </a:ext>
                   <a:ext uri="{AF507438-7753-43e0-B8FC-AC1667EBCBE1}">
-                    <a14:hiddenEffects xmlns:a14="http://schemas.microsoft.com/office/drawing/2010/main" xmlns="">
+                    <a14:hiddenEffects xmlns="" xmlns:a14="http://schemas.microsoft.com/office/drawing/2010/main">
                       <a:effectLst>
                         <a:outerShdw blurRad="63500" dist="38099" dir="2700000" algn="ctr" rotWithShape="0">
                           <a:schemeClr val="bg2">
@@ -7570,12 +7571,12 @@
                 <a:effectLst/>
                 <a:extLst>
                   <a:ext uri="{909E8E84-426E-40dd-AFC4-6F175D3DCCD1}">
-                    <a14:hiddenFill xmlns:a14="http://schemas.microsoft.com/office/drawing/2010/main" xmlns="">
+                    <a14:hiddenFill xmlns="" xmlns:a14="http://schemas.microsoft.com/office/drawing/2010/main">
                       <a:noFill/>
                     </a14:hiddenFill>
                   </a:ext>
                   <a:ext uri="{AF507438-7753-43e0-B8FC-AC1667EBCBE1}">
-                    <a14:hiddenEffects xmlns:a14="http://schemas.microsoft.com/office/drawing/2010/main" xmlns="">
+                    <a14:hiddenEffects xmlns="" xmlns:a14="http://schemas.microsoft.com/office/drawing/2010/main">
                       <a:effectLst>
                         <a:outerShdw blurRad="63500" dist="38099" dir="2700000" algn="ctr" rotWithShape="0">
                           <a:schemeClr val="bg2">
@@ -7628,12 +7629,12 @@
                 <a:effectLst/>
                 <a:extLst>
                   <a:ext uri="{909E8E84-426E-40dd-AFC4-6F175D3DCCD1}">
-                    <a14:hiddenFill xmlns:a14="http://schemas.microsoft.com/office/drawing/2010/main" xmlns="">
+                    <a14:hiddenFill xmlns="" xmlns:a14="http://schemas.microsoft.com/office/drawing/2010/main">
                       <a:noFill/>
                     </a14:hiddenFill>
                   </a:ext>
                   <a:ext uri="{AF507438-7753-43e0-B8FC-AC1667EBCBE1}">
-                    <a14:hiddenEffects xmlns:a14="http://schemas.microsoft.com/office/drawing/2010/main" xmlns="">
+                    <a14:hiddenEffects xmlns="" xmlns:a14="http://schemas.microsoft.com/office/drawing/2010/main">
                       <a:effectLst>
                         <a:outerShdw blurRad="63500" dist="38099" dir="2700000" algn="ctr" rotWithShape="0">
                           <a:schemeClr val="bg2">
@@ -7686,12 +7687,12 @@
                 <a:effectLst/>
                 <a:extLst>
                   <a:ext uri="{909E8E84-426E-40dd-AFC4-6F175D3DCCD1}">
-                    <a14:hiddenFill xmlns:a14="http://schemas.microsoft.com/office/drawing/2010/main" xmlns="">
+                    <a14:hiddenFill xmlns="" xmlns:a14="http://schemas.microsoft.com/office/drawing/2010/main">
                       <a:noFill/>
                     </a14:hiddenFill>
                   </a:ext>
                   <a:ext uri="{AF507438-7753-43e0-B8FC-AC1667EBCBE1}">
-                    <a14:hiddenEffects xmlns:a14="http://schemas.microsoft.com/office/drawing/2010/main" xmlns="">
+                    <a14:hiddenEffects xmlns="" xmlns:a14="http://schemas.microsoft.com/office/drawing/2010/main">
                       <a:effectLst>
                         <a:outerShdw blurRad="63500" dist="38099" dir="2700000" algn="ctr" rotWithShape="0">
                           <a:schemeClr val="bg2">
@@ -7744,12 +7745,12 @@
                 <a:effectLst/>
                 <a:extLst>
                   <a:ext uri="{909E8E84-426E-40dd-AFC4-6F175D3DCCD1}">
-                    <a14:hiddenFill xmlns:a14="http://schemas.microsoft.com/office/drawing/2010/main" xmlns="">
+                    <a14:hiddenFill xmlns="" xmlns:a14="http://schemas.microsoft.com/office/drawing/2010/main">
                       <a:noFill/>
                     </a14:hiddenFill>
                   </a:ext>
                   <a:ext uri="{AF507438-7753-43e0-B8FC-AC1667EBCBE1}">
-                    <a14:hiddenEffects xmlns:a14="http://schemas.microsoft.com/office/drawing/2010/main" xmlns="">
+                    <a14:hiddenEffects xmlns="" xmlns:a14="http://schemas.microsoft.com/office/drawing/2010/main">
                       <a:effectLst>
                         <a:outerShdw blurRad="63500" dist="38099" dir="2700000" algn="ctr" rotWithShape="0">
                           <a:schemeClr val="bg2">
@@ -7802,12 +7803,12 @@
                 <a:effectLst/>
                 <a:extLst>
                   <a:ext uri="{909E8E84-426E-40dd-AFC4-6F175D3DCCD1}">
-                    <a14:hiddenFill xmlns:a14="http://schemas.microsoft.com/office/drawing/2010/main" xmlns="">
+                    <a14:hiddenFill xmlns="" xmlns:a14="http://schemas.microsoft.com/office/drawing/2010/main">
                       <a:noFill/>
                     </a14:hiddenFill>
                   </a:ext>
                   <a:ext uri="{AF507438-7753-43e0-B8FC-AC1667EBCBE1}">
-                    <a14:hiddenEffects xmlns:a14="http://schemas.microsoft.com/office/drawing/2010/main" xmlns="">
+                    <a14:hiddenEffects xmlns="" xmlns:a14="http://schemas.microsoft.com/office/drawing/2010/main">
                       <a:effectLst>
                         <a:outerShdw blurRad="63500" dist="38099" dir="2700000" algn="ctr" rotWithShape="0">
                           <a:schemeClr val="bg2">
@@ -7860,12 +7861,12 @@
                 <a:effectLst/>
                 <a:extLst>
                   <a:ext uri="{909E8E84-426E-40dd-AFC4-6F175D3DCCD1}">
-                    <a14:hiddenFill xmlns:a14="http://schemas.microsoft.com/office/drawing/2010/main" xmlns="">
+                    <a14:hiddenFill xmlns="" xmlns:a14="http://schemas.microsoft.com/office/drawing/2010/main">
                       <a:noFill/>
                     </a14:hiddenFill>
                   </a:ext>
                   <a:ext uri="{AF507438-7753-43e0-B8FC-AC1667EBCBE1}">
-                    <a14:hiddenEffects xmlns:a14="http://schemas.microsoft.com/office/drawing/2010/main" xmlns="">
+                    <a14:hiddenEffects xmlns="" xmlns:a14="http://schemas.microsoft.com/office/drawing/2010/main">
                       <a:effectLst>
                         <a:outerShdw blurRad="63500" dist="38099" dir="2700000" algn="ctr" rotWithShape="0">
                           <a:schemeClr val="bg2">
@@ -7918,12 +7919,12 @@
                 <a:effectLst/>
                 <a:extLst>
                   <a:ext uri="{909E8E84-426E-40dd-AFC4-6F175D3DCCD1}">
-                    <a14:hiddenFill xmlns:a14="http://schemas.microsoft.com/office/drawing/2010/main" xmlns="">
+                    <a14:hiddenFill xmlns="" xmlns:a14="http://schemas.microsoft.com/office/drawing/2010/main">
                       <a:noFill/>
                     </a14:hiddenFill>
                   </a:ext>
                   <a:ext uri="{AF507438-7753-43e0-B8FC-AC1667EBCBE1}">
-                    <a14:hiddenEffects xmlns:a14="http://schemas.microsoft.com/office/drawing/2010/main" xmlns="">
+                    <a14:hiddenEffects xmlns="" xmlns:a14="http://schemas.microsoft.com/office/drawing/2010/main">
                       <a:effectLst>
                         <a:outerShdw blurRad="63500" dist="38099" dir="2700000" algn="ctr" rotWithShape="0">
                           <a:schemeClr val="bg2">
@@ -7976,12 +7977,12 @@
                 <a:effectLst/>
                 <a:extLst>
                   <a:ext uri="{909E8E84-426E-40dd-AFC4-6F175D3DCCD1}">
-                    <a14:hiddenFill xmlns:a14="http://schemas.microsoft.com/office/drawing/2010/main" xmlns="">
+                    <a14:hiddenFill xmlns="" xmlns:a14="http://schemas.microsoft.com/office/drawing/2010/main">
                       <a:noFill/>
                     </a14:hiddenFill>
                   </a:ext>
                   <a:ext uri="{AF507438-7753-43e0-B8FC-AC1667EBCBE1}">
-                    <a14:hiddenEffects xmlns:a14="http://schemas.microsoft.com/office/drawing/2010/main" xmlns="">
+                    <a14:hiddenEffects xmlns="" xmlns:a14="http://schemas.microsoft.com/office/drawing/2010/main">
                       <a:effectLst>
                         <a:outerShdw blurRad="63500" dist="38099" dir="2700000" algn="ctr" rotWithShape="0">
                           <a:schemeClr val="bg2">
@@ -8034,12 +8035,12 @@
                 <a:effectLst/>
                 <a:extLst>
                   <a:ext uri="{909E8E84-426E-40dd-AFC4-6F175D3DCCD1}">
-                    <a14:hiddenFill xmlns:a14="http://schemas.microsoft.com/office/drawing/2010/main" xmlns="">
+                    <a14:hiddenFill xmlns="" xmlns:a14="http://schemas.microsoft.com/office/drawing/2010/main">
                       <a:noFill/>
                     </a14:hiddenFill>
                   </a:ext>
                   <a:ext uri="{AF507438-7753-43e0-B8FC-AC1667EBCBE1}">
-                    <a14:hiddenEffects xmlns:a14="http://schemas.microsoft.com/office/drawing/2010/main" xmlns="">
+                    <a14:hiddenEffects xmlns="" xmlns:a14="http://schemas.microsoft.com/office/drawing/2010/main">
                       <a:effectLst>
                         <a:outerShdw blurRad="63500" dist="38099" dir="2700000" algn="ctr" rotWithShape="0">
                           <a:schemeClr val="bg2">
@@ -8092,12 +8093,12 @@
                 <a:effectLst/>
                 <a:extLst>
                   <a:ext uri="{909E8E84-426E-40dd-AFC4-6F175D3DCCD1}">
-                    <a14:hiddenFill xmlns:a14="http://schemas.microsoft.com/office/drawing/2010/main" xmlns="">
+                    <a14:hiddenFill xmlns="" xmlns:a14="http://schemas.microsoft.com/office/drawing/2010/main">
                       <a:noFill/>
                     </a14:hiddenFill>
                   </a:ext>
                   <a:ext uri="{AF507438-7753-43e0-B8FC-AC1667EBCBE1}">
-                    <a14:hiddenEffects xmlns:a14="http://schemas.microsoft.com/office/drawing/2010/main" xmlns="">
+                    <a14:hiddenEffects xmlns="" xmlns:a14="http://schemas.microsoft.com/office/drawing/2010/main">
                       <a:effectLst>
                         <a:outerShdw blurRad="63500" dist="38099" dir="2700000" algn="ctr" rotWithShape="0">
                           <a:schemeClr val="bg2">
@@ -8150,12 +8151,12 @@
                 <a:effectLst/>
                 <a:extLst>
                   <a:ext uri="{909E8E84-426E-40dd-AFC4-6F175D3DCCD1}">
-                    <a14:hiddenFill xmlns:a14="http://schemas.microsoft.com/office/drawing/2010/main" xmlns="">
+                    <a14:hiddenFill xmlns="" xmlns:a14="http://schemas.microsoft.com/office/drawing/2010/main">
                       <a:noFill/>
                     </a14:hiddenFill>
                   </a:ext>
                   <a:ext uri="{AF507438-7753-43e0-B8FC-AC1667EBCBE1}">
-                    <a14:hiddenEffects xmlns:a14="http://schemas.microsoft.com/office/drawing/2010/main" xmlns="">
+                    <a14:hiddenEffects xmlns="" xmlns:a14="http://schemas.microsoft.com/office/drawing/2010/main">
                       <a:effectLst>
                         <a:outerShdw blurRad="63500" dist="38099" dir="2700000" algn="ctr" rotWithShape="0">
                           <a:schemeClr val="bg2">
@@ -8208,12 +8209,12 @@
                 <a:effectLst/>
                 <a:extLst>
                   <a:ext uri="{909E8E84-426E-40dd-AFC4-6F175D3DCCD1}">
-                    <a14:hiddenFill xmlns:a14="http://schemas.microsoft.com/office/drawing/2010/main" xmlns="">
+                    <a14:hiddenFill xmlns="" xmlns:a14="http://schemas.microsoft.com/office/drawing/2010/main">
                       <a:noFill/>
                     </a14:hiddenFill>
                   </a:ext>
                   <a:ext uri="{AF507438-7753-43e0-B8FC-AC1667EBCBE1}">
-                    <a14:hiddenEffects xmlns:a14="http://schemas.microsoft.com/office/drawing/2010/main" xmlns="">
+                    <a14:hiddenEffects xmlns="" xmlns:a14="http://schemas.microsoft.com/office/drawing/2010/main">
                       <a:effectLst>
                         <a:outerShdw blurRad="63500" dist="38099" dir="2700000" algn="ctr" rotWithShape="0">
                           <a:schemeClr val="bg2">
@@ -8266,12 +8267,12 @@
                 <a:effectLst/>
                 <a:extLst>
                   <a:ext uri="{909E8E84-426E-40dd-AFC4-6F175D3DCCD1}">
-                    <a14:hiddenFill xmlns:a14="http://schemas.microsoft.com/office/drawing/2010/main" xmlns="">
+                    <a14:hiddenFill xmlns="" xmlns:a14="http://schemas.microsoft.com/office/drawing/2010/main">
                       <a:noFill/>
                     </a14:hiddenFill>
                   </a:ext>
                   <a:ext uri="{AF507438-7753-43e0-B8FC-AC1667EBCBE1}">
-                    <a14:hiddenEffects xmlns:a14="http://schemas.microsoft.com/office/drawing/2010/main" xmlns="">
+                    <a14:hiddenEffects xmlns="" xmlns:a14="http://schemas.microsoft.com/office/drawing/2010/main">
                       <a:effectLst>
                         <a:outerShdw blurRad="63500" dist="38099" dir="2700000" algn="ctr" rotWithShape="0">
                           <a:schemeClr val="bg2">
@@ -8324,12 +8325,12 @@
                 <a:effectLst/>
                 <a:extLst>
                   <a:ext uri="{909E8E84-426E-40dd-AFC4-6F175D3DCCD1}">
-                    <a14:hiddenFill xmlns:a14="http://schemas.microsoft.com/office/drawing/2010/main" xmlns="">
+                    <a14:hiddenFill xmlns="" xmlns:a14="http://schemas.microsoft.com/office/drawing/2010/main">
                       <a:noFill/>
                     </a14:hiddenFill>
                   </a:ext>
                   <a:ext uri="{AF507438-7753-43e0-B8FC-AC1667EBCBE1}">
-                    <a14:hiddenEffects xmlns:a14="http://schemas.microsoft.com/office/drawing/2010/main" xmlns="">
+                    <a14:hiddenEffects xmlns="" xmlns:a14="http://schemas.microsoft.com/office/drawing/2010/main">
                       <a:effectLst>
                         <a:outerShdw blurRad="63500" dist="38099" dir="2700000" algn="ctr" rotWithShape="0">
                           <a:schemeClr val="bg2">
@@ -8382,12 +8383,12 @@
                 <a:effectLst/>
                 <a:extLst>
                   <a:ext uri="{909E8E84-426E-40dd-AFC4-6F175D3DCCD1}">
-                    <a14:hiddenFill xmlns:a14="http://schemas.microsoft.com/office/drawing/2010/main" xmlns="">
+                    <a14:hiddenFill xmlns="" xmlns:a14="http://schemas.microsoft.com/office/drawing/2010/main">
                       <a:noFill/>
                     </a14:hiddenFill>
                   </a:ext>
                   <a:ext uri="{AF507438-7753-43e0-B8FC-AC1667EBCBE1}">
-                    <a14:hiddenEffects xmlns:a14="http://schemas.microsoft.com/office/drawing/2010/main" xmlns="">
+                    <a14:hiddenEffects xmlns="" xmlns:a14="http://schemas.microsoft.com/office/drawing/2010/main">
                       <a:effectLst>
                         <a:outerShdw blurRad="63500" dist="38099" dir="2700000" algn="ctr" rotWithShape="0">
                           <a:schemeClr val="bg2">
@@ -8440,12 +8441,12 @@
                 <a:effectLst/>
                 <a:extLst>
                   <a:ext uri="{909E8E84-426E-40dd-AFC4-6F175D3DCCD1}">
-                    <a14:hiddenFill xmlns:a14="http://schemas.microsoft.com/office/drawing/2010/main" xmlns="">
+                    <a14:hiddenFill xmlns="" xmlns:a14="http://schemas.microsoft.com/office/drawing/2010/main">
                       <a:noFill/>
                     </a14:hiddenFill>
                   </a:ext>
                   <a:ext uri="{AF507438-7753-43e0-B8FC-AC1667EBCBE1}">
-                    <a14:hiddenEffects xmlns:a14="http://schemas.microsoft.com/office/drawing/2010/main" xmlns="">
+                    <a14:hiddenEffects xmlns="" xmlns:a14="http://schemas.microsoft.com/office/drawing/2010/main">
                       <a:effectLst>
                         <a:outerShdw blurRad="63500" dist="38099" dir="2700000" algn="ctr" rotWithShape="0">
                           <a:schemeClr val="bg2">
@@ -8498,12 +8499,12 @@
                 <a:effectLst/>
                 <a:extLst>
                   <a:ext uri="{909E8E84-426E-40dd-AFC4-6F175D3DCCD1}">
-                    <a14:hiddenFill xmlns:a14="http://schemas.microsoft.com/office/drawing/2010/main" xmlns="">
+                    <a14:hiddenFill xmlns="" xmlns:a14="http://schemas.microsoft.com/office/drawing/2010/main">
                       <a:noFill/>
                     </a14:hiddenFill>
                   </a:ext>
                   <a:ext uri="{AF507438-7753-43e0-B8FC-AC1667EBCBE1}">
-                    <a14:hiddenEffects xmlns:a14="http://schemas.microsoft.com/office/drawing/2010/main" xmlns="">
+                    <a14:hiddenEffects xmlns="" xmlns:a14="http://schemas.microsoft.com/office/drawing/2010/main">
                       <a:effectLst>
                         <a:outerShdw blurRad="63500" dist="38099" dir="2700000" algn="ctr" rotWithShape="0">
                           <a:schemeClr val="bg2">
@@ -8556,12 +8557,12 @@
                 <a:effectLst/>
                 <a:extLst>
                   <a:ext uri="{909E8E84-426E-40dd-AFC4-6F175D3DCCD1}">
-                    <a14:hiddenFill xmlns:a14="http://schemas.microsoft.com/office/drawing/2010/main" xmlns="">
+                    <a14:hiddenFill xmlns="" xmlns:a14="http://schemas.microsoft.com/office/drawing/2010/main">
                       <a:noFill/>
                     </a14:hiddenFill>
                   </a:ext>
                   <a:ext uri="{AF507438-7753-43e0-B8FC-AC1667EBCBE1}">
-                    <a14:hiddenEffects xmlns:a14="http://schemas.microsoft.com/office/drawing/2010/main" xmlns="">
+                    <a14:hiddenEffects xmlns="" xmlns:a14="http://schemas.microsoft.com/office/drawing/2010/main">
                       <a:effectLst>
                         <a:outerShdw blurRad="63500" dist="38099" dir="2700000" algn="ctr" rotWithShape="0">
                           <a:schemeClr val="bg2">
@@ -8614,12 +8615,12 @@
                 <a:effectLst/>
                 <a:extLst>
                   <a:ext uri="{909E8E84-426E-40dd-AFC4-6F175D3DCCD1}">
-                    <a14:hiddenFill xmlns:a14="http://schemas.microsoft.com/office/drawing/2010/main" xmlns="">
+                    <a14:hiddenFill xmlns="" xmlns:a14="http://schemas.microsoft.com/office/drawing/2010/main">
                       <a:noFill/>
                     </a14:hiddenFill>
                   </a:ext>
                   <a:ext uri="{AF507438-7753-43e0-B8FC-AC1667EBCBE1}">
-                    <a14:hiddenEffects xmlns:a14="http://schemas.microsoft.com/office/drawing/2010/main" xmlns="">
+                    <a14:hiddenEffects xmlns="" xmlns:a14="http://schemas.microsoft.com/office/drawing/2010/main">
                       <a:effectLst>
                         <a:outerShdw blurRad="63500" dist="38099" dir="2700000" algn="ctr" rotWithShape="0">
                           <a:schemeClr val="bg2">
@@ -8672,12 +8673,12 @@
                 <a:effectLst/>
                 <a:extLst>
                   <a:ext uri="{909E8E84-426E-40dd-AFC4-6F175D3DCCD1}">
-                    <a14:hiddenFill xmlns:a14="http://schemas.microsoft.com/office/drawing/2010/main" xmlns="">
+                    <a14:hiddenFill xmlns="" xmlns:a14="http://schemas.microsoft.com/office/drawing/2010/main">
                       <a:noFill/>
                     </a14:hiddenFill>
                   </a:ext>
                   <a:ext uri="{AF507438-7753-43e0-B8FC-AC1667EBCBE1}">
-                    <a14:hiddenEffects xmlns:a14="http://schemas.microsoft.com/office/drawing/2010/main" xmlns="">
+                    <a14:hiddenEffects xmlns="" xmlns:a14="http://schemas.microsoft.com/office/drawing/2010/main">
                       <a:effectLst>
                         <a:outerShdw blurRad="63500" dist="38099" dir="2700000" algn="ctr" rotWithShape="0">
                           <a:schemeClr val="bg2">
@@ -8747,12 +8748,12 @@
                 <a:effectLst/>
                 <a:extLst>
                   <a:ext uri="{909E8E84-426E-40dd-AFC4-6F175D3DCCD1}">
-                    <a14:hiddenFill xmlns:a14="http://schemas.microsoft.com/office/drawing/2010/main" xmlns="">
+                    <a14:hiddenFill xmlns="" xmlns:a14="http://schemas.microsoft.com/office/drawing/2010/main">
                       <a:noFill/>
                     </a14:hiddenFill>
                   </a:ext>
                   <a:ext uri="{AF507438-7753-43e0-B8FC-AC1667EBCBE1}">
-                    <a14:hiddenEffects xmlns:a14="http://schemas.microsoft.com/office/drawing/2010/main" xmlns="">
+                    <a14:hiddenEffects xmlns="" xmlns:a14="http://schemas.microsoft.com/office/drawing/2010/main">
                       <a:effectLst>
                         <a:outerShdw blurRad="63500" dist="38099" dir="2700000" algn="ctr" rotWithShape="0">
                           <a:schemeClr val="bg2">
@@ -8805,12 +8806,12 @@
                 <a:effectLst/>
                 <a:extLst>
                   <a:ext uri="{909E8E84-426E-40dd-AFC4-6F175D3DCCD1}">
-                    <a14:hiddenFill xmlns:a14="http://schemas.microsoft.com/office/drawing/2010/main" xmlns="">
+                    <a14:hiddenFill xmlns="" xmlns:a14="http://schemas.microsoft.com/office/drawing/2010/main">
                       <a:noFill/>
                     </a14:hiddenFill>
                   </a:ext>
                   <a:ext uri="{AF507438-7753-43e0-B8FC-AC1667EBCBE1}">
-                    <a14:hiddenEffects xmlns:a14="http://schemas.microsoft.com/office/drawing/2010/main" xmlns="">
+                    <a14:hiddenEffects xmlns="" xmlns:a14="http://schemas.microsoft.com/office/drawing/2010/main">
                       <a:effectLst>
                         <a:outerShdw blurRad="63500" dist="38099" dir="2700000" algn="ctr" rotWithShape="0">
                           <a:schemeClr val="bg2">
@@ -8863,12 +8864,12 @@
                 <a:effectLst/>
                 <a:extLst>
                   <a:ext uri="{909E8E84-426E-40dd-AFC4-6F175D3DCCD1}">
-                    <a14:hiddenFill xmlns:a14="http://schemas.microsoft.com/office/drawing/2010/main" xmlns="">
+                    <a14:hiddenFill xmlns="" xmlns:a14="http://schemas.microsoft.com/office/drawing/2010/main">
                       <a:noFill/>
                     </a14:hiddenFill>
                   </a:ext>
                   <a:ext uri="{AF507438-7753-43e0-B8FC-AC1667EBCBE1}">
-                    <a14:hiddenEffects xmlns:a14="http://schemas.microsoft.com/office/drawing/2010/main" xmlns="">
+                    <a14:hiddenEffects xmlns="" xmlns:a14="http://schemas.microsoft.com/office/drawing/2010/main">
                       <a:effectLst>
                         <a:outerShdw blurRad="63500" dist="38099" dir="2700000" algn="ctr" rotWithShape="0">
                           <a:schemeClr val="bg2">
@@ -8921,12 +8922,12 @@
                 <a:effectLst/>
                 <a:extLst>
                   <a:ext uri="{909E8E84-426E-40dd-AFC4-6F175D3DCCD1}">
-                    <a14:hiddenFill xmlns:a14="http://schemas.microsoft.com/office/drawing/2010/main" xmlns="">
+                    <a14:hiddenFill xmlns="" xmlns:a14="http://schemas.microsoft.com/office/drawing/2010/main">
                       <a:noFill/>
                     </a14:hiddenFill>
                   </a:ext>
                   <a:ext uri="{AF507438-7753-43e0-B8FC-AC1667EBCBE1}">
-                    <a14:hiddenEffects xmlns:a14="http://schemas.microsoft.com/office/drawing/2010/main" xmlns="">
+                    <a14:hiddenEffects xmlns="" xmlns:a14="http://schemas.microsoft.com/office/drawing/2010/main">
                       <a:effectLst>
                         <a:outerShdw blurRad="63500" dist="38099" dir="2700000" algn="ctr" rotWithShape="0">
                           <a:schemeClr val="bg2">
@@ -8979,12 +8980,12 @@
                 <a:effectLst/>
                 <a:extLst>
                   <a:ext uri="{909E8E84-426E-40dd-AFC4-6F175D3DCCD1}">
-                    <a14:hiddenFill xmlns:a14="http://schemas.microsoft.com/office/drawing/2010/main" xmlns="">
+                    <a14:hiddenFill xmlns="" xmlns:a14="http://schemas.microsoft.com/office/drawing/2010/main">
                       <a:noFill/>
                     </a14:hiddenFill>
                   </a:ext>
                   <a:ext uri="{AF507438-7753-43e0-B8FC-AC1667EBCBE1}">
-                    <a14:hiddenEffects xmlns:a14="http://schemas.microsoft.com/office/drawing/2010/main" xmlns="">
+                    <a14:hiddenEffects xmlns="" xmlns:a14="http://schemas.microsoft.com/office/drawing/2010/main">
                       <a:effectLst>
                         <a:outerShdw blurRad="63500" dist="38099" dir="2700000" algn="ctr" rotWithShape="0">
                           <a:schemeClr val="bg2">
@@ -9037,12 +9038,12 @@
                 <a:effectLst/>
                 <a:extLst>
                   <a:ext uri="{909E8E84-426E-40dd-AFC4-6F175D3DCCD1}">
-                    <a14:hiddenFill xmlns:a14="http://schemas.microsoft.com/office/drawing/2010/main" xmlns="">
+                    <a14:hiddenFill xmlns="" xmlns:a14="http://schemas.microsoft.com/office/drawing/2010/main">
                       <a:noFill/>
                     </a14:hiddenFill>
                   </a:ext>
                   <a:ext uri="{AF507438-7753-43e0-B8FC-AC1667EBCBE1}">
-                    <a14:hiddenEffects xmlns:a14="http://schemas.microsoft.com/office/drawing/2010/main" xmlns="">
+                    <a14:hiddenEffects xmlns="" xmlns:a14="http://schemas.microsoft.com/office/drawing/2010/main">
                       <a:effectLst>
                         <a:outerShdw blurRad="63500" dist="38099" dir="2700000" algn="ctr" rotWithShape="0">
                           <a:schemeClr val="bg2">
@@ -9095,12 +9096,12 @@
                 <a:effectLst/>
                 <a:extLst>
                   <a:ext uri="{909E8E84-426E-40dd-AFC4-6F175D3DCCD1}">
-                    <a14:hiddenFill xmlns:a14="http://schemas.microsoft.com/office/drawing/2010/main" xmlns="">
+                    <a14:hiddenFill xmlns="" xmlns:a14="http://schemas.microsoft.com/office/drawing/2010/main">
                       <a:noFill/>
                     </a14:hiddenFill>
                   </a:ext>
                   <a:ext uri="{AF507438-7753-43e0-B8FC-AC1667EBCBE1}">
-                    <a14:hiddenEffects xmlns:a14="http://schemas.microsoft.com/office/drawing/2010/main" xmlns="">
+                    <a14:hiddenEffects xmlns="" xmlns:a14="http://schemas.microsoft.com/office/drawing/2010/main">
                       <a:effectLst>
                         <a:outerShdw blurRad="63500" dist="38099" dir="2700000" algn="ctr" rotWithShape="0">
                           <a:schemeClr val="bg2">
@@ -9153,12 +9154,12 @@
                 <a:effectLst/>
                 <a:extLst>
                   <a:ext uri="{909E8E84-426E-40dd-AFC4-6F175D3DCCD1}">
-                    <a14:hiddenFill xmlns:a14="http://schemas.microsoft.com/office/drawing/2010/main" xmlns="">
+                    <a14:hiddenFill xmlns="" xmlns:a14="http://schemas.microsoft.com/office/drawing/2010/main">
                       <a:noFill/>
                     </a14:hiddenFill>
                   </a:ext>
                   <a:ext uri="{AF507438-7753-43e0-B8FC-AC1667EBCBE1}">
-                    <a14:hiddenEffects xmlns:a14="http://schemas.microsoft.com/office/drawing/2010/main" xmlns="">
+                    <a14:hiddenEffects xmlns="" xmlns:a14="http://schemas.microsoft.com/office/drawing/2010/main">
                       <a:effectLst>
                         <a:outerShdw blurRad="63500" dist="38099" dir="2700000" algn="ctr" rotWithShape="0">
                           <a:schemeClr val="bg2">
@@ -9211,12 +9212,12 @@
                 <a:effectLst/>
                 <a:extLst>
                   <a:ext uri="{909E8E84-426E-40dd-AFC4-6F175D3DCCD1}">
-                    <a14:hiddenFill xmlns:a14="http://schemas.microsoft.com/office/drawing/2010/main" xmlns="">
+                    <a14:hiddenFill xmlns="" xmlns:a14="http://schemas.microsoft.com/office/drawing/2010/main">
                       <a:noFill/>
                     </a14:hiddenFill>
                   </a:ext>
                   <a:ext uri="{AF507438-7753-43e0-B8FC-AC1667EBCBE1}">
-                    <a14:hiddenEffects xmlns:a14="http://schemas.microsoft.com/office/drawing/2010/main" xmlns="">
+                    <a14:hiddenEffects xmlns="" xmlns:a14="http://schemas.microsoft.com/office/drawing/2010/main">
                       <a:effectLst>
                         <a:outerShdw blurRad="63500" dist="38099" dir="2700000" algn="ctr" rotWithShape="0">
                           <a:schemeClr val="bg2">
@@ -9269,12 +9270,12 @@
                 <a:effectLst/>
                 <a:extLst>
                   <a:ext uri="{909E8E84-426E-40dd-AFC4-6F175D3DCCD1}">
-                    <a14:hiddenFill xmlns:a14="http://schemas.microsoft.com/office/drawing/2010/main" xmlns="">
+                    <a14:hiddenFill xmlns="" xmlns:a14="http://schemas.microsoft.com/office/drawing/2010/main">
                       <a:noFill/>
                     </a14:hiddenFill>
                   </a:ext>
                   <a:ext uri="{AF507438-7753-43e0-B8FC-AC1667EBCBE1}">
-                    <a14:hiddenEffects xmlns:a14="http://schemas.microsoft.com/office/drawing/2010/main" xmlns="">
+                    <a14:hiddenEffects xmlns="" xmlns:a14="http://schemas.microsoft.com/office/drawing/2010/main">
                       <a:effectLst>
                         <a:outerShdw blurRad="63500" dist="38099" dir="2700000" algn="ctr" rotWithShape="0">
                           <a:schemeClr val="bg2">
@@ -9327,12 +9328,12 @@
                 <a:effectLst/>
                 <a:extLst>
                   <a:ext uri="{909E8E84-426E-40dd-AFC4-6F175D3DCCD1}">
-                    <a14:hiddenFill xmlns:a14="http://schemas.microsoft.com/office/drawing/2010/main" xmlns="">
+                    <a14:hiddenFill xmlns="" xmlns:a14="http://schemas.microsoft.com/office/drawing/2010/main">
                       <a:noFill/>
                     </a14:hiddenFill>
                   </a:ext>
                   <a:ext uri="{AF507438-7753-43e0-B8FC-AC1667EBCBE1}">
-                    <a14:hiddenEffects xmlns:a14="http://schemas.microsoft.com/office/drawing/2010/main" xmlns="">
+                    <a14:hiddenEffects xmlns="" xmlns:a14="http://schemas.microsoft.com/office/drawing/2010/main">
                       <a:effectLst>
                         <a:outerShdw blurRad="63500" dist="38099" dir="2700000" algn="ctr" rotWithShape="0">
                           <a:schemeClr val="bg2">
@@ -9385,12 +9386,12 @@
                 <a:effectLst/>
                 <a:extLst>
                   <a:ext uri="{909E8E84-426E-40dd-AFC4-6F175D3DCCD1}">
-                    <a14:hiddenFill xmlns:a14="http://schemas.microsoft.com/office/drawing/2010/main" xmlns="">
+                    <a14:hiddenFill xmlns="" xmlns:a14="http://schemas.microsoft.com/office/drawing/2010/main">
                       <a:noFill/>
                     </a14:hiddenFill>
                   </a:ext>
                   <a:ext uri="{AF507438-7753-43e0-B8FC-AC1667EBCBE1}">
-                    <a14:hiddenEffects xmlns:a14="http://schemas.microsoft.com/office/drawing/2010/main" xmlns="">
+                    <a14:hiddenEffects xmlns="" xmlns:a14="http://schemas.microsoft.com/office/drawing/2010/main">
                       <a:effectLst>
                         <a:outerShdw blurRad="63500" dist="38099" dir="2700000" algn="ctr" rotWithShape="0">
                           <a:schemeClr val="bg2">
@@ -9443,12 +9444,12 @@
                 <a:effectLst/>
                 <a:extLst>
                   <a:ext uri="{909E8E84-426E-40dd-AFC4-6F175D3DCCD1}">
-                    <a14:hiddenFill xmlns:a14="http://schemas.microsoft.com/office/drawing/2010/main" xmlns="">
+                    <a14:hiddenFill xmlns="" xmlns:a14="http://schemas.microsoft.com/office/drawing/2010/main">
                       <a:noFill/>
                     </a14:hiddenFill>
                   </a:ext>
                   <a:ext uri="{AF507438-7753-43e0-B8FC-AC1667EBCBE1}">
-                    <a14:hiddenEffects xmlns:a14="http://schemas.microsoft.com/office/drawing/2010/main" xmlns="">
+                    <a14:hiddenEffects xmlns="" xmlns:a14="http://schemas.microsoft.com/office/drawing/2010/main">
                       <a:effectLst>
                         <a:outerShdw blurRad="63500" dist="38099" dir="2700000" algn="ctr" rotWithShape="0">
                           <a:schemeClr val="bg2">
@@ -9501,12 +9502,12 @@
                 <a:effectLst/>
                 <a:extLst>
                   <a:ext uri="{909E8E84-426E-40dd-AFC4-6F175D3DCCD1}">
-                    <a14:hiddenFill xmlns:a14="http://schemas.microsoft.com/office/drawing/2010/main" xmlns="">
+                    <a14:hiddenFill xmlns="" xmlns:a14="http://schemas.microsoft.com/office/drawing/2010/main">
                       <a:noFill/>
                     </a14:hiddenFill>
                   </a:ext>
                   <a:ext uri="{AF507438-7753-43e0-B8FC-AC1667EBCBE1}">
-                    <a14:hiddenEffects xmlns:a14="http://schemas.microsoft.com/office/drawing/2010/main" xmlns="">
+                    <a14:hiddenEffects xmlns="" xmlns:a14="http://schemas.microsoft.com/office/drawing/2010/main">
                       <a:effectLst>
                         <a:outerShdw blurRad="63500" dist="38099" dir="2700000" algn="ctr" rotWithShape="0">
                           <a:schemeClr val="bg2">
@@ -9559,12 +9560,12 @@
                 <a:effectLst/>
                 <a:extLst>
                   <a:ext uri="{909E8E84-426E-40dd-AFC4-6F175D3DCCD1}">
-                    <a14:hiddenFill xmlns:a14="http://schemas.microsoft.com/office/drawing/2010/main" xmlns="">
+                    <a14:hiddenFill xmlns="" xmlns:a14="http://schemas.microsoft.com/office/drawing/2010/main">
                       <a:noFill/>
                     </a14:hiddenFill>
                   </a:ext>
                   <a:ext uri="{AF507438-7753-43e0-B8FC-AC1667EBCBE1}">
-                    <a14:hiddenEffects xmlns:a14="http://schemas.microsoft.com/office/drawing/2010/main" xmlns="">
+                    <a14:hiddenEffects xmlns="" xmlns:a14="http://schemas.microsoft.com/office/drawing/2010/main">
                       <a:effectLst>
                         <a:outerShdw blurRad="63500" dist="38099" dir="2700000" algn="ctr" rotWithShape="0">
                           <a:schemeClr val="bg2">
@@ -9617,12 +9618,12 @@
                 <a:effectLst/>
                 <a:extLst>
                   <a:ext uri="{909E8E84-426E-40dd-AFC4-6F175D3DCCD1}">
-                    <a14:hiddenFill xmlns:a14="http://schemas.microsoft.com/office/drawing/2010/main" xmlns="">
+                    <a14:hiddenFill xmlns="" xmlns:a14="http://schemas.microsoft.com/office/drawing/2010/main">
                       <a:noFill/>
                     </a14:hiddenFill>
                   </a:ext>
                   <a:ext uri="{AF507438-7753-43e0-B8FC-AC1667EBCBE1}">
-                    <a14:hiddenEffects xmlns:a14="http://schemas.microsoft.com/office/drawing/2010/main" xmlns="">
+                    <a14:hiddenEffects xmlns="" xmlns:a14="http://schemas.microsoft.com/office/drawing/2010/main">
                       <a:effectLst>
                         <a:outerShdw blurRad="63500" dist="38099" dir="2700000" algn="ctr" rotWithShape="0">
                           <a:schemeClr val="bg2">
@@ -9675,12 +9676,12 @@
                 <a:effectLst/>
                 <a:extLst>
                   <a:ext uri="{909E8E84-426E-40dd-AFC4-6F175D3DCCD1}">
-                    <a14:hiddenFill xmlns:a14="http://schemas.microsoft.com/office/drawing/2010/main" xmlns="">
+                    <a14:hiddenFill xmlns="" xmlns:a14="http://schemas.microsoft.com/office/drawing/2010/main">
                       <a:noFill/>
                     </a14:hiddenFill>
                   </a:ext>
                   <a:ext uri="{AF507438-7753-43e0-B8FC-AC1667EBCBE1}">
-                    <a14:hiddenEffects xmlns:a14="http://schemas.microsoft.com/office/drawing/2010/main" xmlns="">
+                    <a14:hiddenEffects xmlns="" xmlns:a14="http://schemas.microsoft.com/office/drawing/2010/main">
                       <a:effectLst>
                         <a:outerShdw blurRad="63500" dist="38099" dir="2700000" algn="ctr" rotWithShape="0">
                           <a:schemeClr val="bg2">
@@ -9733,12 +9734,12 @@
                 <a:effectLst/>
                 <a:extLst>
                   <a:ext uri="{909E8E84-426E-40dd-AFC4-6F175D3DCCD1}">
-                    <a14:hiddenFill xmlns:a14="http://schemas.microsoft.com/office/drawing/2010/main" xmlns="">
+                    <a14:hiddenFill xmlns="" xmlns:a14="http://schemas.microsoft.com/office/drawing/2010/main">
                       <a:noFill/>
                     </a14:hiddenFill>
                   </a:ext>
                   <a:ext uri="{AF507438-7753-43e0-B8FC-AC1667EBCBE1}">
-                    <a14:hiddenEffects xmlns:a14="http://schemas.microsoft.com/office/drawing/2010/main" xmlns="">
+                    <a14:hiddenEffects xmlns="" xmlns:a14="http://schemas.microsoft.com/office/drawing/2010/main">
                       <a:effectLst>
                         <a:outerShdw blurRad="63500" dist="38099" dir="2700000" algn="ctr" rotWithShape="0">
                           <a:schemeClr val="bg2">
@@ -9791,12 +9792,12 @@
                 <a:effectLst/>
                 <a:extLst>
                   <a:ext uri="{909E8E84-426E-40dd-AFC4-6F175D3DCCD1}">
-                    <a14:hiddenFill xmlns:a14="http://schemas.microsoft.com/office/drawing/2010/main" xmlns="">
+                    <a14:hiddenFill xmlns="" xmlns:a14="http://schemas.microsoft.com/office/drawing/2010/main">
                       <a:noFill/>
                     </a14:hiddenFill>
                   </a:ext>
                   <a:ext uri="{AF507438-7753-43e0-B8FC-AC1667EBCBE1}">
-                    <a14:hiddenEffects xmlns:a14="http://schemas.microsoft.com/office/drawing/2010/main" xmlns="">
+                    <a14:hiddenEffects xmlns="" xmlns:a14="http://schemas.microsoft.com/office/drawing/2010/main">
                       <a:effectLst>
                         <a:outerShdw blurRad="63500" dist="38099" dir="2700000" algn="ctr" rotWithShape="0">
                           <a:schemeClr val="bg2">
@@ -9849,12 +9850,12 @@
                 <a:effectLst/>
                 <a:extLst>
                   <a:ext uri="{909E8E84-426E-40dd-AFC4-6F175D3DCCD1}">
-                    <a14:hiddenFill xmlns:a14="http://schemas.microsoft.com/office/drawing/2010/main" xmlns="">
+                    <a14:hiddenFill xmlns="" xmlns:a14="http://schemas.microsoft.com/office/drawing/2010/main">
                       <a:noFill/>
                     </a14:hiddenFill>
                   </a:ext>
                   <a:ext uri="{AF507438-7753-43e0-B8FC-AC1667EBCBE1}">
-                    <a14:hiddenEffects xmlns:a14="http://schemas.microsoft.com/office/drawing/2010/main" xmlns="">
+                    <a14:hiddenEffects xmlns="" xmlns:a14="http://schemas.microsoft.com/office/drawing/2010/main">
                       <a:effectLst>
                         <a:outerShdw blurRad="63500" dist="38099" dir="2700000" algn="ctr" rotWithShape="0">
                           <a:schemeClr val="bg2">
@@ -9907,12 +9908,12 @@
                 <a:effectLst/>
                 <a:extLst>
                   <a:ext uri="{909E8E84-426E-40dd-AFC4-6F175D3DCCD1}">
-                    <a14:hiddenFill xmlns:a14="http://schemas.microsoft.com/office/drawing/2010/main" xmlns="">
+                    <a14:hiddenFill xmlns="" xmlns:a14="http://schemas.microsoft.com/office/drawing/2010/main">
                       <a:noFill/>
                     </a14:hiddenFill>
                   </a:ext>
                   <a:ext uri="{AF507438-7753-43e0-B8FC-AC1667EBCBE1}">
-                    <a14:hiddenEffects xmlns:a14="http://schemas.microsoft.com/office/drawing/2010/main" xmlns="">
+                    <a14:hiddenEffects xmlns="" xmlns:a14="http://schemas.microsoft.com/office/drawing/2010/main">
                       <a:effectLst>
                         <a:outerShdw blurRad="63500" dist="38099" dir="2700000" algn="ctr" rotWithShape="0">
                           <a:schemeClr val="bg2">
@@ -9965,12 +9966,12 @@
                 <a:effectLst/>
                 <a:extLst>
                   <a:ext uri="{909E8E84-426E-40dd-AFC4-6F175D3DCCD1}">
-                    <a14:hiddenFill xmlns:a14="http://schemas.microsoft.com/office/drawing/2010/main" xmlns="">
+                    <a14:hiddenFill xmlns="" xmlns:a14="http://schemas.microsoft.com/office/drawing/2010/main">
                       <a:noFill/>
                     </a14:hiddenFill>
                   </a:ext>
                   <a:ext uri="{AF507438-7753-43e0-B8FC-AC1667EBCBE1}">
-                    <a14:hiddenEffects xmlns:a14="http://schemas.microsoft.com/office/drawing/2010/main" xmlns="">
+                    <a14:hiddenEffects xmlns="" xmlns:a14="http://schemas.microsoft.com/office/drawing/2010/main">
                       <a:effectLst>
                         <a:outerShdw blurRad="63500" dist="38099" dir="2700000" algn="ctr" rotWithShape="0">
                           <a:schemeClr val="bg2">
@@ -10023,12 +10024,12 @@
                 <a:effectLst/>
                 <a:extLst>
                   <a:ext uri="{909E8E84-426E-40dd-AFC4-6F175D3DCCD1}">
-                    <a14:hiddenFill xmlns:a14="http://schemas.microsoft.com/office/drawing/2010/main" xmlns="">
+                    <a14:hiddenFill xmlns="" xmlns:a14="http://schemas.microsoft.com/office/drawing/2010/main">
                       <a:noFill/>
                     </a14:hiddenFill>
                   </a:ext>
                   <a:ext uri="{AF507438-7753-43e0-B8FC-AC1667EBCBE1}">
-                    <a14:hiddenEffects xmlns:a14="http://schemas.microsoft.com/office/drawing/2010/main" xmlns="">
+                    <a14:hiddenEffects xmlns="" xmlns:a14="http://schemas.microsoft.com/office/drawing/2010/main">
                       <a:effectLst>
                         <a:outerShdw blurRad="63500" dist="38099" dir="2700000" algn="ctr" rotWithShape="0">
                           <a:schemeClr val="bg2">
@@ -10081,12 +10082,12 @@
                 <a:effectLst/>
                 <a:extLst>
                   <a:ext uri="{909E8E84-426E-40dd-AFC4-6F175D3DCCD1}">
-                    <a14:hiddenFill xmlns:a14="http://schemas.microsoft.com/office/drawing/2010/main" xmlns="">
+                    <a14:hiddenFill xmlns="" xmlns:a14="http://schemas.microsoft.com/office/drawing/2010/main">
                       <a:noFill/>
                     </a14:hiddenFill>
                   </a:ext>
                   <a:ext uri="{AF507438-7753-43e0-B8FC-AC1667EBCBE1}">
-                    <a14:hiddenEffects xmlns:a14="http://schemas.microsoft.com/office/drawing/2010/main" xmlns="">
+                    <a14:hiddenEffects xmlns="" xmlns:a14="http://schemas.microsoft.com/office/drawing/2010/main">
                       <a:effectLst>
                         <a:outerShdw blurRad="63500" dist="38099" dir="2700000" algn="ctr" rotWithShape="0">
                           <a:schemeClr val="bg2">
@@ -10139,12 +10140,12 @@
                 <a:effectLst/>
                 <a:extLst>
                   <a:ext uri="{909E8E84-426E-40dd-AFC4-6F175D3DCCD1}">
-                    <a14:hiddenFill xmlns:a14="http://schemas.microsoft.com/office/drawing/2010/main" xmlns="">
+                    <a14:hiddenFill xmlns="" xmlns:a14="http://schemas.microsoft.com/office/drawing/2010/main">
                       <a:noFill/>
                     </a14:hiddenFill>
                   </a:ext>
                   <a:ext uri="{AF507438-7753-43e0-B8FC-AC1667EBCBE1}">
-                    <a14:hiddenEffects xmlns:a14="http://schemas.microsoft.com/office/drawing/2010/main" xmlns="">
+                    <a14:hiddenEffects xmlns="" xmlns:a14="http://schemas.microsoft.com/office/drawing/2010/main">
                       <a:effectLst>
                         <a:outerShdw blurRad="63500" dist="38099" dir="2700000" algn="ctr" rotWithShape="0">
                           <a:schemeClr val="bg2">
@@ -10197,12 +10198,12 @@
                 <a:effectLst/>
                 <a:extLst>
                   <a:ext uri="{909E8E84-426E-40dd-AFC4-6F175D3DCCD1}">
-                    <a14:hiddenFill xmlns:a14="http://schemas.microsoft.com/office/drawing/2010/main" xmlns="">
+                    <a14:hiddenFill xmlns="" xmlns:a14="http://schemas.microsoft.com/office/drawing/2010/main">
                       <a:noFill/>
                     </a14:hiddenFill>
                   </a:ext>
                   <a:ext uri="{AF507438-7753-43e0-B8FC-AC1667EBCBE1}">
-                    <a14:hiddenEffects xmlns:a14="http://schemas.microsoft.com/office/drawing/2010/main" xmlns="">
+                    <a14:hiddenEffects xmlns="" xmlns:a14="http://schemas.microsoft.com/office/drawing/2010/main">
                       <a:effectLst>
                         <a:outerShdw blurRad="63500" dist="38099" dir="2700000" algn="ctr" rotWithShape="0">
                           <a:schemeClr val="bg2">
@@ -10255,12 +10256,12 @@
                 <a:effectLst/>
                 <a:extLst>
                   <a:ext uri="{909E8E84-426E-40dd-AFC4-6F175D3DCCD1}">
-                    <a14:hiddenFill xmlns:a14="http://schemas.microsoft.com/office/drawing/2010/main" xmlns="">
+                    <a14:hiddenFill xmlns="" xmlns:a14="http://schemas.microsoft.com/office/drawing/2010/main">
                       <a:noFill/>
                     </a14:hiddenFill>
                   </a:ext>
                   <a:ext uri="{AF507438-7753-43e0-B8FC-AC1667EBCBE1}">
-                    <a14:hiddenEffects xmlns:a14="http://schemas.microsoft.com/office/drawing/2010/main" xmlns="">
+                    <a14:hiddenEffects xmlns="" xmlns:a14="http://schemas.microsoft.com/office/drawing/2010/main">
                       <a:effectLst>
                         <a:outerShdw blurRad="63500" dist="38099" dir="2700000" algn="ctr" rotWithShape="0">
                           <a:schemeClr val="bg2">
@@ -10313,12 +10314,12 @@
                 <a:effectLst/>
                 <a:extLst>
                   <a:ext uri="{909E8E84-426E-40dd-AFC4-6F175D3DCCD1}">
-                    <a14:hiddenFill xmlns:a14="http://schemas.microsoft.com/office/drawing/2010/main" xmlns="">
+                    <a14:hiddenFill xmlns="" xmlns:a14="http://schemas.microsoft.com/office/drawing/2010/main">
                       <a:noFill/>
                     </a14:hiddenFill>
                   </a:ext>
                   <a:ext uri="{AF507438-7753-43e0-B8FC-AC1667EBCBE1}">
-                    <a14:hiddenEffects xmlns:a14="http://schemas.microsoft.com/office/drawing/2010/main" xmlns="">
+                    <a14:hiddenEffects xmlns="" xmlns:a14="http://schemas.microsoft.com/office/drawing/2010/main">
                       <a:effectLst>
                         <a:outerShdw blurRad="63500" dist="38099" dir="2700000" algn="ctr" rotWithShape="0">
                           <a:schemeClr val="bg2">
@@ -10371,12 +10372,12 @@
                 <a:effectLst/>
                 <a:extLst>
                   <a:ext uri="{909E8E84-426E-40dd-AFC4-6F175D3DCCD1}">
-                    <a14:hiddenFill xmlns:a14="http://schemas.microsoft.com/office/drawing/2010/main" xmlns="">
+                    <a14:hiddenFill xmlns="" xmlns:a14="http://schemas.microsoft.com/office/drawing/2010/main">
                       <a:noFill/>
                     </a14:hiddenFill>
                   </a:ext>
                   <a:ext uri="{AF507438-7753-43e0-B8FC-AC1667EBCBE1}">
-                    <a14:hiddenEffects xmlns:a14="http://schemas.microsoft.com/office/drawing/2010/main" xmlns="">
+                    <a14:hiddenEffects xmlns="" xmlns:a14="http://schemas.microsoft.com/office/drawing/2010/main">
                       <a:effectLst>
                         <a:outerShdw blurRad="63500" dist="38099" dir="2700000" algn="ctr" rotWithShape="0">
                           <a:schemeClr val="bg2">
@@ -10428,7 +10429,7 @@
             <a:effectLst/>
             <a:extLst>
               <a:ext uri="{91240B29-F687-4f45-9708-019B960494DF}">
-                <a14:hiddenLine xmlns:a14="http://schemas.microsoft.com/office/drawing/2010/main" xmlns="" w="9525">
+                <a14:hiddenLine xmlns="" xmlns:a14="http://schemas.microsoft.com/office/drawing/2010/main" w="9525">
                   <a:solidFill>
                     <a:schemeClr val="tx1"/>
                   </a:solidFill>
@@ -10438,7 +10439,7 @@
                 </a14:hiddenLine>
               </a:ext>
               <a:ext uri="{AF507438-7753-43e0-B8FC-AC1667EBCBE1}">
-                <a14:hiddenEffects xmlns:a14="http://schemas.microsoft.com/office/drawing/2010/main" xmlns="">
+                <a14:hiddenEffects xmlns="" xmlns:a14="http://schemas.microsoft.com/office/drawing/2010/main">
                   <a:effectLst>
                     <a:outerShdw blurRad="63500" dist="38099" dir="2700000" algn="ctr" rotWithShape="0">
                       <a:schemeClr val="bg2">
@@ -10486,12 +10487,12 @@
             <a:effectLst/>
             <a:extLst>
               <a:ext uri="{909E8E84-426E-40dd-AFC4-6F175D3DCCD1}">
-                <a14:hiddenFill xmlns:a14="http://schemas.microsoft.com/office/drawing/2010/main" xmlns="">
+                <a14:hiddenFill xmlns="" xmlns:a14="http://schemas.microsoft.com/office/drawing/2010/main">
                   <a:noFill/>
                 </a14:hiddenFill>
               </a:ext>
               <a:ext uri="{AF507438-7753-43e0-B8FC-AC1667EBCBE1}">
-                <a14:hiddenEffects xmlns:a14="http://schemas.microsoft.com/office/drawing/2010/main" xmlns="">
+                <a14:hiddenEffects xmlns="" xmlns:a14="http://schemas.microsoft.com/office/drawing/2010/main">
                   <a:effectLst>
                     <a:outerShdw blurRad="63500" dist="38099" dir="2700000" algn="ctr" rotWithShape="0">
                       <a:schemeClr val="bg2">
@@ -10555,12 +10556,12 @@
               <a:effectLst/>
               <a:extLst>
                 <a:ext uri="{909E8E84-426E-40dd-AFC4-6F175D3DCCD1}">
-                  <a14:hiddenFill xmlns:a14="http://schemas.microsoft.com/office/drawing/2010/main" xmlns="">
+                  <a14:hiddenFill xmlns="" xmlns:a14="http://schemas.microsoft.com/office/drawing/2010/main">
                     <a:noFill/>
                   </a14:hiddenFill>
                 </a:ext>
                 <a:ext uri="{AF507438-7753-43e0-B8FC-AC1667EBCBE1}">
-                  <a14:hiddenEffects xmlns:a14="http://schemas.microsoft.com/office/drawing/2010/main" xmlns="">
+                  <a14:hiddenEffects xmlns="" xmlns:a14="http://schemas.microsoft.com/office/drawing/2010/main">
                     <a:effectLst>
                       <a:outerShdw blurRad="63500" dist="38099" dir="2700000" algn="ctr" rotWithShape="0">
                         <a:schemeClr val="bg2">
@@ -10608,12 +10609,12 @@
               <a:effectLst/>
               <a:extLst>
                 <a:ext uri="{909E8E84-426E-40dd-AFC4-6F175D3DCCD1}">
-                  <a14:hiddenFill xmlns:a14="http://schemas.microsoft.com/office/drawing/2010/main" xmlns="">
+                  <a14:hiddenFill xmlns="" xmlns:a14="http://schemas.microsoft.com/office/drawing/2010/main">
                     <a:noFill/>
                   </a14:hiddenFill>
                 </a:ext>
                 <a:ext uri="{AF507438-7753-43e0-B8FC-AC1667EBCBE1}">
-                  <a14:hiddenEffects xmlns:a14="http://schemas.microsoft.com/office/drawing/2010/main" xmlns="">
+                  <a14:hiddenEffects xmlns="" xmlns:a14="http://schemas.microsoft.com/office/drawing/2010/main">
                     <a:effectLst>
                       <a:outerShdw blurRad="63500" dist="38099" dir="2700000" algn="ctr" rotWithShape="0">
                         <a:schemeClr val="bg2">
@@ -10741,14 +10742,14 @@
               <a:effectLst/>
               <a:extLst>
                 <a:ext uri="{909E8E84-426E-40dd-AFC4-6F175D3DCCD1}">
-                  <a14:hiddenFill xmlns:a14="http://schemas.microsoft.com/office/drawing/2010/main" xmlns="">
+                  <a14:hiddenFill xmlns="" xmlns:a14="http://schemas.microsoft.com/office/drawing/2010/main">
                     <a:solidFill>
                       <a:schemeClr val="accent1"/>
                     </a:solidFill>
                   </a14:hiddenFill>
                 </a:ext>
                 <a:ext uri="{AF507438-7753-43e0-B8FC-AC1667EBCBE1}">
-                  <a14:hiddenEffects xmlns:a14="http://schemas.microsoft.com/office/drawing/2010/main" xmlns="">
+                  <a14:hiddenEffects xmlns="" xmlns:a14="http://schemas.microsoft.com/office/drawing/2010/main">
                     <a:effectLst>
                       <a:outerShdw blurRad="63500" dist="38099" dir="2700000" algn="ctr" rotWithShape="0">
                         <a:schemeClr val="bg2">
@@ -10795,17 +10796,17 @@
           <a:effectLst/>
           <a:extLst>
             <a:ext uri="{FAA26D3D-D897-4be2-8F04-BA451C77F1D7}">
-              <ma14:placeholderFlag xmlns:ma14="http://schemas.microsoft.com/office/mac/drawingml/2011/main" xmlns="" val="1"/>
+              <ma14:placeholderFlag xmlns="" xmlns:ma14="http://schemas.microsoft.com/office/mac/drawingml/2011/main" val="1"/>
             </a:ext>
             <a:ext uri="{909E8E84-426E-40dd-AFC4-6F175D3DCCD1}">
-              <a14:hiddenFill xmlns:a14="http://schemas.microsoft.com/office/drawing/2010/main" xmlns="">
+              <a14:hiddenFill xmlns="" xmlns:a14="http://schemas.microsoft.com/office/drawing/2010/main">
                 <a:solidFill>
                   <a:schemeClr val="accent1"/>
                 </a:solidFill>
               </a14:hiddenFill>
             </a:ext>
             <a:ext uri="{91240B29-F687-4f45-9708-019B960494DF}">
-              <a14:hiddenLine xmlns:a14="http://schemas.microsoft.com/office/drawing/2010/main" xmlns="" w="9525">
+              <a14:hiddenLine xmlns="" xmlns:a14="http://schemas.microsoft.com/office/drawing/2010/main" w="9525">
                 <a:solidFill>
                   <a:schemeClr val="tx1"/>
                 </a:solidFill>
@@ -10815,7 +10816,7 @@
               </a14:hiddenLine>
             </a:ext>
             <a:ext uri="{AF507438-7753-43e0-B8FC-AC1667EBCBE1}">
-              <a14:hiddenEffects xmlns:a14="http://schemas.microsoft.com/office/drawing/2010/main" xmlns="">
+              <a14:hiddenEffects xmlns="" xmlns:a14="http://schemas.microsoft.com/office/drawing/2010/main">
                 <a:effectLst>
                   <a:outerShdw blurRad="63500" dist="38099" dir="2700000" algn="ctr" rotWithShape="0">
                     <a:schemeClr val="bg2">
@@ -10868,17 +10869,17 @@
           <a:effectLst/>
           <a:extLst>
             <a:ext uri="{FAA26D3D-D897-4be2-8F04-BA451C77F1D7}">
-              <ma14:placeholderFlag xmlns:ma14="http://schemas.microsoft.com/office/mac/drawingml/2011/main" xmlns="" val="1"/>
+              <ma14:placeholderFlag xmlns="" xmlns:ma14="http://schemas.microsoft.com/office/mac/drawingml/2011/main" val="1"/>
             </a:ext>
             <a:ext uri="{909E8E84-426E-40dd-AFC4-6F175D3DCCD1}">
-              <a14:hiddenFill xmlns:a14="http://schemas.microsoft.com/office/drawing/2010/main" xmlns="">
+              <a14:hiddenFill xmlns="" xmlns:a14="http://schemas.microsoft.com/office/drawing/2010/main">
                 <a:solidFill>
                   <a:schemeClr val="accent1"/>
                 </a:solidFill>
               </a14:hiddenFill>
             </a:ext>
             <a:ext uri="{91240B29-F687-4f45-9708-019B960494DF}">
-              <a14:hiddenLine xmlns:a14="http://schemas.microsoft.com/office/drawing/2010/main" xmlns="" w="9525">
+              <a14:hiddenLine xmlns="" xmlns:a14="http://schemas.microsoft.com/office/drawing/2010/main" w="9525">
                 <a:solidFill>
                   <a:schemeClr val="tx1"/>
                 </a:solidFill>
@@ -10888,7 +10889,7 @@
               </a14:hiddenLine>
             </a:ext>
             <a:ext uri="{AF507438-7753-43e0-B8FC-AC1667EBCBE1}">
-              <a14:hiddenEffects xmlns:a14="http://schemas.microsoft.com/office/drawing/2010/main" xmlns="">
+              <a14:hiddenEffects xmlns="" xmlns:a14="http://schemas.microsoft.com/office/drawing/2010/main">
                 <a:effectLst>
                   <a:outerShdw blurRad="63500" dist="38099" dir="2700000" algn="ctr" rotWithShape="0">
                     <a:schemeClr val="bg2">
@@ -10969,17 +10970,17 @@
           <a:effectLst/>
           <a:extLst>
             <a:ext uri="{FAA26D3D-D897-4be2-8F04-BA451C77F1D7}">
-              <ma14:placeholderFlag xmlns:ma14="http://schemas.microsoft.com/office/mac/drawingml/2011/main" xmlns="" val="1"/>
+              <ma14:placeholderFlag xmlns="" xmlns:ma14="http://schemas.microsoft.com/office/mac/drawingml/2011/main" val="1"/>
             </a:ext>
             <a:ext uri="{909E8E84-426E-40dd-AFC4-6F175D3DCCD1}">
-              <a14:hiddenFill xmlns:a14="http://schemas.microsoft.com/office/drawing/2010/main" xmlns="">
+              <a14:hiddenFill xmlns="" xmlns:a14="http://schemas.microsoft.com/office/drawing/2010/main">
                 <a:solidFill>
                   <a:schemeClr val="accent1"/>
                 </a:solidFill>
               </a14:hiddenFill>
             </a:ext>
             <a:ext uri="{91240B29-F687-4f45-9708-019B960494DF}">
-              <a14:hiddenLine xmlns:a14="http://schemas.microsoft.com/office/drawing/2010/main" xmlns="" w="9525">
+              <a14:hiddenLine xmlns="" xmlns:a14="http://schemas.microsoft.com/office/drawing/2010/main" w="9525">
                 <a:solidFill>
                   <a:schemeClr val="tx1"/>
                 </a:solidFill>
@@ -10989,7 +10990,7 @@
               </a14:hiddenLine>
             </a:ext>
             <a:ext uri="{AF507438-7753-43e0-B8FC-AC1667EBCBE1}">
-              <a14:hiddenEffects xmlns:a14="http://schemas.microsoft.com/office/drawing/2010/main" xmlns="">
+              <a14:hiddenEffects xmlns="" xmlns:a14="http://schemas.microsoft.com/office/drawing/2010/main">
                 <a:effectLst>
                   <a:outerShdw blurRad="63500" dist="38099" dir="2700000" algn="ctr" rotWithShape="0">
                     <a:schemeClr val="bg2">
@@ -11042,17 +11043,17 @@
           <a:effectLst/>
           <a:extLst>
             <a:ext uri="{FAA26D3D-D897-4be2-8F04-BA451C77F1D7}">
-              <ma14:placeholderFlag xmlns:ma14="http://schemas.microsoft.com/office/mac/drawingml/2011/main" xmlns="" val="1"/>
+              <ma14:placeholderFlag xmlns="" xmlns:ma14="http://schemas.microsoft.com/office/mac/drawingml/2011/main" val="1"/>
             </a:ext>
             <a:ext uri="{909E8E84-426E-40dd-AFC4-6F175D3DCCD1}">
-              <a14:hiddenFill xmlns:a14="http://schemas.microsoft.com/office/drawing/2010/main" xmlns="">
+              <a14:hiddenFill xmlns="" xmlns:a14="http://schemas.microsoft.com/office/drawing/2010/main">
                 <a:solidFill>
                   <a:schemeClr val="accent1"/>
                 </a:solidFill>
               </a14:hiddenFill>
             </a:ext>
             <a:ext uri="{91240B29-F687-4f45-9708-019B960494DF}">
-              <a14:hiddenLine xmlns:a14="http://schemas.microsoft.com/office/drawing/2010/main" xmlns="" w="9525">
+              <a14:hiddenLine xmlns="" xmlns:a14="http://schemas.microsoft.com/office/drawing/2010/main" w="9525">
                 <a:solidFill>
                   <a:schemeClr val="tx1"/>
                 </a:solidFill>
@@ -11062,7 +11063,7 @@
               </a14:hiddenLine>
             </a:ext>
             <a:ext uri="{AF507438-7753-43e0-B8FC-AC1667EBCBE1}">
-              <a14:hiddenEffects xmlns:a14="http://schemas.microsoft.com/office/drawing/2010/main" xmlns="">
+              <a14:hiddenEffects xmlns="" xmlns:a14="http://schemas.microsoft.com/office/drawing/2010/main">
                 <a:effectLst>
                   <a:outerShdw blurRad="63500" dist="38099" dir="2700000" algn="ctr" rotWithShape="0">
                     <a:schemeClr val="bg2">
@@ -11602,7 +11603,7 @@
           <a:ln/>
           <a:extLst>
             <a:ext uri="{91240B29-F687-4f45-9708-019B960494DF}">
-              <a14:hiddenLine xmlns:a14="http://schemas.microsoft.com/office/drawing/2010/main" xmlns="" w="12700">
+              <a14:hiddenLine xmlns="" xmlns:a14="http://schemas.microsoft.com/office/drawing/2010/main" w="12700">
                 <a:solidFill>
                   <a:schemeClr val="tx1"/>
                 </a:solidFill>
@@ -11916,7 +11917,7 @@
           <a:effectLst/>
           <a:extLst>
             <a:ext uri="{AF507438-7753-43e0-B8FC-AC1667EBCBE1}">
-              <a14:hiddenEffects xmlns:a14="http://schemas.microsoft.com/office/drawing/2010/main" xmlns="">
+              <a14:hiddenEffects xmlns="" xmlns:a14="http://schemas.microsoft.com/office/drawing/2010/main">
                 <a:effectLst>
                   <a:outerShdw blurRad="63500" dist="38099" dir="2700000" algn="ctr" rotWithShape="0">
                     <a:schemeClr val="bg2">
@@ -12030,7 +12031,7 @@
           <a:effectLst/>
           <a:extLst>
             <a:ext uri="{AF507438-7753-43e0-B8FC-AC1667EBCBE1}">
-              <a14:hiddenEffects xmlns:a14="http://schemas.microsoft.com/office/drawing/2010/main" xmlns="">
+              <a14:hiddenEffects xmlns="" xmlns:a14="http://schemas.microsoft.com/office/drawing/2010/main">
                 <a:effectLst>
                   <a:outerShdw blurRad="63500" dist="38099" dir="2700000" algn="ctr" rotWithShape="0">
                     <a:schemeClr val="bg2">
@@ -12175,7 +12176,7 @@
           <a:effectLst/>
           <a:extLst>
             <a:ext uri="{AF507438-7753-43e0-B8FC-AC1667EBCBE1}">
-              <a14:hiddenEffects xmlns:a14="http://schemas.microsoft.com/office/drawing/2010/main" xmlns="">
+              <a14:hiddenEffects xmlns="" xmlns:a14="http://schemas.microsoft.com/office/drawing/2010/main">
                 <a:effectLst>
                   <a:outerShdw blurRad="63500" dist="38099" dir="2700000" algn="ctr" rotWithShape="0">
                     <a:schemeClr val="bg2">
@@ -12217,7 +12218,7 @@
           <a:effectLst/>
           <a:extLst>
             <a:ext uri="{AF507438-7753-43e0-B8FC-AC1667EBCBE1}">
-              <a14:hiddenEffects xmlns:a14="http://schemas.microsoft.com/office/drawing/2010/main" xmlns="">
+              <a14:hiddenEffects xmlns="" xmlns:a14="http://schemas.microsoft.com/office/drawing/2010/main">
                 <a:effectLst>
                   <a:outerShdw blurRad="63500" dist="38099" dir="2700000" algn="ctr" rotWithShape="0">
                     <a:schemeClr val="bg2">
@@ -12398,7 +12399,7 @@
           <a:effectLst/>
           <a:extLst>
             <a:ext uri="{AF507438-7753-43e0-B8FC-AC1667EBCBE1}">
-              <a14:hiddenEffects xmlns:a14="http://schemas.microsoft.com/office/drawing/2010/main" xmlns="">
+              <a14:hiddenEffects xmlns="" xmlns:a14="http://schemas.microsoft.com/office/drawing/2010/main">
                 <a:effectLst>
                   <a:outerShdw blurRad="63500" dist="38099" dir="2700000" algn="ctr" rotWithShape="0">
                     <a:schemeClr val="bg2">
@@ -12440,7 +12441,7 @@
           <a:effectLst/>
           <a:extLst>
             <a:ext uri="{AF507438-7753-43e0-B8FC-AC1667EBCBE1}">
-              <a14:hiddenEffects xmlns:a14="http://schemas.microsoft.com/office/drawing/2010/main" xmlns="">
+              <a14:hiddenEffects xmlns="" xmlns:a14="http://schemas.microsoft.com/office/drawing/2010/main">
                 <a:effectLst>
                   <a:outerShdw blurRad="63500" dist="38099" dir="2700000" algn="ctr" rotWithShape="0">
                     <a:schemeClr val="bg2">
@@ -12525,7 +12526,7 @@
           <a:effectLst/>
           <a:extLst>
             <a:ext uri="{AF507438-7753-43e0-B8FC-AC1667EBCBE1}">
-              <a14:hiddenEffects xmlns:a14="http://schemas.microsoft.com/office/drawing/2010/main" xmlns="">
+              <a14:hiddenEffects xmlns="" xmlns:a14="http://schemas.microsoft.com/office/drawing/2010/main">
                 <a:effectLst>
                   <a:outerShdw blurRad="63500" dist="38099" dir="2700000" algn="ctr" rotWithShape="0">
                     <a:schemeClr val="bg2">
@@ -12663,7 +12664,7 @@
           <a:effectLst/>
           <a:extLst>
             <a:ext uri="{AF507438-7753-43e0-B8FC-AC1667EBCBE1}">
-              <a14:hiddenEffects xmlns:a14="http://schemas.microsoft.com/office/drawing/2010/main" xmlns="">
+              <a14:hiddenEffects xmlns="" xmlns:a14="http://schemas.microsoft.com/office/drawing/2010/main">
                 <a:effectLst>
                   <a:outerShdw blurRad="63500" dist="38099" dir="2700000" algn="ctr" rotWithShape="0">
                     <a:schemeClr val="bg2">
@@ -12828,7 +12829,7 @@
           <a:effectLst/>
           <a:extLst>
             <a:ext uri="{AF507438-7753-43e0-B8FC-AC1667EBCBE1}">
-              <a14:hiddenEffects xmlns:a14="http://schemas.microsoft.com/office/drawing/2010/main" xmlns="">
+              <a14:hiddenEffects xmlns="" xmlns:a14="http://schemas.microsoft.com/office/drawing/2010/main">
                 <a:effectLst>
                   <a:outerShdw blurRad="63500" dist="38099" dir="2700000" algn="ctr" rotWithShape="0">
                     <a:schemeClr val="bg2">
@@ -12870,7 +12871,7 @@
           <a:effectLst/>
           <a:extLst>
             <a:ext uri="{AF507438-7753-43e0-B8FC-AC1667EBCBE1}">
-              <a14:hiddenEffects xmlns:a14="http://schemas.microsoft.com/office/drawing/2010/main" xmlns="">
+              <a14:hiddenEffects xmlns="" xmlns:a14="http://schemas.microsoft.com/office/drawing/2010/main">
                 <a:effectLst>
                   <a:outerShdw blurRad="63500" dist="38099" dir="2700000" algn="ctr" rotWithShape="0">
                     <a:schemeClr val="bg2">
@@ -13424,7 +13425,7 @@
           <a:effectLst/>
           <a:extLst>
             <a:ext uri="{AF507438-7753-43e0-B8FC-AC1667EBCBE1}">
-              <a14:hiddenEffects xmlns:a14="http://schemas.microsoft.com/office/drawing/2010/main" xmlns="">
+              <a14:hiddenEffects xmlns="" xmlns:a14="http://schemas.microsoft.com/office/drawing/2010/main">
                 <a:effectLst>
                   <a:outerShdw blurRad="63500" dist="38099" dir="2700000" algn="ctr" rotWithShape="0">
                     <a:schemeClr val="bg2">
@@ -13538,7 +13539,7 @@
           <a:effectLst/>
           <a:extLst>
             <a:ext uri="{AF507438-7753-43e0-B8FC-AC1667EBCBE1}">
-              <a14:hiddenEffects xmlns:a14="http://schemas.microsoft.com/office/drawing/2010/main" xmlns="">
+              <a14:hiddenEffects xmlns="" xmlns:a14="http://schemas.microsoft.com/office/drawing/2010/main">
                 <a:effectLst>
                   <a:outerShdw blurRad="63500" dist="38099" dir="2700000" algn="ctr" rotWithShape="0">
                     <a:schemeClr val="bg2">
@@ -13680,7 +13681,7 @@
           <a:effectLst/>
           <a:extLst>
             <a:ext uri="{AF507438-7753-43e0-B8FC-AC1667EBCBE1}">
-              <a14:hiddenEffects xmlns:a14="http://schemas.microsoft.com/office/drawing/2010/main" xmlns="">
+              <a14:hiddenEffects xmlns="" xmlns:a14="http://schemas.microsoft.com/office/drawing/2010/main">
                 <a:effectLst>
                   <a:outerShdw blurRad="63500" dist="38099" dir="2700000" algn="ctr" rotWithShape="0">
                     <a:schemeClr val="bg2">
@@ -13722,7 +13723,7 @@
           <a:effectLst/>
           <a:extLst>
             <a:ext uri="{AF507438-7753-43e0-B8FC-AC1667EBCBE1}">
-              <a14:hiddenEffects xmlns:a14="http://schemas.microsoft.com/office/drawing/2010/main" xmlns="">
+              <a14:hiddenEffects xmlns="" xmlns:a14="http://schemas.microsoft.com/office/drawing/2010/main">
                 <a:effectLst>
                   <a:outerShdw blurRad="63500" dist="38099" dir="2700000" algn="ctr" rotWithShape="0">
                     <a:schemeClr val="bg2">
@@ -13903,7 +13904,7 @@
           <a:effectLst/>
           <a:extLst>
             <a:ext uri="{AF507438-7753-43e0-B8FC-AC1667EBCBE1}">
-              <a14:hiddenEffects xmlns:a14="http://schemas.microsoft.com/office/drawing/2010/main" xmlns="">
+              <a14:hiddenEffects xmlns="" xmlns:a14="http://schemas.microsoft.com/office/drawing/2010/main">
                 <a:effectLst>
                   <a:outerShdw blurRad="63500" dist="38099" dir="2700000" algn="ctr" rotWithShape="0">
                     <a:schemeClr val="bg2">
@@ -13945,7 +13946,7 @@
           <a:effectLst/>
           <a:extLst>
             <a:ext uri="{AF507438-7753-43e0-B8FC-AC1667EBCBE1}">
-              <a14:hiddenEffects xmlns:a14="http://schemas.microsoft.com/office/drawing/2010/main" xmlns="">
+              <a14:hiddenEffects xmlns="" xmlns:a14="http://schemas.microsoft.com/office/drawing/2010/main">
                 <a:effectLst>
                   <a:outerShdw blurRad="63500" dist="38099" dir="2700000" algn="ctr" rotWithShape="0">
                     <a:schemeClr val="bg2">
@@ -14030,7 +14031,7 @@
           <a:effectLst/>
           <a:extLst>
             <a:ext uri="{AF507438-7753-43e0-B8FC-AC1667EBCBE1}">
-              <a14:hiddenEffects xmlns:a14="http://schemas.microsoft.com/office/drawing/2010/main" xmlns="">
+              <a14:hiddenEffects xmlns="" xmlns:a14="http://schemas.microsoft.com/office/drawing/2010/main">
                 <a:effectLst>
                   <a:outerShdw blurRad="63500" dist="38099" dir="2700000" algn="ctr" rotWithShape="0">
                     <a:schemeClr val="bg2">
@@ -14168,7 +14169,7 @@
           <a:effectLst/>
           <a:extLst>
             <a:ext uri="{AF507438-7753-43e0-B8FC-AC1667EBCBE1}">
-              <a14:hiddenEffects xmlns:a14="http://schemas.microsoft.com/office/drawing/2010/main" xmlns="">
+              <a14:hiddenEffects xmlns="" xmlns:a14="http://schemas.microsoft.com/office/drawing/2010/main">
                 <a:effectLst>
                   <a:outerShdw blurRad="63500" dist="38099" dir="2700000" algn="ctr" rotWithShape="0">
                     <a:schemeClr val="bg2">
@@ -14333,7 +14334,7 @@
           <a:effectLst/>
           <a:extLst>
             <a:ext uri="{AF507438-7753-43e0-B8FC-AC1667EBCBE1}">
-              <a14:hiddenEffects xmlns:a14="http://schemas.microsoft.com/office/drawing/2010/main" xmlns="">
+              <a14:hiddenEffects xmlns="" xmlns:a14="http://schemas.microsoft.com/office/drawing/2010/main">
                 <a:effectLst>
                   <a:outerShdw blurRad="63500" dist="38099" dir="2700000" algn="ctr" rotWithShape="0">
                     <a:schemeClr val="bg2">
@@ -14375,7 +14376,7 @@
           <a:effectLst/>
           <a:extLst>
             <a:ext uri="{AF507438-7753-43e0-B8FC-AC1667EBCBE1}">
-              <a14:hiddenEffects xmlns:a14="http://schemas.microsoft.com/office/drawing/2010/main" xmlns="">
+              <a14:hiddenEffects xmlns="" xmlns:a14="http://schemas.microsoft.com/office/drawing/2010/main">
                 <a:effectLst>
                   <a:outerShdw blurRad="63500" dist="38099" dir="2700000" algn="ctr" rotWithShape="0">
                     <a:schemeClr val="bg2">
@@ -14509,7 +14510,7 @@
           <a:effectLst/>
           <a:extLst>
             <a:ext uri="{AF507438-7753-43e0-B8FC-AC1667EBCBE1}">
-              <a14:hiddenEffects xmlns:a14="http://schemas.microsoft.com/office/drawing/2010/main" xmlns="">
+              <a14:hiddenEffects xmlns="" xmlns:a14="http://schemas.microsoft.com/office/drawing/2010/main">
                 <a:effectLst>
                   <a:outerShdw blurRad="63500" dist="38099" dir="2700000" algn="ctr" rotWithShape="0">
                     <a:schemeClr val="bg2">
@@ -14915,7 +14916,7 @@
           <a:effectLst/>
           <a:extLst>
             <a:ext uri="{AF507438-7753-43e0-B8FC-AC1667EBCBE1}">
-              <a14:hiddenEffects xmlns:a14="http://schemas.microsoft.com/office/drawing/2010/main" xmlns="">
+              <a14:hiddenEffects xmlns="" xmlns:a14="http://schemas.microsoft.com/office/drawing/2010/main">
                 <a:effectLst>
                   <a:outerShdw blurRad="63500" dist="38099" dir="2700000" algn="ctr" rotWithShape="0">
                     <a:schemeClr val="bg2">
@@ -14997,7 +14998,7 @@
           <a:effectLst/>
           <a:extLst>
             <a:ext uri="{AF507438-7753-43e0-B8FC-AC1667EBCBE1}">
-              <a14:hiddenEffects xmlns:a14="http://schemas.microsoft.com/office/drawing/2010/main" xmlns="">
+              <a14:hiddenEffects xmlns="" xmlns:a14="http://schemas.microsoft.com/office/drawing/2010/main">
                 <a:effectLst>
                   <a:outerShdw blurRad="63500" dist="38099" dir="2700000" algn="ctr" rotWithShape="0">
                     <a:schemeClr val="bg2">
@@ -15139,7 +15140,7 @@
           <a:effectLst/>
           <a:extLst>
             <a:ext uri="{AF507438-7753-43e0-B8FC-AC1667EBCBE1}">
-              <a14:hiddenEffects xmlns:a14="http://schemas.microsoft.com/office/drawing/2010/main" xmlns="">
+              <a14:hiddenEffects xmlns="" xmlns:a14="http://schemas.microsoft.com/office/drawing/2010/main">
                 <a:effectLst>
                   <a:outerShdw blurRad="63500" dist="38099" dir="2700000" algn="ctr" rotWithShape="0">
                     <a:schemeClr val="bg2">
@@ -15181,7 +15182,7 @@
           <a:effectLst/>
           <a:extLst>
             <a:ext uri="{AF507438-7753-43e0-B8FC-AC1667EBCBE1}">
-              <a14:hiddenEffects xmlns:a14="http://schemas.microsoft.com/office/drawing/2010/main" xmlns="">
+              <a14:hiddenEffects xmlns="" xmlns:a14="http://schemas.microsoft.com/office/drawing/2010/main">
                 <a:effectLst>
                   <a:outerShdw blurRad="63500" dist="38099" dir="2700000" algn="ctr" rotWithShape="0">
                     <a:schemeClr val="bg2">
@@ -15362,7 +15363,7 @@
           <a:effectLst/>
           <a:extLst>
             <a:ext uri="{AF507438-7753-43e0-B8FC-AC1667EBCBE1}">
-              <a14:hiddenEffects xmlns:a14="http://schemas.microsoft.com/office/drawing/2010/main" xmlns="">
+              <a14:hiddenEffects xmlns="" xmlns:a14="http://schemas.microsoft.com/office/drawing/2010/main">
                 <a:effectLst>
                   <a:outerShdw blurRad="63500" dist="38099" dir="2700000" algn="ctr" rotWithShape="0">
                     <a:schemeClr val="bg2">
@@ -15404,7 +15405,7 @@
           <a:effectLst/>
           <a:extLst>
             <a:ext uri="{AF507438-7753-43e0-B8FC-AC1667EBCBE1}">
-              <a14:hiddenEffects xmlns:a14="http://schemas.microsoft.com/office/drawing/2010/main" xmlns="">
+              <a14:hiddenEffects xmlns="" xmlns:a14="http://schemas.microsoft.com/office/drawing/2010/main">
                 <a:effectLst>
                   <a:outerShdw blurRad="63500" dist="38099" dir="2700000" algn="ctr" rotWithShape="0">
                     <a:schemeClr val="bg2">
@@ -15489,7 +15490,7 @@
           <a:effectLst/>
           <a:extLst>
             <a:ext uri="{AF507438-7753-43e0-B8FC-AC1667EBCBE1}">
-              <a14:hiddenEffects xmlns:a14="http://schemas.microsoft.com/office/drawing/2010/main" xmlns="">
+              <a14:hiddenEffects xmlns="" xmlns:a14="http://schemas.microsoft.com/office/drawing/2010/main">
                 <a:effectLst>
                   <a:outerShdw blurRad="63500" dist="38099" dir="2700000" algn="ctr" rotWithShape="0">
                     <a:schemeClr val="bg2">
@@ -15627,7 +15628,7 @@
           <a:effectLst/>
           <a:extLst>
             <a:ext uri="{AF507438-7753-43e0-B8FC-AC1667EBCBE1}">
-              <a14:hiddenEffects xmlns:a14="http://schemas.microsoft.com/office/drawing/2010/main" xmlns="">
+              <a14:hiddenEffects xmlns="" xmlns:a14="http://schemas.microsoft.com/office/drawing/2010/main">
                 <a:effectLst>
                   <a:outerShdw blurRad="63500" dist="38099" dir="2700000" algn="ctr" rotWithShape="0">
                     <a:schemeClr val="bg2">
@@ -15792,7 +15793,7 @@
           <a:effectLst/>
           <a:extLst>
             <a:ext uri="{AF507438-7753-43e0-B8FC-AC1667EBCBE1}">
-              <a14:hiddenEffects xmlns:a14="http://schemas.microsoft.com/office/drawing/2010/main" xmlns="">
+              <a14:hiddenEffects xmlns="" xmlns:a14="http://schemas.microsoft.com/office/drawing/2010/main">
                 <a:effectLst>
                   <a:outerShdw blurRad="63500" dist="38099" dir="2700000" algn="ctr" rotWithShape="0">
                     <a:schemeClr val="bg2">
@@ -15834,7 +15835,7 @@
           <a:effectLst/>
           <a:extLst>
             <a:ext uri="{AF507438-7753-43e0-B8FC-AC1667EBCBE1}">
-              <a14:hiddenEffects xmlns:a14="http://schemas.microsoft.com/office/drawing/2010/main" xmlns="">
+              <a14:hiddenEffects xmlns="" xmlns:a14="http://schemas.microsoft.com/office/drawing/2010/main">
                 <a:effectLst>
                   <a:outerShdw blurRad="63500" dist="38099" dir="2700000" algn="ctr" rotWithShape="0">
                     <a:schemeClr val="bg2">
@@ -15968,7 +15969,7 @@
           <a:effectLst/>
           <a:extLst>
             <a:ext uri="{AF507438-7753-43e0-B8FC-AC1667EBCBE1}">
-              <a14:hiddenEffects xmlns:a14="http://schemas.microsoft.com/office/drawing/2010/main" xmlns="">
+              <a14:hiddenEffects xmlns="" xmlns:a14="http://schemas.microsoft.com/office/drawing/2010/main">
                 <a:effectLst>
                   <a:outerShdw blurRad="63500" dist="38099" dir="2700000" algn="ctr" rotWithShape="0">
                     <a:schemeClr val="bg2">
@@ -16616,7 +16617,7 @@
           <a:effectLst/>
           <a:extLst>
             <a:ext uri="{AF507438-7753-43e0-B8FC-AC1667EBCBE1}">
-              <a14:hiddenEffects xmlns:a14="http://schemas.microsoft.com/office/drawing/2010/main" xmlns="">
+              <a14:hiddenEffects xmlns="" xmlns:a14="http://schemas.microsoft.com/office/drawing/2010/main">
                 <a:effectLst>
                   <a:outerShdw blurRad="63500" dist="38099" dir="2700000" algn="ctr" rotWithShape="0">
                     <a:schemeClr val="bg2">
@@ -16698,7 +16699,7 @@
           <a:effectLst/>
           <a:extLst>
             <a:ext uri="{AF507438-7753-43e0-B8FC-AC1667EBCBE1}">
-              <a14:hiddenEffects xmlns:a14="http://schemas.microsoft.com/office/drawing/2010/main" xmlns="">
+              <a14:hiddenEffects xmlns="" xmlns:a14="http://schemas.microsoft.com/office/drawing/2010/main">
                 <a:effectLst>
                   <a:outerShdw blurRad="63500" dist="38099" dir="2700000" algn="ctr" rotWithShape="0">
                     <a:schemeClr val="bg2">
@@ -16807,7 +16808,7 @@
           <a:effectLst/>
           <a:extLst>
             <a:ext uri="{AF507438-7753-43e0-B8FC-AC1667EBCBE1}">
-              <a14:hiddenEffects xmlns:a14="http://schemas.microsoft.com/office/drawing/2010/main" xmlns="">
+              <a14:hiddenEffects xmlns="" xmlns:a14="http://schemas.microsoft.com/office/drawing/2010/main">
                 <a:effectLst>
                   <a:outerShdw blurRad="63500" dist="38099" dir="2700000" algn="ctr" rotWithShape="0">
                     <a:schemeClr val="bg2">
@@ -16851,7 +16852,7 @@
           <a:effectLst/>
           <a:extLst>
             <a:ext uri="{AF507438-7753-43e0-B8FC-AC1667EBCBE1}">
-              <a14:hiddenEffects xmlns:a14="http://schemas.microsoft.com/office/drawing/2010/main" xmlns="">
+              <a14:hiddenEffects xmlns="" xmlns:a14="http://schemas.microsoft.com/office/drawing/2010/main">
                 <a:effectLst>
                   <a:outerShdw blurRad="63500" dist="38099" dir="2700000" algn="ctr" rotWithShape="0">
                     <a:schemeClr val="bg2">
@@ -16893,7 +16894,7 @@
           <a:effectLst/>
           <a:extLst>
             <a:ext uri="{AF507438-7753-43e0-B8FC-AC1667EBCBE1}">
-              <a14:hiddenEffects xmlns:a14="http://schemas.microsoft.com/office/drawing/2010/main" xmlns="">
+              <a14:hiddenEffects xmlns="" xmlns:a14="http://schemas.microsoft.com/office/drawing/2010/main">
                 <a:effectLst>
                   <a:outerShdw blurRad="63500" dist="38099" dir="2700000" algn="ctr" rotWithShape="0">
                     <a:schemeClr val="bg2">
@@ -17099,7 +17100,7 @@
           <a:effectLst/>
           <a:extLst>
             <a:ext uri="{AF507438-7753-43e0-B8FC-AC1667EBCBE1}">
-              <a14:hiddenEffects xmlns:a14="http://schemas.microsoft.com/office/drawing/2010/main" xmlns="">
+              <a14:hiddenEffects xmlns="" xmlns:a14="http://schemas.microsoft.com/office/drawing/2010/main">
                 <a:effectLst>
                   <a:outerShdw blurRad="63500" dist="38099" dir="2700000" algn="ctr" rotWithShape="0">
                     <a:schemeClr val="bg2">
@@ -17333,7 +17334,7 @@
           <a:effectLst/>
           <a:extLst>
             <a:ext uri="{AF507438-7753-43e0-B8FC-AC1667EBCBE1}">
-              <a14:hiddenEffects xmlns:a14="http://schemas.microsoft.com/office/drawing/2010/main" xmlns="">
+              <a14:hiddenEffects xmlns="" xmlns:a14="http://schemas.microsoft.com/office/drawing/2010/main">
                 <a:effectLst>
                   <a:outerShdw blurRad="63500" dist="38099" dir="2700000" algn="ctr" rotWithShape="0">
                     <a:schemeClr val="bg2">
@@ -17375,7 +17376,7 @@
           <a:effectLst/>
           <a:extLst>
             <a:ext uri="{AF507438-7753-43e0-B8FC-AC1667EBCBE1}">
-              <a14:hiddenEffects xmlns:a14="http://schemas.microsoft.com/office/drawing/2010/main" xmlns="">
+              <a14:hiddenEffects xmlns="" xmlns:a14="http://schemas.microsoft.com/office/drawing/2010/main">
                 <a:effectLst>
                   <a:outerShdw blurRad="63500" dist="38099" dir="2700000" algn="ctr" rotWithShape="0">
                     <a:schemeClr val="bg2">
@@ -17640,7 +17641,7 @@
           <a:effectLst/>
           <a:extLst>
             <a:ext uri="{AF507438-7753-43e0-B8FC-AC1667EBCBE1}">
-              <a14:hiddenEffects xmlns:a14="http://schemas.microsoft.com/office/drawing/2010/main" xmlns="">
+              <a14:hiddenEffects xmlns="" xmlns:a14="http://schemas.microsoft.com/office/drawing/2010/main">
                 <a:effectLst>
                   <a:outerShdw blurRad="63500" dist="38099" dir="2700000" algn="ctr" rotWithShape="0">
                     <a:schemeClr val="bg2">
@@ -17835,7 +17836,7 @@
           <a:effectLst/>
           <a:extLst>
             <a:ext uri="{AF507438-7753-43e0-B8FC-AC1667EBCBE1}">
-              <a14:hiddenEffects xmlns:a14="http://schemas.microsoft.com/office/drawing/2010/main" xmlns="">
+              <a14:hiddenEffects xmlns="" xmlns:a14="http://schemas.microsoft.com/office/drawing/2010/main">
                 <a:effectLst>
                   <a:outerShdw blurRad="63500" dist="38099" dir="2700000" algn="ctr" rotWithShape="0">
                     <a:schemeClr val="bg2">
@@ -17942,7 +17943,7 @@
           <a:effectLst/>
           <a:extLst>
             <a:ext uri="{AF507438-7753-43e0-B8FC-AC1667EBCBE1}">
-              <a14:hiddenEffects xmlns:a14="http://schemas.microsoft.com/office/drawing/2010/main" xmlns="">
+              <a14:hiddenEffects xmlns="" xmlns:a14="http://schemas.microsoft.com/office/drawing/2010/main">
                 <a:effectLst>
                   <a:outerShdw blurRad="63500" dist="38099" dir="2700000" algn="ctr" rotWithShape="0">
                     <a:schemeClr val="bg2">
@@ -18051,7 +18052,7 @@
           <a:effectLst/>
           <a:extLst>
             <a:ext uri="{AF507438-7753-43e0-B8FC-AC1667EBCBE1}">
-              <a14:hiddenEffects xmlns:a14="http://schemas.microsoft.com/office/drawing/2010/main" xmlns="">
+              <a14:hiddenEffects xmlns="" xmlns:a14="http://schemas.microsoft.com/office/drawing/2010/main">
                 <a:effectLst>
                   <a:outerShdw blurRad="63500" dist="38099" dir="2700000" algn="ctr" rotWithShape="0">
                     <a:schemeClr val="bg2">
@@ -18133,7 +18134,7 @@
           <a:effectLst/>
           <a:extLst>
             <a:ext uri="{AF507438-7753-43e0-B8FC-AC1667EBCBE1}">
-              <a14:hiddenEffects xmlns:a14="http://schemas.microsoft.com/office/drawing/2010/main" xmlns="">
+              <a14:hiddenEffects xmlns="" xmlns:a14="http://schemas.microsoft.com/office/drawing/2010/main">
                 <a:effectLst>
                   <a:outerShdw blurRad="63500" dist="38099" dir="2700000" algn="ctr" rotWithShape="0">
                     <a:schemeClr val="bg2">
@@ -18724,7 +18725,7 @@
           <a:effectLst/>
           <a:extLst>
             <a:ext uri="{AF507438-7753-43e0-B8FC-AC1667EBCBE1}">
-              <a14:hiddenEffects xmlns:a14="http://schemas.microsoft.com/office/drawing/2010/main" xmlns="">
+              <a14:hiddenEffects xmlns="" xmlns:a14="http://schemas.microsoft.com/office/drawing/2010/main">
                 <a:effectLst>
                   <a:outerShdw blurRad="63500" dist="38099" dir="2700000" algn="ctr" rotWithShape="0">
                     <a:schemeClr val="bg2">
@@ -18806,7 +18807,7 @@
           <a:effectLst/>
           <a:extLst>
             <a:ext uri="{AF507438-7753-43e0-B8FC-AC1667EBCBE1}">
-              <a14:hiddenEffects xmlns:a14="http://schemas.microsoft.com/office/drawing/2010/main" xmlns="">
+              <a14:hiddenEffects xmlns="" xmlns:a14="http://schemas.microsoft.com/office/drawing/2010/main">
                 <a:effectLst>
                   <a:outerShdw blurRad="63500" dist="38099" dir="2700000" algn="ctr" rotWithShape="0">
                     <a:schemeClr val="bg2">
@@ -18915,7 +18916,7 @@
           <a:effectLst/>
           <a:extLst>
             <a:ext uri="{AF507438-7753-43e0-B8FC-AC1667EBCBE1}">
-              <a14:hiddenEffects xmlns:a14="http://schemas.microsoft.com/office/drawing/2010/main" xmlns="">
+              <a14:hiddenEffects xmlns="" xmlns:a14="http://schemas.microsoft.com/office/drawing/2010/main">
                 <a:effectLst>
                   <a:outerShdw blurRad="63500" dist="38099" dir="2700000" algn="ctr" rotWithShape="0">
                     <a:schemeClr val="bg2">
@@ -18959,7 +18960,7 @@
           <a:effectLst/>
           <a:extLst>
             <a:ext uri="{AF507438-7753-43e0-B8FC-AC1667EBCBE1}">
-              <a14:hiddenEffects xmlns:a14="http://schemas.microsoft.com/office/drawing/2010/main" xmlns="">
+              <a14:hiddenEffects xmlns="" xmlns:a14="http://schemas.microsoft.com/office/drawing/2010/main">
                 <a:effectLst>
                   <a:outerShdw blurRad="63500" dist="38099" dir="2700000" algn="ctr" rotWithShape="0">
                     <a:schemeClr val="bg2">
@@ -19001,7 +19002,7 @@
           <a:effectLst/>
           <a:extLst>
             <a:ext uri="{AF507438-7753-43e0-B8FC-AC1667EBCBE1}">
-              <a14:hiddenEffects xmlns:a14="http://schemas.microsoft.com/office/drawing/2010/main" xmlns="">
+              <a14:hiddenEffects xmlns="" xmlns:a14="http://schemas.microsoft.com/office/drawing/2010/main">
                 <a:effectLst>
                   <a:outerShdw blurRad="63500" dist="38099" dir="2700000" algn="ctr" rotWithShape="0">
                     <a:schemeClr val="bg2">
@@ -19207,7 +19208,7 @@
           <a:effectLst/>
           <a:extLst>
             <a:ext uri="{AF507438-7753-43e0-B8FC-AC1667EBCBE1}">
-              <a14:hiddenEffects xmlns:a14="http://schemas.microsoft.com/office/drawing/2010/main" xmlns="">
+              <a14:hiddenEffects xmlns="" xmlns:a14="http://schemas.microsoft.com/office/drawing/2010/main">
                 <a:effectLst>
                   <a:outerShdw blurRad="63500" dist="38099" dir="2700000" algn="ctr" rotWithShape="0">
                     <a:schemeClr val="bg2">
@@ -19441,7 +19442,7 @@
           <a:effectLst/>
           <a:extLst>
             <a:ext uri="{AF507438-7753-43e0-B8FC-AC1667EBCBE1}">
-              <a14:hiddenEffects xmlns:a14="http://schemas.microsoft.com/office/drawing/2010/main" xmlns="">
+              <a14:hiddenEffects xmlns="" xmlns:a14="http://schemas.microsoft.com/office/drawing/2010/main">
                 <a:effectLst>
                   <a:outerShdw blurRad="63500" dist="38099" dir="2700000" algn="ctr" rotWithShape="0">
                     <a:schemeClr val="bg2">
@@ -19483,7 +19484,7 @@
           <a:effectLst/>
           <a:extLst>
             <a:ext uri="{AF507438-7753-43e0-B8FC-AC1667EBCBE1}">
-              <a14:hiddenEffects xmlns:a14="http://schemas.microsoft.com/office/drawing/2010/main" xmlns="">
+              <a14:hiddenEffects xmlns="" xmlns:a14="http://schemas.microsoft.com/office/drawing/2010/main">
                 <a:effectLst>
                   <a:outerShdw blurRad="63500" dist="38099" dir="2700000" algn="ctr" rotWithShape="0">
                     <a:schemeClr val="bg2">
@@ -19748,7 +19749,7 @@
           <a:effectLst/>
           <a:extLst>
             <a:ext uri="{AF507438-7753-43e0-B8FC-AC1667EBCBE1}">
-              <a14:hiddenEffects xmlns:a14="http://schemas.microsoft.com/office/drawing/2010/main" xmlns="">
+              <a14:hiddenEffects xmlns="" xmlns:a14="http://schemas.microsoft.com/office/drawing/2010/main">
                 <a:effectLst>
                   <a:outerShdw blurRad="63500" dist="38099" dir="2700000" algn="ctr" rotWithShape="0">
                     <a:schemeClr val="bg2">
@@ -19970,7 +19971,7 @@
           <a:effectLst/>
           <a:extLst>
             <a:ext uri="{AF507438-7753-43e0-B8FC-AC1667EBCBE1}">
-              <a14:hiddenEffects xmlns:a14="http://schemas.microsoft.com/office/drawing/2010/main" xmlns="">
+              <a14:hiddenEffects xmlns="" xmlns:a14="http://schemas.microsoft.com/office/drawing/2010/main">
                 <a:effectLst>
                   <a:outerShdw blurRad="63500" dist="38099" dir="2700000" algn="ctr" rotWithShape="0">
                     <a:schemeClr val="bg2">
@@ -20077,7 +20078,7 @@
           <a:effectLst/>
           <a:extLst>
             <a:ext uri="{AF507438-7753-43e0-B8FC-AC1667EBCBE1}">
-              <a14:hiddenEffects xmlns:a14="http://schemas.microsoft.com/office/drawing/2010/main" xmlns="">
+              <a14:hiddenEffects xmlns="" xmlns:a14="http://schemas.microsoft.com/office/drawing/2010/main">
                 <a:effectLst>
                   <a:outerShdw blurRad="63500" dist="38099" dir="2700000" algn="ctr" rotWithShape="0">
                     <a:schemeClr val="bg2">
@@ -20186,7 +20187,7 @@
           <a:effectLst/>
           <a:extLst>
             <a:ext uri="{AF507438-7753-43e0-B8FC-AC1667EBCBE1}">
-              <a14:hiddenEffects xmlns:a14="http://schemas.microsoft.com/office/drawing/2010/main" xmlns="">
+              <a14:hiddenEffects xmlns="" xmlns:a14="http://schemas.microsoft.com/office/drawing/2010/main">
                 <a:effectLst>
                   <a:outerShdw blurRad="63500" dist="38099" dir="2700000" algn="ctr" rotWithShape="0">
                     <a:schemeClr val="bg2">
@@ -20268,7 +20269,7 @@
           <a:effectLst/>
           <a:extLst>
             <a:ext uri="{AF507438-7753-43e0-B8FC-AC1667EBCBE1}">
-              <a14:hiddenEffects xmlns:a14="http://schemas.microsoft.com/office/drawing/2010/main" xmlns="">
+              <a14:hiddenEffects xmlns="" xmlns:a14="http://schemas.microsoft.com/office/drawing/2010/main">
                 <a:effectLst>
                   <a:outerShdw blurRad="63500" dist="38099" dir="2700000" algn="ctr" rotWithShape="0">
                     <a:schemeClr val="bg2">
@@ -20350,7 +20351,7 @@
           <a:effectLst/>
           <a:extLst>
             <a:ext uri="{AF507438-7753-43e0-B8FC-AC1667EBCBE1}">
-              <a14:hiddenEffects xmlns:a14="http://schemas.microsoft.com/office/drawing/2010/main" xmlns="">
+              <a14:hiddenEffects xmlns="" xmlns:a14="http://schemas.microsoft.com/office/drawing/2010/main">
                 <a:effectLst>
                   <a:outerShdw blurRad="63500" dist="38099" dir="2700000" algn="ctr" rotWithShape="0">
                     <a:schemeClr val="bg2">
@@ -20709,7 +20710,7 @@
           <a:effectLst/>
           <a:extLst>
             <a:ext uri="{AF507438-7753-43e0-B8FC-AC1667EBCBE1}">
-              <a14:hiddenEffects xmlns:a14="http://schemas.microsoft.com/office/drawing/2010/main" xmlns="">
+              <a14:hiddenEffects xmlns="" xmlns:a14="http://schemas.microsoft.com/office/drawing/2010/main">
                 <a:effectLst>
                   <a:outerShdw blurRad="63500" dist="38099" dir="2700000" algn="ctr" rotWithShape="0">
                     <a:schemeClr val="bg2">
@@ -20848,7 +20849,7 @@
           <a:effectLst/>
           <a:extLst>
             <a:ext uri="{AF507438-7753-43e0-B8FC-AC1667EBCBE1}">
-              <a14:hiddenEffects xmlns:a14="http://schemas.microsoft.com/office/drawing/2010/main" xmlns="">
+              <a14:hiddenEffects xmlns="" xmlns:a14="http://schemas.microsoft.com/office/drawing/2010/main">
                 <a:effectLst>
                   <a:outerShdw blurRad="63500" dist="38099" dir="2700000" algn="ctr" rotWithShape="0">
                     <a:schemeClr val="bg2">
@@ -20930,7 +20931,7 @@
           <a:effectLst/>
           <a:extLst>
             <a:ext uri="{AF507438-7753-43e0-B8FC-AC1667EBCBE1}">
-              <a14:hiddenEffects xmlns:a14="http://schemas.microsoft.com/office/drawing/2010/main" xmlns="">
+              <a14:hiddenEffects xmlns="" xmlns:a14="http://schemas.microsoft.com/office/drawing/2010/main">
                 <a:effectLst>
                   <a:outerShdw blurRad="63500" dist="38099" dir="2700000" algn="ctr" rotWithShape="0">
                     <a:schemeClr val="bg2">
@@ -21039,7 +21040,7 @@
           <a:effectLst/>
           <a:extLst>
             <a:ext uri="{AF507438-7753-43e0-B8FC-AC1667EBCBE1}">
-              <a14:hiddenEffects xmlns:a14="http://schemas.microsoft.com/office/drawing/2010/main" xmlns="">
+              <a14:hiddenEffects xmlns="" xmlns:a14="http://schemas.microsoft.com/office/drawing/2010/main">
                 <a:effectLst>
                   <a:outerShdw blurRad="63500" dist="38099" dir="2700000" algn="ctr" rotWithShape="0">
                     <a:schemeClr val="bg2">
@@ -21083,7 +21084,7 @@
           <a:effectLst/>
           <a:extLst>
             <a:ext uri="{AF507438-7753-43e0-B8FC-AC1667EBCBE1}">
-              <a14:hiddenEffects xmlns:a14="http://schemas.microsoft.com/office/drawing/2010/main" xmlns="">
+              <a14:hiddenEffects xmlns="" xmlns:a14="http://schemas.microsoft.com/office/drawing/2010/main">
                 <a:effectLst>
                   <a:outerShdw blurRad="63500" dist="38099" dir="2700000" algn="ctr" rotWithShape="0">
                     <a:schemeClr val="bg2">
@@ -21125,7 +21126,7 @@
           <a:effectLst/>
           <a:extLst>
             <a:ext uri="{AF507438-7753-43e0-B8FC-AC1667EBCBE1}">
-              <a14:hiddenEffects xmlns:a14="http://schemas.microsoft.com/office/drawing/2010/main" xmlns="">
+              <a14:hiddenEffects xmlns="" xmlns:a14="http://schemas.microsoft.com/office/drawing/2010/main">
                 <a:effectLst>
                   <a:outerShdw blurRad="63500" dist="38099" dir="2700000" algn="ctr" rotWithShape="0">
                     <a:schemeClr val="bg2">
@@ -21331,7 +21332,7 @@
           <a:effectLst/>
           <a:extLst>
             <a:ext uri="{AF507438-7753-43e0-B8FC-AC1667EBCBE1}">
-              <a14:hiddenEffects xmlns:a14="http://schemas.microsoft.com/office/drawing/2010/main" xmlns="">
+              <a14:hiddenEffects xmlns="" xmlns:a14="http://schemas.microsoft.com/office/drawing/2010/main">
                 <a:effectLst>
                   <a:outerShdw blurRad="63500" dist="38099" dir="2700000" algn="ctr" rotWithShape="0">
                     <a:schemeClr val="bg2">
@@ -21565,7 +21566,7 @@
           <a:effectLst/>
           <a:extLst>
             <a:ext uri="{AF507438-7753-43e0-B8FC-AC1667EBCBE1}">
-              <a14:hiddenEffects xmlns:a14="http://schemas.microsoft.com/office/drawing/2010/main" xmlns="">
+              <a14:hiddenEffects xmlns="" xmlns:a14="http://schemas.microsoft.com/office/drawing/2010/main">
                 <a:effectLst>
                   <a:outerShdw blurRad="63500" dist="38099" dir="2700000" algn="ctr" rotWithShape="0">
                     <a:schemeClr val="bg2">
@@ -21607,7 +21608,7 @@
           <a:effectLst/>
           <a:extLst>
             <a:ext uri="{AF507438-7753-43e0-B8FC-AC1667EBCBE1}">
-              <a14:hiddenEffects xmlns:a14="http://schemas.microsoft.com/office/drawing/2010/main" xmlns="">
+              <a14:hiddenEffects xmlns="" xmlns:a14="http://schemas.microsoft.com/office/drawing/2010/main">
                 <a:effectLst>
                   <a:outerShdw blurRad="63500" dist="38099" dir="2700000" algn="ctr" rotWithShape="0">
                     <a:schemeClr val="bg2">
@@ -21872,7 +21873,7 @@
           <a:effectLst/>
           <a:extLst>
             <a:ext uri="{AF507438-7753-43e0-B8FC-AC1667EBCBE1}">
-              <a14:hiddenEffects xmlns:a14="http://schemas.microsoft.com/office/drawing/2010/main" xmlns="">
+              <a14:hiddenEffects xmlns="" xmlns:a14="http://schemas.microsoft.com/office/drawing/2010/main">
                 <a:effectLst>
                   <a:outerShdw blurRad="63500" dist="38099" dir="2700000" algn="ctr" rotWithShape="0">
                     <a:schemeClr val="bg2">
@@ -22094,7 +22095,7 @@
           <a:effectLst/>
           <a:extLst>
             <a:ext uri="{AF507438-7753-43e0-B8FC-AC1667EBCBE1}">
-              <a14:hiddenEffects xmlns:a14="http://schemas.microsoft.com/office/drawing/2010/main" xmlns="">
+              <a14:hiddenEffects xmlns="" xmlns:a14="http://schemas.microsoft.com/office/drawing/2010/main">
                 <a:effectLst>
                   <a:outerShdw blurRad="63500" dist="38099" dir="2700000" algn="ctr" rotWithShape="0">
                     <a:schemeClr val="bg2">
@@ -22201,7 +22202,7 @@
           <a:effectLst/>
           <a:extLst>
             <a:ext uri="{AF507438-7753-43e0-B8FC-AC1667EBCBE1}">
-              <a14:hiddenEffects xmlns:a14="http://schemas.microsoft.com/office/drawing/2010/main" xmlns="">
+              <a14:hiddenEffects xmlns="" xmlns:a14="http://schemas.microsoft.com/office/drawing/2010/main">
                 <a:effectLst>
                   <a:outerShdw blurRad="63500" dist="38099" dir="2700000" algn="ctr" rotWithShape="0">
                     <a:schemeClr val="bg2">
@@ -22310,7 +22311,7 @@
           <a:effectLst/>
           <a:extLst>
             <a:ext uri="{AF507438-7753-43e0-B8FC-AC1667EBCBE1}">
-              <a14:hiddenEffects xmlns:a14="http://schemas.microsoft.com/office/drawing/2010/main" xmlns="">
+              <a14:hiddenEffects xmlns="" xmlns:a14="http://schemas.microsoft.com/office/drawing/2010/main">
                 <a:effectLst>
                   <a:outerShdw blurRad="63500" dist="38099" dir="2700000" algn="ctr" rotWithShape="0">
                     <a:schemeClr val="bg2">
@@ -22392,7 +22393,7 @@
           <a:effectLst/>
           <a:extLst>
             <a:ext uri="{AF507438-7753-43e0-B8FC-AC1667EBCBE1}">
-              <a14:hiddenEffects xmlns:a14="http://schemas.microsoft.com/office/drawing/2010/main" xmlns="">
+              <a14:hiddenEffects xmlns="" xmlns:a14="http://schemas.microsoft.com/office/drawing/2010/main">
                 <a:effectLst>
                   <a:outerShdw blurRad="63500" dist="38099" dir="2700000" algn="ctr" rotWithShape="0">
                     <a:schemeClr val="bg2">
@@ -22474,7 +22475,7 @@
           <a:effectLst/>
           <a:extLst>
             <a:ext uri="{AF507438-7753-43e0-B8FC-AC1667EBCBE1}">
-              <a14:hiddenEffects xmlns:a14="http://schemas.microsoft.com/office/drawing/2010/main" xmlns="">
+              <a14:hiddenEffects xmlns="" xmlns:a14="http://schemas.microsoft.com/office/drawing/2010/main">
                 <a:effectLst>
                   <a:outerShdw blurRad="63500" dist="38099" dir="2700000" algn="ctr" rotWithShape="0">
                     <a:schemeClr val="bg2">
@@ -23596,7 +23597,7 @@
           <a:effectLst/>
           <a:extLst>
             <a:ext uri="{AF507438-7753-43e0-B8FC-AC1667EBCBE1}">
-              <a14:hiddenEffects xmlns:a14="http://schemas.microsoft.com/office/drawing/2010/main" xmlns="">
+              <a14:hiddenEffects xmlns="" xmlns:a14="http://schemas.microsoft.com/office/drawing/2010/main">
                 <a:effectLst>
                   <a:outerShdw blurRad="63500" dist="38099" dir="2700000" algn="ctr" rotWithShape="0">
                     <a:schemeClr val="bg2">
@@ -23710,7 +23711,7 @@
           <a:effectLst/>
           <a:extLst>
             <a:ext uri="{AF507438-7753-43e0-B8FC-AC1667EBCBE1}">
-              <a14:hiddenEffects xmlns:a14="http://schemas.microsoft.com/office/drawing/2010/main" xmlns="">
+              <a14:hiddenEffects xmlns="" xmlns:a14="http://schemas.microsoft.com/office/drawing/2010/main">
                 <a:effectLst>
                   <a:outerShdw blurRad="63500" dist="38099" dir="2700000" algn="ctr" rotWithShape="0">
                     <a:schemeClr val="bg2">
@@ -23824,7 +23825,7 @@
           <a:effectLst/>
           <a:extLst>
             <a:ext uri="{AF507438-7753-43e0-B8FC-AC1667EBCBE1}">
-              <a14:hiddenEffects xmlns:a14="http://schemas.microsoft.com/office/drawing/2010/main" xmlns="">
+              <a14:hiddenEffects xmlns="" xmlns:a14="http://schemas.microsoft.com/office/drawing/2010/main">
                 <a:effectLst>
                   <a:outerShdw blurRad="63500" dist="38099" dir="2700000" algn="ctr" rotWithShape="0">
                     <a:schemeClr val="bg2">
@@ -23936,7 +23937,7 @@
           <a:effectLst/>
           <a:extLst>
             <a:ext uri="{AF507438-7753-43e0-B8FC-AC1667EBCBE1}">
-              <a14:hiddenEffects xmlns:a14="http://schemas.microsoft.com/office/drawing/2010/main" xmlns="">
+              <a14:hiddenEffects xmlns="" xmlns:a14="http://schemas.microsoft.com/office/drawing/2010/main">
                 <a:effectLst>
                   <a:outerShdw blurRad="63500" dist="38099" dir="2700000" algn="ctr" rotWithShape="0">
                     <a:schemeClr val="bg2">
@@ -23981,7 +23982,7 @@
           <a:effectLst/>
           <a:extLst>
             <a:ext uri="{AF507438-7753-43e0-B8FC-AC1667EBCBE1}">
-              <a14:hiddenEffects xmlns:a14="http://schemas.microsoft.com/office/drawing/2010/main" xmlns="">
+              <a14:hiddenEffects xmlns="" xmlns:a14="http://schemas.microsoft.com/office/drawing/2010/main">
                 <a:effectLst>
                   <a:outerShdw blurRad="63500" dist="38099" dir="2700000" algn="ctr" rotWithShape="0">
                     <a:schemeClr val="bg2">
@@ -24585,10 +24586,7 @@
               <a:rPr lang="en-US" dirty="0" err="1"/>
               <a:t>Angular.io</a:t>
             </a:r>
-            <a:r>
-              <a:rPr lang="en-US" dirty="0"/>
-              <a:t> (Angular 4 currently)</a:t>
-            </a:r>
+            <a:endParaRPr lang="en-US" dirty="0"/>
           </a:p>
         </p:txBody>
       </p:sp>
@@ -24711,7 +24709,7 @@
           <a:effectLst/>
           <a:extLst>
             <a:ext uri="{AF507438-7753-43e0-B8FC-AC1667EBCBE1}">
-              <a14:hiddenEffects xmlns:a14="http://schemas.microsoft.com/office/drawing/2010/main" xmlns="">
+              <a14:hiddenEffects xmlns="" xmlns:a14="http://schemas.microsoft.com/office/drawing/2010/main">
                 <a:effectLst>
                   <a:outerShdw blurRad="63500" dist="38099" dir="2700000" algn="ctr" rotWithShape="0">
                     <a:schemeClr val="bg2">
@@ -24845,10 +24843,7 @@
               <a:rPr lang="en-US" dirty="0" err="1"/>
               <a:t>Angular.io</a:t>
             </a:r>
-            <a:r>
-              <a:rPr lang="en-US" dirty="0"/>
-              <a:t> (Angular 4 currently)</a:t>
-            </a:r>
+            <a:endParaRPr lang="en-US" dirty="0"/>
           </a:p>
         </p:txBody>
       </p:sp>
@@ -24971,7 +24966,7 @@
           <a:effectLst/>
           <a:extLst>
             <a:ext uri="{AF507438-7753-43e0-B8FC-AC1667EBCBE1}">
-              <a14:hiddenEffects xmlns:a14="http://schemas.microsoft.com/office/drawing/2010/main" xmlns="">
+              <a14:hiddenEffects xmlns="" xmlns:a14="http://schemas.microsoft.com/office/drawing/2010/main">
                 <a:effectLst>
                   <a:outerShdw blurRad="63500" dist="38099" dir="2700000" algn="ctr" rotWithShape="0">
                     <a:schemeClr val="bg2">
@@ -25135,10 +25130,7 @@
               <a:rPr lang="en-US" dirty="0" err="1"/>
               <a:t>Angular.io</a:t>
             </a:r>
-            <a:r>
-              <a:rPr lang="en-US" dirty="0"/>
-              <a:t> (Angular 4 currently)</a:t>
-            </a:r>
+            <a:endParaRPr lang="en-US" dirty="0"/>
           </a:p>
         </p:txBody>
       </p:sp>
@@ -25261,7 +25253,7 @@
           <a:effectLst/>
           <a:extLst>
             <a:ext uri="{AF507438-7753-43e0-B8FC-AC1667EBCBE1}">
-              <a14:hiddenEffects xmlns:a14="http://schemas.microsoft.com/office/drawing/2010/main" xmlns="">
+              <a14:hiddenEffects xmlns="" xmlns:a14="http://schemas.microsoft.com/office/drawing/2010/main">
                 <a:effectLst>
                   <a:outerShdw blurRad="63500" dist="38099" dir="2700000" algn="ctr" rotWithShape="0">
                     <a:schemeClr val="bg2">
@@ -25338,7 +25330,7 @@
           <a:effectLst/>
           <a:extLst>
             <a:ext uri="{AF507438-7753-43e0-B8FC-AC1667EBCBE1}">
-              <a14:hiddenEffects xmlns:a14="http://schemas.microsoft.com/office/drawing/2010/main" xmlns="">
+              <a14:hiddenEffects xmlns="" xmlns:a14="http://schemas.microsoft.com/office/drawing/2010/main">
                 <a:effectLst>
                   <a:outerShdw blurRad="63500" dist="38099" dir="2700000" algn="ctr" rotWithShape="0">
                     <a:schemeClr val="bg2">
@@ -25472,10 +25464,7 @@
               <a:rPr lang="en-US" dirty="0" err="1"/>
               <a:t>Angular.io</a:t>
             </a:r>
-            <a:r>
-              <a:rPr lang="en-US" dirty="0"/>
-              <a:t> (Angular 4 currently)</a:t>
-            </a:r>
+            <a:endParaRPr lang="en-US" dirty="0"/>
           </a:p>
         </p:txBody>
       </p:sp>
@@ -25661,10 +25650,7 @@
               <a:rPr lang="en-US" dirty="0" err="1"/>
               <a:t>Angular.io</a:t>
             </a:r>
-            <a:r>
-              <a:rPr lang="en-US" dirty="0"/>
-              <a:t> (Angular 4 currently)</a:t>
-            </a:r>
+            <a:endParaRPr lang="en-US" dirty="0"/>
           </a:p>
         </p:txBody>
       </p:sp>
@@ -25787,7 +25773,7 @@
           <a:effectLst/>
           <a:extLst>
             <a:ext uri="{AF507438-7753-43e0-B8FC-AC1667EBCBE1}">
-              <a14:hiddenEffects xmlns:a14="http://schemas.microsoft.com/office/drawing/2010/main" xmlns="">
+              <a14:hiddenEffects xmlns="" xmlns:a14="http://schemas.microsoft.com/office/drawing/2010/main">
                 <a:effectLst>
                   <a:outerShdw blurRad="63500" dist="38099" dir="2700000" algn="ctr" rotWithShape="0">
                     <a:schemeClr val="bg2">
@@ -25864,7 +25850,7 @@
           <a:effectLst/>
           <a:extLst>
             <a:ext uri="{AF507438-7753-43e0-B8FC-AC1667EBCBE1}">
-              <a14:hiddenEffects xmlns:a14="http://schemas.microsoft.com/office/drawing/2010/main" xmlns="">
+              <a14:hiddenEffects xmlns="" xmlns:a14="http://schemas.microsoft.com/office/drawing/2010/main">
                 <a:effectLst>
                   <a:outerShdw blurRad="63500" dist="38099" dir="2700000" algn="ctr" rotWithShape="0">
                     <a:schemeClr val="bg2">
@@ -25998,10 +25984,7 @@
               <a:rPr lang="en-US" dirty="0" err="1"/>
               <a:t>Angular.io</a:t>
             </a:r>
-            <a:r>
-              <a:rPr lang="en-US" dirty="0"/>
-              <a:t> (Angular 4 currently)</a:t>
-            </a:r>
+            <a:endParaRPr lang="en-US" dirty="0"/>
           </a:p>
         </p:txBody>
       </p:sp>
@@ -26216,10 +26199,7 @@
               <a:rPr lang="en-US" dirty="0" err="1"/>
               <a:t>Angular.io</a:t>
             </a:r>
-            <a:r>
-              <a:rPr lang="en-US" dirty="0"/>
-              <a:t> (Angular 4 currently)</a:t>
-            </a:r>
+            <a:endParaRPr lang="en-US" dirty="0"/>
           </a:p>
         </p:txBody>
       </p:sp>
@@ -26586,10 +26566,7 @@
               <a:rPr lang="en-US" dirty="0" err="1"/>
               <a:t>Angular.io</a:t>
             </a:r>
-            <a:r>
-              <a:rPr lang="en-US" dirty="0"/>
-              <a:t> (Angular 4 currently)</a:t>
-            </a:r>
+            <a:endParaRPr lang="en-US" dirty="0"/>
           </a:p>
         </p:txBody>
       </p:sp>
@@ -26682,7 +26659,7 @@
           <a:effectLst/>
           <a:extLst>
             <a:ext uri="{AF507438-7753-43e0-B8FC-AC1667EBCBE1}">
-              <a14:hiddenEffects xmlns:a14="http://schemas.microsoft.com/office/drawing/2010/main" xmlns="">
+              <a14:hiddenEffects xmlns="" xmlns:a14="http://schemas.microsoft.com/office/drawing/2010/main">
                 <a:effectLst>
                   <a:outerShdw blurRad="63500" dist="38099" dir="2700000" algn="ctr" rotWithShape="0">
                     <a:schemeClr val="bg2">
@@ -26759,7 +26736,7 @@
           <a:effectLst/>
           <a:extLst>
             <a:ext uri="{AF507438-7753-43e0-B8FC-AC1667EBCBE1}">
-              <a14:hiddenEffects xmlns:a14="http://schemas.microsoft.com/office/drawing/2010/main" xmlns="">
+              <a14:hiddenEffects xmlns="" xmlns:a14="http://schemas.microsoft.com/office/drawing/2010/main">
                 <a:effectLst>
                   <a:outerShdw blurRad="63500" dist="38099" dir="2700000" algn="ctr" rotWithShape="0">
                     <a:schemeClr val="bg2">
@@ -27107,7 +27084,7 @@
           <a:effectLst/>
           <a:extLst>
             <a:ext uri="{AF507438-7753-43e0-B8FC-AC1667EBCBE1}">
-              <a14:hiddenEffects xmlns:a14="http://schemas.microsoft.com/office/drawing/2010/main" xmlns="">
+              <a14:hiddenEffects xmlns="" xmlns:a14="http://schemas.microsoft.com/office/drawing/2010/main">
                 <a:effectLst>
                   <a:outerShdw blurRad="63500" dist="38099" dir="2700000" algn="ctr" rotWithShape="0">
                     <a:schemeClr val="bg2">
@@ -27189,7 +27166,7 @@
           <a:effectLst/>
           <a:extLst>
             <a:ext uri="{AF507438-7753-43e0-B8FC-AC1667EBCBE1}">
-              <a14:hiddenEffects xmlns:a14="http://schemas.microsoft.com/office/drawing/2010/main" xmlns="">
+              <a14:hiddenEffects xmlns="" xmlns:a14="http://schemas.microsoft.com/office/drawing/2010/main">
                 <a:effectLst>
                   <a:outerShdw blurRad="63500" dist="38099" dir="2700000" algn="ctr" rotWithShape="0">
                     <a:schemeClr val="bg2">
@@ -27271,7 +27248,7 @@
           <a:effectLst/>
           <a:extLst>
             <a:ext uri="{AF507438-7753-43e0-B8FC-AC1667EBCBE1}">
-              <a14:hiddenEffects xmlns:a14="http://schemas.microsoft.com/office/drawing/2010/main" xmlns="">
+              <a14:hiddenEffects xmlns="" xmlns:a14="http://schemas.microsoft.com/office/drawing/2010/main">
                 <a:effectLst>
                   <a:outerShdw blurRad="63500" dist="38099" dir="2700000" algn="ctr" rotWithShape="0">
                     <a:schemeClr val="bg2">
@@ -27353,7 +27330,7 @@
           <a:effectLst/>
           <a:extLst>
             <a:ext uri="{AF507438-7753-43e0-B8FC-AC1667EBCBE1}">
-              <a14:hiddenEffects xmlns:a14="http://schemas.microsoft.com/office/drawing/2010/main" xmlns="">
+              <a14:hiddenEffects xmlns="" xmlns:a14="http://schemas.microsoft.com/office/drawing/2010/main">
                 <a:effectLst>
                   <a:outerShdw blurRad="63500" dist="38099" dir="2700000" algn="ctr" rotWithShape="0">
                     <a:schemeClr val="bg2">
@@ -27446,7 +27423,7 @@
           <a:effectLst/>
           <a:extLst>
             <a:ext uri="{AF507438-7753-43e0-B8FC-AC1667EBCBE1}">
-              <a14:hiddenEffects xmlns:a14="http://schemas.microsoft.com/office/drawing/2010/main" xmlns="">
+              <a14:hiddenEffects xmlns="" xmlns:a14="http://schemas.microsoft.com/office/drawing/2010/main">
                 <a:effectLst>
                   <a:outerShdw blurRad="63500" dist="38099" dir="2700000" algn="ctr" rotWithShape="0">
                     <a:schemeClr val="bg2">
@@ -27539,7 +27516,7 @@
           <a:effectLst/>
           <a:extLst>
             <a:ext uri="{AF507438-7753-43e0-B8FC-AC1667EBCBE1}">
-              <a14:hiddenEffects xmlns:a14="http://schemas.microsoft.com/office/drawing/2010/main" xmlns="">
+              <a14:hiddenEffects xmlns="" xmlns:a14="http://schemas.microsoft.com/office/drawing/2010/main">
                 <a:effectLst>
                   <a:outerShdw blurRad="63500" dist="38099" dir="2700000" algn="ctr" rotWithShape="0">
                     <a:schemeClr val="bg2">
@@ -27632,7 +27609,7 @@
           <a:effectLst/>
           <a:extLst>
             <a:ext uri="{AF507438-7753-43e0-B8FC-AC1667EBCBE1}">
-              <a14:hiddenEffects xmlns:a14="http://schemas.microsoft.com/office/drawing/2010/main" xmlns="">
+              <a14:hiddenEffects xmlns="" xmlns:a14="http://schemas.microsoft.com/office/drawing/2010/main">
                 <a:effectLst>
                   <a:outerShdw blurRad="63500" dist="38099" dir="2700000" algn="ctr" rotWithShape="0">
                     <a:schemeClr val="bg2">
@@ -27728,7 +27705,7 @@
           <a:effectLst/>
           <a:extLst>
             <a:ext uri="{AF507438-7753-43e0-B8FC-AC1667EBCBE1}">
-              <a14:hiddenEffects xmlns:a14="http://schemas.microsoft.com/office/drawing/2010/main" xmlns="">
+              <a14:hiddenEffects xmlns="" xmlns:a14="http://schemas.microsoft.com/office/drawing/2010/main">
                 <a:effectLst>
                   <a:outerShdw blurRad="63500" dist="38099" dir="2700000" algn="ctr" rotWithShape="0">
                     <a:schemeClr val="bg2">
@@ -27773,7 +27750,7 @@
           <a:effectLst/>
           <a:extLst>
             <a:ext uri="{AF507438-7753-43e0-B8FC-AC1667EBCBE1}">
-              <a14:hiddenEffects xmlns:a14="http://schemas.microsoft.com/office/drawing/2010/main" xmlns="">
+              <a14:hiddenEffects xmlns="" xmlns:a14="http://schemas.microsoft.com/office/drawing/2010/main">
                 <a:effectLst>
                   <a:outerShdw blurRad="63500" dist="38099" dir="2700000" algn="ctr" rotWithShape="0">
                     <a:schemeClr val="bg2">
@@ -27820,7 +27797,7 @@
           <a:effectLst/>
           <a:extLst>
             <a:ext uri="{AF507438-7753-43e0-B8FC-AC1667EBCBE1}">
-              <a14:hiddenEffects xmlns:a14="http://schemas.microsoft.com/office/drawing/2010/main" xmlns="">
+              <a14:hiddenEffects xmlns="" xmlns:a14="http://schemas.microsoft.com/office/drawing/2010/main">
                 <a:effectLst>
                   <a:outerShdw blurRad="63500" dist="38099" dir="2700000" algn="ctr" rotWithShape="0">
                     <a:schemeClr val="bg2">
@@ -28879,7 +28856,7 @@
         <p:spPr>
           <a:xfrm>
             <a:off x="914400" y="228600"/>
-            <a:ext cx="7772400" cy="685800"/>
+            <a:ext cx="7772400" cy="1143000"/>
           </a:xfrm>
         </p:spPr>
         <p:txBody>
@@ -28889,45 +28866,1131 @@
             <a:pPr defTabSz="895350"/>
             <a:r>
               <a:rPr lang="en-US" dirty="0"/>
-              <a:t>How it works: XHR Long Poll</a:t>
+              <a:t>State Management </a:t>
+            </a:r>
+            <a:r>
+              <a:rPr lang="mr-IN" dirty="0"/>
+              <a:t>–</a:t>
+            </a:r>
+            <a:r>
+              <a:rPr lang="en-US" dirty="0"/>
+              <a:t> Shared Services</a:t>
             </a:r>
           </a:p>
         </p:txBody>
       </p:sp>
-      <p:pic>
-        <p:nvPicPr>
-          <p:cNvPr id="3" name="Picture 2" descr="LongPoll.jpg"/>
-          <p:cNvPicPr>
-            <a:picLocks noChangeAspect="1"/>
-          </p:cNvPicPr>
-          <p:nvPr/>
-        </p:nvPicPr>
-        <p:blipFill>
-          <a:blip r:embed="rId2">
+      <p:sp>
+        <p:nvSpPr>
+          <p:cNvPr id="6" name="Rectangle 5">
             <a:extLst>
-              <a:ext uri="{28A0092B-C50C-407E-A947-70E740481C1C}">
-                <a14:useLocalDpi xmlns:a14="http://schemas.microsoft.com/office/drawing/2010/main" val="0"/>
+              <a:ext uri="{FF2B5EF4-FFF2-40B4-BE49-F238E27FC236}">
+                <a16:creationId xmlns:a16="http://schemas.microsoft.com/office/drawing/2014/main" id="{84A05621-F401-0D4F-9092-7320A486C342}"/>
               </a:ext>
             </a:extLst>
-          </a:blip>
-          <a:stretch>
-            <a:fillRect/>
-          </a:stretch>
-        </p:blipFill>
-        <p:spPr>
-          <a:xfrm>
-            <a:off x="838199" y="990600"/>
-            <a:ext cx="7894209" cy="5224670"/>
+          </p:cNvPr>
+          <p:cNvSpPr/>
+          <p:nvPr/>
+        </p:nvSpPr>
+        <p:spPr bwMode="auto">
+          <a:xfrm>
+            <a:off x="1481915" y="2433935"/>
+            <a:ext cx="1371600" cy="838200"/>
           </a:xfrm>
           <a:prstGeom prst="rect">
             <a:avLst/>
           </a:prstGeom>
-        </p:spPr>
-      </p:pic>
+          <a:solidFill>
+            <a:schemeClr val="accent1"/>
+          </a:solidFill>
+          <a:ln w="9525" cap="flat" cmpd="sng" algn="ctr">
+            <a:solidFill>
+              <a:schemeClr val="tx1"/>
+            </a:solidFill>
+            <a:prstDash val="solid"/>
+            <a:round/>
+            <a:headEnd type="none" w="med" len="med"/>
+            <a:tailEnd type="none" w="med" len="med"/>
+          </a:ln>
+          <a:effectLst/>
+          <a:extLst>
+            <a:ext uri="{AF507438-7753-43e0-B8FC-AC1667EBCBE1}">
+              <a14:hiddenEffects xmlns="" xmlns:a14="http://schemas.microsoft.com/office/drawing/2010/main">
+                <a:effectLst>
+                  <a:outerShdw blurRad="63500" dist="38099" dir="2700000" algn="ctr" rotWithShape="0">
+                    <a:schemeClr val="bg2">
+                      <a:alpha val="74998"/>
+                    </a:schemeClr>
+                  </a:outerShdw>
+                </a:effectLst>
+              </a14:hiddenEffects>
+            </a:ext>
+          </a:extLst>
+        </p:spPr>
+        <p:txBody>
+          <a:bodyPr vert="horz" wrap="none" lIns="91440" tIns="45720" rIns="91440" bIns="45720" numCol="1" rtlCol="0" anchor="ctr" anchorCtr="0" compatLnSpc="1">
+            <a:prstTxWarp prst="textNoShape">
+              <a:avLst/>
+            </a:prstTxWarp>
+          </a:bodyPr>
+          <a:lstStyle/>
+          <a:p>
+            <a:pPr marL="0" marR="0" indent="0" algn="ctr" defTabSz="914400" rtl="0" eaLnBrk="1" fontAlgn="base" latinLnBrk="0" hangingPunct="1">
+              <a:lnSpc>
+                <a:spcPct val="100000"/>
+              </a:lnSpc>
+              <a:spcBef>
+                <a:spcPct val="0"/>
+              </a:spcBef>
+              <a:spcAft>
+                <a:spcPct val="0"/>
+              </a:spcAft>
+              <a:buClrTx/>
+              <a:buSzTx/>
+              <a:buFontTx/>
+              <a:buNone/>
+              <a:tabLst/>
+            </a:pPr>
+            <a:r>
+              <a:rPr kumimoji="0" lang="en-US" sz="2400" b="0" i="0" u="none" strike="noStrike" cap="none" normalizeH="0" baseline="0">
+                <a:ln>
+                  <a:noFill/>
+                </a:ln>
+                <a:solidFill>
+                  <a:schemeClr val="tx1"/>
+                </a:solidFill>
+                <a:effectLst/>
+                <a:latin typeface="Tahoma" charset="0"/>
+                <a:ea typeface="ＭＳ Ｐゴシック" charset="0"/>
+              </a:rPr>
+              <a:t>View 1</a:t>
+            </a:r>
+          </a:p>
+        </p:txBody>
+      </p:sp>
+      <p:sp>
+        <p:nvSpPr>
+          <p:cNvPr id="7" name="Rectangle 6">
+            <a:extLst>
+              <a:ext uri="{FF2B5EF4-FFF2-40B4-BE49-F238E27FC236}">
+                <a16:creationId xmlns:a16="http://schemas.microsoft.com/office/drawing/2014/main" id="{0CDE8362-D789-1540-B548-211850BD81C4}"/>
+              </a:ext>
+            </a:extLst>
+          </p:cNvPr>
+          <p:cNvSpPr/>
+          <p:nvPr/>
+        </p:nvSpPr>
+        <p:spPr bwMode="auto">
+          <a:xfrm>
+            <a:off x="3483168" y="2419075"/>
+            <a:ext cx="1371600" cy="838200"/>
+          </a:xfrm>
+          <a:prstGeom prst="rect">
+            <a:avLst/>
+          </a:prstGeom>
+          <a:solidFill>
+            <a:schemeClr val="accent1"/>
+          </a:solidFill>
+          <a:ln w="9525" cap="flat" cmpd="sng" algn="ctr">
+            <a:solidFill>
+              <a:schemeClr val="tx1"/>
+            </a:solidFill>
+            <a:prstDash val="solid"/>
+            <a:round/>
+            <a:headEnd type="none" w="med" len="med"/>
+            <a:tailEnd type="none" w="med" len="med"/>
+          </a:ln>
+          <a:effectLst/>
+          <a:extLst>
+            <a:ext uri="{AF507438-7753-43e0-B8FC-AC1667EBCBE1}">
+              <a14:hiddenEffects xmlns="" xmlns:a14="http://schemas.microsoft.com/office/drawing/2010/main">
+                <a:effectLst>
+                  <a:outerShdw blurRad="63500" dist="38099" dir="2700000" algn="ctr" rotWithShape="0">
+                    <a:schemeClr val="bg2">
+                      <a:alpha val="74998"/>
+                    </a:schemeClr>
+                  </a:outerShdw>
+                </a:effectLst>
+              </a14:hiddenEffects>
+            </a:ext>
+          </a:extLst>
+        </p:spPr>
+        <p:txBody>
+          <a:bodyPr vert="horz" wrap="none" lIns="91440" tIns="45720" rIns="91440" bIns="45720" numCol="1" rtlCol="0" anchor="ctr" anchorCtr="0" compatLnSpc="1">
+            <a:prstTxWarp prst="textNoShape">
+              <a:avLst/>
+            </a:prstTxWarp>
+          </a:bodyPr>
+          <a:lstStyle/>
+          <a:p>
+            <a:pPr marL="0" marR="0" indent="0" algn="ctr" defTabSz="914400" rtl="0" eaLnBrk="1" fontAlgn="base" latinLnBrk="0" hangingPunct="1">
+              <a:lnSpc>
+                <a:spcPct val="100000"/>
+              </a:lnSpc>
+              <a:spcBef>
+                <a:spcPct val="0"/>
+              </a:spcBef>
+              <a:spcAft>
+                <a:spcPct val="0"/>
+              </a:spcAft>
+              <a:buClrTx/>
+              <a:buSzTx/>
+              <a:buFontTx/>
+              <a:buNone/>
+              <a:tabLst/>
+            </a:pPr>
+            <a:r>
+              <a:rPr kumimoji="0" lang="en-US" sz="2400" b="0" i="0" u="none" strike="noStrike" cap="none" normalizeH="0" baseline="0" dirty="0">
+                <a:ln>
+                  <a:noFill/>
+                </a:ln>
+                <a:solidFill>
+                  <a:schemeClr val="tx1"/>
+                </a:solidFill>
+                <a:effectLst/>
+                <a:latin typeface="Tahoma" charset="0"/>
+                <a:ea typeface="ＭＳ Ｐゴシック" charset="0"/>
+              </a:rPr>
+              <a:t>View 2</a:t>
+            </a:r>
+          </a:p>
+        </p:txBody>
+      </p:sp>
+      <p:sp>
+        <p:nvSpPr>
+          <p:cNvPr id="8" name="Rectangle 7">
+            <a:extLst>
+              <a:ext uri="{FF2B5EF4-FFF2-40B4-BE49-F238E27FC236}">
+                <a16:creationId xmlns:a16="http://schemas.microsoft.com/office/drawing/2014/main" id="{D7FBBD8C-24E8-7647-AE11-3B9D01C6A254}"/>
+              </a:ext>
+            </a:extLst>
+          </p:cNvPr>
+          <p:cNvSpPr/>
+          <p:nvPr/>
+        </p:nvSpPr>
+        <p:spPr bwMode="auto">
+          <a:xfrm>
+            <a:off x="5484421" y="2404215"/>
+            <a:ext cx="1371600" cy="838200"/>
+          </a:xfrm>
+          <a:prstGeom prst="rect">
+            <a:avLst/>
+          </a:prstGeom>
+          <a:solidFill>
+            <a:schemeClr val="accent1"/>
+          </a:solidFill>
+          <a:ln w="9525" cap="flat" cmpd="sng" algn="ctr">
+            <a:solidFill>
+              <a:schemeClr val="tx1"/>
+            </a:solidFill>
+            <a:prstDash val="solid"/>
+            <a:round/>
+            <a:headEnd type="none" w="med" len="med"/>
+            <a:tailEnd type="none" w="med" len="med"/>
+          </a:ln>
+          <a:effectLst/>
+          <a:extLst>
+            <a:ext uri="{AF507438-7753-43e0-B8FC-AC1667EBCBE1}">
+              <a14:hiddenEffects xmlns="" xmlns:a14="http://schemas.microsoft.com/office/drawing/2010/main">
+                <a:effectLst>
+                  <a:outerShdw blurRad="63500" dist="38099" dir="2700000" algn="ctr" rotWithShape="0">
+                    <a:schemeClr val="bg2">
+                      <a:alpha val="74998"/>
+                    </a:schemeClr>
+                  </a:outerShdw>
+                </a:effectLst>
+              </a14:hiddenEffects>
+            </a:ext>
+          </a:extLst>
+        </p:spPr>
+        <p:txBody>
+          <a:bodyPr vert="horz" wrap="none" lIns="91440" tIns="45720" rIns="91440" bIns="45720" numCol="1" rtlCol="0" anchor="ctr" anchorCtr="0" compatLnSpc="1">
+            <a:prstTxWarp prst="textNoShape">
+              <a:avLst/>
+            </a:prstTxWarp>
+          </a:bodyPr>
+          <a:lstStyle/>
+          <a:p>
+            <a:pPr marL="0" marR="0" indent="0" algn="ctr" defTabSz="914400" rtl="0" eaLnBrk="1" fontAlgn="base" latinLnBrk="0" hangingPunct="1">
+              <a:lnSpc>
+                <a:spcPct val="100000"/>
+              </a:lnSpc>
+              <a:spcBef>
+                <a:spcPct val="0"/>
+              </a:spcBef>
+              <a:spcAft>
+                <a:spcPct val="0"/>
+              </a:spcAft>
+              <a:buClrTx/>
+              <a:buSzTx/>
+              <a:buFontTx/>
+              <a:buNone/>
+              <a:tabLst/>
+            </a:pPr>
+            <a:r>
+              <a:rPr kumimoji="0" lang="en-US" sz="2400" b="0" i="0" u="none" strike="noStrike" cap="none" normalizeH="0" baseline="0" dirty="0">
+                <a:ln>
+                  <a:noFill/>
+                </a:ln>
+                <a:solidFill>
+                  <a:schemeClr val="tx1"/>
+                </a:solidFill>
+                <a:effectLst/>
+                <a:latin typeface="Tahoma" charset="0"/>
+                <a:ea typeface="ＭＳ Ｐゴシック" charset="0"/>
+              </a:rPr>
+              <a:t>View 3</a:t>
+            </a:r>
+          </a:p>
+        </p:txBody>
+      </p:sp>
+      <p:sp>
+        <p:nvSpPr>
+          <p:cNvPr id="9" name="Rectangle 8">
+            <a:extLst>
+              <a:ext uri="{FF2B5EF4-FFF2-40B4-BE49-F238E27FC236}">
+                <a16:creationId xmlns:a16="http://schemas.microsoft.com/office/drawing/2014/main" id="{17E19661-C14E-0446-91C3-2F9C2F15324E}"/>
+              </a:ext>
+            </a:extLst>
+          </p:cNvPr>
+          <p:cNvSpPr/>
+          <p:nvPr/>
+        </p:nvSpPr>
+        <p:spPr bwMode="auto">
+          <a:xfrm>
+            <a:off x="3499210" y="3957935"/>
+            <a:ext cx="1371600" cy="838200"/>
+          </a:xfrm>
+          <a:prstGeom prst="rect">
+            <a:avLst/>
+          </a:prstGeom>
+          <a:solidFill>
+            <a:schemeClr val="accent1"/>
+          </a:solidFill>
+          <a:ln w="9525" cap="flat" cmpd="sng" algn="ctr">
+            <a:solidFill>
+              <a:schemeClr val="tx1"/>
+            </a:solidFill>
+            <a:prstDash val="solid"/>
+            <a:round/>
+            <a:headEnd type="none" w="med" len="med"/>
+            <a:tailEnd type="none" w="med" len="med"/>
+          </a:ln>
+          <a:effectLst/>
+          <a:extLst>
+            <a:ext uri="{AF507438-7753-43e0-B8FC-AC1667EBCBE1}">
+              <a14:hiddenEffects xmlns="" xmlns:a14="http://schemas.microsoft.com/office/drawing/2010/main">
+                <a:effectLst>
+                  <a:outerShdw blurRad="63500" dist="38099" dir="2700000" algn="ctr" rotWithShape="0">
+                    <a:schemeClr val="bg2">
+                      <a:alpha val="74998"/>
+                    </a:schemeClr>
+                  </a:outerShdw>
+                </a:effectLst>
+              </a14:hiddenEffects>
+            </a:ext>
+          </a:extLst>
+        </p:spPr>
+        <p:txBody>
+          <a:bodyPr vert="horz" wrap="none" lIns="91440" tIns="45720" rIns="91440" bIns="45720" numCol="1" rtlCol="0" anchor="ctr" anchorCtr="0" compatLnSpc="1">
+            <a:prstTxWarp prst="textNoShape">
+              <a:avLst/>
+            </a:prstTxWarp>
+          </a:bodyPr>
+          <a:lstStyle/>
+          <a:p>
+            <a:pPr marL="0" marR="0" indent="0" algn="ctr" defTabSz="914400" rtl="0" eaLnBrk="1" fontAlgn="base" latinLnBrk="0" hangingPunct="1">
+              <a:lnSpc>
+                <a:spcPct val="100000"/>
+              </a:lnSpc>
+              <a:spcBef>
+                <a:spcPct val="0"/>
+              </a:spcBef>
+              <a:spcAft>
+                <a:spcPct val="0"/>
+              </a:spcAft>
+              <a:buClrTx/>
+              <a:buSzTx/>
+              <a:buFontTx/>
+              <a:buNone/>
+              <a:tabLst/>
+            </a:pPr>
+            <a:r>
+              <a:rPr kumimoji="0" lang="en-US" sz="2400" b="0" i="0" u="none" strike="noStrike" cap="none" normalizeH="0" baseline="0" dirty="0">
+                <a:ln>
+                  <a:noFill/>
+                </a:ln>
+                <a:solidFill>
+                  <a:schemeClr val="tx1"/>
+                </a:solidFill>
+                <a:effectLst/>
+                <a:latin typeface="Tahoma" charset="0"/>
+                <a:ea typeface="ＭＳ Ｐゴシック" charset="0"/>
+              </a:rPr>
+              <a:t>Service</a:t>
+            </a:r>
+          </a:p>
+        </p:txBody>
+      </p:sp>
+      <p:sp>
+        <p:nvSpPr>
+          <p:cNvPr id="10" name="Rectangle 9">
+            <a:extLst>
+              <a:ext uri="{FF2B5EF4-FFF2-40B4-BE49-F238E27FC236}">
+                <a16:creationId xmlns:a16="http://schemas.microsoft.com/office/drawing/2014/main" id="{4323E250-3F4A-1145-AA04-3A46FFF72DA3}"/>
+              </a:ext>
+            </a:extLst>
+          </p:cNvPr>
+          <p:cNvSpPr/>
+          <p:nvPr/>
+        </p:nvSpPr>
+        <p:spPr bwMode="auto">
+          <a:xfrm>
+            <a:off x="1481915" y="3272135"/>
+            <a:ext cx="1371600" cy="351744"/>
+          </a:xfrm>
+          <a:prstGeom prst="rect">
+            <a:avLst/>
+          </a:prstGeom>
+          <a:solidFill>
+            <a:schemeClr val="accent1"/>
+          </a:solidFill>
+          <a:ln w="9525" cap="flat" cmpd="sng" algn="ctr">
+            <a:solidFill>
+              <a:schemeClr val="tx1"/>
+            </a:solidFill>
+            <a:prstDash val="solid"/>
+            <a:round/>
+            <a:headEnd type="none" w="med" len="med"/>
+            <a:tailEnd type="none" w="med" len="med"/>
+          </a:ln>
+          <a:effectLst/>
+          <a:extLst>
+            <a:ext uri="{AF507438-7753-43e0-B8FC-AC1667EBCBE1}">
+              <a14:hiddenEffects xmlns="" xmlns:a14="http://schemas.microsoft.com/office/drawing/2010/main">
+                <a:effectLst>
+                  <a:outerShdw blurRad="63500" dist="38099" dir="2700000" algn="ctr" rotWithShape="0">
+                    <a:schemeClr val="bg2">
+                      <a:alpha val="74998"/>
+                    </a:schemeClr>
+                  </a:outerShdw>
+                </a:effectLst>
+              </a14:hiddenEffects>
+            </a:ext>
+          </a:extLst>
+        </p:spPr>
+        <p:txBody>
+          <a:bodyPr vert="horz" wrap="none" lIns="91440" tIns="45720" rIns="91440" bIns="45720" numCol="1" rtlCol="0" anchor="ctr" anchorCtr="0" compatLnSpc="1">
+            <a:prstTxWarp prst="textNoShape">
+              <a:avLst/>
+            </a:prstTxWarp>
+          </a:bodyPr>
+          <a:lstStyle/>
+          <a:p>
+            <a:pPr marL="0" marR="0" indent="0" algn="ctr" defTabSz="914400" rtl="0" eaLnBrk="1" fontAlgn="base" latinLnBrk="0" hangingPunct="1">
+              <a:lnSpc>
+                <a:spcPct val="100000"/>
+              </a:lnSpc>
+              <a:spcBef>
+                <a:spcPct val="0"/>
+              </a:spcBef>
+              <a:spcAft>
+                <a:spcPct val="0"/>
+              </a:spcAft>
+              <a:buClrTx/>
+              <a:buSzTx/>
+              <a:buFontTx/>
+              <a:buNone/>
+              <a:tabLst/>
+            </a:pPr>
+            <a:r>
+              <a:rPr kumimoji="0" lang="en-US" sz="2400" b="0" i="0" u="none" strike="noStrike" cap="none" normalizeH="0" baseline="0" dirty="0">
+                <a:ln>
+                  <a:noFill/>
+                </a:ln>
+                <a:solidFill>
+                  <a:schemeClr val="tx1"/>
+                </a:solidFill>
+                <a:effectLst/>
+                <a:latin typeface="Tahoma" charset="0"/>
+                <a:ea typeface="ＭＳ Ｐゴシック" charset="0"/>
+              </a:rPr>
+              <a:t>DATA</a:t>
+            </a:r>
+          </a:p>
+        </p:txBody>
+      </p:sp>
+      <p:sp>
+        <p:nvSpPr>
+          <p:cNvPr id="11" name="Rectangle 10">
+            <a:extLst>
+              <a:ext uri="{FF2B5EF4-FFF2-40B4-BE49-F238E27FC236}">
+                <a16:creationId xmlns:a16="http://schemas.microsoft.com/office/drawing/2014/main" id="{599378AF-1F65-4C40-AB98-993639B12534}"/>
+              </a:ext>
+            </a:extLst>
+          </p:cNvPr>
+          <p:cNvSpPr/>
+          <p:nvPr/>
+        </p:nvSpPr>
+        <p:spPr bwMode="auto">
+          <a:xfrm>
+            <a:off x="3495199" y="3272135"/>
+            <a:ext cx="1371600" cy="351744"/>
+          </a:xfrm>
+          <a:prstGeom prst="rect">
+            <a:avLst/>
+          </a:prstGeom>
+          <a:solidFill>
+            <a:schemeClr val="accent1"/>
+          </a:solidFill>
+          <a:ln w="9525" cap="flat" cmpd="sng" algn="ctr">
+            <a:solidFill>
+              <a:schemeClr val="tx1"/>
+            </a:solidFill>
+            <a:prstDash val="solid"/>
+            <a:round/>
+            <a:headEnd type="none" w="med" len="med"/>
+            <a:tailEnd type="none" w="med" len="med"/>
+          </a:ln>
+          <a:effectLst/>
+          <a:extLst>
+            <a:ext uri="{AF507438-7753-43e0-B8FC-AC1667EBCBE1}">
+              <a14:hiddenEffects xmlns="" xmlns:a14="http://schemas.microsoft.com/office/drawing/2010/main">
+                <a:effectLst>
+                  <a:outerShdw blurRad="63500" dist="38099" dir="2700000" algn="ctr" rotWithShape="0">
+                    <a:schemeClr val="bg2">
+                      <a:alpha val="74998"/>
+                    </a:schemeClr>
+                  </a:outerShdw>
+                </a:effectLst>
+              </a14:hiddenEffects>
+            </a:ext>
+          </a:extLst>
+        </p:spPr>
+        <p:txBody>
+          <a:bodyPr vert="horz" wrap="none" lIns="91440" tIns="45720" rIns="91440" bIns="45720" numCol="1" rtlCol="0" anchor="ctr" anchorCtr="0" compatLnSpc="1">
+            <a:prstTxWarp prst="textNoShape">
+              <a:avLst/>
+            </a:prstTxWarp>
+          </a:bodyPr>
+          <a:lstStyle/>
+          <a:p>
+            <a:pPr marL="0" marR="0" indent="0" algn="ctr" defTabSz="914400" rtl="0" eaLnBrk="1" fontAlgn="base" latinLnBrk="0" hangingPunct="1">
+              <a:lnSpc>
+                <a:spcPct val="100000"/>
+              </a:lnSpc>
+              <a:spcBef>
+                <a:spcPct val="0"/>
+              </a:spcBef>
+              <a:spcAft>
+                <a:spcPct val="0"/>
+              </a:spcAft>
+              <a:buClrTx/>
+              <a:buSzTx/>
+              <a:buFontTx/>
+              <a:buNone/>
+              <a:tabLst/>
+            </a:pPr>
+            <a:r>
+              <a:rPr kumimoji="0" lang="en-US" sz="2400" b="0" i="0" u="none" strike="noStrike" cap="none" normalizeH="0" baseline="0">
+                <a:ln>
+                  <a:noFill/>
+                </a:ln>
+                <a:solidFill>
+                  <a:schemeClr val="tx1"/>
+                </a:solidFill>
+                <a:effectLst/>
+                <a:latin typeface="Tahoma" charset="0"/>
+                <a:ea typeface="ＭＳ Ｐゴシック" charset="0"/>
+              </a:rPr>
+              <a:t>DATA</a:t>
+            </a:r>
+            <a:endParaRPr kumimoji="0" lang="en-US" sz="2400" b="0" i="0" u="none" strike="noStrike" cap="none" normalizeH="0" baseline="0" dirty="0">
+              <a:ln>
+                <a:noFill/>
+              </a:ln>
+              <a:solidFill>
+                <a:schemeClr val="tx1"/>
+              </a:solidFill>
+              <a:effectLst/>
+              <a:latin typeface="Tahoma" charset="0"/>
+              <a:ea typeface="ＭＳ Ｐゴシック" charset="0"/>
+            </a:endParaRPr>
+          </a:p>
+        </p:txBody>
+      </p:sp>
+      <p:sp>
+        <p:nvSpPr>
+          <p:cNvPr id="12" name="Rectangle 11">
+            <a:extLst>
+              <a:ext uri="{FF2B5EF4-FFF2-40B4-BE49-F238E27FC236}">
+                <a16:creationId xmlns:a16="http://schemas.microsoft.com/office/drawing/2014/main" id="{B6FA2F27-A1AE-9849-B277-E1A9AAD312D2}"/>
+              </a:ext>
+            </a:extLst>
+          </p:cNvPr>
+          <p:cNvSpPr/>
+          <p:nvPr/>
+        </p:nvSpPr>
+        <p:spPr bwMode="auto">
+          <a:xfrm>
+            <a:off x="5468379" y="3238868"/>
+            <a:ext cx="1371600" cy="351744"/>
+          </a:xfrm>
+          <a:prstGeom prst="rect">
+            <a:avLst/>
+          </a:prstGeom>
+          <a:solidFill>
+            <a:schemeClr val="accent1"/>
+          </a:solidFill>
+          <a:ln w="9525" cap="flat" cmpd="sng" algn="ctr">
+            <a:solidFill>
+              <a:schemeClr val="tx1"/>
+            </a:solidFill>
+            <a:prstDash val="solid"/>
+            <a:round/>
+            <a:headEnd type="none" w="med" len="med"/>
+            <a:tailEnd type="none" w="med" len="med"/>
+          </a:ln>
+          <a:effectLst/>
+          <a:extLst>
+            <a:ext uri="{AF507438-7753-43e0-B8FC-AC1667EBCBE1}">
+              <a14:hiddenEffects xmlns="" xmlns:a14="http://schemas.microsoft.com/office/drawing/2010/main">
+                <a:effectLst>
+                  <a:outerShdw blurRad="63500" dist="38099" dir="2700000" algn="ctr" rotWithShape="0">
+                    <a:schemeClr val="bg2">
+                      <a:alpha val="74998"/>
+                    </a:schemeClr>
+                  </a:outerShdw>
+                </a:effectLst>
+              </a14:hiddenEffects>
+            </a:ext>
+          </a:extLst>
+        </p:spPr>
+        <p:txBody>
+          <a:bodyPr vert="horz" wrap="none" lIns="91440" tIns="45720" rIns="91440" bIns="45720" numCol="1" rtlCol="0" anchor="ctr" anchorCtr="0" compatLnSpc="1">
+            <a:prstTxWarp prst="textNoShape">
+              <a:avLst/>
+            </a:prstTxWarp>
+          </a:bodyPr>
+          <a:lstStyle/>
+          <a:p>
+            <a:pPr marL="0" marR="0" indent="0" algn="ctr" defTabSz="914400" rtl="0" eaLnBrk="1" fontAlgn="base" latinLnBrk="0" hangingPunct="1">
+              <a:lnSpc>
+                <a:spcPct val="100000"/>
+              </a:lnSpc>
+              <a:spcBef>
+                <a:spcPct val="0"/>
+              </a:spcBef>
+              <a:spcAft>
+                <a:spcPct val="0"/>
+              </a:spcAft>
+              <a:buClrTx/>
+              <a:buSzTx/>
+              <a:buFontTx/>
+              <a:buNone/>
+              <a:tabLst/>
+            </a:pPr>
+            <a:r>
+              <a:rPr kumimoji="0" lang="en-US" sz="2400" b="0" i="0" u="none" strike="noStrike" cap="none" normalizeH="0" baseline="0">
+                <a:ln>
+                  <a:noFill/>
+                </a:ln>
+                <a:solidFill>
+                  <a:schemeClr val="tx1"/>
+                </a:solidFill>
+                <a:effectLst/>
+                <a:latin typeface="Tahoma" charset="0"/>
+                <a:ea typeface="ＭＳ Ｐゴシック" charset="0"/>
+              </a:rPr>
+              <a:t>DATA</a:t>
+            </a:r>
+            <a:endParaRPr kumimoji="0" lang="en-US" sz="2400" b="0" i="0" u="none" strike="noStrike" cap="none" normalizeH="0" baseline="0" dirty="0">
+              <a:ln>
+                <a:noFill/>
+              </a:ln>
+              <a:solidFill>
+                <a:schemeClr val="tx1"/>
+              </a:solidFill>
+              <a:effectLst/>
+              <a:latin typeface="Tahoma" charset="0"/>
+              <a:ea typeface="ＭＳ Ｐゴシック" charset="0"/>
+            </a:endParaRPr>
+          </a:p>
+        </p:txBody>
+      </p:sp>
+      <p:cxnSp>
+        <p:nvCxnSpPr>
+          <p:cNvPr id="13" name="Elbow Connector 12">
+            <a:extLst>
+              <a:ext uri="{FF2B5EF4-FFF2-40B4-BE49-F238E27FC236}">
+                <a16:creationId xmlns:a16="http://schemas.microsoft.com/office/drawing/2014/main" id="{9B6F4D1A-CABE-5346-ADE3-781B2CB9E840}"/>
+              </a:ext>
+            </a:extLst>
+          </p:cNvPr>
+          <p:cNvCxnSpPr>
+            <a:stCxn id="10" idx="2"/>
+            <a:endCxn id="9" idx="1"/>
+          </p:cNvCxnSpPr>
+          <p:nvPr/>
+        </p:nvCxnSpPr>
+        <p:spPr bwMode="auto">
+          <a:xfrm rot="16200000" flipH="1">
+            <a:off x="2456884" y="3334709"/>
+            <a:ext cx="753156" cy="1331495"/>
+          </a:xfrm>
+          <a:prstGeom prst="bentConnector2">
+            <a:avLst/>
+          </a:prstGeom>
+          <a:solidFill>
+            <a:schemeClr val="accent1"/>
+          </a:solidFill>
+          <a:ln w="9525" cap="flat" cmpd="sng" algn="ctr">
+            <a:solidFill>
+              <a:srgbClr val="7030A0"/>
+            </a:solidFill>
+            <a:prstDash val="solid"/>
+            <a:round/>
+            <a:headEnd type="none" w="med" len="med"/>
+            <a:tailEnd type="triangle"/>
+          </a:ln>
+          <a:effectLst/>
+          <a:extLst>
+            <a:ext uri="{AF507438-7753-43e0-B8FC-AC1667EBCBE1}">
+              <a14:hiddenEffects xmlns="" xmlns:a14="http://schemas.microsoft.com/office/drawing/2010/main">
+                <a:effectLst>
+                  <a:outerShdw blurRad="63500" dist="38099" dir="2700000" algn="ctr" rotWithShape="0">
+                    <a:schemeClr val="bg2">
+                      <a:alpha val="74998"/>
+                    </a:schemeClr>
+                  </a:outerShdw>
+                </a:effectLst>
+              </a14:hiddenEffects>
+            </a:ext>
+          </a:extLst>
+        </p:spPr>
+      </p:cxnSp>
+      <p:cxnSp>
+        <p:nvCxnSpPr>
+          <p:cNvPr id="14" name="Elbow Connector 13">
+            <a:extLst>
+              <a:ext uri="{FF2B5EF4-FFF2-40B4-BE49-F238E27FC236}">
+                <a16:creationId xmlns:a16="http://schemas.microsoft.com/office/drawing/2014/main" id="{C6190F61-4222-0044-AAE8-3F636B6D1D73}"/>
+              </a:ext>
+            </a:extLst>
+          </p:cNvPr>
+          <p:cNvCxnSpPr>
+            <a:stCxn id="12" idx="2"/>
+            <a:endCxn id="9" idx="3"/>
+          </p:cNvCxnSpPr>
+          <p:nvPr/>
+        </p:nvCxnSpPr>
+        <p:spPr bwMode="auto">
+          <a:xfrm rot="5400000">
+            <a:off x="5119284" y="3342139"/>
+            <a:ext cx="786423" cy="1283369"/>
+          </a:xfrm>
+          <a:prstGeom prst="bentConnector2">
+            <a:avLst/>
+          </a:prstGeom>
+          <a:solidFill>
+            <a:schemeClr val="accent1"/>
+          </a:solidFill>
+          <a:ln w="9525" cap="flat" cmpd="sng" algn="ctr">
+            <a:solidFill>
+              <a:srgbClr val="7030A0"/>
+            </a:solidFill>
+            <a:prstDash val="solid"/>
+            <a:round/>
+            <a:headEnd type="none" w="med" len="med"/>
+            <a:tailEnd type="triangle"/>
+          </a:ln>
+          <a:effectLst/>
+          <a:extLst>
+            <a:ext uri="{AF507438-7753-43e0-B8FC-AC1667EBCBE1}">
+              <a14:hiddenEffects xmlns="" xmlns:a14="http://schemas.microsoft.com/office/drawing/2010/main">
+                <a:effectLst>
+                  <a:outerShdw blurRad="63500" dist="38099" dir="2700000" algn="ctr" rotWithShape="0">
+                    <a:schemeClr val="bg2">
+                      <a:alpha val="74998"/>
+                    </a:schemeClr>
+                  </a:outerShdw>
+                </a:effectLst>
+              </a14:hiddenEffects>
+            </a:ext>
+          </a:extLst>
+        </p:spPr>
+      </p:cxnSp>
+      <p:cxnSp>
+        <p:nvCxnSpPr>
+          <p:cNvPr id="15" name="Elbow Connector 14">
+            <a:extLst>
+              <a:ext uri="{FF2B5EF4-FFF2-40B4-BE49-F238E27FC236}">
+                <a16:creationId xmlns:a16="http://schemas.microsoft.com/office/drawing/2014/main" id="{1C4BBC0E-FEAF-C94A-882D-1125378495C3}"/>
+              </a:ext>
+            </a:extLst>
+          </p:cNvPr>
+          <p:cNvCxnSpPr>
+            <a:stCxn id="11" idx="2"/>
+            <a:endCxn id="9" idx="0"/>
+          </p:cNvCxnSpPr>
+          <p:nvPr/>
+        </p:nvCxnSpPr>
+        <p:spPr bwMode="auto">
+          <a:xfrm rot="16200000" flipH="1">
+            <a:off x="4015976" y="3788901"/>
+            <a:ext cx="334056" cy="4011"/>
+          </a:xfrm>
+          <a:prstGeom prst="bentConnector3">
+            <a:avLst>
+              <a:gd name="adj1" fmla="val 50000"/>
+            </a:avLst>
+          </a:prstGeom>
+          <a:solidFill>
+            <a:schemeClr val="accent1"/>
+          </a:solidFill>
+          <a:ln w="9525" cap="flat" cmpd="sng" algn="ctr">
+            <a:solidFill>
+              <a:srgbClr val="7030A0"/>
+            </a:solidFill>
+            <a:prstDash val="solid"/>
+            <a:round/>
+            <a:headEnd type="none" w="med" len="med"/>
+            <a:tailEnd type="triangle"/>
+          </a:ln>
+          <a:effectLst/>
+          <a:extLst>
+            <a:ext uri="{AF507438-7753-43e0-B8FC-AC1667EBCBE1}">
+              <a14:hiddenEffects xmlns="" xmlns:a14="http://schemas.microsoft.com/office/drawing/2010/main">
+                <a:effectLst>
+                  <a:outerShdw blurRad="63500" dist="38099" dir="2700000" algn="ctr" rotWithShape="0">
+                    <a:schemeClr val="bg2">
+                      <a:alpha val="74998"/>
+                    </a:schemeClr>
+                  </a:outerShdw>
+                </a:effectLst>
+              </a14:hiddenEffects>
+            </a:ext>
+          </a:extLst>
+        </p:spPr>
+      </p:cxnSp>
+      <p:sp>
+        <p:nvSpPr>
+          <p:cNvPr id="16" name="Rectangle 15">
+            <a:extLst>
+              <a:ext uri="{FF2B5EF4-FFF2-40B4-BE49-F238E27FC236}">
+                <a16:creationId xmlns:a16="http://schemas.microsoft.com/office/drawing/2014/main" id="{705C718E-68B7-8046-9D6D-073F8E6A9697}"/>
+              </a:ext>
+            </a:extLst>
+          </p:cNvPr>
+          <p:cNvSpPr/>
+          <p:nvPr/>
+        </p:nvSpPr>
+        <p:spPr bwMode="auto">
+          <a:xfrm>
+            <a:off x="3495199" y="4785613"/>
+            <a:ext cx="1371600" cy="351744"/>
+          </a:xfrm>
+          <a:prstGeom prst="rect">
+            <a:avLst/>
+          </a:prstGeom>
+          <a:solidFill>
+            <a:srgbClr val="002060"/>
+          </a:solidFill>
+          <a:ln w="9525" cap="flat" cmpd="sng" algn="ctr">
+            <a:solidFill>
+              <a:schemeClr val="tx1"/>
+            </a:solidFill>
+            <a:prstDash val="solid"/>
+            <a:round/>
+            <a:headEnd type="none" w="med" len="med"/>
+            <a:tailEnd type="none" w="med" len="med"/>
+          </a:ln>
+          <a:effectLst/>
+          <a:extLst>
+            <a:ext uri="{AF507438-7753-43e0-B8FC-AC1667EBCBE1}">
+              <a14:hiddenEffects xmlns="" xmlns:a14="http://schemas.microsoft.com/office/drawing/2010/main">
+                <a:effectLst>
+                  <a:outerShdw blurRad="63500" dist="38099" dir="2700000" algn="ctr" rotWithShape="0">
+                    <a:schemeClr val="bg2">
+                      <a:alpha val="74998"/>
+                    </a:schemeClr>
+                  </a:outerShdw>
+                </a:effectLst>
+              </a14:hiddenEffects>
+            </a:ext>
+          </a:extLst>
+        </p:spPr>
+        <p:txBody>
+          <a:bodyPr vert="horz" wrap="none" lIns="91440" tIns="45720" rIns="91440" bIns="45720" numCol="1" rtlCol="0" anchor="ctr" anchorCtr="0" compatLnSpc="1">
+            <a:prstTxWarp prst="textNoShape">
+              <a:avLst/>
+            </a:prstTxWarp>
+          </a:bodyPr>
+          <a:lstStyle/>
+          <a:p>
+            <a:pPr marL="0" marR="0" indent="0" algn="ctr" defTabSz="914400" rtl="0" eaLnBrk="1" fontAlgn="base" latinLnBrk="0" hangingPunct="1">
+              <a:lnSpc>
+                <a:spcPct val="100000"/>
+              </a:lnSpc>
+              <a:spcBef>
+                <a:spcPct val="0"/>
+              </a:spcBef>
+              <a:spcAft>
+                <a:spcPct val="0"/>
+              </a:spcAft>
+              <a:buClrTx/>
+              <a:buSzTx/>
+              <a:buFontTx/>
+              <a:buNone/>
+              <a:tabLst/>
+            </a:pPr>
+            <a:r>
+              <a:rPr kumimoji="0" lang="en-US" sz="2400" b="0" i="0" u="none" strike="noStrike" cap="none" normalizeH="0" baseline="0" dirty="0">
+                <a:ln>
+                  <a:noFill/>
+                </a:ln>
+                <a:solidFill>
+                  <a:schemeClr val="accent1"/>
+                </a:solidFill>
+                <a:effectLst/>
+                <a:latin typeface="Tahoma" charset="0"/>
+                <a:ea typeface="ＭＳ Ｐゴシック" charset="0"/>
+              </a:rPr>
+              <a:t>EVENT</a:t>
+            </a:r>
+          </a:p>
+        </p:txBody>
+      </p:sp>
+      <p:cxnSp>
+        <p:nvCxnSpPr>
+          <p:cNvPr id="17" name="Elbow Connector 16">
+            <a:extLst>
+              <a:ext uri="{FF2B5EF4-FFF2-40B4-BE49-F238E27FC236}">
+                <a16:creationId xmlns:a16="http://schemas.microsoft.com/office/drawing/2014/main" id="{2E92C9CB-605F-DC43-A32E-7E895A4D9C0A}"/>
+              </a:ext>
+            </a:extLst>
+          </p:cNvPr>
+          <p:cNvCxnSpPr>
+            <a:stCxn id="16" idx="2"/>
+            <a:endCxn id="6" idx="0"/>
+          </p:cNvCxnSpPr>
+          <p:nvPr/>
+        </p:nvCxnSpPr>
+        <p:spPr bwMode="auto">
+          <a:xfrm rot="5400000" flipH="1">
+            <a:off x="1822646" y="2779004"/>
+            <a:ext cx="2703422" cy="2013284"/>
+          </a:xfrm>
+          <a:prstGeom prst="bentConnector5">
+            <a:avLst>
+              <a:gd name="adj1" fmla="val -16348"/>
+              <a:gd name="adj2" fmla="val -161195"/>
+              <a:gd name="adj3" fmla="val 117476"/>
+            </a:avLst>
+          </a:prstGeom>
+          <a:solidFill>
+            <a:schemeClr val="accent1"/>
+          </a:solidFill>
+          <a:ln w="25400" cap="flat" cmpd="sng" algn="ctr">
+            <a:solidFill>
+              <a:schemeClr val="tx1"/>
+            </a:solidFill>
+            <a:prstDash val="dash"/>
+            <a:round/>
+            <a:headEnd type="none" w="med" len="med"/>
+            <a:tailEnd type="triangle" w="lg" len="lg"/>
+          </a:ln>
+          <a:effectLst/>
+          <a:extLst>
+            <a:ext uri="{AF507438-7753-43e0-B8FC-AC1667EBCBE1}">
+              <a14:hiddenEffects xmlns="" xmlns:a14="http://schemas.microsoft.com/office/drawing/2010/main">
+                <a:effectLst>
+                  <a:outerShdw blurRad="63500" dist="38099" dir="2700000" algn="ctr" rotWithShape="0">
+                    <a:schemeClr val="bg2">
+                      <a:alpha val="74998"/>
+                    </a:schemeClr>
+                  </a:outerShdw>
+                </a:effectLst>
+              </a14:hiddenEffects>
+            </a:ext>
+          </a:extLst>
+        </p:spPr>
+      </p:cxnSp>
+      <p:cxnSp>
+        <p:nvCxnSpPr>
+          <p:cNvPr id="22" name="Straight Arrow Connector 21">
+            <a:extLst>
+              <a:ext uri="{FF2B5EF4-FFF2-40B4-BE49-F238E27FC236}">
+                <a16:creationId xmlns:a16="http://schemas.microsoft.com/office/drawing/2014/main" id="{5628497B-4937-464B-ADA1-37AA3CCD608B}"/>
+              </a:ext>
+            </a:extLst>
+          </p:cNvPr>
+          <p:cNvCxnSpPr>
+            <a:endCxn id="7" idx="0"/>
+          </p:cNvCxnSpPr>
+          <p:nvPr/>
+        </p:nvCxnSpPr>
+        <p:spPr bwMode="auto">
+          <a:xfrm>
+            <a:off x="4168968" y="1976735"/>
+            <a:ext cx="0" cy="442340"/>
+          </a:xfrm>
+          <a:prstGeom prst="straightConnector1">
+            <a:avLst/>
+          </a:prstGeom>
+          <a:solidFill>
+            <a:schemeClr val="accent1"/>
+          </a:solidFill>
+          <a:ln w="25400" cap="flat" cmpd="sng" algn="ctr">
+            <a:solidFill>
+              <a:schemeClr val="tx1"/>
+            </a:solidFill>
+            <a:prstDash val="dash"/>
+            <a:round/>
+            <a:headEnd type="none" w="med" len="med"/>
+            <a:tailEnd type="triangle"/>
+          </a:ln>
+          <a:effectLst/>
+          <a:extLst>
+            <a:ext uri="{AF507438-7753-43e0-B8FC-AC1667EBCBE1}">
+              <a14:hiddenEffects xmlns="" xmlns:a14="http://schemas.microsoft.com/office/drawing/2010/main">
+                <a:effectLst>
+                  <a:outerShdw blurRad="63500" dist="38099" dir="2700000" algn="ctr" rotWithShape="0">
+                    <a:schemeClr val="bg2">
+                      <a:alpha val="74998"/>
+                    </a:schemeClr>
+                  </a:outerShdw>
+                </a:effectLst>
+              </a14:hiddenEffects>
+            </a:ext>
+          </a:extLst>
+        </p:spPr>
+      </p:cxnSp>
+      <p:cxnSp>
+        <p:nvCxnSpPr>
+          <p:cNvPr id="24" name="Straight Arrow Connector 23">
+            <a:extLst>
+              <a:ext uri="{FF2B5EF4-FFF2-40B4-BE49-F238E27FC236}">
+                <a16:creationId xmlns:a16="http://schemas.microsoft.com/office/drawing/2014/main" id="{38E36D72-278E-3041-ADDF-C6C67F180B10}"/>
+              </a:ext>
+            </a:extLst>
+          </p:cNvPr>
+          <p:cNvCxnSpPr/>
+          <p:nvPr/>
+        </p:nvCxnSpPr>
+        <p:spPr bwMode="auto">
+          <a:xfrm>
+            <a:off x="6170221" y="1961875"/>
+            <a:ext cx="0" cy="442340"/>
+          </a:xfrm>
+          <a:prstGeom prst="straightConnector1">
+            <a:avLst/>
+          </a:prstGeom>
+          <a:solidFill>
+            <a:schemeClr val="accent1"/>
+          </a:solidFill>
+          <a:ln w="25400" cap="flat" cmpd="sng" algn="ctr">
+            <a:solidFill>
+              <a:schemeClr val="tx1"/>
+            </a:solidFill>
+            <a:prstDash val="dash"/>
+            <a:round/>
+            <a:headEnd type="none" w="med" len="med"/>
+            <a:tailEnd type="triangle"/>
+          </a:ln>
+          <a:effectLst/>
+          <a:extLst>
+            <a:ext uri="{AF507438-7753-43e0-B8FC-AC1667EBCBE1}">
+              <a14:hiddenEffects xmlns="" xmlns:a14="http://schemas.microsoft.com/office/drawing/2010/main">
+                <a:effectLst>
+                  <a:outerShdw blurRad="63500" dist="38099" dir="2700000" algn="ctr" rotWithShape="0">
+                    <a:schemeClr val="bg2">
+                      <a:alpha val="74998"/>
+                    </a:schemeClr>
+                  </a:outerShdw>
+                </a:effectLst>
+              </a14:hiddenEffects>
+            </a:ext>
+          </a:extLst>
+        </p:spPr>
+      </p:cxnSp>
+      <p:sp>
+        <p:nvSpPr>
+          <p:cNvPr id="23" name="TextBox 22">
+            <a:extLst>
+              <a:ext uri="{FF2B5EF4-FFF2-40B4-BE49-F238E27FC236}">
+                <a16:creationId xmlns:a16="http://schemas.microsoft.com/office/drawing/2014/main" id="{561630E9-EC87-8942-9D8D-8C329D412E58}"/>
+              </a:ext>
+            </a:extLst>
+          </p:cNvPr>
+          <p:cNvSpPr txBox="1"/>
+          <p:nvPr/>
+        </p:nvSpPr>
+        <p:spPr>
+          <a:xfrm>
+            <a:off x="5257800" y="5634335"/>
+            <a:ext cx="1270028" cy="461665"/>
+          </a:xfrm>
+          <a:prstGeom prst="rect">
+            <a:avLst/>
+          </a:prstGeom>
+          <a:noFill/>
+        </p:spPr>
+        <p:txBody>
+          <a:bodyPr wrap="none" rtlCol="0">
+            <a:spAutoFit/>
+          </a:bodyPr>
+          <a:lstStyle/>
+          <a:p>
+            <a:r>
+              <a:rPr lang="en-US" dirty="0"/>
+              <a:t>EVENTS</a:t>
+            </a:r>
+          </a:p>
+        </p:txBody>
+      </p:sp>
+      <p:sp>
+        <p:nvSpPr>
+          <p:cNvPr id="26" name="TextBox 25">
+            <a:extLst>
+              <a:ext uri="{FF2B5EF4-FFF2-40B4-BE49-F238E27FC236}">
+                <a16:creationId xmlns:a16="http://schemas.microsoft.com/office/drawing/2014/main" id="{589001DE-BB80-B247-9D7C-F97007FE5FC6}"/>
+              </a:ext>
+            </a:extLst>
+          </p:cNvPr>
+          <p:cNvSpPr txBox="1"/>
+          <p:nvPr/>
+        </p:nvSpPr>
+        <p:spPr>
+          <a:xfrm>
+            <a:off x="1270201" y="4377035"/>
+            <a:ext cx="2229008" cy="461665"/>
+          </a:xfrm>
+          <a:prstGeom prst="rect">
+            <a:avLst/>
+          </a:prstGeom>
+          <a:noFill/>
+        </p:spPr>
+        <p:txBody>
+          <a:bodyPr wrap="none" rtlCol="0">
+            <a:spAutoFit/>
+          </a:bodyPr>
+          <a:lstStyle/>
+          <a:p>
+            <a:r>
+              <a:rPr lang="en-US" dirty="0">
+                <a:solidFill>
+                  <a:srgbClr val="7030A0"/>
+                </a:solidFill>
+              </a:rPr>
+              <a:t>Getters/Setters</a:t>
+            </a:r>
+          </a:p>
+        </p:txBody>
+      </p:sp>
     </p:spTree>
     <p:extLst>
       <p:ext uri="{BB962C8B-B14F-4D97-AF65-F5344CB8AC3E}">
-        <p14:creationId xmlns:p14="http://schemas.microsoft.com/office/powerpoint/2010/main" val="2322109561"/>
+        <p14:creationId xmlns:p14="http://schemas.microsoft.com/office/powerpoint/2010/main" val="3422068504"/>
       </p:ext>
     </p:extLst>
   </p:cSld>
@@ -29006,14 +30069,14 @@
             <a:pPr defTabSz="895350"/>
             <a:r>
               <a:rPr lang="en-US" dirty="0"/>
-              <a:t>How it works: Web Sockets</a:t>
+              <a:t>How it works: XHR Long Poll</a:t>
             </a:r>
           </a:p>
         </p:txBody>
       </p:sp>
       <p:pic>
         <p:nvPicPr>
-          <p:cNvPr id="2" name="Picture 1" descr="WebSocket.jpg"/>
+          <p:cNvPr id="3" name="Picture 2" descr="LongPoll.jpg"/>
           <p:cNvPicPr>
             <a:picLocks noChangeAspect="1"/>
           </p:cNvPicPr>
@@ -29033,8 +30096,8 @@
         </p:blipFill>
         <p:spPr>
           <a:xfrm>
-            <a:off x="914399" y="914400"/>
-            <a:ext cx="7726111" cy="5495414"/>
+            <a:off x="838199" y="990600"/>
+            <a:ext cx="7894209" cy="5224670"/>
           </a:xfrm>
           <a:prstGeom prst="rect">
             <a:avLst/>
@@ -29044,7 +30107,7 @@
     </p:spTree>
     <p:extLst>
       <p:ext uri="{BB962C8B-B14F-4D97-AF65-F5344CB8AC3E}">
-        <p14:creationId xmlns:p14="http://schemas.microsoft.com/office/powerpoint/2010/main" val="2769573412"/>
+        <p14:creationId xmlns:p14="http://schemas.microsoft.com/office/powerpoint/2010/main" val="2322109561"/>
       </p:ext>
     </p:extLst>
   </p:cSld>
@@ -29157,7 +30220,7 @@
           <a:effectLst/>
           <a:extLst>
             <a:ext uri="{AF507438-7753-43e0-B8FC-AC1667EBCBE1}">
-              <a14:hiddenEffects xmlns:a14="http://schemas.microsoft.com/office/drawing/2010/main" xmlns="">
+              <a14:hiddenEffects xmlns="" xmlns:a14="http://schemas.microsoft.com/office/drawing/2010/main">
                 <a:effectLst>
                   <a:outerShdw blurRad="63500" dist="38099" dir="2700000" algn="ctr" rotWithShape="0">
                     <a:schemeClr val="bg2">
@@ -29271,7 +30334,7 @@
           <a:effectLst/>
           <a:extLst>
             <a:ext uri="{AF507438-7753-43e0-B8FC-AC1667EBCBE1}">
-              <a14:hiddenEffects xmlns:a14="http://schemas.microsoft.com/office/drawing/2010/main" xmlns="">
+              <a14:hiddenEffects xmlns="" xmlns:a14="http://schemas.microsoft.com/office/drawing/2010/main">
                 <a:effectLst>
                   <a:outerShdw blurRad="63500" dist="38099" dir="2700000" algn="ctr" rotWithShape="0">
                     <a:schemeClr val="bg2">
@@ -29416,7 +30479,7 @@
           <a:effectLst/>
           <a:extLst>
             <a:ext uri="{AF507438-7753-43e0-B8FC-AC1667EBCBE1}">
-              <a14:hiddenEffects xmlns:a14="http://schemas.microsoft.com/office/drawing/2010/main" xmlns="">
+              <a14:hiddenEffects xmlns="" xmlns:a14="http://schemas.microsoft.com/office/drawing/2010/main">
                 <a:effectLst>
                   <a:outerShdw blurRad="63500" dist="38099" dir="2700000" algn="ctr" rotWithShape="0">
                     <a:schemeClr val="bg2">
@@ -29458,7 +30521,7 @@
           <a:effectLst/>
           <a:extLst>
             <a:ext uri="{AF507438-7753-43e0-B8FC-AC1667EBCBE1}">
-              <a14:hiddenEffects xmlns:a14="http://schemas.microsoft.com/office/drawing/2010/main" xmlns="">
+              <a14:hiddenEffects xmlns="" xmlns:a14="http://schemas.microsoft.com/office/drawing/2010/main">
                 <a:effectLst>
                   <a:outerShdw blurRad="63500" dist="38099" dir="2700000" algn="ctr" rotWithShape="0">
                     <a:schemeClr val="bg2">
@@ -29639,7 +30702,7 @@
           <a:effectLst/>
           <a:extLst>
             <a:ext uri="{AF507438-7753-43e0-B8FC-AC1667EBCBE1}">
-              <a14:hiddenEffects xmlns:a14="http://schemas.microsoft.com/office/drawing/2010/main" xmlns="">
+              <a14:hiddenEffects xmlns="" xmlns:a14="http://schemas.microsoft.com/office/drawing/2010/main">
                 <a:effectLst>
                   <a:outerShdw blurRad="63500" dist="38099" dir="2700000" algn="ctr" rotWithShape="0">
                     <a:schemeClr val="bg2">
@@ -29681,7 +30744,7 @@
           <a:effectLst/>
           <a:extLst>
             <a:ext uri="{AF507438-7753-43e0-B8FC-AC1667EBCBE1}">
-              <a14:hiddenEffects xmlns:a14="http://schemas.microsoft.com/office/drawing/2010/main" xmlns="">
+              <a14:hiddenEffects xmlns="" xmlns:a14="http://schemas.microsoft.com/office/drawing/2010/main">
                 <a:effectLst>
                   <a:outerShdw blurRad="63500" dist="38099" dir="2700000" algn="ctr" rotWithShape="0">
                     <a:schemeClr val="bg2">
@@ -29764,7 +30827,7 @@
           <a:effectLst/>
           <a:extLst>
             <a:ext uri="{AF507438-7753-43e0-B8FC-AC1667EBCBE1}">
-              <a14:hiddenEffects xmlns:a14="http://schemas.microsoft.com/office/drawing/2010/main" xmlns="">
+              <a14:hiddenEffects xmlns="" xmlns:a14="http://schemas.microsoft.com/office/drawing/2010/main">
                 <a:effectLst>
                   <a:outerShdw blurRad="63500" dist="38099" dir="2700000" algn="ctr" rotWithShape="0">
                     <a:schemeClr val="bg2">
@@ -29871,7 +30934,7 @@
           <a:effectLst/>
           <a:extLst>
             <a:ext uri="{AF507438-7753-43e0-B8FC-AC1667EBCBE1}">
-              <a14:hiddenEffects xmlns:a14="http://schemas.microsoft.com/office/drawing/2010/main" xmlns="">
+              <a14:hiddenEffects xmlns="" xmlns:a14="http://schemas.microsoft.com/office/drawing/2010/main">
                 <a:effectLst>
                   <a:outerShdw blurRad="63500" dist="38099" dir="2700000" algn="ctr" rotWithShape="0">
                     <a:schemeClr val="bg2">
@@ -29916,7 +30979,7 @@
           <a:effectLst/>
           <a:extLst>
             <a:ext uri="{AF507438-7753-43e0-B8FC-AC1667EBCBE1}">
-              <a14:hiddenEffects xmlns:a14="http://schemas.microsoft.com/office/drawing/2010/main" xmlns="">
+              <a14:hiddenEffects xmlns="" xmlns:a14="http://schemas.microsoft.com/office/drawing/2010/main">
                 <a:effectLst>
                   <a:outerShdw blurRad="63500" dist="38099" dir="2700000" algn="ctr" rotWithShape="0">
                     <a:schemeClr val="bg2">
@@ -30050,7 +31113,7 @@
         </p:nvSpPr>
         <p:spPr>
           <a:xfrm>
-            <a:off x="914400" y="609600"/>
+            <a:off x="914400" y="228600"/>
             <a:ext cx="7772400" cy="685800"/>
           </a:xfrm>
         </p:spPr>
@@ -30061,834 +31124,45 @@
             <a:pPr defTabSz="895350"/>
             <a:r>
               <a:rPr lang="en-US" dirty="0"/>
-              <a:t>React Architecture </a:t>
+              <a:t>How it works: Web Sockets</a:t>
             </a:r>
           </a:p>
         </p:txBody>
       </p:sp>
-      <p:sp>
-        <p:nvSpPr>
-          <p:cNvPr id="9" name="Rectangle 8"/>
-          <p:cNvSpPr/>
+      <p:pic>
+        <p:nvPicPr>
+          <p:cNvPr id="2" name="Picture 1" descr="WebSocket.jpg"/>
+          <p:cNvPicPr>
+            <a:picLocks noChangeAspect="1"/>
+          </p:cNvPicPr>
           <p:nvPr/>
-        </p:nvSpPr>
-        <p:spPr bwMode="auto">
-          <a:xfrm>
-            <a:off x="762000" y="1676400"/>
-            <a:ext cx="2209800" cy="2971800"/>
+        </p:nvPicPr>
+        <p:blipFill>
+          <a:blip r:embed="rId2">
+            <a:extLst>
+              <a:ext uri="{28A0092B-C50C-407E-A947-70E740481C1C}">
+                <a14:useLocalDpi xmlns:a14="http://schemas.microsoft.com/office/drawing/2010/main" val="0"/>
+              </a:ext>
+            </a:extLst>
+          </a:blip>
+          <a:stretch>
+            <a:fillRect/>
+          </a:stretch>
+        </p:blipFill>
+        <p:spPr>
+          <a:xfrm>
+            <a:off x="914399" y="914400"/>
+            <a:ext cx="7726111" cy="5495414"/>
           </a:xfrm>
           <a:prstGeom prst="rect">
             <a:avLst/>
           </a:prstGeom>
-          <a:solidFill>
-            <a:schemeClr val="accent1"/>
-          </a:solidFill>
-          <a:ln w="9525" cap="flat" cmpd="sng" algn="ctr">
-            <a:solidFill>
-              <a:schemeClr val="tx1"/>
-            </a:solidFill>
-            <a:prstDash val="solid"/>
-            <a:round/>
-            <a:headEnd type="none" w="med" len="med"/>
-            <a:tailEnd type="none" w="med" len="med"/>
-          </a:ln>
-          <a:effectLst/>
-          <a:extLst>
-            <a:ext uri="{AF507438-7753-43e0-B8FC-AC1667EBCBE1}">
-              <a14:hiddenEffects xmlns:a14="http://schemas.microsoft.com/office/drawing/2010/main" xmlns="">
-                <a:effectLst>
-                  <a:outerShdw blurRad="63500" dist="38099" dir="2700000" algn="ctr" rotWithShape="0">
-                    <a:schemeClr val="bg2">
-                      <a:alpha val="74998"/>
-                    </a:schemeClr>
-                  </a:outerShdw>
-                </a:effectLst>
-              </a14:hiddenEffects>
-            </a:ext>
-          </a:extLst>
-        </p:spPr>
-        <p:txBody>
-          <a:bodyPr vert="horz" wrap="none" lIns="91440" tIns="45720" rIns="91440" bIns="45720" numCol="1" rtlCol="0" anchor="t" anchorCtr="0" compatLnSpc="1">
-            <a:prstTxWarp prst="textNoShape">
-              <a:avLst/>
-            </a:prstTxWarp>
-          </a:bodyPr>
-          <a:lstStyle/>
-          <a:p>
-            <a:pPr marL="0" marR="0" indent="0" algn="ctr" defTabSz="914400" rtl="0" eaLnBrk="1" fontAlgn="base" latinLnBrk="0" hangingPunct="1">
-              <a:lnSpc>
-                <a:spcPct val="100000"/>
-              </a:lnSpc>
-              <a:spcBef>
-                <a:spcPct val="0"/>
-              </a:spcBef>
-              <a:spcAft>
-                <a:spcPct val="0"/>
-              </a:spcAft>
-              <a:buClrTx/>
-              <a:buSzTx/>
-              <a:buFontTx/>
-              <a:buNone/>
-              <a:tabLst/>
-            </a:pPr>
-            <a:r>
-              <a:rPr kumimoji="0" lang="en-US" sz="2400" b="0" i="0" u="none" strike="noStrike" cap="none" normalizeH="0" baseline="0" dirty="0">
-                <a:ln>
-                  <a:noFill/>
-                </a:ln>
-                <a:solidFill>
-                  <a:schemeClr val="tx1"/>
-                </a:solidFill>
-                <a:effectLst/>
-                <a:latin typeface="Tahoma" charset="0"/>
-                <a:ea typeface="ＭＳ Ｐゴシック" charset="0"/>
-              </a:rPr>
-              <a:t>APP</a:t>
-            </a:r>
-          </a:p>
-        </p:txBody>
-      </p:sp>
-      <p:sp>
-        <p:nvSpPr>
-          <p:cNvPr id="10" name="Rectangle 9"/>
-          <p:cNvSpPr/>
-          <p:nvPr/>
-        </p:nvSpPr>
-        <p:spPr bwMode="auto">
-          <a:xfrm>
-            <a:off x="1066800" y="2209800"/>
-            <a:ext cx="1676400" cy="1066800"/>
-          </a:xfrm>
-          <a:prstGeom prst="rect">
-            <a:avLst/>
-          </a:prstGeom>
-          <a:solidFill>
-            <a:schemeClr val="tx1"/>
-          </a:solidFill>
-          <a:ln w="9525" cap="flat" cmpd="sng" algn="ctr">
-            <a:solidFill>
-              <a:schemeClr val="tx1"/>
-            </a:solidFill>
-            <a:prstDash val="solid"/>
-            <a:round/>
-            <a:headEnd type="none" w="med" len="med"/>
-            <a:tailEnd type="none" w="med" len="med"/>
-          </a:ln>
-          <a:effectLst/>
-        </p:spPr>
-        <p:txBody>
-          <a:bodyPr vert="horz" wrap="none" lIns="91440" tIns="45720" rIns="91440" bIns="45720" numCol="1" rtlCol="0" anchor="ctr" anchorCtr="0" compatLnSpc="1">
-            <a:prstTxWarp prst="textNoShape">
-              <a:avLst/>
-            </a:prstTxWarp>
-          </a:bodyPr>
-          <a:lstStyle/>
-          <a:p>
-            <a:pPr marL="0" marR="0" indent="0" algn="ctr" defTabSz="914400" rtl="0" eaLnBrk="1" fontAlgn="base" latinLnBrk="0" hangingPunct="1">
-              <a:lnSpc>
-                <a:spcPct val="100000"/>
-              </a:lnSpc>
-              <a:spcBef>
-                <a:spcPct val="0"/>
-              </a:spcBef>
-              <a:spcAft>
-                <a:spcPct val="0"/>
-              </a:spcAft>
-              <a:buClrTx/>
-              <a:buSzTx/>
-              <a:buFontTx/>
-              <a:buNone/>
-              <a:tabLst/>
-            </a:pPr>
-            <a:r>
-              <a:rPr lang="en-US" sz="2000" b="1" dirty="0">
-                <a:solidFill>
-                  <a:srgbClr val="CCCC00"/>
-                </a:solidFill>
-              </a:rPr>
-              <a:t>REACT</a:t>
-            </a:r>
-          </a:p>
-          <a:p>
-            <a:pPr marL="0" marR="0" indent="0" algn="ctr" defTabSz="914400" rtl="0" eaLnBrk="1" fontAlgn="base" latinLnBrk="0" hangingPunct="1">
-              <a:lnSpc>
-                <a:spcPct val="100000"/>
-              </a:lnSpc>
-              <a:spcBef>
-                <a:spcPct val="0"/>
-              </a:spcBef>
-              <a:spcAft>
-                <a:spcPct val="0"/>
-              </a:spcAft>
-              <a:buClrTx/>
-              <a:buSzTx/>
-              <a:buFontTx/>
-              <a:buNone/>
-              <a:tabLst/>
-            </a:pPr>
-            <a:r>
-              <a:rPr kumimoji="0" lang="en-US" sz="2000" b="1" i="0" u="none" strike="noStrike" cap="none" normalizeH="0" baseline="0" dirty="0">
-                <a:ln>
-                  <a:noFill/>
-                </a:ln>
-                <a:solidFill>
-                  <a:srgbClr val="CCCC00"/>
-                </a:solidFill>
-                <a:effectLst/>
-                <a:latin typeface="Tahoma" charset="0"/>
-                <a:ea typeface="ＭＳ Ｐゴシック" charset="0"/>
-              </a:rPr>
-              <a:t>Component</a:t>
-            </a:r>
-          </a:p>
-        </p:txBody>
-      </p:sp>
-      <p:sp>
-        <p:nvSpPr>
-          <p:cNvPr id="12" name="TextBox 11"/>
-          <p:cNvSpPr txBox="1"/>
-          <p:nvPr/>
-        </p:nvSpPr>
-        <p:spPr>
-          <a:xfrm rot="16200000">
-            <a:off x="2485836" y="2409287"/>
-            <a:ext cx="1838965" cy="369332"/>
-          </a:xfrm>
-          <a:prstGeom prst="rect">
-            <a:avLst/>
-          </a:prstGeom>
-          <a:noFill/>
-        </p:spPr>
-        <p:txBody>
-          <a:bodyPr wrap="none" rtlCol="0">
-            <a:spAutoFit/>
-          </a:bodyPr>
-          <a:lstStyle/>
-          <a:p>
-            <a:r>
-              <a:rPr lang="en-US" sz="1800" b="1">
-                <a:latin typeface="Courier New"/>
-                <a:cs typeface="Courier New"/>
-              </a:rPr>
-              <a:t>Manipultates</a:t>
-            </a:r>
-            <a:endParaRPr lang="en-US" sz="1800" b="1" dirty="0">
-              <a:latin typeface="Courier New"/>
-              <a:cs typeface="Courier New"/>
-            </a:endParaRPr>
-          </a:p>
-        </p:txBody>
-      </p:sp>
-      <p:sp>
-        <p:nvSpPr>
-          <p:cNvPr id="14" name="Rectangle 13"/>
-          <p:cNvSpPr/>
-          <p:nvPr/>
-        </p:nvSpPr>
-        <p:spPr bwMode="auto">
-          <a:xfrm>
-            <a:off x="1066800" y="3429000"/>
-            <a:ext cx="1676400" cy="1066800"/>
-          </a:xfrm>
-          <a:prstGeom prst="rect">
-            <a:avLst/>
-          </a:prstGeom>
-          <a:solidFill>
-            <a:schemeClr val="tx1"/>
-          </a:solidFill>
-          <a:ln w="9525" cap="flat" cmpd="sng" algn="ctr">
-            <a:solidFill>
-              <a:schemeClr val="tx1"/>
-            </a:solidFill>
-            <a:prstDash val="solid"/>
-            <a:round/>
-            <a:headEnd type="none" w="med" len="med"/>
-            <a:tailEnd type="none" w="med" len="med"/>
-          </a:ln>
-          <a:effectLst/>
-        </p:spPr>
-        <p:txBody>
-          <a:bodyPr vert="horz" wrap="none" lIns="91440" tIns="45720" rIns="91440" bIns="45720" numCol="1" rtlCol="0" anchor="ctr" anchorCtr="0" compatLnSpc="1">
-            <a:prstTxWarp prst="textNoShape">
-              <a:avLst/>
-            </a:prstTxWarp>
-          </a:bodyPr>
-          <a:lstStyle/>
-          <a:p>
-            <a:pPr marL="0" marR="0" indent="0" algn="ctr" defTabSz="914400" rtl="0" eaLnBrk="1" fontAlgn="base" latinLnBrk="0" hangingPunct="1">
-              <a:lnSpc>
-                <a:spcPct val="100000"/>
-              </a:lnSpc>
-              <a:spcBef>
-                <a:spcPct val="0"/>
-              </a:spcBef>
-              <a:spcAft>
-                <a:spcPct val="0"/>
-              </a:spcAft>
-              <a:buClrTx/>
-              <a:buSzTx/>
-              <a:buFontTx/>
-              <a:buNone/>
-              <a:tabLst/>
-            </a:pPr>
-            <a:r>
-              <a:rPr lang="en-US" sz="2000" b="1" dirty="0">
-                <a:solidFill>
-                  <a:srgbClr val="CCCC00"/>
-                </a:solidFill>
-              </a:rPr>
-              <a:t>REACT</a:t>
-            </a:r>
-          </a:p>
-          <a:p>
-            <a:pPr marL="0" marR="0" indent="0" algn="ctr" defTabSz="914400" rtl="0" eaLnBrk="1" fontAlgn="base" latinLnBrk="0" hangingPunct="1">
-              <a:lnSpc>
-                <a:spcPct val="100000"/>
-              </a:lnSpc>
-              <a:spcBef>
-                <a:spcPct val="0"/>
-              </a:spcBef>
-              <a:spcAft>
-                <a:spcPct val="0"/>
-              </a:spcAft>
-              <a:buClrTx/>
-              <a:buSzTx/>
-              <a:buFontTx/>
-              <a:buNone/>
-              <a:tabLst/>
-            </a:pPr>
-            <a:r>
-              <a:rPr kumimoji="0" lang="en-US" sz="2000" b="1" i="0" u="none" strike="noStrike" cap="none" normalizeH="0" baseline="0" dirty="0">
-                <a:ln>
-                  <a:noFill/>
-                </a:ln>
-                <a:solidFill>
-                  <a:srgbClr val="CCCC00"/>
-                </a:solidFill>
-                <a:effectLst/>
-                <a:latin typeface="Tahoma" charset="0"/>
-                <a:ea typeface="ＭＳ Ｐゴシック" charset="0"/>
-              </a:rPr>
-              <a:t>Component</a:t>
-            </a:r>
-          </a:p>
-        </p:txBody>
-      </p:sp>
-      <p:sp>
-        <p:nvSpPr>
-          <p:cNvPr id="15" name="Rectangle 14"/>
-          <p:cNvSpPr/>
-          <p:nvPr/>
-        </p:nvSpPr>
-        <p:spPr bwMode="auto">
-          <a:xfrm>
-            <a:off x="3818584" y="1671577"/>
-            <a:ext cx="1134416" cy="2971800"/>
-          </a:xfrm>
-          <a:prstGeom prst="rect">
-            <a:avLst/>
-          </a:prstGeom>
-          <a:solidFill>
-            <a:schemeClr val="accent1"/>
-          </a:solidFill>
-          <a:ln w="9525" cap="flat" cmpd="sng" algn="ctr">
-            <a:solidFill>
-              <a:schemeClr val="tx1"/>
-            </a:solidFill>
-            <a:prstDash val="solid"/>
-            <a:round/>
-            <a:headEnd type="none" w="med" len="med"/>
-            <a:tailEnd type="none" w="med" len="med"/>
-          </a:ln>
-          <a:effectLst/>
-          <a:extLst>
-            <a:ext uri="{AF507438-7753-43e0-B8FC-AC1667EBCBE1}">
-              <a14:hiddenEffects xmlns:a14="http://schemas.microsoft.com/office/drawing/2010/main" xmlns="">
-                <a:effectLst>
-                  <a:outerShdw blurRad="63500" dist="38099" dir="2700000" algn="ctr" rotWithShape="0">
-                    <a:schemeClr val="bg2">
-                      <a:alpha val="74998"/>
-                    </a:schemeClr>
-                  </a:outerShdw>
-                </a:effectLst>
-              </a14:hiddenEffects>
-            </a:ext>
-          </a:extLst>
-        </p:spPr>
-        <p:txBody>
-          <a:bodyPr vert="horz" wrap="none" lIns="91440" tIns="45720" rIns="91440" bIns="45720" numCol="1" rtlCol="0" anchor="ctr" anchorCtr="0" compatLnSpc="1">
-            <a:prstTxWarp prst="textNoShape">
-              <a:avLst/>
-            </a:prstTxWarp>
-          </a:bodyPr>
-          <a:lstStyle/>
-          <a:p>
-            <a:pPr marL="0" marR="0" indent="0" algn="ctr" defTabSz="914400" rtl="0" eaLnBrk="1" fontAlgn="base" latinLnBrk="0" hangingPunct="1">
-              <a:lnSpc>
-                <a:spcPct val="100000"/>
-              </a:lnSpc>
-              <a:spcBef>
-                <a:spcPct val="0"/>
-              </a:spcBef>
-              <a:spcAft>
-                <a:spcPct val="0"/>
-              </a:spcAft>
-              <a:buClrTx/>
-              <a:buSzTx/>
-              <a:buFontTx/>
-              <a:buNone/>
-              <a:tabLst/>
-            </a:pPr>
-            <a:r>
-              <a:rPr kumimoji="0" lang="en-US" sz="2400" b="0" i="0" u="none" strike="noStrike" cap="none" normalizeH="0" baseline="0" dirty="0">
-                <a:ln>
-                  <a:noFill/>
-                </a:ln>
-                <a:solidFill>
-                  <a:schemeClr val="tx1"/>
-                </a:solidFill>
-                <a:effectLst/>
-                <a:latin typeface="Tahoma" charset="0"/>
-                <a:ea typeface="ＭＳ Ｐゴシック" charset="0"/>
-              </a:rPr>
-              <a:t>Virtual</a:t>
-            </a:r>
-            <a:br>
-              <a:rPr kumimoji="0" lang="en-US" sz="2400" b="0" i="0" u="none" strike="noStrike" cap="none" normalizeH="0" baseline="0" dirty="0">
-                <a:ln>
-                  <a:noFill/>
-                </a:ln>
-                <a:solidFill>
-                  <a:schemeClr val="tx1"/>
-                </a:solidFill>
-                <a:effectLst/>
-                <a:latin typeface="Tahoma" charset="0"/>
-                <a:ea typeface="ＭＳ Ｐゴシック" charset="0"/>
-              </a:rPr>
-            </a:br>
-            <a:r>
-              <a:rPr kumimoji="0" lang="en-US" sz="2400" b="0" i="0" u="none" strike="noStrike" cap="none" normalizeH="0" baseline="0" dirty="0">
-                <a:ln>
-                  <a:noFill/>
-                </a:ln>
-                <a:solidFill>
-                  <a:schemeClr val="tx1"/>
-                </a:solidFill>
-                <a:effectLst/>
-                <a:latin typeface="Tahoma" charset="0"/>
-                <a:ea typeface="ＭＳ Ｐゴシック" charset="0"/>
-              </a:rPr>
-              <a:t>DOM</a:t>
-            </a:r>
-          </a:p>
-        </p:txBody>
-      </p:sp>
-      <p:sp>
-        <p:nvSpPr>
-          <p:cNvPr id="17" name="Rectangle 16"/>
-          <p:cNvSpPr/>
-          <p:nvPr/>
-        </p:nvSpPr>
-        <p:spPr bwMode="auto">
-          <a:xfrm>
-            <a:off x="7650769" y="1652286"/>
-            <a:ext cx="1134416" cy="2971800"/>
-          </a:xfrm>
-          <a:prstGeom prst="rect">
-            <a:avLst/>
-          </a:prstGeom>
-          <a:solidFill>
-            <a:schemeClr val="accent1"/>
-          </a:solidFill>
-          <a:ln w="9525" cap="flat" cmpd="sng" algn="ctr">
-            <a:solidFill>
-              <a:schemeClr val="tx1"/>
-            </a:solidFill>
-            <a:prstDash val="solid"/>
-            <a:round/>
-            <a:headEnd type="none" w="med" len="med"/>
-            <a:tailEnd type="none" w="med" len="med"/>
-          </a:ln>
-          <a:effectLst/>
-          <a:extLst>
-            <a:ext uri="{AF507438-7753-43e0-B8FC-AC1667EBCBE1}">
-              <a14:hiddenEffects xmlns:a14="http://schemas.microsoft.com/office/drawing/2010/main" xmlns="">
-                <a:effectLst>
-                  <a:outerShdw blurRad="63500" dist="38099" dir="2700000" algn="ctr" rotWithShape="0">
-                    <a:schemeClr val="bg2">
-                      <a:alpha val="74998"/>
-                    </a:schemeClr>
-                  </a:outerShdw>
-                </a:effectLst>
-              </a14:hiddenEffects>
-            </a:ext>
-          </a:extLst>
-        </p:spPr>
-        <p:txBody>
-          <a:bodyPr vert="horz" wrap="none" lIns="91440" tIns="45720" rIns="91440" bIns="45720" numCol="1" rtlCol="0" anchor="ctr" anchorCtr="0" compatLnSpc="1">
-            <a:prstTxWarp prst="textNoShape">
-              <a:avLst/>
-            </a:prstTxWarp>
-          </a:bodyPr>
-          <a:lstStyle/>
-          <a:p>
-            <a:pPr marL="0" marR="0" indent="0" algn="ctr" defTabSz="914400" rtl="0" eaLnBrk="1" fontAlgn="base" latinLnBrk="0" hangingPunct="1">
-              <a:lnSpc>
-                <a:spcPct val="100000"/>
-              </a:lnSpc>
-              <a:spcBef>
-                <a:spcPct val="0"/>
-              </a:spcBef>
-              <a:spcAft>
-                <a:spcPct val="0"/>
-              </a:spcAft>
-              <a:buClrTx/>
-              <a:buSzTx/>
-              <a:buFontTx/>
-              <a:buNone/>
-              <a:tabLst/>
-            </a:pPr>
-            <a:r>
-              <a:rPr kumimoji="0" lang="en-US" sz="2400" b="0" i="0" u="none" strike="noStrike" cap="none" normalizeH="0" baseline="0" dirty="0">
-                <a:ln>
-                  <a:noFill/>
-                </a:ln>
-                <a:solidFill>
-                  <a:schemeClr val="tx1"/>
-                </a:solidFill>
-                <a:effectLst/>
-                <a:latin typeface="Tahoma" charset="0"/>
-                <a:ea typeface="ＭＳ Ｐゴシック" charset="0"/>
-              </a:rPr>
-              <a:t>Physical</a:t>
-            </a:r>
-            <a:br>
-              <a:rPr kumimoji="0" lang="en-US" sz="2400" b="0" i="0" u="none" strike="noStrike" cap="none" normalizeH="0" baseline="0" dirty="0">
-                <a:ln>
-                  <a:noFill/>
-                </a:ln>
-                <a:solidFill>
-                  <a:schemeClr val="tx1"/>
-                </a:solidFill>
-                <a:effectLst/>
-                <a:latin typeface="Tahoma" charset="0"/>
-                <a:ea typeface="ＭＳ Ｐゴシック" charset="0"/>
-              </a:rPr>
-            </a:br>
-            <a:r>
-              <a:rPr kumimoji="0" lang="en-US" sz="2400" b="0" i="0" u="none" strike="noStrike" cap="none" normalizeH="0" baseline="0" dirty="0">
-                <a:ln>
-                  <a:noFill/>
-                </a:ln>
-                <a:solidFill>
-                  <a:schemeClr val="tx1"/>
-                </a:solidFill>
-                <a:effectLst/>
-                <a:latin typeface="Tahoma" charset="0"/>
-                <a:ea typeface="ＭＳ Ｐゴシック" charset="0"/>
-              </a:rPr>
-              <a:t>DOM</a:t>
-            </a:r>
-          </a:p>
-        </p:txBody>
-      </p:sp>
-      <p:cxnSp>
-        <p:nvCxnSpPr>
-          <p:cNvPr id="18" name="Straight Connector 17"/>
-          <p:cNvCxnSpPr/>
-          <p:nvPr/>
-        </p:nvCxnSpPr>
-        <p:spPr bwMode="auto">
-          <a:xfrm>
-            <a:off x="2971800" y="3810000"/>
-            <a:ext cx="846784" cy="0"/>
-          </a:xfrm>
-          <a:prstGeom prst="line">
-            <a:avLst/>
-          </a:prstGeom>
-          <a:solidFill>
-            <a:schemeClr val="accent1"/>
-          </a:solidFill>
-          <a:ln w="9525" cap="flat" cmpd="sng" algn="ctr">
-            <a:solidFill>
-              <a:schemeClr val="tx1"/>
-            </a:solidFill>
-            <a:prstDash val="solid"/>
-            <a:round/>
-            <a:headEnd type="none" w="med" len="med"/>
-            <a:tailEnd type="none" w="med" len="med"/>
-          </a:ln>
-          <a:effectLst/>
-          <a:extLst>
-            <a:ext uri="{AF507438-7753-43e0-B8FC-AC1667EBCBE1}">
-              <a14:hiddenEffects xmlns:a14="http://schemas.microsoft.com/office/drawing/2010/main" xmlns="">
-                <a:effectLst>
-                  <a:outerShdw blurRad="63500" dist="38099" dir="2700000" algn="ctr" rotWithShape="0">
-                    <a:schemeClr val="bg2">
-                      <a:alpha val="74998"/>
-                    </a:schemeClr>
-                  </a:outerShdw>
-                </a:effectLst>
-              </a14:hiddenEffects>
-            </a:ext>
-          </a:extLst>
-        </p:spPr>
-      </p:cxnSp>
-      <p:sp>
-        <p:nvSpPr>
-          <p:cNvPr id="20" name="Rectangle 19"/>
-          <p:cNvSpPr/>
-          <p:nvPr/>
-        </p:nvSpPr>
-        <p:spPr bwMode="auto">
-          <a:xfrm>
-            <a:off x="5446756" y="1671577"/>
-            <a:ext cx="1820215" cy="1929114"/>
-          </a:xfrm>
-          <a:prstGeom prst="rect">
-            <a:avLst/>
-          </a:prstGeom>
-          <a:solidFill>
-            <a:schemeClr val="accent1"/>
-          </a:solidFill>
-          <a:ln w="9525" cap="flat" cmpd="sng" algn="ctr">
-            <a:solidFill>
-              <a:schemeClr val="tx1"/>
-            </a:solidFill>
-            <a:prstDash val="solid"/>
-            <a:round/>
-            <a:headEnd type="none" w="med" len="med"/>
-            <a:tailEnd type="none" w="med" len="med"/>
-          </a:ln>
-          <a:effectLst/>
-          <a:extLst>
-            <a:ext uri="{AF507438-7753-43e0-B8FC-AC1667EBCBE1}">
-              <a14:hiddenEffects xmlns:a14="http://schemas.microsoft.com/office/drawing/2010/main" xmlns="">
-                <a:effectLst>
-                  <a:outerShdw blurRad="63500" dist="38099" dir="2700000" algn="ctr" rotWithShape="0">
-                    <a:schemeClr val="bg2">
-                      <a:alpha val="74998"/>
-                    </a:schemeClr>
-                  </a:outerShdw>
-                </a:effectLst>
-              </a14:hiddenEffects>
-            </a:ext>
-          </a:extLst>
-        </p:spPr>
-        <p:txBody>
-          <a:bodyPr vert="horz" wrap="none" lIns="91440" tIns="45720" rIns="91440" bIns="45720" numCol="1" rtlCol="0" anchor="t" anchorCtr="0" compatLnSpc="1">
-            <a:prstTxWarp prst="textNoShape">
-              <a:avLst/>
-            </a:prstTxWarp>
-          </a:bodyPr>
-          <a:lstStyle/>
-          <a:p>
-            <a:pPr marL="0" marR="0" indent="0" algn="ctr" defTabSz="914400" rtl="0" eaLnBrk="1" fontAlgn="base" latinLnBrk="0" hangingPunct="1">
-              <a:lnSpc>
-                <a:spcPct val="100000"/>
-              </a:lnSpc>
-              <a:spcBef>
-                <a:spcPct val="0"/>
-              </a:spcBef>
-              <a:spcAft>
-                <a:spcPct val="0"/>
-              </a:spcAft>
-              <a:buClrTx/>
-              <a:buSzTx/>
-              <a:buFontTx/>
-              <a:buNone/>
-              <a:tabLst/>
-            </a:pPr>
-            <a:r>
-              <a:rPr kumimoji="0" lang="en-US" sz="2400" b="0" i="0" u="none" strike="noStrike" cap="none" normalizeH="0" baseline="0">
-                <a:ln>
-                  <a:noFill/>
-                </a:ln>
-                <a:solidFill>
-                  <a:schemeClr val="tx1"/>
-                </a:solidFill>
-                <a:effectLst/>
-                <a:latin typeface="Tahoma" charset="0"/>
-                <a:ea typeface="ＭＳ Ｐゴシック" charset="0"/>
-              </a:rPr>
-              <a:t>React</a:t>
-            </a:r>
-            <a:br>
-              <a:rPr kumimoji="0" lang="en-US" sz="2400" b="0" i="0" u="none" strike="noStrike" cap="none" normalizeH="0" baseline="0">
-                <a:ln>
-                  <a:noFill/>
-                </a:ln>
-                <a:solidFill>
-                  <a:schemeClr val="tx1"/>
-                </a:solidFill>
-                <a:effectLst/>
-                <a:latin typeface="Tahoma" charset="0"/>
-                <a:ea typeface="ＭＳ Ｐゴシック" charset="0"/>
-              </a:rPr>
-            </a:br>
-            <a:r>
-              <a:rPr kumimoji="0" lang="en-US" sz="2400" b="0" i="0" u="none" strike="noStrike" cap="none" normalizeH="0" baseline="0">
-                <a:ln>
-                  <a:noFill/>
-                </a:ln>
-                <a:solidFill>
-                  <a:schemeClr val="tx1"/>
-                </a:solidFill>
-                <a:effectLst/>
-                <a:latin typeface="Tahoma" charset="0"/>
-                <a:ea typeface="ＭＳ Ｐゴシック" charset="0"/>
-              </a:rPr>
-              <a:t>Framework</a:t>
-            </a:r>
-            <a:endParaRPr kumimoji="0" lang="en-US" sz="2400" b="0" i="0" u="none" strike="noStrike" cap="none" normalizeH="0" baseline="0" dirty="0">
-              <a:ln>
-                <a:noFill/>
-              </a:ln>
-              <a:solidFill>
-                <a:schemeClr val="tx1"/>
-              </a:solidFill>
-              <a:effectLst/>
-              <a:latin typeface="Tahoma" charset="0"/>
-              <a:ea typeface="ＭＳ Ｐゴシック" charset="0"/>
-            </a:endParaRPr>
-          </a:p>
-        </p:txBody>
-      </p:sp>
-      <p:sp>
-        <p:nvSpPr>
-          <p:cNvPr id="21" name="Rectangle 20"/>
-          <p:cNvSpPr/>
-          <p:nvPr/>
-        </p:nvSpPr>
-        <p:spPr bwMode="auto">
-          <a:xfrm>
-            <a:off x="5590571" y="2500132"/>
-            <a:ext cx="1676400" cy="1066800"/>
-          </a:xfrm>
-          <a:prstGeom prst="rect">
-            <a:avLst/>
-          </a:prstGeom>
-          <a:solidFill>
-            <a:schemeClr val="tx1"/>
-          </a:solidFill>
-          <a:ln w="9525" cap="flat" cmpd="sng" algn="ctr">
-            <a:solidFill>
-              <a:schemeClr val="tx1"/>
-            </a:solidFill>
-            <a:prstDash val="solid"/>
-            <a:round/>
-            <a:headEnd type="none" w="med" len="med"/>
-            <a:tailEnd type="none" w="med" len="med"/>
-          </a:ln>
-          <a:effectLst/>
-        </p:spPr>
-        <p:txBody>
-          <a:bodyPr vert="horz" wrap="none" lIns="91440" tIns="45720" rIns="91440" bIns="45720" numCol="1" rtlCol="0" anchor="ctr" anchorCtr="0" compatLnSpc="1">
-            <a:prstTxWarp prst="textNoShape">
-              <a:avLst/>
-            </a:prstTxWarp>
-          </a:bodyPr>
-          <a:lstStyle/>
-          <a:p>
-            <a:pPr marL="0" marR="0" indent="0" algn="ctr" defTabSz="914400" rtl="0" eaLnBrk="1" fontAlgn="base" latinLnBrk="0" hangingPunct="1">
-              <a:lnSpc>
-                <a:spcPct val="100000"/>
-              </a:lnSpc>
-              <a:spcBef>
-                <a:spcPct val="0"/>
-              </a:spcBef>
-              <a:spcAft>
-                <a:spcPct val="0"/>
-              </a:spcAft>
-              <a:buClrTx/>
-              <a:buSzTx/>
-              <a:buFontTx/>
-              <a:buNone/>
-              <a:tabLst/>
-            </a:pPr>
-            <a:r>
-              <a:rPr lang="en-US" sz="2000" b="1" dirty="0">
-                <a:solidFill>
-                  <a:srgbClr val="CCCC00"/>
-                </a:solidFill>
-              </a:rPr>
-              <a:t>Diff</a:t>
-            </a:r>
-            <a:br>
-              <a:rPr lang="en-US" sz="2000" b="1" dirty="0">
-                <a:solidFill>
-                  <a:srgbClr val="CCCC00"/>
-                </a:solidFill>
-              </a:rPr>
-            </a:br>
-            <a:r>
-              <a:rPr lang="en-US" sz="2000" b="1" dirty="0">
-                <a:solidFill>
-                  <a:srgbClr val="CCCC00"/>
-                </a:solidFill>
-              </a:rPr>
-              <a:t>Algorithm</a:t>
-            </a:r>
-            <a:endParaRPr kumimoji="0" lang="en-US" sz="2000" b="1" i="0" u="none" strike="noStrike" cap="none" normalizeH="0" baseline="0" dirty="0">
-              <a:ln>
-                <a:noFill/>
-              </a:ln>
-              <a:solidFill>
-                <a:srgbClr val="CCCC00"/>
-              </a:solidFill>
-              <a:effectLst/>
-              <a:latin typeface="Tahoma" charset="0"/>
-              <a:ea typeface="ＭＳ Ｐゴシック" charset="0"/>
-            </a:endParaRPr>
-          </a:p>
-        </p:txBody>
-      </p:sp>
-      <p:cxnSp>
-        <p:nvCxnSpPr>
-          <p:cNvPr id="22" name="Straight Connector 21"/>
-          <p:cNvCxnSpPr/>
-          <p:nvPr/>
-        </p:nvCxnSpPr>
-        <p:spPr bwMode="auto">
-          <a:xfrm>
-            <a:off x="4953000" y="3802284"/>
-            <a:ext cx="2697769" cy="7716"/>
-          </a:xfrm>
-          <a:prstGeom prst="line">
-            <a:avLst/>
-          </a:prstGeom>
-          <a:solidFill>
-            <a:schemeClr val="accent1"/>
-          </a:solidFill>
-          <a:ln w="9525" cap="flat" cmpd="sng" algn="ctr">
-            <a:solidFill>
-              <a:schemeClr val="tx1"/>
-            </a:solidFill>
-            <a:prstDash val="solid"/>
-            <a:round/>
-            <a:headEnd type="none" w="med" len="med"/>
-            <a:tailEnd type="none" w="med" len="med"/>
-          </a:ln>
-          <a:effectLst/>
-          <a:extLst>
-            <a:ext uri="{AF507438-7753-43e0-B8FC-AC1667EBCBE1}">
-              <a14:hiddenEffects xmlns:a14="http://schemas.microsoft.com/office/drawing/2010/main" xmlns="">
-                <a:effectLst>
-                  <a:outerShdw blurRad="63500" dist="38099" dir="2700000" algn="ctr" rotWithShape="0">
-                    <a:schemeClr val="bg2">
-                      <a:alpha val="74998"/>
-                    </a:schemeClr>
-                  </a:outerShdw>
-                </a:effectLst>
-              </a14:hiddenEffects>
-            </a:ext>
-          </a:extLst>
-        </p:spPr>
-      </p:cxnSp>
+        </p:spPr>
+      </p:pic>
     </p:spTree>
     <p:extLst>
       <p:ext uri="{BB962C8B-B14F-4D97-AF65-F5344CB8AC3E}">
-        <p14:creationId xmlns:p14="http://schemas.microsoft.com/office/powerpoint/2010/main" val="2078530922"/>
+        <p14:creationId xmlns:p14="http://schemas.microsoft.com/office/powerpoint/2010/main" val="2769573412"/>
       </p:ext>
     </p:extLst>
   </p:cSld>
@@ -30967,44 +31241,834 @@
             <a:pPr defTabSz="895350"/>
             <a:r>
               <a:rPr lang="en-US" dirty="0"/>
-              <a:t>Flux Architecture – </a:t>
-            </a:r>
-            <a:r>
-              <a:rPr lang="en-US"/>
-              <a:t>Data Travels One Way</a:t>
-            </a:r>
-            <a:endParaRPr lang="en-US" dirty="0"/>
+              <a:t>React Architecture </a:t>
+            </a:r>
           </a:p>
         </p:txBody>
       </p:sp>
-      <p:pic>
-        <p:nvPicPr>
-          <p:cNvPr id="5" name="Picture 4"/>
-          <p:cNvPicPr>
-            <a:picLocks noChangeAspect="1"/>
-          </p:cNvPicPr>
+      <p:sp>
+        <p:nvSpPr>
+          <p:cNvPr id="9" name="Rectangle 8"/>
+          <p:cNvSpPr/>
           <p:nvPr/>
-        </p:nvPicPr>
-        <p:blipFill>
-          <a:blip r:embed="rId2"/>
-          <a:stretch>
-            <a:fillRect/>
-          </a:stretch>
-        </p:blipFill>
-        <p:spPr>
-          <a:xfrm>
-            <a:off x="1600200" y="1641844"/>
-            <a:ext cx="6094828" cy="4606556"/>
+        </p:nvSpPr>
+        <p:spPr bwMode="auto">
+          <a:xfrm>
+            <a:off x="762000" y="1676400"/>
+            <a:ext cx="2209800" cy="2971800"/>
           </a:xfrm>
           <a:prstGeom prst="rect">
             <a:avLst/>
           </a:prstGeom>
-        </p:spPr>
-      </p:pic>
+          <a:solidFill>
+            <a:schemeClr val="accent1"/>
+          </a:solidFill>
+          <a:ln w="9525" cap="flat" cmpd="sng" algn="ctr">
+            <a:solidFill>
+              <a:schemeClr val="tx1"/>
+            </a:solidFill>
+            <a:prstDash val="solid"/>
+            <a:round/>
+            <a:headEnd type="none" w="med" len="med"/>
+            <a:tailEnd type="none" w="med" len="med"/>
+          </a:ln>
+          <a:effectLst/>
+          <a:extLst>
+            <a:ext uri="{AF507438-7753-43e0-B8FC-AC1667EBCBE1}">
+              <a14:hiddenEffects xmlns="" xmlns:a14="http://schemas.microsoft.com/office/drawing/2010/main">
+                <a:effectLst>
+                  <a:outerShdw blurRad="63500" dist="38099" dir="2700000" algn="ctr" rotWithShape="0">
+                    <a:schemeClr val="bg2">
+                      <a:alpha val="74998"/>
+                    </a:schemeClr>
+                  </a:outerShdw>
+                </a:effectLst>
+              </a14:hiddenEffects>
+            </a:ext>
+          </a:extLst>
+        </p:spPr>
+        <p:txBody>
+          <a:bodyPr vert="horz" wrap="none" lIns="91440" tIns="45720" rIns="91440" bIns="45720" numCol="1" rtlCol="0" anchor="t" anchorCtr="0" compatLnSpc="1">
+            <a:prstTxWarp prst="textNoShape">
+              <a:avLst/>
+            </a:prstTxWarp>
+          </a:bodyPr>
+          <a:lstStyle/>
+          <a:p>
+            <a:pPr marL="0" marR="0" indent="0" algn="ctr" defTabSz="914400" rtl="0" eaLnBrk="1" fontAlgn="base" latinLnBrk="0" hangingPunct="1">
+              <a:lnSpc>
+                <a:spcPct val="100000"/>
+              </a:lnSpc>
+              <a:spcBef>
+                <a:spcPct val="0"/>
+              </a:spcBef>
+              <a:spcAft>
+                <a:spcPct val="0"/>
+              </a:spcAft>
+              <a:buClrTx/>
+              <a:buSzTx/>
+              <a:buFontTx/>
+              <a:buNone/>
+              <a:tabLst/>
+            </a:pPr>
+            <a:r>
+              <a:rPr kumimoji="0" lang="en-US" sz="2400" b="0" i="0" u="none" strike="noStrike" cap="none" normalizeH="0" baseline="0" dirty="0">
+                <a:ln>
+                  <a:noFill/>
+                </a:ln>
+                <a:solidFill>
+                  <a:schemeClr val="tx1"/>
+                </a:solidFill>
+                <a:effectLst/>
+                <a:latin typeface="Tahoma" charset="0"/>
+                <a:ea typeface="ＭＳ Ｐゴシック" charset="0"/>
+              </a:rPr>
+              <a:t>APP</a:t>
+            </a:r>
+          </a:p>
+        </p:txBody>
+      </p:sp>
+      <p:sp>
+        <p:nvSpPr>
+          <p:cNvPr id="10" name="Rectangle 9"/>
+          <p:cNvSpPr/>
+          <p:nvPr/>
+        </p:nvSpPr>
+        <p:spPr bwMode="auto">
+          <a:xfrm>
+            <a:off x="1066800" y="2209800"/>
+            <a:ext cx="1676400" cy="1066800"/>
+          </a:xfrm>
+          <a:prstGeom prst="rect">
+            <a:avLst/>
+          </a:prstGeom>
+          <a:solidFill>
+            <a:schemeClr val="tx1"/>
+          </a:solidFill>
+          <a:ln w="9525" cap="flat" cmpd="sng" algn="ctr">
+            <a:solidFill>
+              <a:schemeClr val="tx1"/>
+            </a:solidFill>
+            <a:prstDash val="solid"/>
+            <a:round/>
+            <a:headEnd type="none" w="med" len="med"/>
+            <a:tailEnd type="none" w="med" len="med"/>
+          </a:ln>
+          <a:effectLst/>
+        </p:spPr>
+        <p:txBody>
+          <a:bodyPr vert="horz" wrap="none" lIns="91440" tIns="45720" rIns="91440" bIns="45720" numCol="1" rtlCol="0" anchor="ctr" anchorCtr="0" compatLnSpc="1">
+            <a:prstTxWarp prst="textNoShape">
+              <a:avLst/>
+            </a:prstTxWarp>
+          </a:bodyPr>
+          <a:lstStyle/>
+          <a:p>
+            <a:pPr marL="0" marR="0" indent="0" algn="ctr" defTabSz="914400" rtl="0" eaLnBrk="1" fontAlgn="base" latinLnBrk="0" hangingPunct="1">
+              <a:lnSpc>
+                <a:spcPct val="100000"/>
+              </a:lnSpc>
+              <a:spcBef>
+                <a:spcPct val="0"/>
+              </a:spcBef>
+              <a:spcAft>
+                <a:spcPct val="0"/>
+              </a:spcAft>
+              <a:buClrTx/>
+              <a:buSzTx/>
+              <a:buFontTx/>
+              <a:buNone/>
+              <a:tabLst/>
+            </a:pPr>
+            <a:r>
+              <a:rPr lang="en-US" sz="2000" b="1" dirty="0">
+                <a:solidFill>
+                  <a:srgbClr val="CCCC00"/>
+                </a:solidFill>
+              </a:rPr>
+              <a:t>REACT</a:t>
+            </a:r>
+          </a:p>
+          <a:p>
+            <a:pPr marL="0" marR="0" indent="0" algn="ctr" defTabSz="914400" rtl="0" eaLnBrk="1" fontAlgn="base" latinLnBrk="0" hangingPunct="1">
+              <a:lnSpc>
+                <a:spcPct val="100000"/>
+              </a:lnSpc>
+              <a:spcBef>
+                <a:spcPct val="0"/>
+              </a:spcBef>
+              <a:spcAft>
+                <a:spcPct val="0"/>
+              </a:spcAft>
+              <a:buClrTx/>
+              <a:buSzTx/>
+              <a:buFontTx/>
+              <a:buNone/>
+              <a:tabLst/>
+            </a:pPr>
+            <a:r>
+              <a:rPr kumimoji="0" lang="en-US" sz="2000" b="1" i="0" u="none" strike="noStrike" cap="none" normalizeH="0" baseline="0" dirty="0">
+                <a:ln>
+                  <a:noFill/>
+                </a:ln>
+                <a:solidFill>
+                  <a:srgbClr val="CCCC00"/>
+                </a:solidFill>
+                <a:effectLst/>
+                <a:latin typeface="Tahoma" charset="0"/>
+                <a:ea typeface="ＭＳ Ｐゴシック" charset="0"/>
+              </a:rPr>
+              <a:t>Component</a:t>
+            </a:r>
+          </a:p>
+        </p:txBody>
+      </p:sp>
+      <p:sp>
+        <p:nvSpPr>
+          <p:cNvPr id="12" name="TextBox 11"/>
+          <p:cNvSpPr txBox="1"/>
+          <p:nvPr/>
+        </p:nvSpPr>
+        <p:spPr>
+          <a:xfrm rot="16200000">
+            <a:off x="2485836" y="2409287"/>
+            <a:ext cx="1838965" cy="369332"/>
+          </a:xfrm>
+          <a:prstGeom prst="rect">
+            <a:avLst/>
+          </a:prstGeom>
+          <a:noFill/>
+        </p:spPr>
+        <p:txBody>
+          <a:bodyPr wrap="none" rtlCol="0">
+            <a:spAutoFit/>
+          </a:bodyPr>
+          <a:lstStyle/>
+          <a:p>
+            <a:r>
+              <a:rPr lang="en-US" sz="1800" b="1">
+                <a:latin typeface="Courier New"/>
+                <a:cs typeface="Courier New"/>
+              </a:rPr>
+              <a:t>Manipultates</a:t>
+            </a:r>
+            <a:endParaRPr lang="en-US" sz="1800" b="1" dirty="0">
+              <a:latin typeface="Courier New"/>
+              <a:cs typeface="Courier New"/>
+            </a:endParaRPr>
+          </a:p>
+        </p:txBody>
+      </p:sp>
+      <p:sp>
+        <p:nvSpPr>
+          <p:cNvPr id="14" name="Rectangle 13"/>
+          <p:cNvSpPr/>
+          <p:nvPr/>
+        </p:nvSpPr>
+        <p:spPr bwMode="auto">
+          <a:xfrm>
+            <a:off x="1066800" y="3429000"/>
+            <a:ext cx="1676400" cy="1066800"/>
+          </a:xfrm>
+          <a:prstGeom prst="rect">
+            <a:avLst/>
+          </a:prstGeom>
+          <a:solidFill>
+            <a:schemeClr val="tx1"/>
+          </a:solidFill>
+          <a:ln w="9525" cap="flat" cmpd="sng" algn="ctr">
+            <a:solidFill>
+              <a:schemeClr val="tx1"/>
+            </a:solidFill>
+            <a:prstDash val="solid"/>
+            <a:round/>
+            <a:headEnd type="none" w="med" len="med"/>
+            <a:tailEnd type="none" w="med" len="med"/>
+          </a:ln>
+          <a:effectLst/>
+        </p:spPr>
+        <p:txBody>
+          <a:bodyPr vert="horz" wrap="none" lIns="91440" tIns="45720" rIns="91440" bIns="45720" numCol="1" rtlCol="0" anchor="ctr" anchorCtr="0" compatLnSpc="1">
+            <a:prstTxWarp prst="textNoShape">
+              <a:avLst/>
+            </a:prstTxWarp>
+          </a:bodyPr>
+          <a:lstStyle/>
+          <a:p>
+            <a:pPr marL="0" marR="0" indent="0" algn="ctr" defTabSz="914400" rtl="0" eaLnBrk="1" fontAlgn="base" latinLnBrk="0" hangingPunct="1">
+              <a:lnSpc>
+                <a:spcPct val="100000"/>
+              </a:lnSpc>
+              <a:spcBef>
+                <a:spcPct val="0"/>
+              </a:spcBef>
+              <a:spcAft>
+                <a:spcPct val="0"/>
+              </a:spcAft>
+              <a:buClrTx/>
+              <a:buSzTx/>
+              <a:buFontTx/>
+              <a:buNone/>
+              <a:tabLst/>
+            </a:pPr>
+            <a:r>
+              <a:rPr lang="en-US" sz="2000" b="1" dirty="0">
+                <a:solidFill>
+                  <a:srgbClr val="CCCC00"/>
+                </a:solidFill>
+              </a:rPr>
+              <a:t>REACT</a:t>
+            </a:r>
+          </a:p>
+          <a:p>
+            <a:pPr marL="0" marR="0" indent="0" algn="ctr" defTabSz="914400" rtl="0" eaLnBrk="1" fontAlgn="base" latinLnBrk="0" hangingPunct="1">
+              <a:lnSpc>
+                <a:spcPct val="100000"/>
+              </a:lnSpc>
+              <a:spcBef>
+                <a:spcPct val="0"/>
+              </a:spcBef>
+              <a:spcAft>
+                <a:spcPct val="0"/>
+              </a:spcAft>
+              <a:buClrTx/>
+              <a:buSzTx/>
+              <a:buFontTx/>
+              <a:buNone/>
+              <a:tabLst/>
+            </a:pPr>
+            <a:r>
+              <a:rPr kumimoji="0" lang="en-US" sz="2000" b="1" i="0" u="none" strike="noStrike" cap="none" normalizeH="0" baseline="0" dirty="0">
+                <a:ln>
+                  <a:noFill/>
+                </a:ln>
+                <a:solidFill>
+                  <a:srgbClr val="CCCC00"/>
+                </a:solidFill>
+                <a:effectLst/>
+                <a:latin typeface="Tahoma" charset="0"/>
+                <a:ea typeface="ＭＳ Ｐゴシック" charset="0"/>
+              </a:rPr>
+              <a:t>Component</a:t>
+            </a:r>
+          </a:p>
+        </p:txBody>
+      </p:sp>
+      <p:sp>
+        <p:nvSpPr>
+          <p:cNvPr id="15" name="Rectangle 14"/>
+          <p:cNvSpPr/>
+          <p:nvPr/>
+        </p:nvSpPr>
+        <p:spPr bwMode="auto">
+          <a:xfrm>
+            <a:off x="3818584" y="1671577"/>
+            <a:ext cx="1134416" cy="2971800"/>
+          </a:xfrm>
+          <a:prstGeom prst="rect">
+            <a:avLst/>
+          </a:prstGeom>
+          <a:solidFill>
+            <a:schemeClr val="accent1"/>
+          </a:solidFill>
+          <a:ln w="9525" cap="flat" cmpd="sng" algn="ctr">
+            <a:solidFill>
+              <a:schemeClr val="tx1"/>
+            </a:solidFill>
+            <a:prstDash val="solid"/>
+            <a:round/>
+            <a:headEnd type="none" w="med" len="med"/>
+            <a:tailEnd type="none" w="med" len="med"/>
+          </a:ln>
+          <a:effectLst/>
+          <a:extLst>
+            <a:ext uri="{AF507438-7753-43e0-B8FC-AC1667EBCBE1}">
+              <a14:hiddenEffects xmlns="" xmlns:a14="http://schemas.microsoft.com/office/drawing/2010/main">
+                <a:effectLst>
+                  <a:outerShdw blurRad="63500" dist="38099" dir="2700000" algn="ctr" rotWithShape="0">
+                    <a:schemeClr val="bg2">
+                      <a:alpha val="74998"/>
+                    </a:schemeClr>
+                  </a:outerShdw>
+                </a:effectLst>
+              </a14:hiddenEffects>
+            </a:ext>
+          </a:extLst>
+        </p:spPr>
+        <p:txBody>
+          <a:bodyPr vert="horz" wrap="none" lIns="91440" tIns="45720" rIns="91440" bIns="45720" numCol="1" rtlCol="0" anchor="ctr" anchorCtr="0" compatLnSpc="1">
+            <a:prstTxWarp prst="textNoShape">
+              <a:avLst/>
+            </a:prstTxWarp>
+          </a:bodyPr>
+          <a:lstStyle/>
+          <a:p>
+            <a:pPr marL="0" marR="0" indent="0" algn="ctr" defTabSz="914400" rtl="0" eaLnBrk="1" fontAlgn="base" latinLnBrk="0" hangingPunct="1">
+              <a:lnSpc>
+                <a:spcPct val="100000"/>
+              </a:lnSpc>
+              <a:spcBef>
+                <a:spcPct val="0"/>
+              </a:spcBef>
+              <a:spcAft>
+                <a:spcPct val="0"/>
+              </a:spcAft>
+              <a:buClrTx/>
+              <a:buSzTx/>
+              <a:buFontTx/>
+              <a:buNone/>
+              <a:tabLst/>
+            </a:pPr>
+            <a:r>
+              <a:rPr kumimoji="0" lang="en-US" sz="2400" b="0" i="0" u="none" strike="noStrike" cap="none" normalizeH="0" baseline="0" dirty="0">
+                <a:ln>
+                  <a:noFill/>
+                </a:ln>
+                <a:solidFill>
+                  <a:schemeClr val="tx1"/>
+                </a:solidFill>
+                <a:effectLst/>
+                <a:latin typeface="Tahoma" charset="0"/>
+                <a:ea typeface="ＭＳ Ｐゴシック" charset="0"/>
+              </a:rPr>
+              <a:t>Virtual</a:t>
+            </a:r>
+            <a:br>
+              <a:rPr kumimoji="0" lang="en-US" sz="2400" b="0" i="0" u="none" strike="noStrike" cap="none" normalizeH="0" baseline="0" dirty="0">
+                <a:ln>
+                  <a:noFill/>
+                </a:ln>
+                <a:solidFill>
+                  <a:schemeClr val="tx1"/>
+                </a:solidFill>
+                <a:effectLst/>
+                <a:latin typeface="Tahoma" charset="0"/>
+                <a:ea typeface="ＭＳ Ｐゴシック" charset="0"/>
+              </a:rPr>
+            </a:br>
+            <a:r>
+              <a:rPr kumimoji="0" lang="en-US" sz="2400" b="0" i="0" u="none" strike="noStrike" cap="none" normalizeH="0" baseline="0" dirty="0">
+                <a:ln>
+                  <a:noFill/>
+                </a:ln>
+                <a:solidFill>
+                  <a:schemeClr val="tx1"/>
+                </a:solidFill>
+                <a:effectLst/>
+                <a:latin typeface="Tahoma" charset="0"/>
+                <a:ea typeface="ＭＳ Ｐゴシック" charset="0"/>
+              </a:rPr>
+              <a:t>DOM</a:t>
+            </a:r>
+          </a:p>
+        </p:txBody>
+      </p:sp>
+      <p:sp>
+        <p:nvSpPr>
+          <p:cNvPr id="17" name="Rectangle 16"/>
+          <p:cNvSpPr/>
+          <p:nvPr/>
+        </p:nvSpPr>
+        <p:spPr bwMode="auto">
+          <a:xfrm>
+            <a:off x="7650769" y="1652286"/>
+            <a:ext cx="1134416" cy="2971800"/>
+          </a:xfrm>
+          <a:prstGeom prst="rect">
+            <a:avLst/>
+          </a:prstGeom>
+          <a:solidFill>
+            <a:schemeClr val="accent1"/>
+          </a:solidFill>
+          <a:ln w="9525" cap="flat" cmpd="sng" algn="ctr">
+            <a:solidFill>
+              <a:schemeClr val="tx1"/>
+            </a:solidFill>
+            <a:prstDash val="solid"/>
+            <a:round/>
+            <a:headEnd type="none" w="med" len="med"/>
+            <a:tailEnd type="none" w="med" len="med"/>
+          </a:ln>
+          <a:effectLst/>
+          <a:extLst>
+            <a:ext uri="{AF507438-7753-43e0-B8FC-AC1667EBCBE1}">
+              <a14:hiddenEffects xmlns="" xmlns:a14="http://schemas.microsoft.com/office/drawing/2010/main">
+                <a:effectLst>
+                  <a:outerShdw blurRad="63500" dist="38099" dir="2700000" algn="ctr" rotWithShape="0">
+                    <a:schemeClr val="bg2">
+                      <a:alpha val="74998"/>
+                    </a:schemeClr>
+                  </a:outerShdw>
+                </a:effectLst>
+              </a14:hiddenEffects>
+            </a:ext>
+          </a:extLst>
+        </p:spPr>
+        <p:txBody>
+          <a:bodyPr vert="horz" wrap="none" lIns="91440" tIns="45720" rIns="91440" bIns="45720" numCol="1" rtlCol="0" anchor="ctr" anchorCtr="0" compatLnSpc="1">
+            <a:prstTxWarp prst="textNoShape">
+              <a:avLst/>
+            </a:prstTxWarp>
+          </a:bodyPr>
+          <a:lstStyle/>
+          <a:p>
+            <a:pPr marL="0" marR="0" indent="0" algn="ctr" defTabSz="914400" rtl="0" eaLnBrk="1" fontAlgn="base" latinLnBrk="0" hangingPunct="1">
+              <a:lnSpc>
+                <a:spcPct val="100000"/>
+              </a:lnSpc>
+              <a:spcBef>
+                <a:spcPct val="0"/>
+              </a:spcBef>
+              <a:spcAft>
+                <a:spcPct val="0"/>
+              </a:spcAft>
+              <a:buClrTx/>
+              <a:buSzTx/>
+              <a:buFontTx/>
+              <a:buNone/>
+              <a:tabLst/>
+            </a:pPr>
+            <a:r>
+              <a:rPr kumimoji="0" lang="en-US" sz="2400" b="0" i="0" u="none" strike="noStrike" cap="none" normalizeH="0" baseline="0" dirty="0">
+                <a:ln>
+                  <a:noFill/>
+                </a:ln>
+                <a:solidFill>
+                  <a:schemeClr val="tx1"/>
+                </a:solidFill>
+                <a:effectLst/>
+                <a:latin typeface="Tahoma" charset="0"/>
+                <a:ea typeface="ＭＳ Ｐゴシック" charset="0"/>
+              </a:rPr>
+              <a:t>Physical</a:t>
+            </a:r>
+            <a:br>
+              <a:rPr kumimoji="0" lang="en-US" sz="2400" b="0" i="0" u="none" strike="noStrike" cap="none" normalizeH="0" baseline="0" dirty="0">
+                <a:ln>
+                  <a:noFill/>
+                </a:ln>
+                <a:solidFill>
+                  <a:schemeClr val="tx1"/>
+                </a:solidFill>
+                <a:effectLst/>
+                <a:latin typeface="Tahoma" charset="0"/>
+                <a:ea typeface="ＭＳ Ｐゴシック" charset="0"/>
+              </a:rPr>
+            </a:br>
+            <a:r>
+              <a:rPr kumimoji="0" lang="en-US" sz="2400" b="0" i="0" u="none" strike="noStrike" cap="none" normalizeH="0" baseline="0" dirty="0">
+                <a:ln>
+                  <a:noFill/>
+                </a:ln>
+                <a:solidFill>
+                  <a:schemeClr val="tx1"/>
+                </a:solidFill>
+                <a:effectLst/>
+                <a:latin typeface="Tahoma" charset="0"/>
+                <a:ea typeface="ＭＳ Ｐゴシック" charset="0"/>
+              </a:rPr>
+              <a:t>DOM</a:t>
+            </a:r>
+          </a:p>
+        </p:txBody>
+      </p:sp>
+      <p:cxnSp>
+        <p:nvCxnSpPr>
+          <p:cNvPr id="18" name="Straight Connector 17"/>
+          <p:cNvCxnSpPr/>
+          <p:nvPr/>
+        </p:nvCxnSpPr>
+        <p:spPr bwMode="auto">
+          <a:xfrm>
+            <a:off x="2971800" y="3810000"/>
+            <a:ext cx="846784" cy="0"/>
+          </a:xfrm>
+          <a:prstGeom prst="line">
+            <a:avLst/>
+          </a:prstGeom>
+          <a:solidFill>
+            <a:schemeClr val="accent1"/>
+          </a:solidFill>
+          <a:ln w="9525" cap="flat" cmpd="sng" algn="ctr">
+            <a:solidFill>
+              <a:schemeClr val="tx1"/>
+            </a:solidFill>
+            <a:prstDash val="solid"/>
+            <a:round/>
+            <a:headEnd type="none" w="med" len="med"/>
+            <a:tailEnd type="none" w="med" len="med"/>
+          </a:ln>
+          <a:effectLst/>
+          <a:extLst>
+            <a:ext uri="{AF507438-7753-43e0-B8FC-AC1667EBCBE1}">
+              <a14:hiddenEffects xmlns="" xmlns:a14="http://schemas.microsoft.com/office/drawing/2010/main">
+                <a:effectLst>
+                  <a:outerShdw blurRad="63500" dist="38099" dir="2700000" algn="ctr" rotWithShape="0">
+                    <a:schemeClr val="bg2">
+                      <a:alpha val="74998"/>
+                    </a:schemeClr>
+                  </a:outerShdw>
+                </a:effectLst>
+              </a14:hiddenEffects>
+            </a:ext>
+          </a:extLst>
+        </p:spPr>
+      </p:cxnSp>
+      <p:sp>
+        <p:nvSpPr>
+          <p:cNvPr id="20" name="Rectangle 19"/>
+          <p:cNvSpPr/>
+          <p:nvPr/>
+        </p:nvSpPr>
+        <p:spPr bwMode="auto">
+          <a:xfrm>
+            <a:off x="5446756" y="1671577"/>
+            <a:ext cx="1820215" cy="1929114"/>
+          </a:xfrm>
+          <a:prstGeom prst="rect">
+            <a:avLst/>
+          </a:prstGeom>
+          <a:solidFill>
+            <a:schemeClr val="accent1"/>
+          </a:solidFill>
+          <a:ln w="9525" cap="flat" cmpd="sng" algn="ctr">
+            <a:solidFill>
+              <a:schemeClr val="tx1"/>
+            </a:solidFill>
+            <a:prstDash val="solid"/>
+            <a:round/>
+            <a:headEnd type="none" w="med" len="med"/>
+            <a:tailEnd type="none" w="med" len="med"/>
+          </a:ln>
+          <a:effectLst/>
+          <a:extLst>
+            <a:ext uri="{AF507438-7753-43e0-B8FC-AC1667EBCBE1}">
+              <a14:hiddenEffects xmlns="" xmlns:a14="http://schemas.microsoft.com/office/drawing/2010/main">
+                <a:effectLst>
+                  <a:outerShdw blurRad="63500" dist="38099" dir="2700000" algn="ctr" rotWithShape="0">
+                    <a:schemeClr val="bg2">
+                      <a:alpha val="74998"/>
+                    </a:schemeClr>
+                  </a:outerShdw>
+                </a:effectLst>
+              </a14:hiddenEffects>
+            </a:ext>
+          </a:extLst>
+        </p:spPr>
+        <p:txBody>
+          <a:bodyPr vert="horz" wrap="none" lIns="91440" tIns="45720" rIns="91440" bIns="45720" numCol="1" rtlCol="0" anchor="t" anchorCtr="0" compatLnSpc="1">
+            <a:prstTxWarp prst="textNoShape">
+              <a:avLst/>
+            </a:prstTxWarp>
+          </a:bodyPr>
+          <a:lstStyle/>
+          <a:p>
+            <a:pPr marL="0" marR="0" indent="0" algn="ctr" defTabSz="914400" rtl="0" eaLnBrk="1" fontAlgn="base" latinLnBrk="0" hangingPunct="1">
+              <a:lnSpc>
+                <a:spcPct val="100000"/>
+              </a:lnSpc>
+              <a:spcBef>
+                <a:spcPct val="0"/>
+              </a:spcBef>
+              <a:spcAft>
+                <a:spcPct val="0"/>
+              </a:spcAft>
+              <a:buClrTx/>
+              <a:buSzTx/>
+              <a:buFontTx/>
+              <a:buNone/>
+              <a:tabLst/>
+            </a:pPr>
+            <a:r>
+              <a:rPr kumimoji="0" lang="en-US" sz="2400" b="0" i="0" u="none" strike="noStrike" cap="none" normalizeH="0" baseline="0">
+                <a:ln>
+                  <a:noFill/>
+                </a:ln>
+                <a:solidFill>
+                  <a:schemeClr val="tx1"/>
+                </a:solidFill>
+                <a:effectLst/>
+                <a:latin typeface="Tahoma" charset="0"/>
+                <a:ea typeface="ＭＳ Ｐゴシック" charset="0"/>
+              </a:rPr>
+              <a:t>React</a:t>
+            </a:r>
+            <a:br>
+              <a:rPr kumimoji="0" lang="en-US" sz="2400" b="0" i="0" u="none" strike="noStrike" cap="none" normalizeH="0" baseline="0">
+                <a:ln>
+                  <a:noFill/>
+                </a:ln>
+                <a:solidFill>
+                  <a:schemeClr val="tx1"/>
+                </a:solidFill>
+                <a:effectLst/>
+                <a:latin typeface="Tahoma" charset="0"/>
+                <a:ea typeface="ＭＳ Ｐゴシック" charset="0"/>
+              </a:rPr>
+            </a:br>
+            <a:r>
+              <a:rPr kumimoji="0" lang="en-US" sz="2400" b="0" i="0" u="none" strike="noStrike" cap="none" normalizeH="0" baseline="0">
+                <a:ln>
+                  <a:noFill/>
+                </a:ln>
+                <a:solidFill>
+                  <a:schemeClr val="tx1"/>
+                </a:solidFill>
+                <a:effectLst/>
+                <a:latin typeface="Tahoma" charset="0"/>
+                <a:ea typeface="ＭＳ Ｐゴシック" charset="0"/>
+              </a:rPr>
+              <a:t>Framework</a:t>
+            </a:r>
+            <a:endParaRPr kumimoji="0" lang="en-US" sz="2400" b="0" i="0" u="none" strike="noStrike" cap="none" normalizeH="0" baseline="0" dirty="0">
+              <a:ln>
+                <a:noFill/>
+              </a:ln>
+              <a:solidFill>
+                <a:schemeClr val="tx1"/>
+              </a:solidFill>
+              <a:effectLst/>
+              <a:latin typeface="Tahoma" charset="0"/>
+              <a:ea typeface="ＭＳ Ｐゴシック" charset="0"/>
+            </a:endParaRPr>
+          </a:p>
+        </p:txBody>
+      </p:sp>
+      <p:sp>
+        <p:nvSpPr>
+          <p:cNvPr id="21" name="Rectangle 20"/>
+          <p:cNvSpPr/>
+          <p:nvPr/>
+        </p:nvSpPr>
+        <p:spPr bwMode="auto">
+          <a:xfrm>
+            <a:off x="5590571" y="2500132"/>
+            <a:ext cx="1676400" cy="1066800"/>
+          </a:xfrm>
+          <a:prstGeom prst="rect">
+            <a:avLst/>
+          </a:prstGeom>
+          <a:solidFill>
+            <a:schemeClr val="tx1"/>
+          </a:solidFill>
+          <a:ln w="9525" cap="flat" cmpd="sng" algn="ctr">
+            <a:solidFill>
+              <a:schemeClr val="tx1"/>
+            </a:solidFill>
+            <a:prstDash val="solid"/>
+            <a:round/>
+            <a:headEnd type="none" w="med" len="med"/>
+            <a:tailEnd type="none" w="med" len="med"/>
+          </a:ln>
+          <a:effectLst/>
+        </p:spPr>
+        <p:txBody>
+          <a:bodyPr vert="horz" wrap="none" lIns="91440" tIns="45720" rIns="91440" bIns="45720" numCol="1" rtlCol="0" anchor="ctr" anchorCtr="0" compatLnSpc="1">
+            <a:prstTxWarp prst="textNoShape">
+              <a:avLst/>
+            </a:prstTxWarp>
+          </a:bodyPr>
+          <a:lstStyle/>
+          <a:p>
+            <a:pPr marL="0" marR="0" indent="0" algn="ctr" defTabSz="914400" rtl="0" eaLnBrk="1" fontAlgn="base" latinLnBrk="0" hangingPunct="1">
+              <a:lnSpc>
+                <a:spcPct val="100000"/>
+              </a:lnSpc>
+              <a:spcBef>
+                <a:spcPct val="0"/>
+              </a:spcBef>
+              <a:spcAft>
+                <a:spcPct val="0"/>
+              </a:spcAft>
+              <a:buClrTx/>
+              <a:buSzTx/>
+              <a:buFontTx/>
+              <a:buNone/>
+              <a:tabLst/>
+            </a:pPr>
+            <a:r>
+              <a:rPr lang="en-US" sz="2000" b="1" dirty="0">
+                <a:solidFill>
+                  <a:srgbClr val="CCCC00"/>
+                </a:solidFill>
+              </a:rPr>
+              <a:t>Diff</a:t>
+            </a:r>
+            <a:br>
+              <a:rPr lang="en-US" sz="2000" b="1" dirty="0">
+                <a:solidFill>
+                  <a:srgbClr val="CCCC00"/>
+                </a:solidFill>
+              </a:rPr>
+            </a:br>
+            <a:r>
+              <a:rPr lang="en-US" sz="2000" b="1" dirty="0">
+                <a:solidFill>
+                  <a:srgbClr val="CCCC00"/>
+                </a:solidFill>
+              </a:rPr>
+              <a:t>Algorithm</a:t>
+            </a:r>
+            <a:endParaRPr kumimoji="0" lang="en-US" sz="2000" b="1" i="0" u="none" strike="noStrike" cap="none" normalizeH="0" baseline="0" dirty="0">
+              <a:ln>
+                <a:noFill/>
+              </a:ln>
+              <a:solidFill>
+                <a:srgbClr val="CCCC00"/>
+              </a:solidFill>
+              <a:effectLst/>
+              <a:latin typeface="Tahoma" charset="0"/>
+              <a:ea typeface="ＭＳ Ｐゴシック" charset="0"/>
+            </a:endParaRPr>
+          </a:p>
+        </p:txBody>
+      </p:sp>
+      <p:cxnSp>
+        <p:nvCxnSpPr>
+          <p:cNvPr id="22" name="Straight Connector 21"/>
+          <p:cNvCxnSpPr/>
+          <p:nvPr/>
+        </p:nvCxnSpPr>
+        <p:spPr bwMode="auto">
+          <a:xfrm>
+            <a:off x="4953000" y="3802284"/>
+            <a:ext cx="2697769" cy="7716"/>
+          </a:xfrm>
+          <a:prstGeom prst="line">
+            <a:avLst/>
+          </a:prstGeom>
+          <a:solidFill>
+            <a:schemeClr val="accent1"/>
+          </a:solidFill>
+          <a:ln w="9525" cap="flat" cmpd="sng" algn="ctr">
+            <a:solidFill>
+              <a:schemeClr val="tx1"/>
+            </a:solidFill>
+            <a:prstDash val="solid"/>
+            <a:round/>
+            <a:headEnd type="none" w="med" len="med"/>
+            <a:tailEnd type="none" w="med" len="med"/>
+          </a:ln>
+          <a:effectLst/>
+          <a:extLst>
+            <a:ext uri="{AF507438-7753-43e0-B8FC-AC1667EBCBE1}">
+              <a14:hiddenEffects xmlns="" xmlns:a14="http://schemas.microsoft.com/office/drawing/2010/main">
+                <a:effectLst>
+                  <a:outerShdw blurRad="63500" dist="38099" dir="2700000" algn="ctr" rotWithShape="0">
+                    <a:schemeClr val="bg2">
+                      <a:alpha val="74998"/>
+                    </a:schemeClr>
+                  </a:outerShdw>
+                </a:effectLst>
+              </a14:hiddenEffects>
+            </a:ext>
+          </a:extLst>
+        </p:spPr>
+      </p:cxnSp>
     </p:spTree>
     <p:extLst>
       <p:ext uri="{BB962C8B-B14F-4D97-AF65-F5344CB8AC3E}">
-        <p14:creationId xmlns:p14="http://schemas.microsoft.com/office/powerpoint/2010/main" val="1451633381"/>
+        <p14:creationId xmlns:p14="http://schemas.microsoft.com/office/powerpoint/2010/main" val="2078530922"/>
       </p:ext>
     </p:extLst>
   </p:cSld>
@@ -31041,6 +32105,122 @@
             <p:ph type="sldNum" sz="quarter" idx="11"/>
           </p:nvPr>
         </p:nvSpPr>
+        <p:spPr>
+          <a:xfrm>
+            <a:off x="6858000" y="6248400"/>
+            <a:ext cx="1905000" cy="457200"/>
+          </a:xfrm>
+        </p:spPr>
+        <p:txBody>
+          <a:bodyPr/>
+          <a:lstStyle/>
+          <a:p>
+            <a:fld id="{02351247-9CC6-084F-84F6-5F0BCF662951}" type="slidenum">
+              <a:rPr lang="en-US"/>
+              <a:pPr/>
+              <a:t>52</a:t>
+            </a:fld>
+            <a:endParaRPr lang="en-US"/>
+          </a:p>
+        </p:txBody>
+      </p:sp>
+      <p:sp>
+        <p:nvSpPr>
+          <p:cNvPr id="736258" name="Rectangle 2"/>
+          <p:cNvSpPr>
+            <a:spLocks noGrp="1" noChangeArrowheads="1"/>
+          </p:cNvSpPr>
+          <p:nvPr>
+            <p:ph type="title"/>
+          </p:nvPr>
+        </p:nvSpPr>
+        <p:spPr>
+          <a:xfrm>
+            <a:off x="914400" y="609600"/>
+            <a:ext cx="7772400" cy="685800"/>
+          </a:xfrm>
+        </p:spPr>
+        <p:txBody>
+          <a:bodyPr/>
+          <a:lstStyle/>
+          <a:p>
+            <a:pPr defTabSz="895350"/>
+            <a:r>
+              <a:rPr lang="en-US" dirty="0"/>
+              <a:t>Flux Architecture – </a:t>
+            </a:r>
+            <a:r>
+              <a:rPr lang="en-US"/>
+              <a:t>Data Travels One Way</a:t>
+            </a:r>
+            <a:endParaRPr lang="en-US" dirty="0"/>
+          </a:p>
+        </p:txBody>
+      </p:sp>
+      <p:pic>
+        <p:nvPicPr>
+          <p:cNvPr id="5" name="Picture 4"/>
+          <p:cNvPicPr>
+            <a:picLocks noChangeAspect="1"/>
+          </p:cNvPicPr>
+          <p:nvPr/>
+        </p:nvPicPr>
+        <p:blipFill>
+          <a:blip r:embed="rId2"/>
+          <a:stretch>
+            <a:fillRect/>
+          </a:stretch>
+        </p:blipFill>
+        <p:spPr>
+          <a:xfrm>
+            <a:off x="1600200" y="1641844"/>
+            <a:ext cx="6094828" cy="4606556"/>
+          </a:xfrm>
+          <a:prstGeom prst="rect">
+            <a:avLst/>
+          </a:prstGeom>
+        </p:spPr>
+      </p:pic>
+    </p:spTree>
+    <p:extLst>
+      <p:ext uri="{BB962C8B-B14F-4D97-AF65-F5344CB8AC3E}">
+        <p14:creationId xmlns:p14="http://schemas.microsoft.com/office/powerpoint/2010/main" val="1451633381"/>
+      </p:ext>
+    </p:extLst>
+  </p:cSld>
+  <p:clrMapOvr>
+    <a:masterClrMapping/>
+  </p:clrMapOvr>
+</p:sld>
+</file>
+
+<file path=ppt/slides/slide53.xml><?xml version="1.0" encoding="utf-8"?>
+<p:sld xmlns:a="http://schemas.openxmlformats.org/drawingml/2006/main" xmlns:r="http://schemas.openxmlformats.org/officeDocument/2006/relationships" xmlns:p="http://schemas.openxmlformats.org/presentationml/2006/main">
+  <p:cSld>
+    <p:spTree>
+      <p:nvGrpSpPr>
+        <p:cNvPr id="1" name=""/>
+        <p:cNvGrpSpPr/>
+        <p:nvPr/>
+      </p:nvGrpSpPr>
+      <p:grpSpPr>
+        <a:xfrm>
+          <a:off x="0" y="0"/>
+          <a:ext cx="0" cy="0"/>
+          <a:chOff x="0" y="0"/>
+          <a:chExt cx="0" cy="0"/>
+        </a:xfrm>
+      </p:grpSpPr>
+      <p:sp>
+        <p:nvSpPr>
+          <p:cNvPr id="4" name="Slide Number Placeholder 4"/>
+          <p:cNvSpPr>
+            <a:spLocks noGrp="1"/>
+          </p:cNvSpPr>
+          <p:nvPr>
+            <p:ph type="sldNum" sz="quarter" idx="11"/>
+          </p:nvPr>
+        </p:nvSpPr>
         <p:spPr/>
         <p:txBody>
           <a:bodyPr/>
@@ -31049,7 +32229,7 @@
             <a:fld id="{69B7CFB4-9971-4849-8B07-08D5E6C940D3}" type="slidenum">
               <a:rPr lang="en-US"/>
               <a:pPr/>
-              <a:t>52</a:t>
+              <a:t>53</a:t>
             </a:fld>
             <a:endParaRPr lang="en-US"/>
           </a:p>
@@ -31500,7 +32680,7 @@
           <a:effectLst/>
           <a:extLst>
             <a:ext uri="{AF507438-7753-43e0-B8FC-AC1667EBCBE1}">
-              <a14:hiddenEffects xmlns:a14="http://schemas.microsoft.com/office/drawing/2010/main" xmlns="">
+              <a14:hiddenEffects xmlns="" xmlns:a14="http://schemas.microsoft.com/office/drawing/2010/main">
                 <a:effectLst>
                   <a:outerShdw blurRad="63500" dist="38099" dir="2700000" algn="ctr" rotWithShape="0">
                     <a:schemeClr val="bg2">
@@ -31614,7 +32794,7 @@
           <a:effectLst/>
           <a:extLst>
             <a:ext uri="{AF507438-7753-43e0-B8FC-AC1667EBCBE1}">
-              <a14:hiddenEffects xmlns:a14="http://schemas.microsoft.com/office/drawing/2010/main" xmlns="">
+              <a14:hiddenEffects xmlns="" xmlns:a14="http://schemas.microsoft.com/office/drawing/2010/main">
                 <a:effectLst>
                   <a:outerShdw blurRad="63500" dist="38099" dir="2700000" algn="ctr" rotWithShape="0">
                     <a:schemeClr val="bg2">
@@ -31759,7 +32939,7 @@
           <a:effectLst/>
           <a:extLst>
             <a:ext uri="{AF507438-7753-43e0-B8FC-AC1667EBCBE1}">
-              <a14:hiddenEffects xmlns:a14="http://schemas.microsoft.com/office/drawing/2010/main" xmlns="">
+              <a14:hiddenEffects xmlns="" xmlns:a14="http://schemas.microsoft.com/office/drawing/2010/main">
                 <a:effectLst>
                   <a:outerShdw blurRad="63500" dist="38099" dir="2700000" algn="ctr" rotWithShape="0">
                     <a:schemeClr val="bg2">
@@ -31801,7 +32981,7 @@
           <a:effectLst/>
           <a:extLst>
             <a:ext uri="{AF507438-7753-43e0-B8FC-AC1667EBCBE1}">
-              <a14:hiddenEffects xmlns:a14="http://schemas.microsoft.com/office/drawing/2010/main" xmlns="">
+              <a14:hiddenEffects xmlns="" xmlns:a14="http://schemas.microsoft.com/office/drawing/2010/main">
                 <a:effectLst>
                   <a:outerShdw blurRad="63500" dist="38099" dir="2700000" algn="ctr" rotWithShape="0">
                     <a:schemeClr val="bg2">
@@ -31982,7 +33162,7 @@
           <a:effectLst/>
           <a:extLst>
             <a:ext uri="{AF507438-7753-43e0-B8FC-AC1667EBCBE1}">
-              <a14:hiddenEffects xmlns:a14="http://schemas.microsoft.com/office/drawing/2010/main" xmlns="">
+              <a14:hiddenEffects xmlns="" xmlns:a14="http://schemas.microsoft.com/office/drawing/2010/main">
                 <a:effectLst>
                   <a:outerShdw blurRad="63500" dist="38099" dir="2700000" algn="ctr" rotWithShape="0">
                     <a:schemeClr val="bg2">
@@ -32024,7 +33204,7 @@
           <a:effectLst/>
           <a:extLst>
             <a:ext uri="{AF507438-7753-43e0-B8FC-AC1667EBCBE1}">
-              <a14:hiddenEffects xmlns:a14="http://schemas.microsoft.com/office/drawing/2010/main" xmlns="">
+              <a14:hiddenEffects xmlns="" xmlns:a14="http://schemas.microsoft.com/office/drawing/2010/main">
                 <a:effectLst>
                   <a:outerShdw blurRad="63500" dist="38099" dir="2700000" algn="ctr" rotWithShape="0">
                     <a:schemeClr val="bg2">
@@ -32107,7 +33287,7 @@
           <a:effectLst/>
           <a:extLst>
             <a:ext uri="{AF507438-7753-43e0-B8FC-AC1667EBCBE1}">
-              <a14:hiddenEffects xmlns:a14="http://schemas.microsoft.com/office/drawing/2010/main" xmlns="">
+              <a14:hiddenEffects xmlns="" xmlns:a14="http://schemas.microsoft.com/office/drawing/2010/main">
                 <a:effectLst>
                   <a:outerShdw blurRad="63500" dist="38099" dir="2700000" algn="ctr" rotWithShape="0">
                     <a:schemeClr val="bg2">
@@ -32214,7 +33394,7 @@
           <a:effectLst/>
           <a:extLst>
             <a:ext uri="{AF507438-7753-43e0-B8FC-AC1667EBCBE1}">
-              <a14:hiddenEffects xmlns:a14="http://schemas.microsoft.com/office/drawing/2010/main" xmlns="">
+              <a14:hiddenEffects xmlns="" xmlns:a14="http://schemas.microsoft.com/office/drawing/2010/main">
                 <a:effectLst>
                   <a:outerShdw blurRad="63500" dist="38099" dir="2700000" algn="ctr" rotWithShape="0">
                     <a:schemeClr val="bg2">
@@ -32259,7 +33439,7 @@
           <a:effectLst/>
           <a:extLst>
             <a:ext uri="{AF507438-7753-43e0-B8FC-AC1667EBCBE1}">
-              <a14:hiddenEffects xmlns:a14="http://schemas.microsoft.com/office/drawing/2010/main" xmlns="">
+              <a14:hiddenEffects xmlns="" xmlns:a14="http://schemas.microsoft.com/office/drawing/2010/main">
                 <a:effectLst>
                   <a:outerShdw blurRad="63500" dist="38099" dir="2700000" algn="ctr" rotWithShape="0">
                     <a:schemeClr val="bg2">
@@ -32717,7 +33897,7 @@
           <a:effectLst/>
           <a:extLst>
             <a:ext uri="{AF507438-7753-43e0-B8FC-AC1667EBCBE1}">
-              <a14:hiddenEffects xmlns:a14="http://schemas.microsoft.com/office/drawing/2010/main" xmlns="">
+              <a14:hiddenEffects xmlns="" xmlns:a14="http://schemas.microsoft.com/office/drawing/2010/main">
                 <a:effectLst>
                   <a:outerShdw blurRad="63500" dist="38099" dir="2700000" algn="ctr" rotWithShape="0">
                     <a:schemeClr val="bg2">
@@ -32831,7 +34011,7 @@
           <a:effectLst/>
           <a:extLst>
             <a:ext uri="{AF507438-7753-43e0-B8FC-AC1667EBCBE1}">
-              <a14:hiddenEffects xmlns:a14="http://schemas.microsoft.com/office/drawing/2010/main" xmlns="">
+              <a14:hiddenEffects xmlns="" xmlns:a14="http://schemas.microsoft.com/office/drawing/2010/main">
                 <a:effectLst>
                   <a:outerShdw blurRad="63500" dist="38099" dir="2700000" algn="ctr" rotWithShape="0">
                     <a:schemeClr val="bg2">
@@ -32976,7 +34156,7 @@
           <a:effectLst/>
           <a:extLst>
             <a:ext uri="{AF507438-7753-43e0-B8FC-AC1667EBCBE1}">
-              <a14:hiddenEffects xmlns:a14="http://schemas.microsoft.com/office/drawing/2010/main" xmlns="">
+              <a14:hiddenEffects xmlns="" xmlns:a14="http://schemas.microsoft.com/office/drawing/2010/main">
                 <a:effectLst>
                   <a:outerShdw blurRad="63500" dist="38099" dir="2700000" algn="ctr" rotWithShape="0">
                     <a:schemeClr val="bg2">
@@ -33018,7 +34198,7 @@
           <a:effectLst/>
           <a:extLst>
             <a:ext uri="{AF507438-7753-43e0-B8FC-AC1667EBCBE1}">
-              <a14:hiddenEffects xmlns:a14="http://schemas.microsoft.com/office/drawing/2010/main" xmlns="">
+              <a14:hiddenEffects xmlns="" xmlns:a14="http://schemas.microsoft.com/office/drawing/2010/main">
                 <a:effectLst>
                   <a:outerShdw blurRad="63500" dist="38099" dir="2700000" algn="ctr" rotWithShape="0">
                     <a:schemeClr val="bg2">
@@ -33199,7 +34379,7 @@
           <a:effectLst/>
           <a:extLst>
             <a:ext uri="{AF507438-7753-43e0-B8FC-AC1667EBCBE1}">
-              <a14:hiddenEffects xmlns:a14="http://schemas.microsoft.com/office/drawing/2010/main" xmlns="">
+              <a14:hiddenEffects xmlns="" xmlns:a14="http://schemas.microsoft.com/office/drawing/2010/main">
                 <a:effectLst>
                   <a:outerShdw blurRad="63500" dist="38099" dir="2700000" algn="ctr" rotWithShape="0">
                     <a:schemeClr val="bg2">
@@ -33241,7 +34421,7 @@
           <a:effectLst/>
           <a:extLst>
             <a:ext uri="{AF507438-7753-43e0-B8FC-AC1667EBCBE1}">
-              <a14:hiddenEffects xmlns:a14="http://schemas.microsoft.com/office/drawing/2010/main" xmlns="">
+              <a14:hiddenEffects xmlns="" xmlns:a14="http://schemas.microsoft.com/office/drawing/2010/main">
                 <a:effectLst>
                   <a:outerShdw blurRad="63500" dist="38099" dir="2700000" algn="ctr" rotWithShape="0">
                     <a:schemeClr val="bg2">
@@ -33326,7 +34506,7 @@
           <a:effectLst/>
           <a:extLst>
             <a:ext uri="{AF507438-7753-43e0-B8FC-AC1667EBCBE1}">
-              <a14:hiddenEffects xmlns:a14="http://schemas.microsoft.com/office/drawing/2010/main" xmlns="">
+              <a14:hiddenEffects xmlns="" xmlns:a14="http://schemas.microsoft.com/office/drawing/2010/main">
                 <a:effectLst>
                   <a:outerShdw blurRad="63500" dist="38099" dir="2700000" algn="ctr" rotWithShape="0">
                     <a:schemeClr val="bg2">
@@ -33464,7 +34644,7 @@
           <a:effectLst/>
           <a:extLst>
             <a:ext uri="{AF507438-7753-43e0-B8FC-AC1667EBCBE1}">
-              <a14:hiddenEffects xmlns:a14="http://schemas.microsoft.com/office/drawing/2010/main" xmlns="">
+              <a14:hiddenEffects xmlns="" xmlns:a14="http://schemas.microsoft.com/office/drawing/2010/main">
                 <a:effectLst>
                   <a:outerShdw blurRad="63500" dist="38099" dir="2700000" algn="ctr" rotWithShape="0">
                     <a:schemeClr val="bg2">
@@ -33656,7 +34836,7 @@
           <a:effectLst/>
           <a:extLst>
             <a:ext uri="{AF507438-7753-43e0-B8FC-AC1667EBCBE1}">
-              <a14:hiddenEffects xmlns:a14="http://schemas.microsoft.com/office/drawing/2010/main" xmlns="">
+              <a14:hiddenEffects xmlns="" xmlns:a14="http://schemas.microsoft.com/office/drawing/2010/main">
                 <a:effectLst>
                   <a:outerShdw blurRad="63500" dist="38099" dir="2700000" algn="ctr" rotWithShape="0">
                     <a:schemeClr val="bg2">
@@ -33928,7 +35108,7 @@
         <a:effectLst/>
         <a:extLst>
           <a:ext uri="{AF507438-7753-43e0-B8FC-AC1667EBCBE1}">
-            <a14:hiddenEffects xmlns:a14="http://schemas.microsoft.com/office/drawing/2010/main" xmlns="">
+            <a14:hiddenEffects xmlns="" xmlns:a14="http://schemas.microsoft.com/office/drawing/2010/main">
               <a:effectLst>
                 <a:outerShdw blurRad="63500" dist="38099" dir="2700000" algn="ctr" rotWithShape="0">
                   <a:schemeClr val="bg2">
@@ -34004,7 +35184,7 @@
         <a:effectLst/>
         <a:extLst>
           <a:ext uri="{AF507438-7753-43e0-B8FC-AC1667EBCBE1}">
-            <a14:hiddenEffects xmlns:a14="http://schemas.microsoft.com/office/drawing/2010/main" xmlns="">
+            <a14:hiddenEffects xmlns="" xmlns:a14="http://schemas.microsoft.com/office/drawing/2010/main">
               <a:effectLst>
                 <a:outerShdw blurRad="63500" dist="38099" dir="2700000" algn="ctr" rotWithShape="0">
                   <a:schemeClr val="bg2">

--- a/Lectures/M4-ModernWeb.pptx
+++ b/Lectures/M4-ModernWeb.pptx
@@ -261,17 +261,17 @@
           <a:effectLst/>
           <a:extLst>
             <a:ext uri="{FAA26D3D-D897-4be2-8F04-BA451C77F1D7}">
-              <ma14:placeholderFlag xmlns="" xmlns:ma14="http://schemas.microsoft.com/office/mac/drawingml/2011/main" val="1"/>
+              <ma14:placeholderFlag xmlns:ma14="http://schemas.microsoft.com/office/mac/drawingml/2011/main" xmlns="" val="1"/>
             </a:ext>
             <a:ext uri="{909E8E84-426E-40dd-AFC4-6F175D3DCCD1}">
-              <a14:hiddenFill xmlns="" xmlns:a14="http://schemas.microsoft.com/office/drawing/2010/main">
+              <a14:hiddenFill xmlns:a14="http://schemas.microsoft.com/office/drawing/2010/main" xmlns="">
                 <a:solidFill>
                   <a:schemeClr val="accent1"/>
                 </a:solidFill>
               </a14:hiddenFill>
             </a:ext>
             <a:ext uri="{91240B29-F687-4f45-9708-019B960494DF}">
-              <a14:hiddenLine xmlns="" xmlns:a14="http://schemas.microsoft.com/office/drawing/2010/main" w="9525">
+              <a14:hiddenLine xmlns:a14="http://schemas.microsoft.com/office/drawing/2010/main" xmlns="" w="9525">
                 <a:solidFill>
                   <a:schemeClr val="tx1"/>
                 </a:solidFill>
@@ -281,7 +281,7 @@
               </a14:hiddenLine>
             </a:ext>
             <a:ext uri="{AF507438-7753-43e0-B8FC-AC1667EBCBE1}">
-              <a14:hiddenEffects xmlns="" xmlns:a14="http://schemas.microsoft.com/office/drawing/2010/main">
+              <a14:hiddenEffects xmlns:a14="http://schemas.microsoft.com/office/drawing/2010/main" xmlns="">
                 <a:effectLst>
                   <a:outerShdw blurRad="63500" dist="38099" dir="2700000" algn="ctr" rotWithShape="0">
                     <a:schemeClr val="bg2">
@@ -334,17 +334,17 @@
           <a:effectLst/>
           <a:extLst>
             <a:ext uri="{FAA26D3D-D897-4be2-8F04-BA451C77F1D7}">
-              <ma14:placeholderFlag xmlns="" xmlns:ma14="http://schemas.microsoft.com/office/mac/drawingml/2011/main" val="1"/>
+              <ma14:placeholderFlag xmlns:ma14="http://schemas.microsoft.com/office/mac/drawingml/2011/main" xmlns="" val="1"/>
             </a:ext>
             <a:ext uri="{909E8E84-426E-40dd-AFC4-6F175D3DCCD1}">
-              <a14:hiddenFill xmlns="" xmlns:a14="http://schemas.microsoft.com/office/drawing/2010/main">
+              <a14:hiddenFill xmlns:a14="http://schemas.microsoft.com/office/drawing/2010/main" xmlns="">
                 <a:solidFill>
                   <a:schemeClr val="accent1"/>
                 </a:solidFill>
               </a14:hiddenFill>
             </a:ext>
             <a:ext uri="{91240B29-F687-4f45-9708-019B960494DF}">
-              <a14:hiddenLine xmlns="" xmlns:a14="http://schemas.microsoft.com/office/drawing/2010/main" w="9525">
+              <a14:hiddenLine xmlns:a14="http://schemas.microsoft.com/office/drawing/2010/main" xmlns="" w="9525">
                 <a:solidFill>
                   <a:schemeClr val="tx1"/>
                 </a:solidFill>
@@ -354,7 +354,7 @@
               </a14:hiddenLine>
             </a:ext>
             <a:ext uri="{AF507438-7753-43e0-B8FC-AC1667EBCBE1}">
-              <a14:hiddenEffects xmlns="" xmlns:a14="http://schemas.microsoft.com/office/drawing/2010/main">
+              <a14:hiddenEffects xmlns:a14="http://schemas.microsoft.com/office/drawing/2010/main" xmlns="">
                 <a:effectLst>
                   <a:outerShdw blurRad="63500" dist="38099" dir="2700000" algn="ctr" rotWithShape="0">
                     <a:schemeClr val="bg2">
@@ -407,17 +407,17 @@
           <a:effectLst/>
           <a:extLst>
             <a:ext uri="{FAA26D3D-D897-4be2-8F04-BA451C77F1D7}">
-              <ma14:placeholderFlag xmlns="" xmlns:ma14="http://schemas.microsoft.com/office/mac/drawingml/2011/main" val="1"/>
+              <ma14:placeholderFlag xmlns:ma14="http://schemas.microsoft.com/office/mac/drawingml/2011/main" xmlns="" val="1"/>
             </a:ext>
             <a:ext uri="{909E8E84-426E-40dd-AFC4-6F175D3DCCD1}">
-              <a14:hiddenFill xmlns="" xmlns:a14="http://schemas.microsoft.com/office/drawing/2010/main">
+              <a14:hiddenFill xmlns:a14="http://schemas.microsoft.com/office/drawing/2010/main" xmlns="">
                 <a:solidFill>
                   <a:schemeClr val="accent1"/>
                 </a:solidFill>
               </a14:hiddenFill>
             </a:ext>
             <a:ext uri="{91240B29-F687-4f45-9708-019B960494DF}">
-              <a14:hiddenLine xmlns="" xmlns:a14="http://schemas.microsoft.com/office/drawing/2010/main" w="9525">
+              <a14:hiddenLine xmlns:a14="http://schemas.microsoft.com/office/drawing/2010/main" xmlns="" w="9525">
                 <a:solidFill>
                   <a:schemeClr val="tx1"/>
                 </a:solidFill>
@@ -427,7 +427,7 @@
               </a14:hiddenLine>
             </a:ext>
             <a:ext uri="{AF507438-7753-43e0-B8FC-AC1667EBCBE1}">
-              <a14:hiddenEffects xmlns="" xmlns:a14="http://schemas.microsoft.com/office/drawing/2010/main">
+              <a14:hiddenEffects xmlns:a14="http://schemas.microsoft.com/office/drawing/2010/main" xmlns="">
                 <a:effectLst>
                   <a:outerShdw blurRad="63500" dist="38099" dir="2700000" algn="ctr" rotWithShape="0">
                     <a:schemeClr val="bg2">
@@ -480,17 +480,17 @@
           <a:effectLst/>
           <a:extLst>
             <a:ext uri="{FAA26D3D-D897-4be2-8F04-BA451C77F1D7}">
-              <ma14:placeholderFlag xmlns="" xmlns:ma14="http://schemas.microsoft.com/office/mac/drawingml/2011/main" val="1"/>
+              <ma14:placeholderFlag xmlns:ma14="http://schemas.microsoft.com/office/mac/drawingml/2011/main" xmlns="" val="1"/>
             </a:ext>
             <a:ext uri="{909E8E84-426E-40dd-AFC4-6F175D3DCCD1}">
-              <a14:hiddenFill xmlns="" xmlns:a14="http://schemas.microsoft.com/office/drawing/2010/main">
+              <a14:hiddenFill xmlns:a14="http://schemas.microsoft.com/office/drawing/2010/main" xmlns="">
                 <a:solidFill>
                   <a:schemeClr val="accent1"/>
                 </a:solidFill>
               </a14:hiddenFill>
             </a:ext>
             <a:ext uri="{91240B29-F687-4f45-9708-019B960494DF}">
-              <a14:hiddenLine xmlns="" xmlns:a14="http://schemas.microsoft.com/office/drawing/2010/main" w="9525">
+              <a14:hiddenLine xmlns:a14="http://schemas.microsoft.com/office/drawing/2010/main" xmlns="" w="9525">
                 <a:solidFill>
                   <a:schemeClr val="tx1"/>
                 </a:solidFill>
@@ -500,7 +500,7 @@
               </a14:hiddenLine>
             </a:ext>
             <a:ext uri="{AF507438-7753-43e0-B8FC-AC1667EBCBE1}">
-              <a14:hiddenEffects xmlns="" xmlns:a14="http://schemas.microsoft.com/office/drawing/2010/main">
+              <a14:hiddenEffects xmlns:a14="http://schemas.microsoft.com/office/drawing/2010/main" xmlns="">
                 <a:effectLst>
                   <a:outerShdw blurRad="63500" dist="38099" dir="2700000" algn="ctr" rotWithShape="0">
                     <a:schemeClr val="bg2">
@@ -594,17 +594,17 @@
           <a:effectLst/>
           <a:extLst>
             <a:ext uri="{FAA26D3D-D897-4be2-8F04-BA451C77F1D7}">
-              <ma14:placeholderFlag xmlns="" xmlns:ma14="http://schemas.microsoft.com/office/mac/drawingml/2011/main" val="1"/>
+              <ma14:placeholderFlag xmlns:ma14="http://schemas.microsoft.com/office/mac/drawingml/2011/main" xmlns="" val="1"/>
             </a:ext>
             <a:ext uri="{909E8E84-426E-40dd-AFC4-6F175D3DCCD1}">
-              <a14:hiddenFill xmlns="" xmlns:a14="http://schemas.microsoft.com/office/drawing/2010/main">
+              <a14:hiddenFill xmlns:a14="http://schemas.microsoft.com/office/drawing/2010/main" xmlns="">
                 <a:solidFill>
                   <a:schemeClr val="accent1"/>
                 </a:solidFill>
               </a14:hiddenFill>
             </a:ext>
             <a:ext uri="{91240B29-F687-4f45-9708-019B960494DF}">
-              <a14:hiddenLine xmlns="" xmlns:a14="http://schemas.microsoft.com/office/drawing/2010/main" w="9525">
+              <a14:hiddenLine xmlns:a14="http://schemas.microsoft.com/office/drawing/2010/main" xmlns="" w="9525">
                 <a:solidFill>
                   <a:schemeClr val="tx1"/>
                 </a:solidFill>
@@ -614,7 +614,7 @@
               </a14:hiddenLine>
             </a:ext>
             <a:ext uri="{AF507438-7753-43e0-B8FC-AC1667EBCBE1}">
-              <a14:hiddenEffects xmlns="" xmlns:a14="http://schemas.microsoft.com/office/drawing/2010/main">
+              <a14:hiddenEffects xmlns:a14="http://schemas.microsoft.com/office/drawing/2010/main" xmlns="">
                 <a:effectLst>
                   <a:outerShdw blurRad="63500" dist="38099" dir="2700000" algn="ctr" rotWithShape="0">
                     <a:schemeClr val="bg2">
@@ -667,17 +667,17 @@
           <a:effectLst/>
           <a:extLst>
             <a:ext uri="{FAA26D3D-D897-4be2-8F04-BA451C77F1D7}">
-              <ma14:placeholderFlag xmlns="" xmlns:ma14="http://schemas.microsoft.com/office/mac/drawingml/2011/main" val="1"/>
+              <ma14:placeholderFlag xmlns:ma14="http://schemas.microsoft.com/office/mac/drawingml/2011/main" xmlns="" val="1"/>
             </a:ext>
             <a:ext uri="{909E8E84-426E-40dd-AFC4-6F175D3DCCD1}">
-              <a14:hiddenFill xmlns="" xmlns:a14="http://schemas.microsoft.com/office/drawing/2010/main">
+              <a14:hiddenFill xmlns:a14="http://schemas.microsoft.com/office/drawing/2010/main" xmlns="">
                 <a:solidFill>
                   <a:schemeClr val="accent1"/>
                 </a:solidFill>
               </a14:hiddenFill>
             </a:ext>
             <a:ext uri="{91240B29-F687-4f45-9708-019B960494DF}">
-              <a14:hiddenLine xmlns="" xmlns:a14="http://schemas.microsoft.com/office/drawing/2010/main" w="9525">
+              <a14:hiddenLine xmlns:a14="http://schemas.microsoft.com/office/drawing/2010/main" xmlns="" w="9525">
                 <a:solidFill>
                   <a:schemeClr val="tx1"/>
                 </a:solidFill>
@@ -687,7 +687,7 @@
               </a14:hiddenLine>
             </a:ext>
             <a:ext uri="{AF507438-7753-43e0-B8FC-AC1667EBCBE1}">
-              <a14:hiddenEffects xmlns="" xmlns:a14="http://schemas.microsoft.com/office/drawing/2010/main">
+              <a14:hiddenEffects xmlns:a14="http://schemas.microsoft.com/office/drawing/2010/main" xmlns="">
                 <a:effectLst>
                   <a:outerShdw blurRad="63500" dist="38099" dir="2700000" algn="ctr" rotWithShape="0">
                     <a:schemeClr val="bg2">
@@ -745,7 +745,7 @@
           <a:effectLst/>
           <a:extLst>
             <a:ext uri="{AF507438-7753-43e0-B8FC-AC1667EBCBE1}">
-              <a14:hiddenEffects xmlns="" xmlns:a14="http://schemas.microsoft.com/office/drawing/2010/main">
+              <a14:hiddenEffects xmlns:a14="http://schemas.microsoft.com/office/drawing/2010/main" xmlns="">
                 <a:effectLst>
                   <a:outerShdw blurRad="63500" dist="38099" dir="2700000" algn="ctr" rotWithShape="0">
                     <a:srgbClr val="000000">
@@ -756,7 +756,7 @@
               </a14:hiddenEffects>
             </a:ext>
             <a:ext uri="{53640926-AAD7-44d8-BBD7-CCE9431645EC}">
-              <a14:shadowObscured xmlns="" xmlns:a14="http://schemas.microsoft.com/office/drawing/2010/main" val="1"/>
+              <a14:shadowObscured xmlns:a14="http://schemas.microsoft.com/office/drawing/2010/main" xmlns="" val="1"/>
             </a:ext>
           </a:extLst>
         </p:spPr>
@@ -786,17 +786,17 @@
           <a:effectLst/>
           <a:extLst>
             <a:ext uri="{FAA26D3D-D897-4be2-8F04-BA451C77F1D7}">
-              <ma14:placeholderFlag xmlns="" xmlns:ma14="http://schemas.microsoft.com/office/mac/drawingml/2011/main" val="1"/>
+              <ma14:placeholderFlag xmlns:ma14="http://schemas.microsoft.com/office/mac/drawingml/2011/main" xmlns="" val="1"/>
             </a:ext>
             <a:ext uri="{909E8E84-426E-40dd-AFC4-6F175D3DCCD1}">
-              <a14:hiddenFill xmlns="" xmlns:a14="http://schemas.microsoft.com/office/drawing/2010/main">
+              <a14:hiddenFill xmlns:a14="http://schemas.microsoft.com/office/drawing/2010/main" xmlns="">
                 <a:solidFill>
                   <a:schemeClr val="accent1"/>
                 </a:solidFill>
               </a14:hiddenFill>
             </a:ext>
             <a:ext uri="{91240B29-F687-4f45-9708-019B960494DF}">
-              <a14:hiddenLine xmlns="" xmlns:a14="http://schemas.microsoft.com/office/drawing/2010/main" w="9525">
+              <a14:hiddenLine xmlns:a14="http://schemas.microsoft.com/office/drawing/2010/main" xmlns="" w="9525">
                 <a:solidFill>
                   <a:schemeClr val="tx1"/>
                 </a:solidFill>
@@ -806,7 +806,7 @@
               </a14:hiddenLine>
             </a:ext>
             <a:ext uri="{AF507438-7753-43e0-B8FC-AC1667EBCBE1}">
-              <a14:hiddenEffects xmlns="" xmlns:a14="http://schemas.microsoft.com/office/drawing/2010/main">
+              <a14:hiddenEffects xmlns:a14="http://schemas.microsoft.com/office/drawing/2010/main" xmlns="">
                 <a:effectLst>
                   <a:outerShdw blurRad="63500" dist="38099" dir="2700000" algn="ctr" rotWithShape="0">
                     <a:schemeClr val="bg2">
@@ -887,17 +887,17 @@
           <a:effectLst/>
           <a:extLst>
             <a:ext uri="{FAA26D3D-D897-4be2-8F04-BA451C77F1D7}">
-              <ma14:placeholderFlag xmlns="" xmlns:ma14="http://schemas.microsoft.com/office/mac/drawingml/2011/main" val="1"/>
+              <ma14:placeholderFlag xmlns:ma14="http://schemas.microsoft.com/office/mac/drawingml/2011/main" xmlns="" val="1"/>
             </a:ext>
             <a:ext uri="{909E8E84-426E-40dd-AFC4-6F175D3DCCD1}">
-              <a14:hiddenFill xmlns="" xmlns:a14="http://schemas.microsoft.com/office/drawing/2010/main">
+              <a14:hiddenFill xmlns:a14="http://schemas.microsoft.com/office/drawing/2010/main" xmlns="">
                 <a:solidFill>
                   <a:schemeClr val="accent1"/>
                 </a:solidFill>
               </a14:hiddenFill>
             </a:ext>
             <a:ext uri="{91240B29-F687-4f45-9708-019B960494DF}">
-              <a14:hiddenLine xmlns="" xmlns:a14="http://schemas.microsoft.com/office/drawing/2010/main" w="9525">
+              <a14:hiddenLine xmlns:a14="http://schemas.microsoft.com/office/drawing/2010/main" xmlns="" w="9525">
                 <a:solidFill>
                   <a:schemeClr val="tx1"/>
                 </a:solidFill>
@@ -907,7 +907,7 @@
               </a14:hiddenLine>
             </a:ext>
             <a:ext uri="{AF507438-7753-43e0-B8FC-AC1667EBCBE1}">
-              <a14:hiddenEffects xmlns="" xmlns:a14="http://schemas.microsoft.com/office/drawing/2010/main">
+              <a14:hiddenEffects xmlns:a14="http://schemas.microsoft.com/office/drawing/2010/main" xmlns="">
                 <a:effectLst>
                   <a:outerShdw blurRad="63500" dist="38099" dir="2700000" algn="ctr" rotWithShape="0">
                     <a:schemeClr val="bg2">
@@ -960,17 +960,17 @@
           <a:effectLst/>
           <a:extLst>
             <a:ext uri="{FAA26D3D-D897-4be2-8F04-BA451C77F1D7}">
-              <ma14:placeholderFlag xmlns="" xmlns:ma14="http://schemas.microsoft.com/office/mac/drawingml/2011/main" val="1"/>
+              <ma14:placeholderFlag xmlns:ma14="http://schemas.microsoft.com/office/mac/drawingml/2011/main" xmlns="" val="1"/>
             </a:ext>
             <a:ext uri="{909E8E84-426E-40dd-AFC4-6F175D3DCCD1}">
-              <a14:hiddenFill xmlns="" xmlns:a14="http://schemas.microsoft.com/office/drawing/2010/main">
+              <a14:hiddenFill xmlns:a14="http://schemas.microsoft.com/office/drawing/2010/main" xmlns="">
                 <a:solidFill>
                   <a:schemeClr val="accent1"/>
                 </a:solidFill>
               </a14:hiddenFill>
             </a:ext>
             <a:ext uri="{91240B29-F687-4f45-9708-019B960494DF}">
-              <a14:hiddenLine xmlns="" xmlns:a14="http://schemas.microsoft.com/office/drawing/2010/main" w="9525">
+              <a14:hiddenLine xmlns:a14="http://schemas.microsoft.com/office/drawing/2010/main" xmlns="" w="9525">
                 <a:solidFill>
                   <a:schemeClr val="tx1"/>
                 </a:solidFill>
@@ -980,7 +980,7 @@
               </a14:hiddenLine>
             </a:ext>
             <a:ext uri="{AF507438-7753-43e0-B8FC-AC1667EBCBE1}">
-              <a14:hiddenEffects xmlns="" xmlns:a14="http://schemas.microsoft.com/office/drawing/2010/main">
+              <a14:hiddenEffects xmlns:a14="http://schemas.microsoft.com/office/drawing/2010/main" xmlns="">
                 <a:effectLst>
                   <a:outerShdw blurRad="63500" dist="38099" dir="2700000" algn="ctr" rotWithShape="0">
                     <a:schemeClr val="bg2">
@@ -1220,7 +1220,7 @@
               <a:effectLst/>
               <a:extLst>
                 <a:ext uri="{91240B29-F687-4f45-9708-019B960494DF}">
-                  <a14:hiddenLine xmlns="" xmlns:a14="http://schemas.microsoft.com/office/drawing/2010/main" w="9525">
+                  <a14:hiddenLine xmlns:a14="http://schemas.microsoft.com/office/drawing/2010/main" xmlns="" w="9525">
                     <a:solidFill>
                       <a:schemeClr val="tx1"/>
                     </a:solidFill>
@@ -1230,7 +1230,7 @@
                   </a14:hiddenLine>
                 </a:ext>
                 <a:ext uri="{AF507438-7753-43e0-B8FC-AC1667EBCBE1}">
-                  <a14:hiddenEffects xmlns="" xmlns:a14="http://schemas.microsoft.com/office/drawing/2010/main">
+                  <a14:hiddenEffects xmlns:a14="http://schemas.microsoft.com/office/drawing/2010/main" xmlns="">
                     <a:effectLst>
                       <a:outerShdw blurRad="63500" dist="38099" dir="2700000" algn="ctr" rotWithShape="0">
                         <a:schemeClr val="bg2">
@@ -1299,12 +1299,12 @@
                 <a:effectLst/>
                 <a:extLst>
                   <a:ext uri="{909E8E84-426E-40dd-AFC4-6F175D3DCCD1}">
-                    <a14:hiddenFill xmlns="" xmlns:a14="http://schemas.microsoft.com/office/drawing/2010/main">
+                    <a14:hiddenFill xmlns:a14="http://schemas.microsoft.com/office/drawing/2010/main" xmlns="">
                       <a:noFill/>
                     </a14:hiddenFill>
                   </a:ext>
                   <a:ext uri="{AF507438-7753-43e0-B8FC-AC1667EBCBE1}">
-                    <a14:hiddenEffects xmlns="" xmlns:a14="http://schemas.microsoft.com/office/drawing/2010/main">
+                    <a14:hiddenEffects xmlns:a14="http://schemas.microsoft.com/office/drawing/2010/main" xmlns="">
                       <a:effectLst>
                         <a:outerShdw blurRad="63500" dist="38099" dir="2700000" algn="ctr" rotWithShape="0">
                           <a:schemeClr val="bg2">
@@ -1357,12 +1357,12 @@
                 <a:effectLst/>
                 <a:extLst>
                   <a:ext uri="{909E8E84-426E-40dd-AFC4-6F175D3DCCD1}">
-                    <a14:hiddenFill xmlns="" xmlns:a14="http://schemas.microsoft.com/office/drawing/2010/main">
+                    <a14:hiddenFill xmlns:a14="http://schemas.microsoft.com/office/drawing/2010/main" xmlns="">
                       <a:noFill/>
                     </a14:hiddenFill>
                   </a:ext>
                   <a:ext uri="{AF507438-7753-43e0-B8FC-AC1667EBCBE1}">
-                    <a14:hiddenEffects xmlns="" xmlns:a14="http://schemas.microsoft.com/office/drawing/2010/main">
+                    <a14:hiddenEffects xmlns:a14="http://schemas.microsoft.com/office/drawing/2010/main" xmlns="">
                       <a:effectLst>
                         <a:outerShdw blurRad="63500" dist="38099" dir="2700000" algn="ctr" rotWithShape="0">
                           <a:schemeClr val="bg2">
@@ -1415,12 +1415,12 @@
                 <a:effectLst/>
                 <a:extLst>
                   <a:ext uri="{909E8E84-426E-40dd-AFC4-6F175D3DCCD1}">
-                    <a14:hiddenFill xmlns="" xmlns:a14="http://schemas.microsoft.com/office/drawing/2010/main">
+                    <a14:hiddenFill xmlns:a14="http://schemas.microsoft.com/office/drawing/2010/main" xmlns="">
                       <a:noFill/>
                     </a14:hiddenFill>
                   </a:ext>
                   <a:ext uri="{AF507438-7753-43e0-B8FC-AC1667EBCBE1}">
-                    <a14:hiddenEffects xmlns="" xmlns:a14="http://schemas.microsoft.com/office/drawing/2010/main">
+                    <a14:hiddenEffects xmlns:a14="http://schemas.microsoft.com/office/drawing/2010/main" xmlns="">
                       <a:effectLst>
                         <a:outerShdw blurRad="63500" dist="38099" dir="2700000" algn="ctr" rotWithShape="0">
                           <a:schemeClr val="bg2">
@@ -1473,12 +1473,12 @@
                 <a:effectLst/>
                 <a:extLst>
                   <a:ext uri="{909E8E84-426E-40dd-AFC4-6F175D3DCCD1}">
-                    <a14:hiddenFill xmlns="" xmlns:a14="http://schemas.microsoft.com/office/drawing/2010/main">
+                    <a14:hiddenFill xmlns:a14="http://schemas.microsoft.com/office/drawing/2010/main" xmlns="">
                       <a:noFill/>
                     </a14:hiddenFill>
                   </a:ext>
                   <a:ext uri="{AF507438-7753-43e0-B8FC-AC1667EBCBE1}">
-                    <a14:hiddenEffects xmlns="" xmlns:a14="http://schemas.microsoft.com/office/drawing/2010/main">
+                    <a14:hiddenEffects xmlns:a14="http://schemas.microsoft.com/office/drawing/2010/main" xmlns="">
                       <a:effectLst>
                         <a:outerShdw blurRad="63500" dist="38099" dir="2700000" algn="ctr" rotWithShape="0">
                           <a:schemeClr val="bg2">
@@ -1531,12 +1531,12 @@
                 <a:effectLst/>
                 <a:extLst>
                   <a:ext uri="{909E8E84-426E-40dd-AFC4-6F175D3DCCD1}">
-                    <a14:hiddenFill xmlns="" xmlns:a14="http://schemas.microsoft.com/office/drawing/2010/main">
+                    <a14:hiddenFill xmlns:a14="http://schemas.microsoft.com/office/drawing/2010/main" xmlns="">
                       <a:noFill/>
                     </a14:hiddenFill>
                   </a:ext>
                   <a:ext uri="{AF507438-7753-43e0-B8FC-AC1667EBCBE1}">
-                    <a14:hiddenEffects xmlns="" xmlns:a14="http://schemas.microsoft.com/office/drawing/2010/main">
+                    <a14:hiddenEffects xmlns:a14="http://schemas.microsoft.com/office/drawing/2010/main" xmlns="">
                       <a:effectLst>
                         <a:outerShdw blurRad="63500" dist="38099" dir="2700000" algn="ctr" rotWithShape="0">
                           <a:schemeClr val="bg2">
@@ -1589,12 +1589,12 @@
                 <a:effectLst/>
                 <a:extLst>
                   <a:ext uri="{909E8E84-426E-40dd-AFC4-6F175D3DCCD1}">
-                    <a14:hiddenFill xmlns="" xmlns:a14="http://schemas.microsoft.com/office/drawing/2010/main">
+                    <a14:hiddenFill xmlns:a14="http://schemas.microsoft.com/office/drawing/2010/main" xmlns="">
                       <a:noFill/>
                     </a14:hiddenFill>
                   </a:ext>
                   <a:ext uri="{AF507438-7753-43e0-B8FC-AC1667EBCBE1}">
-                    <a14:hiddenEffects xmlns="" xmlns:a14="http://schemas.microsoft.com/office/drawing/2010/main">
+                    <a14:hiddenEffects xmlns:a14="http://schemas.microsoft.com/office/drawing/2010/main" xmlns="">
                       <a:effectLst>
                         <a:outerShdw blurRad="63500" dist="38099" dir="2700000" algn="ctr" rotWithShape="0">
                           <a:schemeClr val="bg2">
@@ -1647,12 +1647,12 @@
                 <a:effectLst/>
                 <a:extLst>
                   <a:ext uri="{909E8E84-426E-40dd-AFC4-6F175D3DCCD1}">
-                    <a14:hiddenFill xmlns="" xmlns:a14="http://schemas.microsoft.com/office/drawing/2010/main">
+                    <a14:hiddenFill xmlns:a14="http://schemas.microsoft.com/office/drawing/2010/main" xmlns="">
                       <a:noFill/>
                     </a14:hiddenFill>
                   </a:ext>
                   <a:ext uri="{AF507438-7753-43e0-B8FC-AC1667EBCBE1}">
-                    <a14:hiddenEffects xmlns="" xmlns:a14="http://schemas.microsoft.com/office/drawing/2010/main">
+                    <a14:hiddenEffects xmlns:a14="http://schemas.microsoft.com/office/drawing/2010/main" xmlns="">
                       <a:effectLst>
                         <a:outerShdw blurRad="63500" dist="38099" dir="2700000" algn="ctr" rotWithShape="0">
                           <a:schemeClr val="bg2">
@@ -1705,12 +1705,12 @@
                 <a:effectLst/>
                 <a:extLst>
                   <a:ext uri="{909E8E84-426E-40dd-AFC4-6F175D3DCCD1}">
-                    <a14:hiddenFill xmlns="" xmlns:a14="http://schemas.microsoft.com/office/drawing/2010/main">
+                    <a14:hiddenFill xmlns:a14="http://schemas.microsoft.com/office/drawing/2010/main" xmlns="">
                       <a:noFill/>
                     </a14:hiddenFill>
                   </a:ext>
                   <a:ext uri="{AF507438-7753-43e0-B8FC-AC1667EBCBE1}">
-                    <a14:hiddenEffects xmlns="" xmlns:a14="http://schemas.microsoft.com/office/drawing/2010/main">
+                    <a14:hiddenEffects xmlns:a14="http://schemas.microsoft.com/office/drawing/2010/main" xmlns="">
                       <a:effectLst>
                         <a:outerShdw blurRad="63500" dist="38099" dir="2700000" algn="ctr" rotWithShape="0">
                           <a:schemeClr val="bg2">
@@ -1763,12 +1763,12 @@
                 <a:effectLst/>
                 <a:extLst>
                   <a:ext uri="{909E8E84-426E-40dd-AFC4-6F175D3DCCD1}">
-                    <a14:hiddenFill xmlns="" xmlns:a14="http://schemas.microsoft.com/office/drawing/2010/main">
+                    <a14:hiddenFill xmlns:a14="http://schemas.microsoft.com/office/drawing/2010/main" xmlns="">
                       <a:noFill/>
                     </a14:hiddenFill>
                   </a:ext>
                   <a:ext uri="{AF507438-7753-43e0-B8FC-AC1667EBCBE1}">
-                    <a14:hiddenEffects xmlns="" xmlns:a14="http://schemas.microsoft.com/office/drawing/2010/main">
+                    <a14:hiddenEffects xmlns:a14="http://schemas.microsoft.com/office/drawing/2010/main" xmlns="">
                       <a:effectLst>
                         <a:outerShdw blurRad="63500" dist="38099" dir="2700000" algn="ctr" rotWithShape="0">
                           <a:schemeClr val="bg2">
@@ -1821,12 +1821,12 @@
                 <a:effectLst/>
                 <a:extLst>
                   <a:ext uri="{909E8E84-426E-40dd-AFC4-6F175D3DCCD1}">
-                    <a14:hiddenFill xmlns="" xmlns:a14="http://schemas.microsoft.com/office/drawing/2010/main">
+                    <a14:hiddenFill xmlns:a14="http://schemas.microsoft.com/office/drawing/2010/main" xmlns="">
                       <a:noFill/>
                     </a14:hiddenFill>
                   </a:ext>
                   <a:ext uri="{AF507438-7753-43e0-B8FC-AC1667EBCBE1}">
-                    <a14:hiddenEffects xmlns="" xmlns:a14="http://schemas.microsoft.com/office/drawing/2010/main">
+                    <a14:hiddenEffects xmlns:a14="http://schemas.microsoft.com/office/drawing/2010/main" xmlns="">
                       <a:effectLst>
                         <a:outerShdw blurRad="63500" dist="38099" dir="2700000" algn="ctr" rotWithShape="0">
                           <a:schemeClr val="bg2">
@@ -1879,12 +1879,12 @@
                 <a:effectLst/>
                 <a:extLst>
                   <a:ext uri="{909E8E84-426E-40dd-AFC4-6F175D3DCCD1}">
-                    <a14:hiddenFill xmlns="" xmlns:a14="http://schemas.microsoft.com/office/drawing/2010/main">
+                    <a14:hiddenFill xmlns:a14="http://schemas.microsoft.com/office/drawing/2010/main" xmlns="">
                       <a:noFill/>
                     </a14:hiddenFill>
                   </a:ext>
                   <a:ext uri="{AF507438-7753-43e0-B8FC-AC1667EBCBE1}">
-                    <a14:hiddenEffects xmlns="" xmlns:a14="http://schemas.microsoft.com/office/drawing/2010/main">
+                    <a14:hiddenEffects xmlns:a14="http://schemas.microsoft.com/office/drawing/2010/main" xmlns="">
                       <a:effectLst>
                         <a:outerShdw blurRad="63500" dist="38099" dir="2700000" algn="ctr" rotWithShape="0">
                           <a:schemeClr val="bg2">
@@ -1937,12 +1937,12 @@
                 <a:effectLst/>
                 <a:extLst>
                   <a:ext uri="{909E8E84-426E-40dd-AFC4-6F175D3DCCD1}">
-                    <a14:hiddenFill xmlns="" xmlns:a14="http://schemas.microsoft.com/office/drawing/2010/main">
+                    <a14:hiddenFill xmlns:a14="http://schemas.microsoft.com/office/drawing/2010/main" xmlns="">
                       <a:noFill/>
                     </a14:hiddenFill>
                   </a:ext>
                   <a:ext uri="{AF507438-7753-43e0-B8FC-AC1667EBCBE1}">
-                    <a14:hiddenEffects xmlns="" xmlns:a14="http://schemas.microsoft.com/office/drawing/2010/main">
+                    <a14:hiddenEffects xmlns:a14="http://schemas.microsoft.com/office/drawing/2010/main" xmlns="">
                       <a:effectLst>
                         <a:outerShdw blurRad="63500" dist="38099" dir="2700000" algn="ctr" rotWithShape="0">
                           <a:schemeClr val="bg2">
@@ -1995,12 +1995,12 @@
                 <a:effectLst/>
                 <a:extLst>
                   <a:ext uri="{909E8E84-426E-40dd-AFC4-6F175D3DCCD1}">
-                    <a14:hiddenFill xmlns="" xmlns:a14="http://schemas.microsoft.com/office/drawing/2010/main">
+                    <a14:hiddenFill xmlns:a14="http://schemas.microsoft.com/office/drawing/2010/main" xmlns="">
                       <a:noFill/>
                     </a14:hiddenFill>
                   </a:ext>
                   <a:ext uri="{AF507438-7753-43e0-B8FC-AC1667EBCBE1}">
-                    <a14:hiddenEffects xmlns="" xmlns:a14="http://schemas.microsoft.com/office/drawing/2010/main">
+                    <a14:hiddenEffects xmlns:a14="http://schemas.microsoft.com/office/drawing/2010/main" xmlns="">
                       <a:effectLst>
                         <a:outerShdw blurRad="63500" dist="38099" dir="2700000" algn="ctr" rotWithShape="0">
                           <a:schemeClr val="bg2">
@@ -2053,12 +2053,12 @@
                 <a:effectLst/>
                 <a:extLst>
                   <a:ext uri="{909E8E84-426E-40dd-AFC4-6F175D3DCCD1}">
-                    <a14:hiddenFill xmlns="" xmlns:a14="http://schemas.microsoft.com/office/drawing/2010/main">
+                    <a14:hiddenFill xmlns:a14="http://schemas.microsoft.com/office/drawing/2010/main" xmlns="">
                       <a:noFill/>
                     </a14:hiddenFill>
                   </a:ext>
                   <a:ext uri="{AF507438-7753-43e0-B8FC-AC1667EBCBE1}">
-                    <a14:hiddenEffects xmlns="" xmlns:a14="http://schemas.microsoft.com/office/drawing/2010/main">
+                    <a14:hiddenEffects xmlns:a14="http://schemas.microsoft.com/office/drawing/2010/main" xmlns="">
                       <a:effectLst>
                         <a:outerShdw blurRad="63500" dist="38099" dir="2700000" algn="ctr" rotWithShape="0">
                           <a:schemeClr val="bg2">
@@ -2111,12 +2111,12 @@
                 <a:effectLst/>
                 <a:extLst>
                   <a:ext uri="{909E8E84-426E-40dd-AFC4-6F175D3DCCD1}">
-                    <a14:hiddenFill xmlns="" xmlns:a14="http://schemas.microsoft.com/office/drawing/2010/main">
+                    <a14:hiddenFill xmlns:a14="http://schemas.microsoft.com/office/drawing/2010/main" xmlns="">
                       <a:noFill/>
                     </a14:hiddenFill>
                   </a:ext>
                   <a:ext uri="{AF507438-7753-43e0-B8FC-AC1667EBCBE1}">
-                    <a14:hiddenEffects xmlns="" xmlns:a14="http://schemas.microsoft.com/office/drawing/2010/main">
+                    <a14:hiddenEffects xmlns:a14="http://schemas.microsoft.com/office/drawing/2010/main" xmlns="">
                       <a:effectLst>
                         <a:outerShdw blurRad="63500" dist="38099" dir="2700000" algn="ctr" rotWithShape="0">
                           <a:schemeClr val="bg2">
@@ -2169,12 +2169,12 @@
                 <a:effectLst/>
                 <a:extLst>
                   <a:ext uri="{909E8E84-426E-40dd-AFC4-6F175D3DCCD1}">
-                    <a14:hiddenFill xmlns="" xmlns:a14="http://schemas.microsoft.com/office/drawing/2010/main">
+                    <a14:hiddenFill xmlns:a14="http://schemas.microsoft.com/office/drawing/2010/main" xmlns="">
                       <a:noFill/>
                     </a14:hiddenFill>
                   </a:ext>
                   <a:ext uri="{AF507438-7753-43e0-B8FC-AC1667EBCBE1}">
-                    <a14:hiddenEffects xmlns="" xmlns:a14="http://schemas.microsoft.com/office/drawing/2010/main">
+                    <a14:hiddenEffects xmlns:a14="http://schemas.microsoft.com/office/drawing/2010/main" xmlns="">
                       <a:effectLst>
                         <a:outerShdw blurRad="63500" dist="38099" dir="2700000" algn="ctr" rotWithShape="0">
                           <a:schemeClr val="bg2">
@@ -2227,12 +2227,12 @@
                 <a:effectLst/>
                 <a:extLst>
                   <a:ext uri="{909E8E84-426E-40dd-AFC4-6F175D3DCCD1}">
-                    <a14:hiddenFill xmlns="" xmlns:a14="http://schemas.microsoft.com/office/drawing/2010/main">
+                    <a14:hiddenFill xmlns:a14="http://schemas.microsoft.com/office/drawing/2010/main" xmlns="">
                       <a:noFill/>
                     </a14:hiddenFill>
                   </a:ext>
                   <a:ext uri="{AF507438-7753-43e0-B8FC-AC1667EBCBE1}">
-                    <a14:hiddenEffects xmlns="" xmlns:a14="http://schemas.microsoft.com/office/drawing/2010/main">
+                    <a14:hiddenEffects xmlns:a14="http://schemas.microsoft.com/office/drawing/2010/main" xmlns="">
                       <a:effectLst>
                         <a:outerShdw blurRad="63500" dist="38099" dir="2700000" algn="ctr" rotWithShape="0">
                           <a:schemeClr val="bg2">
@@ -2285,12 +2285,12 @@
                 <a:effectLst/>
                 <a:extLst>
                   <a:ext uri="{909E8E84-426E-40dd-AFC4-6F175D3DCCD1}">
-                    <a14:hiddenFill xmlns="" xmlns:a14="http://schemas.microsoft.com/office/drawing/2010/main">
+                    <a14:hiddenFill xmlns:a14="http://schemas.microsoft.com/office/drawing/2010/main" xmlns="">
                       <a:noFill/>
                     </a14:hiddenFill>
                   </a:ext>
                   <a:ext uri="{AF507438-7753-43e0-B8FC-AC1667EBCBE1}">
-                    <a14:hiddenEffects xmlns="" xmlns:a14="http://schemas.microsoft.com/office/drawing/2010/main">
+                    <a14:hiddenEffects xmlns:a14="http://schemas.microsoft.com/office/drawing/2010/main" xmlns="">
                       <a:effectLst>
                         <a:outerShdw blurRad="63500" dist="38099" dir="2700000" algn="ctr" rotWithShape="0">
                           <a:schemeClr val="bg2">
@@ -2343,12 +2343,12 @@
                 <a:effectLst/>
                 <a:extLst>
                   <a:ext uri="{909E8E84-426E-40dd-AFC4-6F175D3DCCD1}">
-                    <a14:hiddenFill xmlns="" xmlns:a14="http://schemas.microsoft.com/office/drawing/2010/main">
+                    <a14:hiddenFill xmlns:a14="http://schemas.microsoft.com/office/drawing/2010/main" xmlns="">
                       <a:noFill/>
                     </a14:hiddenFill>
                   </a:ext>
                   <a:ext uri="{AF507438-7753-43e0-B8FC-AC1667EBCBE1}">
-                    <a14:hiddenEffects xmlns="" xmlns:a14="http://schemas.microsoft.com/office/drawing/2010/main">
+                    <a14:hiddenEffects xmlns:a14="http://schemas.microsoft.com/office/drawing/2010/main" xmlns="">
                       <a:effectLst>
                         <a:outerShdw blurRad="63500" dist="38099" dir="2700000" algn="ctr" rotWithShape="0">
                           <a:schemeClr val="bg2">
@@ -2401,12 +2401,12 @@
                 <a:effectLst/>
                 <a:extLst>
                   <a:ext uri="{909E8E84-426E-40dd-AFC4-6F175D3DCCD1}">
-                    <a14:hiddenFill xmlns="" xmlns:a14="http://schemas.microsoft.com/office/drawing/2010/main">
+                    <a14:hiddenFill xmlns:a14="http://schemas.microsoft.com/office/drawing/2010/main" xmlns="">
                       <a:noFill/>
                     </a14:hiddenFill>
                   </a:ext>
                   <a:ext uri="{AF507438-7753-43e0-B8FC-AC1667EBCBE1}">
-                    <a14:hiddenEffects xmlns="" xmlns:a14="http://schemas.microsoft.com/office/drawing/2010/main">
+                    <a14:hiddenEffects xmlns:a14="http://schemas.microsoft.com/office/drawing/2010/main" xmlns="">
                       <a:effectLst>
                         <a:outerShdw blurRad="63500" dist="38099" dir="2700000" algn="ctr" rotWithShape="0">
                           <a:schemeClr val="bg2">
@@ -2459,12 +2459,12 @@
                 <a:effectLst/>
                 <a:extLst>
                   <a:ext uri="{909E8E84-426E-40dd-AFC4-6F175D3DCCD1}">
-                    <a14:hiddenFill xmlns="" xmlns:a14="http://schemas.microsoft.com/office/drawing/2010/main">
+                    <a14:hiddenFill xmlns:a14="http://schemas.microsoft.com/office/drawing/2010/main" xmlns="">
                       <a:noFill/>
                     </a14:hiddenFill>
                   </a:ext>
                   <a:ext uri="{AF507438-7753-43e0-B8FC-AC1667EBCBE1}">
-                    <a14:hiddenEffects xmlns="" xmlns:a14="http://schemas.microsoft.com/office/drawing/2010/main">
+                    <a14:hiddenEffects xmlns:a14="http://schemas.microsoft.com/office/drawing/2010/main" xmlns="">
                       <a:effectLst>
                         <a:outerShdw blurRad="63500" dist="38099" dir="2700000" algn="ctr" rotWithShape="0">
                           <a:schemeClr val="bg2">
@@ -2517,12 +2517,12 @@
                 <a:effectLst/>
                 <a:extLst>
                   <a:ext uri="{909E8E84-426E-40dd-AFC4-6F175D3DCCD1}">
-                    <a14:hiddenFill xmlns="" xmlns:a14="http://schemas.microsoft.com/office/drawing/2010/main">
+                    <a14:hiddenFill xmlns:a14="http://schemas.microsoft.com/office/drawing/2010/main" xmlns="">
                       <a:noFill/>
                     </a14:hiddenFill>
                   </a:ext>
                   <a:ext uri="{AF507438-7753-43e0-B8FC-AC1667EBCBE1}">
-                    <a14:hiddenEffects xmlns="" xmlns:a14="http://schemas.microsoft.com/office/drawing/2010/main">
+                    <a14:hiddenEffects xmlns:a14="http://schemas.microsoft.com/office/drawing/2010/main" xmlns="">
                       <a:effectLst>
                         <a:outerShdw blurRad="63500" dist="38099" dir="2700000" algn="ctr" rotWithShape="0">
                           <a:schemeClr val="bg2">
@@ -2575,12 +2575,12 @@
                 <a:effectLst/>
                 <a:extLst>
                   <a:ext uri="{909E8E84-426E-40dd-AFC4-6F175D3DCCD1}">
-                    <a14:hiddenFill xmlns="" xmlns:a14="http://schemas.microsoft.com/office/drawing/2010/main">
+                    <a14:hiddenFill xmlns:a14="http://schemas.microsoft.com/office/drawing/2010/main" xmlns="">
                       <a:noFill/>
                     </a14:hiddenFill>
                   </a:ext>
                   <a:ext uri="{AF507438-7753-43e0-B8FC-AC1667EBCBE1}">
-                    <a14:hiddenEffects xmlns="" xmlns:a14="http://schemas.microsoft.com/office/drawing/2010/main">
+                    <a14:hiddenEffects xmlns:a14="http://schemas.microsoft.com/office/drawing/2010/main" xmlns="">
                       <a:effectLst>
                         <a:outerShdw blurRad="63500" dist="38099" dir="2700000" algn="ctr" rotWithShape="0">
                           <a:schemeClr val="bg2">
@@ -2633,12 +2633,12 @@
                 <a:effectLst/>
                 <a:extLst>
                   <a:ext uri="{909E8E84-426E-40dd-AFC4-6F175D3DCCD1}">
-                    <a14:hiddenFill xmlns="" xmlns:a14="http://schemas.microsoft.com/office/drawing/2010/main">
+                    <a14:hiddenFill xmlns:a14="http://schemas.microsoft.com/office/drawing/2010/main" xmlns="">
                       <a:noFill/>
                     </a14:hiddenFill>
                   </a:ext>
                   <a:ext uri="{AF507438-7753-43e0-B8FC-AC1667EBCBE1}">
-                    <a14:hiddenEffects xmlns="" xmlns:a14="http://schemas.microsoft.com/office/drawing/2010/main">
+                    <a14:hiddenEffects xmlns:a14="http://schemas.microsoft.com/office/drawing/2010/main" xmlns="">
                       <a:effectLst>
                         <a:outerShdw blurRad="63500" dist="38099" dir="2700000" algn="ctr" rotWithShape="0">
                           <a:schemeClr val="bg2">
@@ -2691,12 +2691,12 @@
                 <a:effectLst/>
                 <a:extLst>
                   <a:ext uri="{909E8E84-426E-40dd-AFC4-6F175D3DCCD1}">
-                    <a14:hiddenFill xmlns="" xmlns:a14="http://schemas.microsoft.com/office/drawing/2010/main">
+                    <a14:hiddenFill xmlns:a14="http://schemas.microsoft.com/office/drawing/2010/main" xmlns="">
                       <a:noFill/>
                     </a14:hiddenFill>
                   </a:ext>
                   <a:ext uri="{AF507438-7753-43e0-B8FC-AC1667EBCBE1}">
-                    <a14:hiddenEffects xmlns="" xmlns:a14="http://schemas.microsoft.com/office/drawing/2010/main">
+                    <a14:hiddenEffects xmlns:a14="http://schemas.microsoft.com/office/drawing/2010/main" xmlns="">
                       <a:effectLst>
                         <a:outerShdw blurRad="63500" dist="38099" dir="2700000" algn="ctr" rotWithShape="0">
                           <a:schemeClr val="bg2">
@@ -2749,12 +2749,12 @@
                 <a:effectLst/>
                 <a:extLst>
                   <a:ext uri="{909E8E84-426E-40dd-AFC4-6F175D3DCCD1}">
-                    <a14:hiddenFill xmlns="" xmlns:a14="http://schemas.microsoft.com/office/drawing/2010/main">
+                    <a14:hiddenFill xmlns:a14="http://schemas.microsoft.com/office/drawing/2010/main" xmlns="">
                       <a:noFill/>
                     </a14:hiddenFill>
                   </a:ext>
                   <a:ext uri="{AF507438-7753-43e0-B8FC-AC1667EBCBE1}">
-                    <a14:hiddenEffects xmlns="" xmlns:a14="http://schemas.microsoft.com/office/drawing/2010/main">
+                    <a14:hiddenEffects xmlns:a14="http://schemas.microsoft.com/office/drawing/2010/main" xmlns="">
                       <a:effectLst>
                         <a:outerShdw blurRad="63500" dist="38099" dir="2700000" algn="ctr" rotWithShape="0">
                           <a:schemeClr val="bg2">
@@ -2807,12 +2807,12 @@
                 <a:effectLst/>
                 <a:extLst>
                   <a:ext uri="{909E8E84-426E-40dd-AFC4-6F175D3DCCD1}">
-                    <a14:hiddenFill xmlns="" xmlns:a14="http://schemas.microsoft.com/office/drawing/2010/main">
+                    <a14:hiddenFill xmlns:a14="http://schemas.microsoft.com/office/drawing/2010/main" xmlns="">
                       <a:noFill/>
                     </a14:hiddenFill>
                   </a:ext>
                   <a:ext uri="{AF507438-7753-43e0-B8FC-AC1667EBCBE1}">
-                    <a14:hiddenEffects xmlns="" xmlns:a14="http://schemas.microsoft.com/office/drawing/2010/main">
+                    <a14:hiddenEffects xmlns:a14="http://schemas.microsoft.com/office/drawing/2010/main" xmlns="">
                       <a:effectLst>
                         <a:outerShdw blurRad="63500" dist="38099" dir="2700000" algn="ctr" rotWithShape="0">
                           <a:schemeClr val="bg2">
@@ -2865,12 +2865,12 @@
                 <a:effectLst/>
                 <a:extLst>
                   <a:ext uri="{909E8E84-426E-40dd-AFC4-6F175D3DCCD1}">
-                    <a14:hiddenFill xmlns="" xmlns:a14="http://schemas.microsoft.com/office/drawing/2010/main">
+                    <a14:hiddenFill xmlns:a14="http://schemas.microsoft.com/office/drawing/2010/main" xmlns="">
                       <a:noFill/>
                     </a14:hiddenFill>
                   </a:ext>
                   <a:ext uri="{AF507438-7753-43e0-B8FC-AC1667EBCBE1}">
-                    <a14:hiddenEffects xmlns="" xmlns:a14="http://schemas.microsoft.com/office/drawing/2010/main">
+                    <a14:hiddenEffects xmlns:a14="http://schemas.microsoft.com/office/drawing/2010/main" xmlns="">
                       <a:effectLst>
                         <a:outerShdw blurRad="63500" dist="38099" dir="2700000" algn="ctr" rotWithShape="0">
                           <a:schemeClr val="bg2">
@@ -2923,12 +2923,12 @@
                 <a:effectLst/>
                 <a:extLst>
                   <a:ext uri="{909E8E84-426E-40dd-AFC4-6F175D3DCCD1}">
-                    <a14:hiddenFill xmlns="" xmlns:a14="http://schemas.microsoft.com/office/drawing/2010/main">
+                    <a14:hiddenFill xmlns:a14="http://schemas.microsoft.com/office/drawing/2010/main" xmlns="">
                       <a:noFill/>
                     </a14:hiddenFill>
                   </a:ext>
                   <a:ext uri="{AF507438-7753-43e0-B8FC-AC1667EBCBE1}">
-                    <a14:hiddenEffects xmlns="" xmlns:a14="http://schemas.microsoft.com/office/drawing/2010/main">
+                    <a14:hiddenEffects xmlns:a14="http://schemas.microsoft.com/office/drawing/2010/main" xmlns="">
                       <a:effectLst>
                         <a:outerShdw blurRad="63500" dist="38099" dir="2700000" algn="ctr" rotWithShape="0">
                           <a:schemeClr val="bg2">
@@ -2981,12 +2981,12 @@
                 <a:effectLst/>
                 <a:extLst>
                   <a:ext uri="{909E8E84-426E-40dd-AFC4-6F175D3DCCD1}">
-                    <a14:hiddenFill xmlns="" xmlns:a14="http://schemas.microsoft.com/office/drawing/2010/main">
+                    <a14:hiddenFill xmlns:a14="http://schemas.microsoft.com/office/drawing/2010/main" xmlns="">
                       <a:noFill/>
                     </a14:hiddenFill>
                   </a:ext>
                   <a:ext uri="{AF507438-7753-43e0-B8FC-AC1667EBCBE1}">
-                    <a14:hiddenEffects xmlns="" xmlns:a14="http://schemas.microsoft.com/office/drawing/2010/main">
+                    <a14:hiddenEffects xmlns:a14="http://schemas.microsoft.com/office/drawing/2010/main" xmlns="">
                       <a:effectLst>
                         <a:outerShdw blurRad="63500" dist="38099" dir="2700000" algn="ctr" rotWithShape="0">
                           <a:schemeClr val="bg2">
@@ -3039,12 +3039,12 @@
                 <a:effectLst/>
                 <a:extLst>
                   <a:ext uri="{909E8E84-426E-40dd-AFC4-6F175D3DCCD1}">
-                    <a14:hiddenFill xmlns="" xmlns:a14="http://schemas.microsoft.com/office/drawing/2010/main">
+                    <a14:hiddenFill xmlns:a14="http://schemas.microsoft.com/office/drawing/2010/main" xmlns="">
                       <a:noFill/>
                     </a14:hiddenFill>
                   </a:ext>
                   <a:ext uri="{AF507438-7753-43e0-B8FC-AC1667EBCBE1}">
-                    <a14:hiddenEffects xmlns="" xmlns:a14="http://schemas.microsoft.com/office/drawing/2010/main">
+                    <a14:hiddenEffects xmlns:a14="http://schemas.microsoft.com/office/drawing/2010/main" xmlns="">
                       <a:effectLst>
                         <a:outerShdw blurRad="63500" dist="38099" dir="2700000" algn="ctr" rotWithShape="0">
                           <a:schemeClr val="bg2">
@@ -3097,12 +3097,12 @@
                 <a:effectLst/>
                 <a:extLst>
                   <a:ext uri="{909E8E84-426E-40dd-AFC4-6F175D3DCCD1}">
-                    <a14:hiddenFill xmlns="" xmlns:a14="http://schemas.microsoft.com/office/drawing/2010/main">
+                    <a14:hiddenFill xmlns:a14="http://schemas.microsoft.com/office/drawing/2010/main" xmlns="">
                       <a:noFill/>
                     </a14:hiddenFill>
                   </a:ext>
                   <a:ext uri="{AF507438-7753-43e0-B8FC-AC1667EBCBE1}">
-                    <a14:hiddenEffects xmlns="" xmlns:a14="http://schemas.microsoft.com/office/drawing/2010/main">
+                    <a14:hiddenEffects xmlns:a14="http://schemas.microsoft.com/office/drawing/2010/main" xmlns="">
                       <a:effectLst>
                         <a:outerShdw blurRad="63500" dist="38099" dir="2700000" algn="ctr" rotWithShape="0">
                           <a:schemeClr val="bg2">
@@ -3155,12 +3155,12 @@
                 <a:effectLst/>
                 <a:extLst>
                   <a:ext uri="{909E8E84-426E-40dd-AFC4-6F175D3DCCD1}">
-                    <a14:hiddenFill xmlns="" xmlns:a14="http://schemas.microsoft.com/office/drawing/2010/main">
+                    <a14:hiddenFill xmlns:a14="http://schemas.microsoft.com/office/drawing/2010/main" xmlns="">
                       <a:noFill/>
                     </a14:hiddenFill>
                   </a:ext>
                   <a:ext uri="{AF507438-7753-43e0-B8FC-AC1667EBCBE1}">
-                    <a14:hiddenEffects xmlns="" xmlns:a14="http://schemas.microsoft.com/office/drawing/2010/main">
+                    <a14:hiddenEffects xmlns:a14="http://schemas.microsoft.com/office/drawing/2010/main" xmlns="">
                       <a:effectLst>
                         <a:outerShdw blurRad="63500" dist="38099" dir="2700000" algn="ctr" rotWithShape="0">
                           <a:schemeClr val="bg2">
@@ -3213,12 +3213,12 @@
                 <a:effectLst/>
                 <a:extLst>
                   <a:ext uri="{909E8E84-426E-40dd-AFC4-6F175D3DCCD1}">
-                    <a14:hiddenFill xmlns="" xmlns:a14="http://schemas.microsoft.com/office/drawing/2010/main">
+                    <a14:hiddenFill xmlns:a14="http://schemas.microsoft.com/office/drawing/2010/main" xmlns="">
                       <a:noFill/>
                     </a14:hiddenFill>
                   </a:ext>
                   <a:ext uri="{AF507438-7753-43e0-B8FC-AC1667EBCBE1}">
-                    <a14:hiddenEffects xmlns="" xmlns:a14="http://schemas.microsoft.com/office/drawing/2010/main">
+                    <a14:hiddenEffects xmlns:a14="http://schemas.microsoft.com/office/drawing/2010/main" xmlns="">
                       <a:effectLst>
                         <a:outerShdw blurRad="63500" dist="38099" dir="2700000" algn="ctr" rotWithShape="0">
                           <a:schemeClr val="bg2">
@@ -3271,12 +3271,12 @@
                 <a:effectLst/>
                 <a:extLst>
                   <a:ext uri="{909E8E84-426E-40dd-AFC4-6F175D3DCCD1}">
-                    <a14:hiddenFill xmlns="" xmlns:a14="http://schemas.microsoft.com/office/drawing/2010/main">
+                    <a14:hiddenFill xmlns:a14="http://schemas.microsoft.com/office/drawing/2010/main" xmlns="">
                       <a:noFill/>
                     </a14:hiddenFill>
                   </a:ext>
                   <a:ext uri="{AF507438-7753-43e0-B8FC-AC1667EBCBE1}">
-                    <a14:hiddenEffects xmlns="" xmlns:a14="http://schemas.microsoft.com/office/drawing/2010/main">
+                    <a14:hiddenEffects xmlns:a14="http://schemas.microsoft.com/office/drawing/2010/main" xmlns="">
                       <a:effectLst>
                         <a:outerShdw blurRad="63500" dist="38099" dir="2700000" algn="ctr" rotWithShape="0">
                           <a:schemeClr val="bg2">
@@ -3329,12 +3329,12 @@
                 <a:effectLst/>
                 <a:extLst>
                   <a:ext uri="{909E8E84-426E-40dd-AFC4-6F175D3DCCD1}">
-                    <a14:hiddenFill xmlns="" xmlns:a14="http://schemas.microsoft.com/office/drawing/2010/main">
+                    <a14:hiddenFill xmlns:a14="http://schemas.microsoft.com/office/drawing/2010/main" xmlns="">
                       <a:noFill/>
                     </a14:hiddenFill>
                   </a:ext>
                   <a:ext uri="{AF507438-7753-43e0-B8FC-AC1667EBCBE1}">
-                    <a14:hiddenEffects xmlns="" xmlns:a14="http://schemas.microsoft.com/office/drawing/2010/main">
+                    <a14:hiddenEffects xmlns:a14="http://schemas.microsoft.com/office/drawing/2010/main" xmlns="">
                       <a:effectLst>
                         <a:outerShdw blurRad="63500" dist="38099" dir="2700000" algn="ctr" rotWithShape="0">
                           <a:schemeClr val="bg2">
@@ -3387,12 +3387,12 @@
                 <a:effectLst/>
                 <a:extLst>
                   <a:ext uri="{909E8E84-426E-40dd-AFC4-6F175D3DCCD1}">
-                    <a14:hiddenFill xmlns="" xmlns:a14="http://schemas.microsoft.com/office/drawing/2010/main">
+                    <a14:hiddenFill xmlns:a14="http://schemas.microsoft.com/office/drawing/2010/main" xmlns="">
                       <a:noFill/>
                     </a14:hiddenFill>
                   </a:ext>
                   <a:ext uri="{AF507438-7753-43e0-B8FC-AC1667EBCBE1}">
-                    <a14:hiddenEffects xmlns="" xmlns:a14="http://schemas.microsoft.com/office/drawing/2010/main">
+                    <a14:hiddenEffects xmlns:a14="http://schemas.microsoft.com/office/drawing/2010/main" xmlns="">
                       <a:effectLst>
                         <a:outerShdw blurRad="63500" dist="38099" dir="2700000" algn="ctr" rotWithShape="0">
                           <a:schemeClr val="bg2">
@@ -3445,12 +3445,12 @@
                 <a:effectLst/>
                 <a:extLst>
                   <a:ext uri="{909E8E84-426E-40dd-AFC4-6F175D3DCCD1}">
-                    <a14:hiddenFill xmlns="" xmlns:a14="http://schemas.microsoft.com/office/drawing/2010/main">
+                    <a14:hiddenFill xmlns:a14="http://schemas.microsoft.com/office/drawing/2010/main" xmlns="">
                       <a:noFill/>
                     </a14:hiddenFill>
                   </a:ext>
                   <a:ext uri="{AF507438-7753-43e0-B8FC-AC1667EBCBE1}">
-                    <a14:hiddenEffects xmlns="" xmlns:a14="http://schemas.microsoft.com/office/drawing/2010/main">
+                    <a14:hiddenEffects xmlns:a14="http://schemas.microsoft.com/office/drawing/2010/main" xmlns="">
                       <a:effectLst>
                         <a:outerShdw blurRad="63500" dist="38099" dir="2700000" algn="ctr" rotWithShape="0">
                           <a:schemeClr val="bg2">
@@ -3503,12 +3503,12 @@
                 <a:effectLst/>
                 <a:extLst>
                   <a:ext uri="{909E8E84-426E-40dd-AFC4-6F175D3DCCD1}">
-                    <a14:hiddenFill xmlns="" xmlns:a14="http://schemas.microsoft.com/office/drawing/2010/main">
+                    <a14:hiddenFill xmlns:a14="http://schemas.microsoft.com/office/drawing/2010/main" xmlns="">
                       <a:noFill/>
                     </a14:hiddenFill>
                   </a:ext>
                   <a:ext uri="{AF507438-7753-43e0-B8FC-AC1667EBCBE1}">
-                    <a14:hiddenEffects xmlns="" xmlns:a14="http://schemas.microsoft.com/office/drawing/2010/main">
+                    <a14:hiddenEffects xmlns:a14="http://schemas.microsoft.com/office/drawing/2010/main" xmlns="">
                       <a:effectLst>
                         <a:outerShdw blurRad="63500" dist="38099" dir="2700000" algn="ctr" rotWithShape="0">
                           <a:schemeClr val="bg2">
@@ -3561,12 +3561,12 @@
                 <a:effectLst/>
                 <a:extLst>
                   <a:ext uri="{909E8E84-426E-40dd-AFC4-6F175D3DCCD1}">
-                    <a14:hiddenFill xmlns="" xmlns:a14="http://schemas.microsoft.com/office/drawing/2010/main">
+                    <a14:hiddenFill xmlns:a14="http://schemas.microsoft.com/office/drawing/2010/main" xmlns="">
                       <a:noFill/>
                     </a14:hiddenFill>
                   </a:ext>
                   <a:ext uri="{AF507438-7753-43e0-B8FC-AC1667EBCBE1}">
-                    <a14:hiddenEffects xmlns="" xmlns:a14="http://schemas.microsoft.com/office/drawing/2010/main">
+                    <a14:hiddenEffects xmlns:a14="http://schemas.microsoft.com/office/drawing/2010/main" xmlns="">
                       <a:effectLst>
                         <a:outerShdw blurRad="63500" dist="38099" dir="2700000" algn="ctr" rotWithShape="0">
                           <a:schemeClr val="bg2">
@@ -3619,12 +3619,12 @@
                 <a:effectLst/>
                 <a:extLst>
                   <a:ext uri="{909E8E84-426E-40dd-AFC4-6F175D3DCCD1}">
-                    <a14:hiddenFill xmlns="" xmlns:a14="http://schemas.microsoft.com/office/drawing/2010/main">
+                    <a14:hiddenFill xmlns:a14="http://schemas.microsoft.com/office/drawing/2010/main" xmlns="">
                       <a:noFill/>
                     </a14:hiddenFill>
                   </a:ext>
                   <a:ext uri="{AF507438-7753-43e0-B8FC-AC1667EBCBE1}">
-                    <a14:hiddenEffects xmlns="" xmlns:a14="http://schemas.microsoft.com/office/drawing/2010/main">
+                    <a14:hiddenEffects xmlns:a14="http://schemas.microsoft.com/office/drawing/2010/main" xmlns="">
                       <a:effectLst>
                         <a:outerShdw blurRad="63500" dist="38099" dir="2700000" algn="ctr" rotWithShape="0">
                           <a:schemeClr val="bg2">
@@ -3677,12 +3677,12 @@
                 <a:effectLst/>
                 <a:extLst>
                   <a:ext uri="{909E8E84-426E-40dd-AFC4-6F175D3DCCD1}">
-                    <a14:hiddenFill xmlns="" xmlns:a14="http://schemas.microsoft.com/office/drawing/2010/main">
+                    <a14:hiddenFill xmlns:a14="http://schemas.microsoft.com/office/drawing/2010/main" xmlns="">
                       <a:noFill/>
                     </a14:hiddenFill>
                   </a:ext>
                   <a:ext uri="{AF507438-7753-43e0-B8FC-AC1667EBCBE1}">
-                    <a14:hiddenEffects xmlns="" xmlns:a14="http://schemas.microsoft.com/office/drawing/2010/main">
+                    <a14:hiddenEffects xmlns:a14="http://schemas.microsoft.com/office/drawing/2010/main" xmlns="">
                       <a:effectLst>
                         <a:outerShdw blurRad="63500" dist="38099" dir="2700000" algn="ctr" rotWithShape="0">
                           <a:schemeClr val="bg2">
@@ -3735,12 +3735,12 @@
                 <a:effectLst/>
                 <a:extLst>
                   <a:ext uri="{909E8E84-426E-40dd-AFC4-6F175D3DCCD1}">
-                    <a14:hiddenFill xmlns="" xmlns:a14="http://schemas.microsoft.com/office/drawing/2010/main">
+                    <a14:hiddenFill xmlns:a14="http://schemas.microsoft.com/office/drawing/2010/main" xmlns="">
                       <a:noFill/>
                     </a14:hiddenFill>
                   </a:ext>
                   <a:ext uri="{AF507438-7753-43e0-B8FC-AC1667EBCBE1}">
-                    <a14:hiddenEffects xmlns="" xmlns:a14="http://schemas.microsoft.com/office/drawing/2010/main">
+                    <a14:hiddenEffects xmlns:a14="http://schemas.microsoft.com/office/drawing/2010/main" xmlns="">
                       <a:effectLst>
                         <a:outerShdw blurRad="63500" dist="38099" dir="2700000" algn="ctr" rotWithShape="0">
                           <a:schemeClr val="bg2">
@@ -3793,12 +3793,12 @@
                 <a:effectLst/>
                 <a:extLst>
                   <a:ext uri="{909E8E84-426E-40dd-AFC4-6F175D3DCCD1}">
-                    <a14:hiddenFill xmlns="" xmlns:a14="http://schemas.microsoft.com/office/drawing/2010/main">
+                    <a14:hiddenFill xmlns:a14="http://schemas.microsoft.com/office/drawing/2010/main" xmlns="">
                       <a:noFill/>
                     </a14:hiddenFill>
                   </a:ext>
                   <a:ext uri="{AF507438-7753-43e0-B8FC-AC1667EBCBE1}">
-                    <a14:hiddenEffects xmlns="" xmlns:a14="http://schemas.microsoft.com/office/drawing/2010/main">
+                    <a14:hiddenEffects xmlns:a14="http://schemas.microsoft.com/office/drawing/2010/main" xmlns="">
                       <a:effectLst>
                         <a:outerShdw blurRad="63500" dist="38099" dir="2700000" algn="ctr" rotWithShape="0">
                           <a:schemeClr val="bg2">
@@ -3851,12 +3851,12 @@
                 <a:effectLst/>
                 <a:extLst>
                   <a:ext uri="{909E8E84-426E-40dd-AFC4-6F175D3DCCD1}">
-                    <a14:hiddenFill xmlns="" xmlns:a14="http://schemas.microsoft.com/office/drawing/2010/main">
+                    <a14:hiddenFill xmlns:a14="http://schemas.microsoft.com/office/drawing/2010/main" xmlns="">
                       <a:noFill/>
                     </a14:hiddenFill>
                   </a:ext>
                   <a:ext uri="{AF507438-7753-43e0-B8FC-AC1667EBCBE1}">
-                    <a14:hiddenEffects xmlns="" xmlns:a14="http://schemas.microsoft.com/office/drawing/2010/main">
+                    <a14:hiddenEffects xmlns:a14="http://schemas.microsoft.com/office/drawing/2010/main" xmlns="">
                       <a:effectLst>
                         <a:outerShdw blurRad="63500" dist="38099" dir="2700000" algn="ctr" rotWithShape="0">
                           <a:schemeClr val="bg2">
@@ -3909,12 +3909,12 @@
                 <a:effectLst/>
                 <a:extLst>
                   <a:ext uri="{909E8E84-426E-40dd-AFC4-6F175D3DCCD1}">
-                    <a14:hiddenFill xmlns="" xmlns:a14="http://schemas.microsoft.com/office/drawing/2010/main">
+                    <a14:hiddenFill xmlns:a14="http://schemas.microsoft.com/office/drawing/2010/main" xmlns="">
                       <a:noFill/>
                     </a14:hiddenFill>
                   </a:ext>
                   <a:ext uri="{AF507438-7753-43e0-B8FC-AC1667EBCBE1}">
-                    <a14:hiddenEffects xmlns="" xmlns:a14="http://schemas.microsoft.com/office/drawing/2010/main">
+                    <a14:hiddenEffects xmlns:a14="http://schemas.microsoft.com/office/drawing/2010/main" xmlns="">
                       <a:effectLst>
                         <a:outerShdw blurRad="63500" dist="38099" dir="2700000" algn="ctr" rotWithShape="0">
                           <a:schemeClr val="bg2">
@@ -3967,12 +3967,12 @@
                 <a:effectLst/>
                 <a:extLst>
                   <a:ext uri="{909E8E84-426E-40dd-AFC4-6F175D3DCCD1}">
-                    <a14:hiddenFill xmlns="" xmlns:a14="http://schemas.microsoft.com/office/drawing/2010/main">
+                    <a14:hiddenFill xmlns:a14="http://schemas.microsoft.com/office/drawing/2010/main" xmlns="">
                       <a:noFill/>
                     </a14:hiddenFill>
                   </a:ext>
                   <a:ext uri="{AF507438-7753-43e0-B8FC-AC1667EBCBE1}">
-                    <a14:hiddenEffects xmlns="" xmlns:a14="http://schemas.microsoft.com/office/drawing/2010/main">
+                    <a14:hiddenEffects xmlns:a14="http://schemas.microsoft.com/office/drawing/2010/main" xmlns="">
                       <a:effectLst>
                         <a:outerShdw blurRad="63500" dist="38099" dir="2700000" algn="ctr" rotWithShape="0">
                           <a:schemeClr val="bg2">
@@ -4025,12 +4025,12 @@
                 <a:effectLst/>
                 <a:extLst>
                   <a:ext uri="{909E8E84-426E-40dd-AFC4-6F175D3DCCD1}">
-                    <a14:hiddenFill xmlns="" xmlns:a14="http://schemas.microsoft.com/office/drawing/2010/main">
+                    <a14:hiddenFill xmlns:a14="http://schemas.microsoft.com/office/drawing/2010/main" xmlns="">
                       <a:noFill/>
                     </a14:hiddenFill>
                   </a:ext>
                   <a:ext uri="{AF507438-7753-43e0-B8FC-AC1667EBCBE1}">
-                    <a14:hiddenEffects xmlns="" xmlns:a14="http://schemas.microsoft.com/office/drawing/2010/main">
+                    <a14:hiddenEffects xmlns:a14="http://schemas.microsoft.com/office/drawing/2010/main" xmlns="">
                       <a:effectLst>
                         <a:outerShdw blurRad="63500" dist="38099" dir="2700000" algn="ctr" rotWithShape="0">
                           <a:schemeClr val="bg2">
@@ -4083,12 +4083,12 @@
                 <a:effectLst/>
                 <a:extLst>
                   <a:ext uri="{909E8E84-426E-40dd-AFC4-6F175D3DCCD1}">
-                    <a14:hiddenFill xmlns="" xmlns:a14="http://schemas.microsoft.com/office/drawing/2010/main">
+                    <a14:hiddenFill xmlns:a14="http://schemas.microsoft.com/office/drawing/2010/main" xmlns="">
                       <a:noFill/>
                     </a14:hiddenFill>
                   </a:ext>
                   <a:ext uri="{AF507438-7753-43e0-B8FC-AC1667EBCBE1}">
-                    <a14:hiddenEffects xmlns="" xmlns:a14="http://schemas.microsoft.com/office/drawing/2010/main">
+                    <a14:hiddenEffects xmlns:a14="http://schemas.microsoft.com/office/drawing/2010/main" xmlns="">
                       <a:effectLst>
                         <a:outerShdw blurRad="63500" dist="38099" dir="2700000" algn="ctr" rotWithShape="0">
                           <a:schemeClr val="bg2">
@@ -4141,12 +4141,12 @@
                 <a:effectLst/>
                 <a:extLst>
                   <a:ext uri="{909E8E84-426E-40dd-AFC4-6F175D3DCCD1}">
-                    <a14:hiddenFill xmlns="" xmlns:a14="http://schemas.microsoft.com/office/drawing/2010/main">
+                    <a14:hiddenFill xmlns:a14="http://schemas.microsoft.com/office/drawing/2010/main" xmlns="">
                       <a:noFill/>
                     </a14:hiddenFill>
                   </a:ext>
                   <a:ext uri="{AF507438-7753-43e0-B8FC-AC1667EBCBE1}">
-                    <a14:hiddenEffects xmlns="" xmlns:a14="http://schemas.microsoft.com/office/drawing/2010/main">
+                    <a14:hiddenEffects xmlns:a14="http://schemas.microsoft.com/office/drawing/2010/main" xmlns="">
                       <a:effectLst>
                         <a:outerShdw blurRad="63500" dist="38099" dir="2700000" algn="ctr" rotWithShape="0">
                           <a:schemeClr val="bg2">
@@ -4199,12 +4199,12 @@
                 <a:effectLst/>
                 <a:extLst>
                   <a:ext uri="{909E8E84-426E-40dd-AFC4-6F175D3DCCD1}">
-                    <a14:hiddenFill xmlns="" xmlns:a14="http://schemas.microsoft.com/office/drawing/2010/main">
+                    <a14:hiddenFill xmlns:a14="http://schemas.microsoft.com/office/drawing/2010/main" xmlns="">
                       <a:noFill/>
                     </a14:hiddenFill>
                   </a:ext>
                   <a:ext uri="{AF507438-7753-43e0-B8FC-AC1667EBCBE1}">
-                    <a14:hiddenEffects xmlns="" xmlns:a14="http://schemas.microsoft.com/office/drawing/2010/main">
+                    <a14:hiddenEffects xmlns:a14="http://schemas.microsoft.com/office/drawing/2010/main" xmlns="">
                       <a:effectLst>
                         <a:outerShdw blurRad="63500" dist="38099" dir="2700000" algn="ctr" rotWithShape="0">
                           <a:schemeClr val="bg2">
@@ -4253,12 +4253,12 @@
               <a:effectLst/>
               <a:extLst>
                 <a:ext uri="{909E8E84-426E-40dd-AFC4-6F175D3DCCD1}">
-                  <a14:hiddenFill xmlns="" xmlns:a14="http://schemas.microsoft.com/office/drawing/2010/main">
+                  <a14:hiddenFill xmlns:a14="http://schemas.microsoft.com/office/drawing/2010/main" xmlns="">
                     <a:noFill/>
                   </a14:hiddenFill>
                 </a:ext>
                 <a:ext uri="{AF507438-7753-43e0-B8FC-AC1667EBCBE1}">
-                  <a14:hiddenEffects xmlns="" xmlns:a14="http://schemas.microsoft.com/office/drawing/2010/main">
+                  <a14:hiddenEffects xmlns:a14="http://schemas.microsoft.com/office/drawing/2010/main" xmlns="">
                     <a:effectLst>
                       <a:outerShdw blurRad="63500" dist="38099" dir="2700000" algn="ctr" rotWithShape="0">
                         <a:schemeClr val="bg2">
@@ -4323,12 +4323,12 @@
               <a:effectLst/>
               <a:extLst>
                 <a:ext uri="{909E8E84-426E-40dd-AFC4-6F175D3DCCD1}">
-                  <a14:hiddenFill xmlns="" xmlns:a14="http://schemas.microsoft.com/office/drawing/2010/main">
+                  <a14:hiddenFill xmlns:a14="http://schemas.microsoft.com/office/drawing/2010/main" xmlns="">
                     <a:noFill/>
                   </a14:hiddenFill>
                 </a:ext>
                 <a:ext uri="{AF507438-7753-43e0-B8FC-AC1667EBCBE1}">
-                  <a14:hiddenEffects xmlns="" xmlns:a14="http://schemas.microsoft.com/office/drawing/2010/main">
+                  <a14:hiddenEffects xmlns:a14="http://schemas.microsoft.com/office/drawing/2010/main" xmlns="">
                     <a:effectLst>
                       <a:outerShdw blurRad="63500" dist="38099" dir="2700000" algn="ctr" rotWithShape="0">
                         <a:schemeClr val="bg2">
@@ -4376,12 +4376,12 @@
               <a:effectLst/>
               <a:extLst>
                 <a:ext uri="{909E8E84-426E-40dd-AFC4-6F175D3DCCD1}">
-                  <a14:hiddenFill xmlns="" xmlns:a14="http://schemas.microsoft.com/office/drawing/2010/main">
+                  <a14:hiddenFill xmlns:a14="http://schemas.microsoft.com/office/drawing/2010/main" xmlns="">
                     <a:noFill/>
                   </a14:hiddenFill>
                 </a:ext>
                 <a:ext uri="{AF507438-7753-43e0-B8FC-AC1667EBCBE1}">
-                  <a14:hiddenEffects xmlns="" xmlns:a14="http://schemas.microsoft.com/office/drawing/2010/main">
+                  <a14:hiddenEffects xmlns:a14="http://schemas.microsoft.com/office/drawing/2010/main" xmlns="">
                     <a:effectLst>
                       <a:outerShdw blurRad="63500" dist="38099" dir="2700000" algn="ctr" rotWithShape="0">
                         <a:schemeClr val="bg2">
@@ -4429,12 +4429,12 @@
               <a:effectLst/>
               <a:extLst>
                 <a:ext uri="{909E8E84-426E-40dd-AFC4-6F175D3DCCD1}">
-                  <a14:hiddenFill xmlns="" xmlns:a14="http://schemas.microsoft.com/office/drawing/2010/main">
+                  <a14:hiddenFill xmlns:a14="http://schemas.microsoft.com/office/drawing/2010/main" xmlns="">
                     <a:noFill/>
                   </a14:hiddenFill>
                 </a:ext>
                 <a:ext uri="{AF507438-7753-43e0-B8FC-AC1667EBCBE1}">
-                  <a14:hiddenEffects xmlns="" xmlns:a14="http://schemas.microsoft.com/office/drawing/2010/main">
+                  <a14:hiddenEffects xmlns:a14="http://schemas.microsoft.com/office/drawing/2010/main" xmlns="">
                     <a:effectLst>
                       <a:outerShdw blurRad="63500" dist="38099" dir="2700000" algn="ctr" rotWithShape="0">
                         <a:schemeClr val="bg2">
@@ -4562,14 +4562,14 @@
               <a:effectLst/>
               <a:extLst>
                 <a:ext uri="{909E8E84-426E-40dd-AFC4-6F175D3DCCD1}">
-                  <a14:hiddenFill xmlns="" xmlns:a14="http://schemas.microsoft.com/office/drawing/2010/main">
+                  <a14:hiddenFill xmlns:a14="http://schemas.microsoft.com/office/drawing/2010/main" xmlns="">
                     <a:solidFill>
                       <a:schemeClr val="accent1"/>
                     </a:solidFill>
                   </a14:hiddenFill>
                 </a:ext>
                 <a:ext uri="{AF507438-7753-43e0-B8FC-AC1667EBCBE1}">
-                  <a14:hiddenEffects xmlns="" xmlns:a14="http://schemas.microsoft.com/office/drawing/2010/main">
+                  <a14:hiddenEffects xmlns:a14="http://schemas.microsoft.com/office/drawing/2010/main" xmlns="">
                     <a:effectLst>
                       <a:outerShdw blurRad="63500" dist="38099" dir="2700000" algn="ctr" rotWithShape="0">
                         <a:schemeClr val="bg2">
@@ -4634,12 +4634,12 @@
               <a:effectLst/>
               <a:extLst>
                 <a:ext uri="{909E8E84-426E-40dd-AFC4-6F175D3DCCD1}">
-                  <a14:hiddenFill xmlns="" xmlns:a14="http://schemas.microsoft.com/office/drawing/2010/main">
+                  <a14:hiddenFill xmlns:a14="http://schemas.microsoft.com/office/drawing/2010/main" xmlns="">
                     <a:noFill/>
                   </a14:hiddenFill>
                 </a:ext>
                 <a:ext uri="{AF507438-7753-43e0-B8FC-AC1667EBCBE1}">
-                  <a14:hiddenEffects xmlns="" xmlns:a14="http://schemas.microsoft.com/office/drawing/2010/main">
+                  <a14:hiddenEffects xmlns:a14="http://schemas.microsoft.com/office/drawing/2010/main" xmlns="">
                     <a:effectLst>
                       <a:outerShdw blurRad="63500" dist="38099" dir="2700000" algn="ctr" rotWithShape="0">
                         <a:schemeClr val="bg2">
@@ -4687,12 +4687,12 @@
               <a:effectLst/>
               <a:extLst>
                 <a:ext uri="{909E8E84-426E-40dd-AFC4-6F175D3DCCD1}">
-                  <a14:hiddenFill xmlns="" xmlns:a14="http://schemas.microsoft.com/office/drawing/2010/main">
+                  <a14:hiddenFill xmlns:a14="http://schemas.microsoft.com/office/drawing/2010/main" xmlns="">
                     <a:noFill/>
                   </a14:hiddenFill>
                 </a:ext>
                 <a:ext uri="{AF507438-7753-43e0-B8FC-AC1667EBCBE1}">
-                  <a14:hiddenEffects xmlns="" xmlns:a14="http://schemas.microsoft.com/office/drawing/2010/main">
+                  <a14:hiddenEffects xmlns:a14="http://schemas.microsoft.com/office/drawing/2010/main" xmlns="">
                     <a:effectLst>
                       <a:outerShdw blurRad="63500" dist="38099" dir="2700000" algn="ctr" rotWithShape="0">
                         <a:schemeClr val="bg2">
@@ -4820,14 +4820,14 @@
               <a:effectLst/>
               <a:extLst>
                 <a:ext uri="{909E8E84-426E-40dd-AFC4-6F175D3DCCD1}">
-                  <a14:hiddenFill xmlns="" xmlns:a14="http://schemas.microsoft.com/office/drawing/2010/main">
+                  <a14:hiddenFill xmlns:a14="http://schemas.microsoft.com/office/drawing/2010/main" xmlns="">
                     <a:solidFill>
                       <a:schemeClr val="accent1"/>
                     </a:solidFill>
                   </a14:hiddenFill>
                 </a:ext>
                 <a:ext uri="{AF507438-7753-43e0-B8FC-AC1667EBCBE1}">
-                  <a14:hiddenEffects xmlns="" xmlns:a14="http://schemas.microsoft.com/office/drawing/2010/main">
+                  <a14:hiddenEffects xmlns:a14="http://schemas.microsoft.com/office/drawing/2010/main" xmlns="">
                     <a:effectLst>
                       <a:outerShdw blurRad="63500" dist="38099" dir="2700000" algn="ctr" rotWithShape="0">
                         <a:schemeClr val="bg2">
@@ -4936,17 +4936,17 @@
           <a:noFill/>
           <a:extLst>
             <a:ext uri="{FAA26D3D-D897-4be2-8F04-BA451C77F1D7}">
-              <ma14:placeholderFlag xmlns="" xmlns:ma14="http://schemas.microsoft.com/office/mac/drawingml/2011/main" val="1"/>
+              <ma14:placeholderFlag xmlns:ma14="http://schemas.microsoft.com/office/mac/drawingml/2011/main" xmlns="" val="1"/>
             </a:ext>
             <a:ext uri="{909E8E84-426E-40dd-AFC4-6F175D3DCCD1}">
-              <a14:hiddenFill xmlns="" xmlns:a14="http://schemas.microsoft.com/office/drawing/2010/main">
+              <a14:hiddenFill xmlns:a14="http://schemas.microsoft.com/office/drawing/2010/main" xmlns="">
                 <a:solidFill>
                   <a:schemeClr val="accent1"/>
                 </a:solidFill>
               </a14:hiddenFill>
             </a:ext>
             <a:ext uri="{91240B29-F687-4f45-9708-019B960494DF}">
-              <a14:hiddenLine xmlns="" xmlns:a14="http://schemas.microsoft.com/office/drawing/2010/main" w="9525">
+              <a14:hiddenLine xmlns:a14="http://schemas.microsoft.com/office/drawing/2010/main" xmlns="" w="9525">
                 <a:solidFill>
                   <a:schemeClr val="tx1"/>
                 </a:solidFill>
@@ -4956,7 +4956,7 @@
               </a14:hiddenLine>
             </a:ext>
             <a:ext uri="{AF507438-7753-43e0-B8FC-AC1667EBCBE1}">
-              <a14:hiddenEffects xmlns="" xmlns:a14="http://schemas.microsoft.com/office/drawing/2010/main">
+              <a14:hiddenEffects xmlns:a14="http://schemas.microsoft.com/office/drawing/2010/main" xmlns="">
                 <a:effectLst>
                   <a:outerShdw blurRad="63500" dist="38099" dir="2700000" algn="ctr" rotWithShape="0">
                     <a:schemeClr val="bg2">
@@ -5077,7 +5077,7 @@
           <a:noFill/>
           <a:extLst>
             <a:ext uri="{909E8E84-426E-40dd-AFC4-6F175D3DCCD1}">
-              <a14:hiddenFill xmlns="" xmlns:a14="http://schemas.microsoft.com/office/drawing/2010/main">
+              <a14:hiddenFill xmlns:a14="http://schemas.microsoft.com/office/drawing/2010/main" xmlns="">
                 <a:solidFill>
                   <a:srgbClr val="FFFFFF"/>
                 </a:solidFill>
@@ -7455,12 +7455,12 @@
                 <a:effectLst/>
                 <a:extLst>
                   <a:ext uri="{909E8E84-426E-40dd-AFC4-6F175D3DCCD1}">
-                    <a14:hiddenFill xmlns="" xmlns:a14="http://schemas.microsoft.com/office/drawing/2010/main">
+                    <a14:hiddenFill xmlns:a14="http://schemas.microsoft.com/office/drawing/2010/main" xmlns="">
                       <a:noFill/>
                     </a14:hiddenFill>
                   </a:ext>
                   <a:ext uri="{AF507438-7753-43e0-B8FC-AC1667EBCBE1}">
-                    <a14:hiddenEffects xmlns="" xmlns:a14="http://schemas.microsoft.com/office/drawing/2010/main">
+                    <a14:hiddenEffects xmlns:a14="http://schemas.microsoft.com/office/drawing/2010/main" xmlns="">
                       <a:effectLst>
                         <a:outerShdw blurRad="63500" dist="38099" dir="2700000" algn="ctr" rotWithShape="0">
                           <a:schemeClr val="bg2">
@@ -7513,12 +7513,12 @@
                 <a:effectLst/>
                 <a:extLst>
                   <a:ext uri="{909E8E84-426E-40dd-AFC4-6F175D3DCCD1}">
-                    <a14:hiddenFill xmlns="" xmlns:a14="http://schemas.microsoft.com/office/drawing/2010/main">
+                    <a14:hiddenFill xmlns:a14="http://schemas.microsoft.com/office/drawing/2010/main" xmlns="">
                       <a:noFill/>
                     </a14:hiddenFill>
                   </a:ext>
                   <a:ext uri="{AF507438-7753-43e0-B8FC-AC1667EBCBE1}">
-                    <a14:hiddenEffects xmlns="" xmlns:a14="http://schemas.microsoft.com/office/drawing/2010/main">
+                    <a14:hiddenEffects xmlns:a14="http://schemas.microsoft.com/office/drawing/2010/main" xmlns="">
                       <a:effectLst>
                         <a:outerShdw blurRad="63500" dist="38099" dir="2700000" algn="ctr" rotWithShape="0">
                           <a:schemeClr val="bg2">
@@ -7571,12 +7571,12 @@
                 <a:effectLst/>
                 <a:extLst>
                   <a:ext uri="{909E8E84-426E-40dd-AFC4-6F175D3DCCD1}">
-                    <a14:hiddenFill xmlns="" xmlns:a14="http://schemas.microsoft.com/office/drawing/2010/main">
+                    <a14:hiddenFill xmlns:a14="http://schemas.microsoft.com/office/drawing/2010/main" xmlns="">
                       <a:noFill/>
                     </a14:hiddenFill>
                   </a:ext>
                   <a:ext uri="{AF507438-7753-43e0-B8FC-AC1667EBCBE1}">
-                    <a14:hiddenEffects xmlns="" xmlns:a14="http://schemas.microsoft.com/office/drawing/2010/main">
+                    <a14:hiddenEffects xmlns:a14="http://schemas.microsoft.com/office/drawing/2010/main" xmlns="">
                       <a:effectLst>
                         <a:outerShdw blurRad="63500" dist="38099" dir="2700000" algn="ctr" rotWithShape="0">
                           <a:schemeClr val="bg2">
@@ -7629,12 +7629,12 @@
                 <a:effectLst/>
                 <a:extLst>
                   <a:ext uri="{909E8E84-426E-40dd-AFC4-6F175D3DCCD1}">
-                    <a14:hiddenFill xmlns="" xmlns:a14="http://schemas.microsoft.com/office/drawing/2010/main">
+                    <a14:hiddenFill xmlns:a14="http://schemas.microsoft.com/office/drawing/2010/main" xmlns="">
                       <a:noFill/>
                     </a14:hiddenFill>
                   </a:ext>
                   <a:ext uri="{AF507438-7753-43e0-B8FC-AC1667EBCBE1}">
-                    <a14:hiddenEffects xmlns="" xmlns:a14="http://schemas.microsoft.com/office/drawing/2010/main">
+                    <a14:hiddenEffects xmlns:a14="http://schemas.microsoft.com/office/drawing/2010/main" xmlns="">
                       <a:effectLst>
                         <a:outerShdw blurRad="63500" dist="38099" dir="2700000" algn="ctr" rotWithShape="0">
                           <a:schemeClr val="bg2">
@@ -7687,12 +7687,12 @@
                 <a:effectLst/>
                 <a:extLst>
                   <a:ext uri="{909E8E84-426E-40dd-AFC4-6F175D3DCCD1}">
-                    <a14:hiddenFill xmlns="" xmlns:a14="http://schemas.microsoft.com/office/drawing/2010/main">
+                    <a14:hiddenFill xmlns:a14="http://schemas.microsoft.com/office/drawing/2010/main" xmlns="">
                       <a:noFill/>
                     </a14:hiddenFill>
                   </a:ext>
                   <a:ext uri="{AF507438-7753-43e0-B8FC-AC1667EBCBE1}">
-                    <a14:hiddenEffects xmlns="" xmlns:a14="http://schemas.microsoft.com/office/drawing/2010/main">
+                    <a14:hiddenEffects xmlns:a14="http://schemas.microsoft.com/office/drawing/2010/main" xmlns="">
                       <a:effectLst>
                         <a:outerShdw blurRad="63500" dist="38099" dir="2700000" algn="ctr" rotWithShape="0">
                           <a:schemeClr val="bg2">
@@ -7745,12 +7745,12 @@
                 <a:effectLst/>
                 <a:extLst>
                   <a:ext uri="{909E8E84-426E-40dd-AFC4-6F175D3DCCD1}">
-                    <a14:hiddenFill xmlns="" xmlns:a14="http://schemas.microsoft.com/office/drawing/2010/main">
+                    <a14:hiddenFill xmlns:a14="http://schemas.microsoft.com/office/drawing/2010/main" xmlns="">
                       <a:noFill/>
                     </a14:hiddenFill>
                   </a:ext>
                   <a:ext uri="{AF507438-7753-43e0-B8FC-AC1667EBCBE1}">
-                    <a14:hiddenEffects xmlns="" xmlns:a14="http://schemas.microsoft.com/office/drawing/2010/main">
+                    <a14:hiddenEffects xmlns:a14="http://schemas.microsoft.com/office/drawing/2010/main" xmlns="">
                       <a:effectLst>
                         <a:outerShdw blurRad="63500" dist="38099" dir="2700000" algn="ctr" rotWithShape="0">
                           <a:schemeClr val="bg2">
@@ -7803,12 +7803,12 @@
                 <a:effectLst/>
                 <a:extLst>
                   <a:ext uri="{909E8E84-426E-40dd-AFC4-6F175D3DCCD1}">
-                    <a14:hiddenFill xmlns="" xmlns:a14="http://schemas.microsoft.com/office/drawing/2010/main">
+                    <a14:hiddenFill xmlns:a14="http://schemas.microsoft.com/office/drawing/2010/main" xmlns="">
                       <a:noFill/>
                     </a14:hiddenFill>
                   </a:ext>
                   <a:ext uri="{AF507438-7753-43e0-B8FC-AC1667EBCBE1}">
-                    <a14:hiddenEffects xmlns="" xmlns:a14="http://schemas.microsoft.com/office/drawing/2010/main">
+                    <a14:hiddenEffects xmlns:a14="http://schemas.microsoft.com/office/drawing/2010/main" xmlns="">
                       <a:effectLst>
                         <a:outerShdw blurRad="63500" dist="38099" dir="2700000" algn="ctr" rotWithShape="0">
                           <a:schemeClr val="bg2">
@@ -7861,12 +7861,12 @@
                 <a:effectLst/>
                 <a:extLst>
                   <a:ext uri="{909E8E84-426E-40dd-AFC4-6F175D3DCCD1}">
-                    <a14:hiddenFill xmlns="" xmlns:a14="http://schemas.microsoft.com/office/drawing/2010/main">
+                    <a14:hiddenFill xmlns:a14="http://schemas.microsoft.com/office/drawing/2010/main" xmlns="">
                       <a:noFill/>
                     </a14:hiddenFill>
                   </a:ext>
                   <a:ext uri="{AF507438-7753-43e0-B8FC-AC1667EBCBE1}">
-                    <a14:hiddenEffects xmlns="" xmlns:a14="http://schemas.microsoft.com/office/drawing/2010/main">
+                    <a14:hiddenEffects xmlns:a14="http://schemas.microsoft.com/office/drawing/2010/main" xmlns="">
                       <a:effectLst>
                         <a:outerShdw blurRad="63500" dist="38099" dir="2700000" algn="ctr" rotWithShape="0">
                           <a:schemeClr val="bg2">
@@ -7919,12 +7919,12 @@
                 <a:effectLst/>
                 <a:extLst>
                   <a:ext uri="{909E8E84-426E-40dd-AFC4-6F175D3DCCD1}">
-                    <a14:hiddenFill xmlns="" xmlns:a14="http://schemas.microsoft.com/office/drawing/2010/main">
+                    <a14:hiddenFill xmlns:a14="http://schemas.microsoft.com/office/drawing/2010/main" xmlns="">
                       <a:noFill/>
                     </a14:hiddenFill>
                   </a:ext>
                   <a:ext uri="{AF507438-7753-43e0-B8FC-AC1667EBCBE1}">
-                    <a14:hiddenEffects xmlns="" xmlns:a14="http://schemas.microsoft.com/office/drawing/2010/main">
+                    <a14:hiddenEffects xmlns:a14="http://schemas.microsoft.com/office/drawing/2010/main" xmlns="">
                       <a:effectLst>
                         <a:outerShdw blurRad="63500" dist="38099" dir="2700000" algn="ctr" rotWithShape="0">
                           <a:schemeClr val="bg2">
@@ -7977,12 +7977,12 @@
                 <a:effectLst/>
                 <a:extLst>
                   <a:ext uri="{909E8E84-426E-40dd-AFC4-6F175D3DCCD1}">
-                    <a14:hiddenFill xmlns="" xmlns:a14="http://schemas.microsoft.com/office/drawing/2010/main">
+                    <a14:hiddenFill xmlns:a14="http://schemas.microsoft.com/office/drawing/2010/main" xmlns="">
                       <a:noFill/>
                     </a14:hiddenFill>
                   </a:ext>
                   <a:ext uri="{AF507438-7753-43e0-B8FC-AC1667EBCBE1}">
-                    <a14:hiddenEffects xmlns="" xmlns:a14="http://schemas.microsoft.com/office/drawing/2010/main">
+                    <a14:hiddenEffects xmlns:a14="http://schemas.microsoft.com/office/drawing/2010/main" xmlns="">
                       <a:effectLst>
                         <a:outerShdw blurRad="63500" dist="38099" dir="2700000" algn="ctr" rotWithShape="0">
                           <a:schemeClr val="bg2">
@@ -8035,12 +8035,12 @@
                 <a:effectLst/>
                 <a:extLst>
                   <a:ext uri="{909E8E84-426E-40dd-AFC4-6F175D3DCCD1}">
-                    <a14:hiddenFill xmlns="" xmlns:a14="http://schemas.microsoft.com/office/drawing/2010/main">
+                    <a14:hiddenFill xmlns:a14="http://schemas.microsoft.com/office/drawing/2010/main" xmlns="">
                       <a:noFill/>
                     </a14:hiddenFill>
                   </a:ext>
                   <a:ext uri="{AF507438-7753-43e0-B8FC-AC1667EBCBE1}">
-                    <a14:hiddenEffects xmlns="" xmlns:a14="http://schemas.microsoft.com/office/drawing/2010/main">
+                    <a14:hiddenEffects xmlns:a14="http://schemas.microsoft.com/office/drawing/2010/main" xmlns="">
                       <a:effectLst>
                         <a:outerShdw blurRad="63500" dist="38099" dir="2700000" algn="ctr" rotWithShape="0">
                           <a:schemeClr val="bg2">
@@ -8093,12 +8093,12 @@
                 <a:effectLst/>
                 <a:extLst>
                   <a:ext uri="{909E8E84-426E-40dd-AFC4-6F175D3DCCD1}">
-                    <a14:hiddenFill xmlns="" xmlns:a14="http://schemas.microsoft.com/office/drawing/2010/main">
+                    <a14:hiddenFill xmlns:a14="http://schemas.microsoft.com/office/drawing/2010/main" xmlns="">
                       <a:noFill/>
                     </a14:hiddenFill>
                   </a:ext>
                   <a:ext uri="{AF507438-7753-43e0-B8FC-AC1667EBCBE1}">
-                    <a14:hiddenEffects xmlns="" xmlns:a14="http://schemas.microsoft.com/office/drawing/2010/main">
+                    <a14:hiddenEffects xmlns:a14="http://schemas.microsoft.com/office/drawing/2010/main" xmlns="">
                       <a:effectLst>
                         <a:outerShdw blurRad="63500" dist="38099" dir="2700000" algn="ctr" rotWithShape="0">
                           <a:schemeClr val="bg2">
@@ -8151,12 +8151,12 @@
                 <a:effectLst/>
                 <a:extLst>
                   <a:ext uri="{909E8E84-426E-40dd-AFC4-6F175D3DCCD1}">
-                    <a14:hiddenFill xmlns="" xmlns:a14="http://schemas.microsoft.com/office/drawing/2010/main">
+                    <a14:hiddenFill xmlns:a14="http://schemas.microsoft.com/office/drawing/2010/main" xmlns="">
                       <a:noFill/>
                     </a14:hiddenFill>
                   </a:ext>
                   <a:ext uri="{AF507438-7753-43e0-B8FC-AC1667EBCBE1}">
-                    <a14:hiddenEffects xmlns="" xmlns:a14="http://schemas.microsoft.com/office/drawing/2010/main">
+                    <a14:hiddenEffects xmlns:a14="http://schemas.microsoft.com/office/drawing/2010/main" xmlns="">
                       <a:effectLst>
                         <a:outerShdw blurRad="63500" dist="38099" dir="2700000" algn="ctr" rotWithShape="0">
                           <a:schemeClr val="bg2">
@@ -8209,12 +8209,12 @@
                 <a:effectLst/>
                 <a:extLst>
                   <a:ext uri="{909E8E84-426E-40dd-AFC4-6F175D3DCCD1}">
-                    <a14:hiddenFill xmlns="" xmlns:a14="http://schemas.microsoft.com/office/drawing/2010/main">
+                    <a14:hiddenFill xmlns:a14="http://schemas.microsoft.com/office/drawing/2010/main" xmlns="">
                       <a:noFill/>
                     </a14:hiddenFill>
                   </a:ext>
                   <a:ext uri="{AF507438-7753-43e0-B8FC-AC1667EBCBE1}">
-                    <a14:hiddenEffects xmlns="" xmlns:a14="http://schemas.microsoft.com/office/drawing/2010/main">
+                    <a14:hiddenEffects xmlns:a14="http://schemas.microsoft.com/office/drawing/2010/main" xmlns="">
                       <a:effectLst>
                         <a:outerShdw blurRad="63500" dist="38099" dir="2700000" algn="ctr" rotWithShape="0">
                           <a:schemeClr val="bg2">
@@ -8267,12 +8267,12 @@
                 <a:effectLst/>
                 <a:extLst>
                   <a:ext uri="{909E8E84-426E-40dd-AFC4-6F175D3DCCD1}">
-                    <a14:hiddenFill xmlns="" xmlns:a14="http://schemas.microsoft.com/office/drawing/2010/main">
+                    <a14:hiddenFill xmlns:a14="http://schemas.microsoft.com/office/drawing/2010/main" xmlns="">
                       <a:noFill/>
                     </a14:hiddenFill>
                   </a:ext>
                   <a:ext uri="{AF507438-7753-43e0-B8FC-AC1667EBCBE1}">
-                    <a14:hiddenEffects xmlns="" xmlns:a14="http://schemas.microsoft.com/office/drawing/2010/main">
+                    <a14:hiddenEffects xmlns:a14="http://schemas.microsoft.com/office/drawing/2010/main" xmlns="">
                       <a:effectLst>
                         <a:outerShdw blurRad="63500" dist="38099" dir="2700000" algn="ctr" rotWithShape="0">
                           <a:schemeClr val="bg2">
@@ -8325,12 +8325,12 @@
                 <a:effectLst/>
                 <a:extLst>
                   <a:ext uri="{909E8E84-426E-40dd-AFC4-6F175D3DCCD1}">
-                    <a14:hiddenFill xmlns="" xmlns:a14="http://schemas.microsoft.com/office/drawing/2010/main">
+                    <a14:hiddenFill xmlns:a14="http://schemas.microsoft.com/office/drawing/2010/main" xmlns="">
                       <a:noFill/>
                     </a14:hiddenFill>
                   </a:ext>
                   <a:ext uri="{AF507438-7753-43e0-B8FC-AC1667EBCBE1}">
-                    <a14:hiddenEffects xmlns="" xmlns:a14="http://schemas.microsoft.com/office/drawing/2010/main">
+                    <a14:hiddenEffects xmlns:a14="http://schemas.microsoft.com/office/drawing/2010/main" xmlns="">
                       <a:effectLst>
                         <a:outerShdw blurRad="63500" dist="38099" dir="2700000" algn="ctr" rotWithShape="0">
                           <a:schemeClr val="bg2">
@@ -8383,12 +8383,12 @@
                 <a:effectLst/>
                 <a:extLst>
                   <a:ext uri="{909E8E84-426E-40dd-AFC4-6F175D3DCCD1}">
-                    <a14:hiddenFill xmlns="" xmlns:a14="http://schemas.microsoft.com/office/drawing/2010/main">
+                    <a14:hiddenFill xmlns:a14="http://schemas.microsoft.com/office/drawing/2010/main" xmlns="">
                       <a:noFill/>
                     </a14:hiddenFill>
                   </a:ext>
                   <a:ext uri="{AF507438-7753-43e0-B8FC-AC1667EBCBE1}">
-                    <a14:hiddenEffects xmlns="" xmlns:a14="http://schemas.microsoft.com/office/drawing/2010/main">
+                    <a14:hiddenEffects xmlns:a14="http://schemas.microsoft.com/office/drawing/2010/main" xmlns="">
                       <a:effectLst>
                         <a:outerShdw blurRad="63500" dist="38099" dir="2700000" algn="ctr" rotWithShape="0">
                           <a:schemeClr val="bg2">
@@ -8441,12 +8441,12 @@
                 <a:effectLst/>
                 <a:extLst>
                   <a:ext uri="{909E8E84-426E-40dd-AFC4-6F175D3DCCD1}">
-                    <a14:hiddenFill xmlns="" xmlns:a14="http://schemas.microsoft.com/office/drawing/2010/main">
+                    <a14:hiddenFill xmlns:a14="http://schemas.microsoft.com/office/drawing/2010/main" xmlns="">
                       <a:noFill/>
                     </a14:hiddenFill>
                   </a:ext>
                   <a:ext uri="{AF507438-7753-43e0-B8FC-AC1667EBCBE1}">
-                    <a14:hiddenEffects xmlns="" xmlns:a14="http://schemas.microsoft.com/office/drawing/2010/main">
+                    <a14:hiddenEffects xmlns:a14="http://schemas.microsoft.com/office/drawing/2010/main" xmlns="">
                       <a:effectLst>
                         <a:outerShdw blurRad="63500" dist="38099" dir="2700000" algn="ctr" rotWithShape="0">
                           <a:schemeClr val="bg2">
@@ -8499,12 +8499,12 @@
                 <a:effectLst/>
                 <a:extLst>
                   <a:ext uri="{909E8E84-426E-40dd-AFC4-6F175D3DCCD1}">
-                    <a14:hiddenFill xmlns="" xmlns:a14="http://schemas.microsoft.com/office/drawing/2010/main">
+                    <a14:hiddenFill xmlns:a14="http://schemas.microsoft.com/office/drawing/2010/main" xmlns="">
                       <a:noFill/>
                     </a14:hiddenFill>
                   </a:ext>
                   <a:ext uri="{AF507438-7753-43e0-B8FC-AC1667EBCBE1}">
-                    <a14:hiddenEffects xmlns="" xmlns:a14="http://schemas.microsoft.com/office/drawing/2010/main">
+                    <a14:hiddenEffects xmlns:a14="http://schemas.microsoft.com/office/drawing/2010/main" xmlns="">
                       <a:effectLst>
                         <a:outerShdw blurRad="63500" dist="38099" dir="2700000" algn="ctr" rotWithShape="0">
                           <a:schemeClr val="bg2">
@@ -8557,12 +8557,12 @@
                 <a:effectLst/>
                 <a:extLst>
                   <a:ext uri="{909E8E84-426E-40dd-AFC4-6F175D3DCCD1}">
-                    <a14:hiddenFill xmlns="" xmlns:a14="http://schemas.microsoft.com/office/drawing/2010/main">
+                    <a14:hiddenFill xmlns:a14="http://schemas.microsoft.com/office/drawing/2010/main" xmlns="">
                       <a:noFill/>
                     </a14:hiddenFill>
                   </a:ext>
                   <a:ext uri="{AF507438-7753-43e0-B8FC-AC1667EBCBE1}">
-                    <a14:hiddenEffects xmlns="" xmlns:a14="http://schemas.microsoft.com/office/drawing/2010/main">
+                    <a14:hiddenEffects xmlns:a14="http://schemas.microsoft.com/office/drawing/2010/main" xmlns="">
                       <a:effectLst>
                         <a:outerShdw blurRad="63500" dist="38099" dir="2700000" algn="ctr" rotWithShape="0">
                           <a:schemeClr val="bg2">
@@ -8615,12 +8615,12 @@
                 <a:effectLst/>
                 <a:extLst>
                   <a:ext uri="{909E8E84-426E-40dd-AFC4-6F175D3DCCD1}">
-                    <a14:hiddenFill xmlns="" xmlns:a14="http://schemas.microsoft.com/office/drawing/2010/main">
+                    <a14:hiddenFill xmlns:a14="http://schemas.microsoft.com/office/drawing/2010/main" xmlns="">
                       <a:noFill/>
                     </a14:hiddenFill>
                   </a:ext>
                   <a:ext uri="{AF507438-7753-43e0-B8FC-AC1667EBCBE1}">
-                    <a14:hiddenEffects xmlns="" xmlns:a14="http://schemas.microsoft.com/office/drawing/2010/main">
+                    <a14:hiddenEffects xmlns:a14="http://schemas.microsoft.com/office/drawing/2010/main" xmlns="">
                       <a:effectLst>
                         <a:outerShdw blurRad="63500" dist="38099" dir="2700000" algn="ctr" rotWithShape="0">
                           <a:schemeClr val="bg2">
@@ -8673,12 +8673,12 @@
                 <a:effectLst/>
                 <a:extLst>
                   <a:ext uri="{909E8E84-426E-40dd-AFC4-6F175D3DCCD1}">
-                    <a14:hiddenFill xmlns="" xmlns:a14="http://schemas.microsoft.com/office/drawing/2010/main">
+                    <a14:hiddenFill xmlns:a14="http://schemas.microsoft.com/office/drawing/2010/main" xmlns="">
                       <a:noFill/>
                     </a14:hiddenFill>
                   </a:ext>
                   <a:ext uri="{AF507438-7753-43e0-B8FC-AC1667EBCBE1}">
-                    <a14:hiddenEffects xmlns="" xmlns:a14="http://schemas.microsoft.com/office/drawing/2010/main">
+                    <a14:hiddenEffects xmlns:a14="http://schemas.microsoft.com/office/drawing/2010/main" xmlns="">
                       <a:effectLst>
                         <a:outerShdw blurRad="63500" dist="38099" dir="2700000" algn="ctr" rotWithShape="0">
                           <a:schemeClr val="bg2">
@@ -8748,12 +8748,12 @@
                 <a:effectLst/>
                 <a:extLst>
                   <a:ext uri="{909E8E84-426E-40dd-AFC4-6F175D3DCCD1}">
-                    <a14:hiddenFill xmlns="" xmlns:a14="http://schemas.microsoft.com/office/drawing/2010/main">
+                    <a14:hiddenFill xmlns:a14="http://schemas.microsoft.com/office/drawing/2010/main" xmlns="">
                       <a:noFill/>
                     </a14:hiddenFill>
                   </a:ext>
                   <a:ext uri="{AF507438-7753-43e0-B8FC-AC1667EBCBE1}">
-                    <a14:hiddenEffects xmlns="" xmlns:a14="http://schemas.microsoft.com/office/drawing/2010/main">
+                    <a14:hiddenEffects xmlns:a14="http://schemas.microsoft.com/office/drawing/2010/main" xmlns="">
                       <a:effectLst>
                         <a:outerShdw blurRad="63500" dist="38099" dir="2700000" algn="ctr" rotWithShape="0">
                           <a:schemeClr val="bg2">
@@ -8806,12 +8806,12 @@
                 <a:effectLst/>
                 <a:extLst>
                   <a:ext uri="{909E8E84-426E-40dd-AFC4-6F175D3DCCD1}">
-                    <a14:hiddenFill xmlns="" xmlns:a14="http://schemas.microsoft.com/office/drawing/2010/main">
+                    <a14:hiddenFill xmlns:a14="http://schemas.microsoft.com/office/drawing/2010/main" xmlns="">
                       <a:noFill/>
                     </a14:hiddenFill>
                   </a:ext>
                   <a:ext uri="{AF507438-7753-43e0-B8FC-AC1667EBCBE1}">
-                    <a14:hiddenEffects xmlns="" xmlns:a14="http://schemas.microsoft.com/office/drawing/2010/main">
+                    <a14:hiddenEffects xmlns:a14="http://schemas.microsoft.com/office/drawing/2010/main" xmlns="">
                       <a:effectLst>
                         <a:outerShdw blurRad="63500" dist="38099" dir="2700000" algn="ctr" rotWithShape="0">
                           <a:schemeClr val="bg2">
@@ -8864,12 +8864,12 @@
                 <a:effectLst/>
                 <a:extLst>
                   <a:ext uri="{909E8E84-426E-40dd-AFC4-6F175D3DCCD1}">
-                    <a14:hiddenFill xmlns="" xmlns:a14="http://schemas.microsoft.com/office/drawing/2010/main">
+                    <a14:hiddenFill xmlns:a14="http://schemas.microsoft.com/office/drawing/2010/main" xmlns="">
                       <a:noFill/>
                     </a14:hiddenFill>
                   </a:ext>
                   <a:ext uri="{AF507438-7753-43e0-B8FC-AC1667EBCBE1}">
-                    <a14:hiddenEffects xmlns="" xmlns:a14="http://schemas.microsoft.com/office/drawing/2010/main">
+                    <a14:hiddenEffects xmlns:a14="http://schemas.microsoft.com/office/drawing/2010/main" xmlns="">
                       <a:effectLst>
                         <a:outerShdw blurRad="63500" dist="38099" dir="2700000" algn="ctr" rotWithShape="0">
                           <a:schemeClr val="bg2">
@@ -8922,12 +8922,12 @@
                 <a:effectLst/>
                 <a:extLst>
                   <a:ext uri="{909E8E84-426E-40dd-AFC4-6F175D3DCCD1}">
-                    <a14:hiddenFill xmlns="" xmlns:a14="http://schemas.microsoft.com/office/drawing/2010/main">
+                    <a14:hiddenFill xmlns:a14="http://schemas.microsoft.com/office/drawing/2010/main" xmlns="">
                       <a:noFill/>
                     </a14:hiddenFill>
                   </a:ext>
                   <a:ext uri="{AF507438-7753-43e0-B8FC-AC1667EBCBE1}">
-                    <a14:hiddenEffects xmlns="" xmlns:a14="http://schemas.microsoft.com/office/drawing/2010/main">
+                    <a14:hiddenEffects xmlns:a14="http://schemas.microsoft.com/office/drawing/2010/main" xmlns="">
                       <a:effectLst>
                         <a:outerShdw blurRad="63500" dist="38099" dir="2700000" algn="ctr" rotWithShape="0">
                           <a:schemeClr val="bg2">
@@ -8980,12 +8980,12 @@
                 <a:effectLst/>
                 <a:extLst>
                   <a:ext uri="{909E8E84-426E-40dd-AFC4-6F175D3DCCD1}">
-                    <a14:hiddenFill xmlns="" xmlns:a14="http://schemas.microsoft.com/office/drawing/2010/main">
+                    <a14:hiddenFill xmlns:a14="http://schemas.microsoft.com/office/drawing/2010/main" xmlns="">
                       <a:noFill/>
                     </a14:hiddenFill>
                   </a:ext>
                   <a:ext uri="{AF507438-7753-43e0-B8FC-AC1667EBCBE1}">
-                    <a14:hiddenEffects xmlns="" xmlns:a14="http://schemas.microsoft.com/office/drawing/2010/main">
+                    <a14:hiddenEffects xmlns:a14="http://schemas.microsoft.com/office/drawing/2010/main" xmlns="">
                       <a:effectLst>
                         <a:outerShdw blurRad="63500" dist="38099" dir="2700000" algn="ctr" rotWithShape="0">
                           <a:schemeClr val="bg2">
@@ -9038,12 +9038,12 @@
                 <a:effectLst/>
                 <a:extLst>
                   <a:ext uri="{909E8E84-426E-40dd-AFC4-6F175D3DCCD1}">
-                    <a14:hiddenFill xmlns="" xmlns:a14="http://schemas.microsoft.com/office/drawing/2010/main">
+                    <a14:hiddenFill xmlns:a14="http://schemas.microsoft.com/office/drawing/2010/main" xmlns="">
                       <a:noFill/>
                     </a14:hiddenFill>
                   </a:ext>
                   <a:ext uri="{AF507438-7753-43e0-B8FC-AC1667EBCBE1}">
-                    <a14:hiddenEffects xmlns="" xmlns:a14="http://schemas.microsoft.com/office/drawing/2010/main">
+                    <a14:hiddenEffects xmlns:a14="http://schemas.microsoft.com/office/drawing/2010/main" xmlns="">
                       <a:effectLst>
                         <a:outerShdw blurRad="63500" dist="38099" dir="2700000" algn="ctr" rotWithShape="0">
                           <a:schemeClr val="bg2">
@@ -9096,12 +9096,12 @@
                 <a:effectLst/>
                 <a:extLst>
                   <a:ext uri="{909E8E84-426E-40dd-AFC4-6F175D3DCCD1}">
-                    <a14:hiddenFill xmlns="" xmlns:a14="http://schemas.microsoft.com/office/drawing/2010/main">
+                    <a14:hiddenFill xmlns:a14="http://schemas.microsoft.com/office/drawing/2010/main" xmlns="">
                       <a:noFill/>
                     </a14:hiddenFill>
                   </a:ext>
                   <a:ext uri="{AF507438-7753-43e0-B8FC-AC1667EBCBE1}">
-                    <a14:hiddenEffects xmlns="" xmlns:a14="http://schemas.microsoft.com/office/drawing/2010/main">
+                    <a14:hiddenEffects xmlns:a14="http://schemas.microsoft.com/office/drawing/2010/main" xmlns="">
                       <a:effectLst>
                         <a:outerShdw blurRad="63500" dist="38099" dir="2700000" algn="ctr" rotWithShape="0">
                           <a:schemeClr val="bg2">
@@ -9154,12 +9154,12 @@
                 <a:effectLst/>
                 <a:extLst>
                   <a:ext uri="{909E8E84-426E-40dd-AFC4-6F175D3DCCD1}">
-                    <a14:hiddenFill xmlns="" xmlns:a14="http://schemas.microsoft.com/office/drawing/2010/main">
+                    <a14:hiddenFill xmlns:a14="http://schemas.microsoft.com/office/drawing/2010/main" xmlns="">
                       <a:noFill/>
                     </a14:hiddenFill>
                   </a:ext>
                   <a:ext uri="{AF507438-7753-43e0-B8FC-AC1667EBCBE1}">
-                    <a14:hiddenEffects xmlns="" xmlns:a14="http://schemas.microsoft.com/office/drawing/2010/main">
+                    <a14:hiddenEffects xmlns:a14="http://schemas.microsoft.com/office/drawing/2010/main" xmlns="">
                       <a:effectLst>
                         <a:outerShdw blurRad="63500" dist="38099" dir="2700000" algn="ctr" rotWithShape="0">
                           <a:schemeClr val="bg2">
@@ -9212,12 +9212,12 @@
                 <a:effectLst/>
                 <a:extLst>
                   <a:ext uri="{909E8E84-426E-40dd-AFC4-6F175D3DCCD1}">
-                    <a14:hiddenFill xmlns="" xmlns:a14="http://schemas.microsoft.com/office/drawing/2010/main">
+                    <a14:hiddenFill xmlns:a14="http://schemas.microsoft.com/office/drawing/2010/main" xmlns="">
                       <a:noFill/>
                     </a14:hiddenFill>
                   </a:ext>
                   <a:ext uri="{AF507438-7753-43e0-B8FC-AC1667EBCBE1}">
-                    <a14:hiddenEffects xmlns="" xmlns:a14="http://schemas.microsoft.com/office/drawing/2010/main">
+                    <a14:hiddenEffects xmlns:a14="http://schemas.microsoft.com/office/drawing/2010/main" xmlns="">
                       <a:effectLst>
                         <a:outerShdw blurRad="63500" dist="38099" dir="2700000" algn="ctr" rotWithShape="0">
                           <a:schemeClr val="bg2">
@@ -9270,12 +9270,12 @@
                 <a:effectLst/>
                 <a:extLst>
                   <a:ext uri="{909E8E84-426E-40dd-AFC4-6F175D3DCCD1}">
-                    <a14:hiddenFill xmlns="" xmlns:a14="http://schemas.microsoft.com/office/drawing/2010/main">
+                    <a14:hiddenFill xmlns:a14="http://schemas.microsoft.com/office/drawing/2010/main" xmlns="">
                       <a:noFill/>
                     </a14:hiddenFill>
                   </a:ext>
                   <a:ext uri="{AF507438-7753-43e0-B8FC-AC1667EBCBE1}">
-                    <a14:hiddenEffects xmlns="" xmlns:a14="http://schemas.microsoft.com/office/drawing/2010/main">
+                    <a14:hiddenEffects xmlns:a14="http://schemas.microsoft.com/office/drawing/2010/main" xmlns="">
                       <a:effectLst>
                         <a:outerShdw blurRad="63500" dist="38099" dir="2700000" algn="ctr" rotWithShape="0">
                           <a:schemeClr val="bg2">
@@ -9328,12 +9328,12 @@
                 <a:effectLst/>
                 <a:extLst>
                   <a:ext uri="{909E8E84-426E-40dd-AFC4-6F175D3DCCD1}">
-                    <a14:hiddenFill xmlns="" xmlns:a14="http://schemas.microsoft.com/office/drawing/2010/main">
+                    <a14:hiddenFill xmlns:a14="http://schemas.microsoft.com/office/drawing/2010/main" xmlns="">
                       <a:noFill/>
                     </a14:hiddenFill>
                   </a:ext>
                   <a:ext uri="{AF507438-7753-43e0-B8FC-AC1667EBCBE1}">
-                    <a14:hiddenEffects xmlns="" xmlns:a14="http://schemas.microsoft.com/office/drawing/2010/main">
+                    <a14:hiddenEffects xmlns:a14="http://schemas.microsoft.com/office/drawing/2010/main" xmlns="">
                       <a:effectLst>
                         <a:outerShdw blurRad="63500" dist="38099" dir="2700000" algn="ctr" rotWithShape="0">
                           <a:schemeClr val="bg2">
@@ -9386,12 +9386,12 @@
                 <a:effectLst/>
                 <a:extLst>
                   <a:ext uri="{909E8E84-426E-40dd-AFC4-6F175D3DCCD1}">
-                    <a14:hiddenFill xmlns="" xmlns:a14="http://schemas.microsoft.com/office/drawing/2010/main">
+                    <a14:hiddenFill xmlns:a14="http://schemas.microsoft.com/office/drawing/2010/main" xmlns="">
                       <a:noFill/>
                     </a14:hiddenFill>
                   </a:ext>
                   <a:ext uri="{AF507438-7753-43e0-B8FC-AC1667EBCBE1}">
-                    <a14:hiddenEffects xmlns="" xmlns:a14="http://schemas.microsoft.com/office/drawing/2010/main">
+                    <a14:hiddenEffects xmlns:a14="http://schemas.microsoft.com/office/drawing/2010/main" xmlns="">
                       <a:effectLst>
                         <a:outerShdw blurRad="63500" dist="38099" dir="2700000" algn="ctr" rotWithShape="0">
                           <a:schemeClr val="bg2">
@@ -9444,12 +9444,12 @@
                 <a:effectLst/>
                 <a:extLst>
                   <a:ext uri="{909E8E84-426E-40dd-AFC4-6F175D3DCCD1}">
-                    <a14:hiddenFill xmlns="" xmlns:a14="http://schemas.microsoft.com/office/drawing/2010/main">
+                    <a14:hiddenFill xmlns:a14="http://schemas.microsoft.com/office/drawing/2010/main" xmlns="">
                       <a:noFill/>
                     </a14:hiddenFill>
                   </a:ext>
                   <a:ext uri="{AF507438-7753-43e0-B8FC-AC1667EBCBE1}">
-                    <a14:hiddenEffects xmlns="" xmlns:a14="http://schemas.microsoft.com/office/drawing/2010/main">
+                    <a14:hiddenEffects xmlns:a14="http://schemas.microsoft.com/office/drawing/2010/main" xmlns="">
                       <a:effectLst>
                         <a:outerShdw blurRad="63500" dist="38099" dir="2700000" algn="ctr" rotWithShape="0">
                           <a:schemeClr val="bg2">
@@ -9502,12 +9502,12 @@
                 <a:effectLst/>
                 <a:extLst>
                   <a:ext uri="{909E8E84-426E-40dd-AFC4-6F175D3DCCD1}">
-                    <a14:hiddenFill xmlns="" xmlns:a14="http://schemas.microsoft.com/office/drawing/2010/main">
+                    <a14:hiddenFill xmlns:a14="http://schemas.microsoft.com/office/drawing/2010/main" xmlns="">
                       <a:noFill/>
                     </a14:hiddenFill>
                   </a:ext>
                   <a:ext uri="{AF507438-7753-43e0-B8FC-AC1667EBCBE1}">
-                    <a14:hiddenEffects xmlns="" xmlns:a14="http://schemas.microsoft.com/office/drawing/2010/main">
+                    <a14:hiddenEffects xmlns:a14="http://schemas.microsoft.com/office/drawing/2010/main" xmlns="">
                       <a:effectLst>
                         <a:outerShdw blurRad="63500" dist="38099" dir="2700000" algn="ctr" rotWithShape="0">
                           <a:schemeClr val="bg2">
@@ -9560,12 +9560,12 @@
                 <a:effectLst/>
                 <a:extLst>
                   <a:ext uri="{909E8E84-426E-40dd-AFC4-6F175D3DCCD1}">
-                    <a14:hiddenFill xmlns="" xmlns:a14="http://schemas.microsoft.com/office/drawing/2010/main">
+                    <a14:hiddenFill xmlns:a14="http://schemas.microsoft.com/office/drawing/2010/main" xmlns="">
                       <a:noFill/>
                     </a14:hiddenFill>
                   </a:ext>
                   <a:ext uri="{AF507438-7753-43e0-B8FC-AC1667EBCBE1}">
-                    <a14:hiddenEffects xmlns="" xmlns:a14="http://schemas.microsoft.com/office/drawing/2010/main">
+                    <a14:hiddenEffects xmlns:a14="http://schemas.microsoft.com/office/drawing/2010/main" xmlns="">
                       <a:effectLst>
                         <a:outerShdw blurRad="63500" dist="38099" dir="2700000" algn="ctr" rotWithShape="0">
                           <a:schemeClr val="bg2">
@@ -9618,12 +9618,12 @@
                 <a:effectLst/>
                 <a:extLst>
                   <a:ext uri="{909E8E84-426E-40dd-AFC4-6F175D3DCCD1}">
-                    <a14:hiddenFill xmlns="" xmlns:a14="http://schemas.microsoft.com/office/drawing/2010/main">
+                    <a14:hiddenFill xmlns:a14="http://schemas.microsoft.com/office/drawing/2010/main" xmlns="">
                       <a:noFill/>
                     </a14:hiddenFill>
                   </a:ext>
                   <a:ext uri="{AF507438-7753-43e0-B8FC-AC1667EBCBE1}">
-                    <a14:hiddenEffects xmlns="" xmlns:a14="http://schemas.microsoft.com/office/drawing/2010/main">
+                    <a14:hiddenEffects xmlns:a14="http://schemas.microsoft.com/office/drawing/2010/main" xmlns="">
                       <a:effectLst>
                         <a:outerShdw blurRad="63500" dist="38099" dir="2700000" algn="ctr" rotWithShape="0">
                           <a:schemeClr val="bg2">
@@ -9676,12 +9676,12 @@
                 <a:effectLst/>
                 <a:extLst>
                   <a:ext uri="{909E8E84-426E-40dd-AFC4-6F175D3DCCD1}">
-                    <a14:hiddenFill xmlns="" xmlns:a14="http://schemas.microsoft.com/office/drawing/2010/main">
+                    <a14:hiddenFill xmlns:a14="http://schemas.microsoft.com/office/drawing/2010/main" xmlns="">
                       <a:noFill/>
                     </a14:hiddenFill>
                   </a:ext>
                   <a:ext uri="{AF507438-7753-43e0-B8FC-AC1667EBCBE1}">
-                    <a14:hiddenEffects xmlns="" xmlns:a14="http://schemas.microsoft.com/office/drawing/2010/main">
+                    <a14:hiddenEffects xmlns:a14="http://schemas.microsoft.com/office/drawing/2010/main" xmlns="">
                       <a:effectLst>
                         <a:outerShdw blurRad="63500" dist="38099" dir="2700000" algn="ctr" rotWithShape="0">
                           <a:schemeClr val="bg2">
@@ -9734,12 +9734,12 @@
                 <a:effectLst/>
                 <a:extLst>
                   <a:ext uri="{909E8E84-426E-40dd-AFC4-6F175D3DCCD1}">
-                    <a14:hiddenFill xmlns="" xmlns:a14="http://schemas.microsoft.com/office/drawing/2010/main">
+                    <a14:hiddenFill xmlns:a14="http://schemas.microsoft.com/office/drawing/2010/main" xmlns="">
                       <a:noFill/>
                     </a14:hiddenFill>
                   </a:ext>
                   <a:ext uri="{AF507438-7753-43e0-B8FC-AC1667EBCBE1}">
-                    <a14:hiddenEffects xmlns="" xmlns:a14="http://schemas.microsoft.com/office/drawing/2010/main">
+                    <a14:hiddenEffects xmlns:a14="http://schemas.microsoft.com/office/drawing/2010/main" xmlns="">
                       <a:effectLst>
                         <a:outerShdw blurRad="63500" dist="38099" dir="2700000" algn="ctr" rotWithShape="0">
                           <a:schemeClr val="bg2">
@@ -9792,12 +9792,12 @@
                 <a:effectLst/>
                 <a:extLst>
                   <a:ext uri="{909E8E84-426E-40dd-AFC4-6F175D3DCCD1}">
-                    <a14:hiddenFill xmlns="" xmlns:a14="http://schemas.microsoft.com/office/drawing/2010/main">
+                    <a14:hiddenFill xmlns:a14="http://schemas.microsoft.com/office/drawing/2010/main" xmlns="">
                       <a:noFill/>
                     </a14:hiddenFill>
                   </a:ext>
                   <a:ext uri="{AF507438-7753-43e0-B8FC-AC1667EBCBE1}">
-                    <a14:hiddenEffects xmlns="" xmlns:a14="http://schemas.microsoft.com/office/drawing/2010/main">
+                    <a14:hiddenEffects xmlns:a14="http://schemas.microsoft.com/office/drawing/2010/main" xmlns="">
                       <a:effectLst>
                         <a:outerShdw blurRad="63500" dist="38099" dir="2700000" algn="ctr" rotWithShape="0">
                           <a:schemeClr val="bg2">
@@ -9850,12 +9850,12 @@
                 <a:effectLst/>
                 <a:extLst>
                   <a:ext uri="{909E8E84-426E-40dd-AFC4-6F175D3DCCD1}">
-                    <a14:hiddenFill xmlns="" xmlns:a14="http://schemas.microsoft.com/office/drawing/2010/main">
+                    <a14:hiddenFill xmlns:a14="http://schemas.microsoft.com/office/drawing/2010/main" xmlns="">
                       <a:noFill/>
                     </a14:hiddenFill>
                   </a:ext>
                   <a:ext uri="{AF507438-7753-43e0-B8FC-AC1667EBCBE1}">
-                    <a14:hiddenEffects xmlns="" xmlns:a14="http://schemas.microsoft.com/office/drawing/2010/main">
+                    <a14:hiddenEffects xmlns:a14="http://schemas.microsoft.com/office/drawing/2010/main" xmlns="">
                       <a:effectLst>
                         <a:outerShdw blurRad="63500" dist="38099" dir="2700000" algn="ctr" rotWithShape="0">
                           <a:schemeClr val="bg2">
@@ -9908,12 +9908,12 @@
                 <a:effectLst/>
                 <a:extLst>
                   <a:ext uri="{909E8E84-426E-40dd-AFC4-6F175D3DCCD1}">
-                    <a14:hiddenFill xmlns="" xmlns:a14="http://schemas.microsoft.com/office/drawing/2010/main">
+                    <a14:hiddenFill xmlns:a14="http://schemas.microsoft.com/office/drawing/2010/main" xmlns="">
                       <a:noFill/>
                     </a14:hiddenFill>
                   </a:ext>
                   <a:ext uri="{AF507438-7753-43e0-B8FC-AC1667EBCBE1}">
-                    <a14:hiddenEffects xmlns="" xmlns:a14="http://schemas.microsoft.com/office/drawing/2010/main">
+                    <a14:hiddenEffects xmlns:a14="http://schemas.microsoft.com/office/drawing/2010/main" xmlns="">
                       <a:effectLst>
                         <a:outerShdw blurRad="63500" dist="38099" dir="2700000" algn="ctr" rotWithShape="0">
                           <a:schemeClr val="bg2">
@@ -9966,12 +9966,12 @@
                 <a:effectLst/>
                 <a:extLst>
                   <a:ext uri="{909E8E84-426E-40dd-AFC4-6F175D3DCCD1}">
-                    <a14:hiddenFill xmlns="" xmlns:a14="http://schemas.microsoft.com/office/drawing/2010/main">
+                    <a14:hiddenFill xmlns:a14="http://schemas.microsoft.com/office/drawing/2010/main" xmlns="">
                       <a:noFill/>
                     </a14:hiddenFill>
                   </a:ext>
                   <a:ext uri="{AF507438-7753-43e0-B8FC-AC1667EBCBE1}">
-                    <a14:hiddenEffects xmlns="" xmlns:a14="http://schemas.microsoft.com/office/drawing/2010/main">
+                    <a14:hiddenEffects xmlns:a14="http://schemas.microsoft.com/office/drawing/2010/main" xmlns="">
                       <a:effectLst>
                         <a:outerShdw blurRad="63500" dist="38099" dir="2700000" algn="ctr" rotWithShape="0">
                           <a:schemeClr val="bg2">
@@ -10024,12 +10024,12 @@
                 <a:effectLst/>
                 <a:extLst>
                   <a:ext uri="{909E8E84-426E-40dd-AFC4-6F175D3DCCD1}">
-                    <a14:hiddenFill xmlns="" xmlns:a14="http://schemas.microsoft.com/office/drawing/2010/main">
+                    <a14:hiddenFill xmlns:a14="http://schemas.microsoft.com/office/drawing/2010/main" xmlns="">
                       <a:noFill/>
                     </a14:hiddenFill>
                   </a:ext>
                   <a:ext uri="{AF507438-7753-43e0-B8FC-AC1667EBCBE1}">
-                    <a14:hiddenEffects xmlns="" xmlns:a14="http://schemas.microsoft.com/office/drawing/2010/main">
+                    <a14:hiddenEffects xmlns:a14="http://schemas.microsoft.com/office/drawing/2010/main" xmlns="">
                       <a:effectLst>
                         <a:outerShdw blurRad="63500" dist="38099" dir="2700000" algn="ctr" rotWithShape="0">
                           <a:schemeClr val="bg2">
@@ -10082,12 +10082,12 @@
                 <a:effectLst/>
                 <a:extLst>
                   <a:ext uri="{909E8E84-426E-40dd-AFC4-6F175D3DCCD1}">
-                    <a14:hiddenFill xmlns="" xmlns:a14="http://schemas.microsoft.com/office/drawing/2010/main">
+                    <a14:hiddenFill xmlns:a14="http://schemas.microsoft.com/office/drawing/2010/main" xmlns="">
                       <a:noFill/>
                     </a14:hiddenFill>
                   </a:ext>
                   <a:ext uri="{AF507438-7753-43e0-B8FC-AC1667EBCBE1}">
-                    <a14:hiddenEffects xmlns="" xmlns:a14="http://schemas.microsoft.com/office/drawing/2010/main">
+                    <a14:hiddenEffects xmlns:a14="http://schemas.microsoft.com/office/drawing/2010/main" xmlns="">
                       <a:effectLst>
                         <a:outerShdw blurRad="63500" dist="38099" dir="2700000" algn="ctr" rotWithShape="0">
                           <a:schemeClr val="bg2">
@@ -10140,12 +10140,12 @@
                 <a:effectLst/>
                 <a:extLst>
                   <a:ext uri="{909E8E84-426E-40dd-AFC4-6F175D3DCCD1}">
-                    <a14:hiddenFill xmlns="" xmlns:a14="http://schemas.microsoft.com/office/drawing/2010/main">
+                    <a14:hiddenFill xmlns:a14="http://schemas.microsoft.com/office/drawing/2010/main" xmlns="">
                       <a:noFill/>
                     </a14:hiddenFill>
                   </a:ext>
                   <a:ext uri="{AF507438-7753-43e0-B8FC-AC1667EBCBE1}">
-                    <a14:hiddenEffects xmlns="" xmlns:a14="http://schemas.microsoft.com/office/drawing/2010/main">
+                    <a14:hiddenEffects xmlns:a14="http://schemas.microsoft.com/office/drawing/2010/main" xmlns="">
                       <a:effectLst>
                         <a:outerShdw blurRad="63500" dist="38099" dir="2700000" algn="ctr" rotWithShape="0">
                           <a:schemeClr val="bg2">
@@ -10198,12 +10198,12 @@
                 <a:effectLst/>
                 <a:extLst>
                   <a:ext uri="{909E8E84-426E-40dd-AFC4-6F175D3DCCD1}">
-                    <a14:hiddenFill xmlns="" xmlns:a14="http://schemas.microsoft.com/office/drawing/2010/main">
+                    <a14:hiddenFill xmlns:a14="http://schemas.microsoft.com/office/drawing/2010/main" xmlns="">
                       <a:noFill/>
                     </a14:hiddenFill>
                   </a:ext>
                   <a:ext uri="{AF507438-7753-43e0-B8FC-AC1667EBCBE1}">
-                    <a14:hiddenEffects xmlns="" xmlns:a14="http://schemas.microsoft.com/office/drawing/2010/main">
+                    <a14:hiddenEffects xmlns:a14="http://schemas.microsoft.com/office/drawing/2010/main" xmlns="">
                       <a:effectLst>
                         <a:outerShdw blurRad="63500" dist="38099" dir="2700000" algn="ctr" rotWithShape="0">
                           <a:schemeClr val="bg2">
@@ -10256,12 +10256,12 @@
                 <a:effectLst/>
                 <a:extLst>
                   <a:ext uri="{909E8E84-426E-40dd-AFC4-6F175D3DCCD1}">
-                    <a14:hiddenFill xmlns="" xmlns:a14="http://schemas.microsoft.com/office/drawing/2010/main">
+                    <a14:hiddenFill xmlns:a14="http://schemas.microsoft.com/office/drawing/2010/main" xmlns="">
                       <a:noFill/>
                     </a14:hiddenFill>
                   </a:ext>
                   <a:ext uri="{AF507438-7753-43e0-B8FC-AC1667EBCBE1}">
-                    <a14:hiddenEffects xmlns="" xmlns:a14="http://schemas.microsoft.com/office/drawing/2010/main">
+                    <a14:hiddenEffects xmlns:a14="http://schemas.microsoft.com/office/drawing/2010/main" xmlns="">
                       <a:effectLst>
                         <a:outerShdw blurRad="63500" dist="38099" dir="2700000" algn="ctr" rotWithShape="0">
                           <a:schemeClr val="bg2">
@@ -10314,12 +10314,12 @@
                 <a:effectLst/>
                 <a:extLst>
                   <a:ext uri="{909E8E84-426E-40dd-AFC4-6F175D3DCCD1}">
-                    <a14:hiddenFill xmlns="" xmlns:a14="http://schemas.microsoft.com/office/drawing/2010/main">
+                    <a14:hiddenFill xmlns:a14="http://schemas.microsoft.com/office/drawing/2010/main" xmlns="">
                       <a:noFill/>
                     </a14:hiddenFill>
                   </a:ext>
                   <a:ext uri="{AF507438-7753-43e0-B8FC-AC1667EBCBE1}">
-                    <a14:hiddenEffects xmlns="" xmlns:a14="http://schemas.microsoft.com/office/drawing/2010/main">
+                    <a14:hiddenEffects xmlns:a14="http://schemas.microsoft.com/office/drawing/2010/main" xmlns="">
                       <a:effectLst>
                         <a:outerShdw blurRad="63500" dist="38099" dir="2700000" algn="ctr" rotWithShape="0">
                           <a:schemeClr val="bg2">
@@ -10372,12 +10372,12 @@
                 <a:effectLst/>
                 <a:extLst>
                   <a:ext uri="{909E8E84-426E-40dd-AFC4-6F175D3DCCD1}">
-                    <a14:hiddenFill xmlns="" xmlns:a14="http://schemas.microsoft.com/office/drawing/2010/main">
+                    <a14:hiddenFill xmlns:a14="http://schemas.microsoft.com/office/drawing/2010/main" xmlns="">
                       <a:noFill/>
                     </a14:hiddenFill>
                   </a:ext>
                   <a:ext uri="{AF507438-7753-43e0-B8FC-AC1667EBCBE1}">
-                    <a14:hiddenEffects xmlns="" xmlns:a14="http://schemas.microsoft.com/office/drawing/2010/main">
+                    <a14:hiddenEffects xmlns:a14="http://schemas.microsoft.com/office/drawing/2010/main" xmlns="">
                       <a:effectLst>
                         <a:outerShdw blurRad="63500" dist="38099" dir="2700000" algn="ctr" rotWithShape="0">
                           <a:schemeClr val="bg2">
@@ -10429,7 +10429,7 @@
             <a:effectLst/>
             <a:extLst>
               <a:ext uri="{91240B29-F687-4f45-9708-019B960494DF}">
-                <a14:hiddenLine xmlns="" xmlns:a14="http://schemas.microsoft.com/office/drawing/2010/main" w="9525">
+                <a14:hiddenLine xmlns:a14="http://schemas.microsoft.com/office/drawing/2010/main" xmlns="" w="9525">
                   <a:solidFill>
                     <a:schemeClr val="tx1"/>
                   </a:solidFill>
@@ -10439,7 +10439,7 @@
                 </a14:hiddenLine>
               </a:ext>
               <a:ext uri="{AF507438-7753-43e0-B8FC-AC1667EBCBE1}">
-                <a14:hiddenEffects xmlns="" xmlns:a14="http://schemas.microsoft.com/office/drawing/2010/main">
+                <a14:hiddenEffects xmlns:a14="http://schemas.microsoft.com/office/drawing/2010/main" xmlns="">
                   <a:effectLst>
                     <a:outerShdw blurRad="63500" dist="38099" dir="2700000" algn="ctr" rotWithShape="0">
                       <a:schemeClr val="bg2">
@@ -10487,12 +10487,12 @@
             <a:effectLst/>
             <a:extLst>
               <a:ext uri="{909E8E84-426E-40dd-AFC4-6F175D3DCCD1}">
-                <a14:hiddenFill xmlns="" xmlns:a14="http://schemas.microsoft.com/office/drawing/2010/main">
+                <a14:hiddenFill xmlns:a14="http://schemas.microsoft.com/office/drawing/2010/main" xmlns="">
                   <a:noFill/>
                 </a14:hiddenFill>
               </a:ext>
               <a:ext uri="{AF507438-7753-43e0-B8FC-AC1667EBCBE1}">
-                <a14:hiddenEffects xmlns="" xmlns:a14="http://schemas.microsoft.com/office/drawing/2010/main">
+                <a14:hiddenEffects xmlns:a14="http://schemas.microsoft.com/office/drawing/2010/main" xmlns="">
                   <a:effectLst>
                     <a:outerShdw blurRad="63500" dist="38099" dir="2700000" algn="ctr" rotWithShape="0">
                       <a:schemeClr val="bg2">
@@ -10556,12 +10556,12 @@
               <a:effectLst/>
               <a:extLst>
                 <a:ext uri="{909E8E84-426E-40dd-AFC4-6F175D3DCCD1}">
-                  <a14:hiddenFill xmlns="" xmlns:a14="http://schemas.microsoft.com/office/drawing/2010/main">
+                  <a14:hiddenFill xmlns:a14="http://schemas.microsoft.com/office/drawing/2010/main" xmlns="">
                     <a:noFill/>
                   </a14:hiddenFill>
                 </a:ext>
                 <a:ext uri="{AF507438-7753-43e0-B8FC-AC1667EBCBE1}">
-                  <a14:hiddenEffects xmlns="" xmlns:a14="http://schemas.microsoft.com/office/drawing/2010/main">
+                  <a14:hiddenEffects xmlns:a14="http://schemas.microsoft.com/office/drawing/2010/main" xmlns="">
                     <a:effectLst>
                       <a:outerShdw blurRad="63500" dist="38099" dir="2700000" algn="ctr" rotWithShape="0">
                         <a:schemeClr val="bg2">
@@ -10609,12 +10609,12 @@
               <a:effectLst/>
               <a:extLst>
                 <a:ext uri="{909E8E84-426E-40dd-AFC4-6F175D3DCCD1}">
-                  <a14:hiddenFill xmlns="" xmlns:a14="http://schemas.microsoft.com/office/drawing/2010/main">
+                  <a14:hiddenFill xmlns:a14="http://schemas.microsoft.com/office/drawing/2010/main" xmlns="">
                     <a:noFill/>
                   </a14:hiddenFill>
                 </a:ext>
                 <a:ext uri="{AF507438-7753-43e0-B8FC-AC1667EBCBE1}">
-                  <a14:hiddenEffects xmlns="" xmlns:a14="http://schemas.microsoft.com/office/drawing/2010/main">
+                  <a14:hiddenEffects xmlns:a14="http://schemas.microsoft.com/office/drawing/2010/main" xmlns="">
                     <a:effectLst>
                       <a:outerShdw blurRad="63500" dist="38099" dir="2700000" algn="ctr" rotWithShape="0">
                         <a:schemeClr val="bg2">
@@ -10742,14 +10742,14 @@
               <a:effectLst/>
               <a:extLst>
                 <a:ext uri="{909E8E84-426E-40dd-AFC4-6F175D3DCCD1}">
-                  <a14:hiddenFill xmlns="" xmlns:a14="http://schemas.microsoft.com/office/drawing/2010/main">
+                  <a14:hiddenFill xmlns:a14="http://schemas.microsoft.com/office/drawing/2010/main" xmlns="">
                     <a:solidFill>
                       <a:schemeClr val="accent1"/>
                     </a:solidFill>
                   </a14:hiddenFill>
                 </a:ext>
                 <a:ext uri="{AF507438-7753-43e0-B8FC-AC1667EBCBE1}">
-                  <a14:hiddenEffects xmlns="" xmlns:a14="http://schemas.microsoft.com/office/drawing/2010/main">
+                  <a14:hiddenEffects xmlns:a14="http://schemas.microsoft.com/office/drawing/2010/main" xmlns="">
                     <a:effectLst>
                       <a:outerShdw blurRad="63500" dist="38099" dir="2700000" algn="ctr" rotWithShape="0">
                         <a:schemeClr val="bg2">
@@ -10796,17 +10796,17 @@
           <a:effectLst/>
           <a:extLst>
             <a:ext uri="{FAA26D3D-D897-4be2-8F04-BA451C77F1D7}">
-              <ma14:placeholderFlag xmlns="" xmlns:ma14="http://schemas.microsoft.com/office/mac/drawingml/2011/main" val="1"/>
+              <ma14:placeholderFlag xmlns:ma14="http://schemas.microsoft.com/office/mac/drawingml/2011/main" xmlns="" val="1"/>
             </a:ext>
             <a:ext uri="{909E8E84-426E-40dd-AFC4-6F175D3DCCD1}">
-              <a14:hiddenFill xmlns="" xmlns:a14="http://schemas.microsoft.com/office/drawing/2010/main">
+              <a14:hiddenFill xmlns:a14="http://schemas.microsoft.com/office/drawing/2010/main" xmlns="">
                 <a:solidFill>
                   <a:schemeClr val="accent1"/>
                 </a:solidFill>
               </a14:hiddenFill>
             </a:ext>
             <a:ext uri="{91240B29-F687-4f45-9708-019B960494DF}">
-              <a14:hiddenLine xmlns="" xmlns:a14="http://schemas.microsoft.com/office/drawing/2010/main" w="9525">
+              <a14:hiddenLine xmlns:a14="http://schemas.microsoft.com/office/drawing/2010/main" xmlns="" w="9525">
                 <a:solidFill>
                   <a:schemeClr val="tx1"/>
                 </a:solidFill>
@@ -10816,7 +10816,7 @@
               </a14:hiddenLine>
             </a:ext>
             <a:ext uri="{AF507438-7753-43e0-B8FC-AC1667EBCBE1}">
-              <a14:hiddenEffects xmlns="" xmlns:a14="http://schemas.microsoft.com/office/drawing/2010/main">
+              <a14:hiddenEffects xmlns:a14="http://schemas.microsoft.com/office/drawing/2010/main" xmlns="">
                 <a:effectLst>
                   <a:outerShdw blurRad="63500" dist="38099" dir="2700000" algn="ctr" rotWithShape="0">
                     <a:schemeClr val="bg2">
@@ -10869,17 +10869,17 @@
           <a:effectLst/>
           <a:extLst>
             <a:ext uri="{FAA26D3D-D897-4be2-8F04-BA451C77F1D7}">
-              <ma14:placeholderFlag xmlns="" xmlns:ma14="http://schemas.microsoft.com/office/mac/drawingml/2011/main" val="1"/>
+              <ma14:placeholderFlag xmlns:ma14="http://schemas.microsoft.com/office/mac/drawingml/2011/main" xmlns="" val="1"/>
             </a:ext>
             <a:ext uri="{909E8E84-426E-40dd-AFC4-6F175D3DCCD1}">
-              <a14:hiddenFill xmlns="" xmlns:a14="http://schemas.microsoft.com/office/drawing/2010/main">
+              <a14:hiddenFill xmlns:a14="http://schemas.microsoft.com/office/drawing/2010/main" xmlns="">
                 <a:solidFill>
                   <a:schemeClr val="accent1"/>
                 </a:solidFill>
               </a14:hiddenFill>
             </a:ext>
             <a:ext uri="{91240B29-F687-4f45-9708-019B960494DF}">
-              <a14:hiddenLine xmlns="" xmlns:a14="http://schemas.microsoft.com/office/drawing/2010/main" w="9525">
+              <a14:hiddenLine xmlns:a14="http://schemas.microsoft.com/office/drawing/2010/main" xmlns="" w="9525">
                 <a:solidFill>
                   <a:schemeClr val="tx1"/>
                 </a:solidFill>
@@ -10889,7 +10889,7 @@
               </a14:hiddenLine>
             </a:ext>
             <a:ext uri="{AF507438-7753-43e0-B8FC-AC1667EBCBE1}">
-              <a14:hiddenEffects xmlns="" xmlns:a14="http://schemas.microsoft.com/office/drawing/2010/main">
+              <a14:hiddenEffects xmlns:a14="http://schemas.microsoft.com/office/drawing/2010/main" xmlns="">
                 <a:effectLst>
                   <a:outerShdw blurRad="63500" dist="38099" dir="2700000" algn="ctr" rotWithShape="0">
                     <a:schemeClr val="bg2">
@@ -10970,17 +10970,17 @@
           <a:effectLst/>
           <a:extLst>
             <a:ext uri="{FAA26D3D-D897-4be2-8F04-BA451C77F1D7}">
-              <ma14:placeholderFlag xmlns="" xmlns:ma14="http://schemas.microsoft.com/office/mac/drawingml/2011/main" val="1"/>
+              <ma14:placeholderFlag xmlns:ma14="http://schemas.microsoft.com/office/mac/drawingml/2011/main" xmlns="" val="1"/>
             </a:ext>
             <a:ext uri="{909E8E84-426E-40dd-AFC4-6F175D3DCCD1}">
-              <a14:hiddenFill xmlns="" xmlns:a14="http://schemas.microsoft.com/office/drawing/2010/main">
+              <a14:hiddenFill xmlns:a14="http://schemas.microsoft.com/office/drawing/2010/main" xmlns="">
                 <a:solidFill>
                   <a:schemeClr val="accent1"/>
                 </a:solidFill>
               </a14:hiddenFill>
             </a:ext>
             <a:ext uri="{91240B29-F687-4f45-9708-019B960494DF}">
-              <a14:hiddenLine xmlns="" xmlns:a14="http://schemas.microsoft.com/office/drawing/2010/main" w="9525">
+              <a14:hiddenLine xmlns:a14="http://schemas.microsoft.com/office/drawing/2010/main" xmlns="" w="9525">
                 <a:solidFill>
                   <a:schemeClr val="tx1"/>
                 </a:solidFill>
@@ -10990,7 +10990,7 @@
               </a14:hiddenLine>
             </a:ext>
             <a:ext uri="{AF507438-7753-43e0-B8FC-AC1667EBCBE1}">
-              <a14:hiddenEffects xmlns="" xmlns:a14="http://schemas.microsoft.com/office/drawing/2010/main">
+              <a14:hiddenEffects xmlns:a14="http://schemas.microsoft.com/office/drawing/2010/main" xmlns="">
                 <a:effectLst>
                   <a:outerShdw blurRad="63500" dist="38099" dir="2700000" algn="ctr" rotWithShape="0">
                     <a:schemeClr val="bg2">
@@ -11043,17 +11043,17 @@
           <a:effectLst/>
           <a:extLst>
             <a:ext uri="{FAA26D3D-D897-4be2-8F04-BA451C77F1D7}">
-              <ma14:placeholderFlag xmlns="" xmlns:ma14="http://schemas.microsoft.com/office/mac/drawingml/2011/main" val="1"/>
+              <ma14:placeholderFlag xmlns:ma14="http://schemas.microsoft.com/office/mac/drawingml/2011/main" xmlns="" val="1"/>
             </a:ext>
             <a:ext uri="{909E8E84-426E-40dd-AFC4-6F175D3DCCD1}">
-              <a14:hiddenFill xmlns="" xmlns:a14="http://schemas.microsoft.com/office/drawing/2010/main">
+              <a14:hiddenFill xmlns:a14="http://schemas.microsoft.com/office/drawing/2010/main" xmlns="">
                 <a:solidFill>
                   <a:schemeClr val="accent1"/>
                 </a:solidFill>
               </a14:hiddenFill>
             </a:ext>
             <a:ext uri="{91240B29-F687-4f45-9708-019B960494DF}">
-              <a14:hiddenLine xmlns="" xmlns:a14="http://schemas.microsoft.com/office/drawing/2010/main" w="9525">
+              <a14:hiddenLine xmlns:a14="http://schemas.microsoft.com/office/drawing/2010/main" xmlns="" w="9525">
                 <a:solidFill>
                   <a:schemeClr val="tx1"/>
                 </a:solidFill>
@@ -11063,7 +11063,7 @@
               </a14:hiddenLine>
             </a:ext>
             <a:ext uri="{AF507438-7753-43e0-B8FC-AC1667EBCBE1}">
-              <a14:hiddenEffects xmlns="" xmlns:a14="http://schemas.microsoft.com/office/drawing/2010/main">
+              <a14:hiddenEffects xmlns:a14="http://schemas.microsoft.com/office/drawing/2010/main" xmlns="">
                 <a:effectLst>
                   <a:outerShdw blurRad="63500" dist="38099" dir="2700000" algn="ctr" rotWithShape="0">
                     <a:schemeClr val="bg2">
@@ -11603,7 +11603,7 @@
           <a:ln/>
           <a:extLst>
             <a:ext uri="{91240B29-F687-4f45-9708-019B960494DF}">
-              <a14:hiddenLine xmlns="" xmlns:a14="http://schemas.microsoft.com/office/drawing/2010/main" w="12700">
+              <a14:hiddenLine xmlns:a14="http://schemas.microsoft.com/office/drawing/2010/main" xmlns="" w="12700">
                 <a:solidFill>
                   <a:schemeClr val="tx1"/>
                 </a:solidFill>
@@ -11917,7 +11917,7 @@
           <a:effectLst/>
           <a:extLst>
             <a:ext uri="{AF507438-7753-43e0-B8FC-AC1667EBCBE1}">
-              <a14:hiddenEffects xmlns="" xmlns:a14="http://schemas.microsoft.com/office/drawing/2010/main">
+              <a14:hiddenEffects xmlns:a14="http://schemas.microsoft.com/office/drawing/2010/main" xmlns="">
                 <a:effectLst>
                   <a:outerShdw blurRad="63500" dist="38099" dir="2700000" algn="ctr" rotWithShape="0">
                     <a:schemeClr val="bg2">
@@ -12031,7 +12031,7 @@
           <a:effectLst/>
           <a:extLst>
             <a:ext uri="{AF507438-7753-43e0-B8FC-AC1667EBCBE1}">
-              <a14:hiddenEffects xmlns="" xmlns:a14="http://schemas.microsoft.com/office/drawing/2010/main">
+              <a14:hiddenEffects xmlns:a14="http://schemas.microsoft.com/office/drawing/2010/main" xmlns="">
                 <a:effectLst>
                   <a:outerShdw blurRad="63500" dist="38099" dir="2700000" algn="ctr" rotWithShape="0">
                     <a:schemeClr val="bg2">
@@ -12176,7 +12176,7 @@
           <a:effectLst/>
           <a:extLst>
             <a:ext uri="{AF507438-7753-43e0-B8FC-AC1667EBCBE1}">
-              <a14:hiddenEffects xmlns="" xmlns:a14="http://schemas.microsoft.com/office/drawing/2010/main">
+              <a14:hiddenEffects xmlns:a14="http://schemas.microsoft.com/office/drawing/2010/main" xmlns="">
                 <a:effectLst>
                   <a:outerShdw blurRad="63500" dist="38099" dir="2700000" algn="ctr" rotWithShape="0">
                     <a:schemeClr val="bg2">
@@ -12218,7 +12218,7 @@
           <a:effectLst/>
           <a:extLst>
             <a:ext uri="{AF507438-7753-43e0-B8FC-AC1667EBCBE1}">
-              <a14:hiddenEffects xmlns="" xmlns:a14="http://schemas.microsoft.com/office/drawing/2010/main">
+              <a14:hiddenEffects xmlns:a14="http://schemas.microsoft.com/office/drawing/2010/main" xmlns="">
                 <a:effectLst>
                   <a:outerShdw blurRad="63500" dist="38099" dir="2700000" algn="ctr" rotWithShape="0">
                     <a:schemeClr val="bg2">
@@ -12399,7 +12399,7 @@
           <a:effectLst/>
           <a:extLst>
             <a:ext uri="{AF507438-7753-43e0-B8FC-AC1667EBCBE1}">
-              <a14:hiddenEffects xmlns="" xmlns:a14="http://schemas.microsoft.com/office/drawing/2010/main">
+              <a14:hiddenEffects xmlns:a14="http://schemas.microsoft.com/office/drawing/2010/main" xmlns="">
                 <a:effectLst>
                   <a:outerShdw blurRad="63500" dist="38099" dir="2700000" algn="ctr" rotWithShape="0">
                     <a:schemeClr val="bg2">
@@ -12441,7 +12441,7 @@
           <a:effectLst/>
           <a:extLst>
             <a:ext uri="{AF507438-7753-43e0-B8FC-AC1667EBCBE1}">
-              <a14:hiddenEffects xmlns="" xmlns:a14="http://schemas.microsoft.com/office/drawing/2010/main">
+              <a14:hiddenEffects xmlns:a14="http://schemas.microsoft.com/office/drawing/2010/main" xmlns="">
                 <a:effectLst>
                   <a:outerShdw blurRad="63500" dist="38099" dir="2700000" algn="ctr" rotWithShape="0">
                     <a:schemeClr val="bg2">
@@ -12526,7 +12526,7 @@
           <a:effectLst/>
           <a:extLst>
             <a:ext uri="{AF507438-7753-43e0-B8FC-AC1667EBCBE1}">
-              <a14:hiddenEffects xmlns="" xmlns:a14="http://schemas.microsoft.com/office/drawing/2010/main">
+              <a14:hiddenEffects xmlns:a14="http://schemas.microsoft.com/office/drawing/2010/main" xmlns="">
                 <a:effectLst>
                   <a:outerShdw blurRad="63500" dist="38099" dir="2700000" algn="ctr" rotWithShape="0">
                     <a:schemeClr val="bg2">
@@ -12664,7 +12664,7 @@
           <a:effectLst/>
           <a:extLst>
             <a:ext uri="{AF507438-7753-43e0-B8FC-AC1667EBCBE1}">
-              <a14:hiddenEffects xmlns="" xmlns:a14="http://schemas.microsoft.com/office/drawing/2010/main">
+              <a14:hiddenEffects xmlns:a14="http://schemas.microsoft.com/office/drawing/2010/main" xmlns="">
                 <a:effectLst>
                   <a:outerShdw blurRad="63500" dist="38099" dir="2700000" algn="ctr" rotWithShape="0">
                     <a:schemeClr val="bg2">
@@ -12829,7 +12829,7 @@
           <a:effectLst/>
           <a:extLst>
             <a:ext uri="{AF507438-7753-43e0-B8FC-AC1667EBCBE1}">
-              <a14:hiddenEffects xmlns="" xmlns:a14="http://schemas.microsoft.com/office/drawing/2010/main">
+              <a14:hiddenEffects xmlns:a14="http://schemas.microsoft.com/office/drawing/2010/main" xmlns="">
                 <a:effectLst>
                   <a:outerShdw blurRad="63500" dist="38099" dir="2700000" algn="ctr" rotWithShape="0">
                     <a:schemeClr val="bg2">
@@ -12871,7 +12871,7 @@
           <a:effectLst/>
           <a:extLst>
             <a:ext uri="{AF507438-7753-43e0-B8FC-AC1667EBCBE1}">
-              <a14:hiddenEffects xmlns="" xmlns:a14="http://schemas.microsoft.com/office/drawing/2010/main">
+              <a14:hiddenEffects xmlns:a14="http://schemas.microsoft.com/office/drawing/2010/main" xmlns="">
                 <a:effectLst>
                   <a:outerShdw blurRad="63500" dist="38099" dir="2700000" algn="ctr" rotWithShape="0">
                     <a:schemeClr val="bg2">
@@ -13425,7 +13425,7 @@
           <a:effectLst/>
           <a:extLst>
             <a:ext uri="{AF507438-7753-43e0-B8FC-AC1667EBCBE1}">
-              <a14:hiddenEffects xmlns="" xmlns:a14="http://schemas.microsoft.com/office/drawing/2010/main">
+              <a14:hiddenEffects xmlns:a14="http://schemas.microsoft.com/office/drawing/2010/main" xmlns="">
                 <a:effectLst>
                   <a:outerShdw blurRad="63500" dist="38099" dir="2700000" algn="ctr" rotWithShape="0">
                     <a:schemeClr val="bg2">
@@ -13539,7 +13539,7 @@
           <a:effectLst/>
           <a:extLst>
             <a:ext uri="{AF507438-7753-43e0-B8FC-AC1667EBCBE1}">
-              <a14:hiddenEffects xmlns="" xmlns:a14="http://schemas.microsoft.com/office/drawing/2010/main">
+              <a14:hiddenEffects xmlns:a14="http://schemas.microsoft.com/office/drawing/2010/main" xmlns="">
                 <a:effectLst>
                   <a:outerShdw blurRad="63500" dist="38099" dir="2700000" algn="ctr" rotWithShape="0">
                     <a:schemeClr val="bg2">
@@ -13681,7 +13681,7 @@
           <a:effectLst/>
           <a:extLst>
             <a:ext uri="{AF507438-7753-43e0-B8FC-AC1667EBCBE1}">
-              <a14:hiddenEffects xmlns="" xmlns:a14="http://schemas.microsoft.com/office/drawing/2010/main">
+              <a14:hiddenEffects xmlns:a14="http://schemas.microsoft.com/office/drawing/2010/main" xmlns="">
                 <a:effectLst>
                   <a:outerShdw blurRad="63500" dist="38099" dir="2700000" algn="ctr" rotWithShape="0">
                     <a:schemeClr val="bg2">
@@ -13723,7 +13723,7 @@
           <a:effectLst/>
           <a:extLst>
             <a:ext uri="{AF507438-7753-43e0-B8FC-AC1667EBCBE1}">
-              <a14:hiddenEffects xmlns="" xmlns:a14="http://schemas.microsoft.com/office/drawing/2010/main">
+              <a14:hiddenEffects xmlns:a14="http://schemas.microsoft.com/office/drawing/2010/main" xmlns="">
                 <a:effectLst>
                   <a:outerShdw blurRad="63500" dist="38099" dir="2700000" algn="ctr" rotWithShape="0">
                     <a:schemeClr val="bg2">
@@ -13904,7 +13904,7 @@
           <a:effectLst/>
           <a:extLst>
             <a:ext uri="{AF507438-7753-43e0-B8FC-AC1667EBCBE1}">
-              <a14:hiddenEffects xmlns="" xmlns:a14="http://schemas.microsoft.com/office/drawing/2010/main">
+              <a14:hiddenEffects xmlns:a14="http://schemas.microsoft.com/office/drawing/2010/main" xmlns="">
                 <a:effectLst>
                   <a:outerShdw blurRad="63500" dist="38099" dir="2700000" algn="ctr" rotWithShape="0">
                     <a:schemeClr val="bg2">
@@ -13946,7 +13946,7 @@
           <a:effectLst/>
           <a:extLst>
             <a:ext uri="{AF507438-7753-43e0-B8FC-AC1667EBCBE1}">
-              <a14:hiddenEffects xmlns="" xmlns:a14="http://schemas.microsoft.com/office/drawing/2010/main">
+              <a14:hiddenEffects xmlns:a14="http://schemas.microsoft.com/office/drawing/2010/main" xmlns="">
                 <a:effectLst>
                   <a:outerShdw blurRad="63500" dist="38099" dir="2700000" algn="ctr" rotWithShape="0">
                     <a:schemeClr val="bg2">
@@ -14031,7 +14031,7 @@
           <a:effectLst/>
           <a:extLst>
             <a:ext uri="{AF507438-7753-43e0-B8FC-AC1667EBCBE1}">
-              <a14:hiddenEffects xmlns="" xmlns:a14="http://schemas.microsoft.com/office/drawing/2010/main">
+              <a14:hiddenEffects xmlns:a14="http://schemas.microsoft.com/office/drawing/2010/main" xmlns="">
                 <a:effectLst>
                   <a:outerShdw blurRad="63500" dist="38099" dir="2700000" algn="ctr" rotWithShape="0">
                     <a:schemeClr val="bg2">
@@ -14169,7 +14169,7 @@
           <a:effectLst/>
           <a:extLst>
             <a:ext uri="{AF507438-7753-43e0-B8FC-AC1667EBCBE1}">
-              <a14:hiddenEffects xmlns="" xmlns:a14="http://schemas.microsoft.com/office/drawing/2010/main">
+              <a14:hiddenEffects xmlns:a14="http://schemas.microsoft.com/office/drawing/2010/main" xmlns="">
                 <a:effectLst>
                   <a:outerShdw blurRad="63500" dist="38099" dir="2700000" algn="ctr" rotWithShape="0">
                     <a:schemeClr val="bg2">
@@ -14334,7 +14334,7 @@
           <a:effectLst/>
           <a:extLst>
             <a:ext uri="{AF507438-7753-43e0-B8FC-AC1667EBCBE1}">
-              <a14:hiddenEffects xmlns="" xmlns:a14="http://schemas.microsoft.com/office/drawing/2010/main">
+              <a14:hiddenEffects xmlns:a14="http://schemas.microsoft.com/office/drawing/2010/main" xmlns="">
                 <a:effectLst>
                   <a:outerShdw blurRad="63500" dist="38099" dir="2700000" algn="ctr" rotWithShape="0">
                     <a:schemeClr val="bg2">
@@ -14376,7 +14376,7 @@
           <a:effectLst/>
           <a:extLst>
             <a:ext uri="{AF507438-7753-43e0-B8FC-AC1667EBCBE1}">
-              <a14:hiddenEffects xmlns="" xmlns:a14="http://schemas.microsoft.com/office/drawing/2010/main">
+              <a14:hiddenEffects xmlns:a14="http://schemas.microsoft.com/office/drawing/2010/main" xmlns="">
                 <a:effectLst>
                   <a:outerShdw blurRad="63500" dist="38099" dir="2700000" algn="ctr" rotWithShape="0">
                     <a:schemeClr val="bg2">
@@ -14510,7 +14510,7 @@
           <a:effectLst/>
           <a:extLst>
             <a:ext uri="{AF507438-7753-43e0-B8FC-AC1667EBCBE1}">
-              <a14:hiddenEffects xmlns="" xmlns:a14="http://schemas.microsoft.com/office/drawing/2010/main">
+              <a14:hiddenEffects xmlns:a14="http://schemas.microsoft.com/office/drawing/2010/main" xmlns="">
                 <a:effectLst>
                   <a:outerShdw blurRad="63500" dist="38099" dir="2700000" algn="ctr" rotWithShape="0">
                     <a:schemeClr val="bg2">
@@ -14916,7 +14916,7 @@
           <a:effectLst/>
           <a:extLst>
             <a:ext uri="{AF507438-7753-43e0-B8FC-AC1667EBCBE1}">
-              <a14:hiddenEffects xmlns="" xmlns:a14="http://schemas.microsoft.com/office/drawing/2010/main">
+              <a14:hiddenEffects xmlns:a14="http://schemas.microsoft.com/office/drawing/2010/main" xmlns="">
                 <a:effectLst>
                   <a:outerShdw blurRad="63500" dist="38099" dir="2700000" algn="ctr" rotWithShape="0">
                     <a:schemeClr val="bg2">
@@ -14998,7 +14998,7 @@
           <a:effectLst/>
           <a:extLst>
             <a:ext uri="{AF507438-7753-43e0-B8FC-AC1667EBCBE1}">
-              <a14:hiddenEffects xmlns="" xmlns:a14="http://schemas.microsoft.com/office/drawing/2010/main">
+              <a14:hiddenEffects xmlns:a14="http://schemas.microsoft.com/office/drawing/2010/main" xmlns="">
                 <a:effectLst>
                   <a:outerShdw blurRad="63500" dist="38099" dir="2700000" algn="ctr" rotWithShape="0">
                     <a:schemeClr val="bg2">
@@ -15140,7 +15140,7 @@
           <a:effectLst/>
           <a:extLst>
             <a:ext uri="{AF507438-7753-43e0-B8FC-AC1667EBCBE1}">
-              <a14:hiddenEffects xmlns="" xmlns:a14="http://schemas.microsoft.com/office/drawing/2010/main">
+              <a14:hiddenEffects xmlns:a14="http://schemas.microsoft.com/office/drawing/2010/main" xmlns="">
                 <a:effectLst>
                   <a:outerShdw blurRad="63500" dist="38099" dir="2700000" algn="ctr" rotWithShape="0">
                     <a:schemeClr val="bg2">
@@ -15182,7 +15182,7 @@
           <a:effectLst/>
           <a:extLst>
             <a:ext uri="{AF507438-7753-43e0-B8FC-AC1667EBCBE1}">
-              <a14:hiddenEffects xmlns="" xmlns:a14="http://schemas.microsoft.com/office/drawing/2010/main">
+              <a14:hiddenEffects xmlns:a14="http://schemas.microsoft.com/office/drawing/2010/main" xmlns="">
                 <a:effectLst>
                   <a:outerShdw blurRad="63500" dist="38099" dir="2700000" algn="ctr" rotWithShape="0">
                     <a:schemeClr val="bg2">
@@ -15363,7 +15363,7 @@
           <a:effectLst/>
           <a:extLst>
             <a:ext uri="{AF507438-7753-43e0-B8FC-AC1667EBCBE1}">
-              <a14:hiddenEffects xmlns="" xmlns:a14="http://schemas.microsoft.com/office/drawing/2010/main">
+              <a14:hiddenEffects xmlns:a14="http://schemas.microsoft.com/office/drawing/2010/main" xmlns="">
                 <a:effectLst>
                   <a:outerShdw blurRad="63500" dist="38099" dir="2700000" algn="ctr" rotWithShape="0">
                     <a:schemeClr val="bg2">
@@ -15405,7 +15405,7 @@
           <a:effectLst/>
           <a:extLst>
             <a:ext uri="{AF507438-7753-43e0-B8FC-AC1667EBCBE1}">
-              <a14:hiddenEffects xmlns="" xmlns:a14="http://schemas.microsoft.com/office/drawing/2010/main">
+              <a14:hiddenEffects xmlns:a14="http://schemas.microsoft.com/office/drawing/2010/main" xmlns="">
                 <a:effectLst>
                   <a:outerShdw blurRad="63500" dist="38099" dir="2700000" algn="ctr" rotWithShape="0">
                     <a:schemeClr val="bg2">
@@ -15490,7 +15490,7 @@
           <a:effectLst/>
           <a:extLst>
             <a:ext uri="{AF507438-7753-43e0-B8FC-AC1667EBCBE1}">
-              <a14:hiddenEffects xmlns="" xmlns:a14="http://schemas.microsoft.com/office/drawing/2010/main">
+              <a14:hiddenEffects xmlns:a14="http://schemas.microsoft.com/office/drawing/2010/main" xmlns="">
                 <a:effectLst>
                   <a:outerShdw blurRad="63500" dist="38099" dir="2700000" algn="ctr" rotWithShape="0">
                     <a:schemeClr val="bg2">
@@ -15628,7 +15628,7 @@
           <a:effectLst/>
           <a:extLst>
             <a:ext uri="{AF507438-7753-43e0-B8FC-AC1667EBCBE1}">
-              <a14:hiddenEffects xmlns="" xmlns:a14="http://schemas.microsoft.com/office/drawing/2010/main">
+              <a14:hiddenEffects xmlns:a14="http://schemas.microsoft.com/office/drawing/2010/main" xmlns="">
                 <a:effectLst>
                   <a:outerShdw blurRad="63500" dist="38099" dir="2700000" algn="ctr" rotWithShape="0">
                     <a:schemeClr val="bg2">
@@ -15793,7 +15793,7 @@
           <a:effectLst/>
           <a:extLst>
             <a:ext uri="{AF507438-7753-43e0-B8FC-AC1667EBCBE1}">
-              <a14:hiddenEffects xmlns="" xmlns:a14="http://schemas.microsoft.com/office/drawing/2010/main">
+              <a14:hiddenEffects xmlns:a14="http://schemas.microsoft.com/office/drawing/2010/main" xmlns="">
                 <a:effectLst>
                   <a:outerShdw blurRad="63500" dist="38099" dir="2700000" algn="ctr" rotWithShape="0">
                     <a:schemeClr val="bg2">
@@ -15835,7 +15835,7 @@
           <a:effectLst/>
           <a:extLst>
             <a:ext uri="{AF507438-7753-43e0-B8FC-AC1667EBCBE1}">
-              <a14:hiddenEffects xmlns="" xmlns:a14="http://schemas.microsoft.com/office/drawing/2010/main">
+              <a14:hiddenEffects xmlns:a14="http://schemas.microsoft.com/office/drawing/2010/main" xmlns="">
                 <a:effectLst>
                   <a:outerShdw blurRad="63500" dist="38099" dir="2700000" algn="ctr" rotWithShape="0">
                     <a:schemeClr val="bg2">
@@ -15969,7 +15969,7 @@
           <a:effectLst/>
           <a:extLst>
             <a:ext uri="{AF507438-7753-43e0-B8FC-AC1667EBCBE1}">
-              <a14:hiddenEffects xmlns="" xmlns:a14="http://schemas.microsoft.com/office/drawing/2010/main">
+              <a14:hiddenEffects xmlns:a14="http://schemas.microsoft.com/office/drawing/2010/main" xmlns="">
                 <a:effectLst>
                   <a:outerShdw blurRad="63500" dist="38099" dir="2700000" algn="ctr" rotWithShape="0">
                     <a:schemeClr val="bg2">
@@ -16617,7 +16617,7 @@
           <a:effectLst/>
           <a:extLst>
             <a:ext uri="{AF507438-7753-43e0-B8FC-AC1667EBCBE1}">
-              <a14:hiddenEffects xmlns="" xmlns:a14="http://schemas.microsoft.com/office/drawing/2010/main">
+              <a14:hiddenEffects xmlns:a14="http://schemas.microsoft.com/office/drawing/2010/main" xmlns="">
                 <a:effectLst>
                   <a:outerShdw blurRad="63500" dist="38099" dir="2700000" algn="ctr" rotWithShape="0">
                     <a:schemeClr val="bg2">
@@ -16699,7 +16699,7 @@
           <a:effectLst/>
           <a:extLst>
             <a:ext uri="{AF507438-7753-43e0-B8FC-AC1667EBCBE1}">
-              <a14:hiddenEffects xmlns="" xmlns:a14="http://schemas.microsoft.com/office/drawing/2010/main">
+              <a14:hiddenEffects xmlns:a14="http://schemas.microsoft.com/office/drawing/2010/main" xmlns="">
                 <a:effectLst>
                   <a:outerShdw blurRad="63500" dist="38099" dir="2700000" algn="ctr" rotWithShape="0">
                     <a:schemeClr val="bg2">
@@ -16808,7 +16808,7 @@
           <a:effectLst/>
           <a:extLst>
             <a:ext uri="{AF507438-7753-43e0-B8FC-AC1667EBCBE1}">
-              <a14:hiddenEffects xmlns="" xmlns:a14="http://schemas.microsoft.com/office/drawing/2010/main">
+              <a14:hiddenEffects xmlns:a14="http://schemas.microsoft.com/office/drawing/2010/main" xmlns="">
                 <a:effectLst>
                   <a:outerShdw blurRad="63500" dist="38099" dir="2700000" algn="ctr" rotWithShape="0">
                     <a:schemeClr val="bg2">
@@ -16852,7 +16852,7 @@
           <a:effectLst/>
           <a:extLst>
             <a:ext uri="{AF507438-7753-43e0-B8FC-AC1667EBCBE1}">
-              <a14:hiddenEffects xmlns="" xmlns:a14="http://schemas.microsoft.com/office/drawing/2010/main">
+              <a14:hiddenEffects xmlns:a14="http://schemas.microsoft.com/office/drawing/2010/main" xmlns="">
                 <a:effectLst>
                   <a:outerShdw blurRad="63500" dist="38099" dir="2700000" algn="ctr" rotWithShape="0">
                     <a:schemeClr val="bg2">
@@ -16894,7 +16894,7 @@
           <a:effectLst/>
           <a:extLst>
             <a:ext uri="{AF507438-7753-43e0-B8FC-AC1667EBCBE1}">
-              <a14:hiddenEffects xmlns="" xmlns:a14="http://schemas.microsoft.com/office/drawing/2010/main">
+              <a14:hiddenEffects xmlns:a14="http://schemas.microsoft.com/office/drawing/2010/main" xmlns="">
                 <a:effectLst>
                   <a:outerShdw blurRad="63500" dist="38099" dir="2700000" algn="ctr" rotWithShape="0">
                     <a:schemeClr val="bg2">
@@ -17100,7 +17100,7 @@
           <a:effectLst/>
           <a:extLst>
             <a:ext uri="{AF507438-7753-43e0-B8FC-AC1667EBCBE1}">
-              <a14:hiddenEffects xmlns="" xmlns:a14="http://schemas.microsoft.com/office/drawing/2010/main">
+              <a14:hiddenEffects xmlns:a14="http://schemas.microsoft.com/office/drawing/2010/main" xmlns="">
                 <a:effectLst>
                   <a:outerShdw blurRad="63500" dist="38099" dir="2700000" algn="ctr" rotWithShape="0">
                     <a:schemeClr val="bg2">
@@ -17334,7 +17334,7 @@
           <a:effectLst/>
           <a:extLst>
             <a:ext uri="{AF507438-7753-43e0-B8FC-AC1667EBCBE1}">
-              <a14:hiddenEffects xmlns="" xmlns:a14="http://schemas.microsoft.com/office/drawing/2010/main">
+              <a14:hiddenEffects xmlns:a14="http://schemas.microsoft.com/office/drawing/2010/main" xmlns="">
                 <a:effectLst>
                   <a:outerShdw blurRad="63500" dist="38099" dir="2700000" algn="ctr" rotWithShape="0">
                     <a:schemeClr val="bg2">
@@ -17376,7 +17376,7 @@
           <a:effectLst/>
           <a:extLst>
             <a:ext uri="{AF507438-7753-43e0-B8FC-AC1667EBCBE1}">
-              <a14:hiddenEffects xmlns="" xmlns:a14="http://schemas.microsoft.com/office/drawing/2010/main">
+              <a14:hiddenEffects xmlns:a14="http://schemas.microsoft.com/office/drawing/2010/main" xmlns="">
                 <a:effectLst>
                   <a:outerShdw blurRad="63500" dist="38099" dir="2700000" algn="ctr" rotWithShape="0">
                     <a:schemeClr val="bg2">
@@ -17641,7 +17641,7 @@
           <a:effectLst/>
           <a:extLst>
             <a:ext uri="{AF507438-7753-43e0-B8FC-AC1667EBCBE1}">
-              <a14:hiddenEffects xmlns="" xmlns:a14="http://schemas.microsoft.com/office/drawing/2010/main">
+              <a14:hiddenEffects xmlns:a14="http://schemas.microsoft.com/office/drawing/2010/main" xmlns="">
                 <a:effectLst>
                   <a:outerShdw blurRad="63500" dist="38099" dir="2700000" algn="ctr" rotWithShape="0">
                     <a:schemeClr val="bg2">
@@ -17836,7 +17836,7 @@
           <a:effectLst/>
           <a:extLst>
             <a:ext uri="{AF507438-7753-43e0-B8FC-AC1667EBCBE1}">
-              <a14:hiddenEffects xmlns="" xmlns:a14="http://schemas.microsoft.com/office/drawing/2010/main">
+              <a14:hiddenEffects xmlns:a14="http://schemas.microsoft.com/office/drawing/2010/main" xmlns="">
                 <a:effectLst>
                   <a:outerShdw blurRad="63500" dist="38099" dir="2700000" algn="ctr" rotWithShape="0">
                     <a:schemeClr val="bg2">
@@ -17943,7 +17943,7 @@
           <a:effectLst/>
           <a:extLst>
             <a:ext uri="{AF507438-7753-43e0-B8FC-AC1667EBCBE1}">
-              <a14:hiddenEffects xmlns="" xmlns:a14="http://schemas.microsoft.com/office/drawing/2010/main">
+              <a14:hiddenEffects xmlns:a14="http://schemas.microsoft.com/office/drawing/2010/main" xmlns="">
                 <a:effectLst>
                   <a:outerShdw blurRad="63500" dist="38099" dir="2700000" algn="ctr" rotWithShape="0">
                     <a:schemeClr val="bg2">
@@ -18052,7 +18052,7 @@
           <a:effectLst/>
           <a:extLst>
             <a:ext uri="{AF507438-7753-43e0-B8FC-AC1667EBCBE1}">
-              <a14:hiddenEffects xmlns="" xmlns:a14="http://schemas.microsoft.com/office/drawing/2010/main">
+              <a14:hiddenEffects xmlns:a14="http://schemas.microsoft.com/office/drawing/2010/main" xmlns="">
                 <a:effectLst>
                   <a:outerShdw blurRad="63500" dist="38099" dir="2700000" algn="ctr" rotWithShape="0">
                     <a:schemeClr val="bg2">
@@ -18134,7 +18134,7 @@
           <a:effectLst/>
           <a:extLst>
             <a:ext uri="{AF507438-7753-43e0-B8FC-AC1667EBCBE1}">
-              <a14:hiddenEffects xmlns="" xmlns:a14="http://schemas.microsoft.com/office/drawing/2010/main">
+              <a14:hiddenEffects xmlns:a14="http://schemas.microsoft.com/office/drawing/2010/main" xmlns="">
                 <a:effectLst>
                   <a:outerShdw blurRad="63500" dist="38099" dir="2700000" algn="ctr" rotWithShape="0">
                     <a:schemeClr val="bg2">
@@ -18725,7 +18725,7 @@
           <a:effectLst/>
           <a:extLst>
             <a:ext uri="{AF507438-7753-43e0-B8FC-AC1667EBCBE1}">
-              <a14:hiddenEffects xmlns="" xmlns:a14="http://schemas.microsoft.com/office/drawing/2010/main">
+              <a14:hiddenEffects xmlns:a14="http://schemas.microsoft.com/office/drawing/2010/main" xmlns="">
                 <a:effectLst>
                   <a:outerShdw blurRad="63500" dist="38099" dir="2700000" algn="ctr" rotWithShape="0">
                     <a:schemeClr val="bg2">
@@ -18807,7 +18807,7 @@
           <a:effectLst/>
           <a:extLst>
             <a:ext uri="{AF507438-7753-43e0-B8FC-AC1667EBCBE1}">
-              <a14:hiddenEffects xmlns="" xmlns:a14="http://schemas.microsoft.com/office/drawing/2010/main">
+              <a14:hiddenEffects xmlns:a14="http://schemas.microsoft.com/office/drawing/2010/main" xmlns="">
                 <a:effectLst>
                   <a:outerShdw blurRad="63500" dist="38099" dir="2700000" algn="ctr" rotWithShape="0">
                     <a:schemeClr val="bg2">
@@ -18916,7 +18916,7 @@
           <a:effectLst/>
           <a:extLst>
             <a:ext uri="{AF507438-7753-43e0-B8FC-AC1667EBCBE1}">
-              <a14:hiddenEffects xmlns="" xmlns:a14="http://schemas.microsoft.com/office/drawing/2010/main">
+              <a14:hiddenEffects xmlns:a14="http://schemas.microsoft.com/office/drawing/2010/main" xmlns="">
                 <a:effectLst>
                   <a:outerShdw blurRad="63500" dist="38099" dir="2700000" algn="ctr" rotWithShape="0">
                     <a:schemeClr val="bg2">
@@ -18960,7 +18960,7 @@
           <a:effectLst/>
           <a:extLst>
             <a:ext uri="{AF507438-7753-43e0-B8FC-AC1667EBCBE1}">
-              <a14:hiddenEffects xmlns="" xmlns:a14="http://schemas.microsoft.com/office/drawing/2010/main">
+              <a14:hiddenEffects xmlns:a14="http://schemas.microsoft.com/office/drawing/2010/main" xmlns="">
                 <a:effectLst>
                   <a:outerShdw blurRad="63500" dist="38099" dir="2700000" algn="ctr" rotWithShape="0">
                     <a:schemeClr val="bg2">
@@ -19002,7 +19002,7 @@
           <a:effectLst/>
           <a:extLst>
             <a:ext uri="{AF507438-7753-43e0-B8FC-AC1667EBCBE1}">
-              <a14:hiddenEffects xmlns="" xmlns:a14="http://schemas.microsoft.com/office/drawing/2010/main">
+              <a14:hiddenEffects xmlns:a14="http://schemas.microsoft.com/office/drawing/2010/main" xmlns="">
                 <a:effectLst>
                   <a:outerShdw blurRad="63500" dist="38099" dir="2700000" algn="ctr" rotWithShape="0">
                     <a:schemeClr val="bg2">
@@ -19208,7 +19208,7 @@
           <a:effectLst/>
           <a:extLst>
             <a:ext uri="{AF507438-7753-43e0-B8FC-AC1667EBCBE1}">
-              <a14:hiddenEffects xmlns="" xmlns:a14="http://schemas.microsoft.com/office/drawing/2010/main">
+              <a14:hiddenEffects xmlns:a14="http://schemas.microsoft.com/office/drawing/2010/main" xmlns="">
                 <a:effectLst>
                   <a:outerShdw blurRad="63500" dist="38099" dir="2700000" algn="ctr" rotWithShape="0">
                     <a:schemeClr val="bg2">
@@ -19442,7 +19442,7 @@
           <a:effectLst/>
           <a:extLst>
             <a:ext uri="{AF507438-7753-43e0-B8FC-AC1667EBCBE1}">
-              <a14:hiddenEffects xmlns="" xmlns:a14="http://schemas.microsoft.com/office/drawing/2010/main">
+              <a14:hiddenEffects xmlns:a14="http://schemas.microsoft.com/office/drawing/2010/main" xmlns="">
                 <a:effectLst>
                   <a:outerShdw blurRad="63500" dist="38099" dir="2700000" algn="ctr" rotWithShape="0">
                     <a:schemeClr val="bg2">
@@ -19484,7 +19484,7 @@
           <a:effectLst/>
           <a:extLst>
             <a:ext uri="{AF507438-7753-43e0-B8FC-AC1667EBCBE1}">
-              <a14:hiddenEffects xmlns="" xmlns:a14="http://schemas.microsoft.com/office/drawing/2010/main">
+              <a14:hiddenEffects xmlns:a14="http://schemas.microsoft.com/office/drawing/2010/main" xmlns="">
                 <a:effectLst>
                   <a:outerShdw blurRad="63500" dist="38099" dir="2700000" algn="ctr" rotWithShape="0">
                     <a:schemeClr val="bg2">
@@ -19749,7 +19749,7 @@
           <a:effectLst/>
           <a:extLst>
             <a:ext uri="{AF507438-7753-43e0-B8FC-AC1667EBCBE1}">
-              <a14:hiddenEffects xmlns="" xmlns:a14="http://schemas.microsoft.com/office/drawing/2010/main">
+              <a14:hiddenEffects xmlns:a14="http://schemas.microsoft.com/office/drawing/2010/main" xmlns="">
                 <a:effectLst>
                   <a:outerShdw blurRad="63500" dist="38099" dir="2700000" algn="ctr" rotWithShape="0">
                     <a:schemeClr val="bg2">
@@ -19971,7 +19971,7 @@
           <a:effectLst/>
           <a:extLst>
             <a:ext uri="{AF507438-7753-43e0-B8FC-AC1667EBCBE1}">
-              <a14:hiddenEffects xmlns="" xmlns:a14="http://schemas.microsoft.com/office/drawing/2010/main">
+              <a14:hiddenEffects xmlns:a14="http://schemas.microsoft.com/office/drawing/2010/main" xmlns="">
                 <a:effectLst>
                   <a:outerShdw blurRad="63500" dist="38099" dir="2700000" algn="ctr" rotWithShape="0">
                     <a:schemeClr val="bg2">
@@ -20078,7 +20078,7 @@
           <a:effectLst/>
           <a:extLst>
             <a:ext uri="{AF507438-7753-43e0-B8FC-AC1667EBCBE1}">
-              <a14:hiddenEffects xmlns="" xmlns:a14="http://schemas.microsoft.com/office/drawing/2010/main">
+              <a14:hiddenEffects xmlns:a14="http://schemas.microsoft.com/office/drawing/2010/main" xmlns="">
                 <a:effectLst>
                   <a:outerShdw blurRad="63500" dist="38099" dir="2700000" algn="ctr" rotWithShape="0">
                     <a:schemeClr val="bg2">
@@ -20187,7 +20187,7 @@
           <a:effectLst/>
           <a:extLst>
             <a:ext uri="{AF507438-7753-43e0-B8FC-AC1667EBCBE1}">
-              <a14:hiddenEffects xmlns="" xmlns:a14="http://schemas.microsoft.com/office/drawing/2010/main">
+              <a14:hiddenEffects xmlns:a14="http://schemas.microsoft.com/office/drawing/2010/main" xmlns="">
                 <a:effectLst>
                   <a:outerShdw blurRad="63500" dist="38099" dir="2700000" algn="ctr" rotWithShape="0">
                     <a:schemeClr val="bg2">
@@ -20269,7 +20269,7 @@
           <a:effectLst/>
           <a:extLst>
             <a:ext uri="{AF507438-7753-43e0-B8FC-AC1667EBCBE1}">
-              <a14:hiddenEffects xmlns="" xmlns:a14="http://schemas.microsoft.com/office/drawing/2010/main">
+              <a14:hiddenEffects xmlns:a14="http://schemas.microsoft.com/office/drawing/2010/main" xmlns="">
                 <a:effectLst>
                   <a:outerShdw blurRad="63500" dist="38099" dir="2700000" algn="ctr" rotWithShape="0">
                     <a:schemeClr val="bg2">
@@ -20351,7 +20351,7 @@
           <a:effectLst/>
           <a:extLst>
             <a:ext uri="{AF507438-7753-43e0-B8FC-AC1667EBCBE1}">
-              <a14:hiddenEffects xmlns="" xmlns:a14="http://schemas.microsoft.com/office/drawing/2010/main">
+              <a14:hiddenEffects xmlns:a14="http://schemas.microsoft.com/office/drawing/2010/main" xmlns="">
                 <a:effectLst>
                   <a:outerShdw blurRad="63500" dist="38099" dir="2700000" algn="ctr" rotWithShape="0">
                     <a:schemeClr val="bg2">
@@ -20710,7 +20710,7 @@
           <a:effectLst/>
           <a:extLst>
             <a:ext uri="{AF507438-7753-43e0-B8FC-AC1667EBCBE1}">
-              <a14:hiddenEffects xmlns="" xmlns:a14="http://schemas.microsoft.com/office/drawing/2010/main">
+              <a14:hiddenEffects xmlns:a14="http://schemas.microsoft.com/office/drawing/2010/main" xmlns="">
                 <a:effectLst>
                   <a:outerShdw blurRad="63500" dist="38099" dir="2700000" algn="ctr" rotWithShape="0">
                     <a:schemeClr val="bg2">
@@ -20849,7 +20849,7 @@
           <a:effectLst/>
           <a:extLst>
             <a:ext uri="{AF507438-7753-43e0-B8FC-AC1667EBCBE1}">
-              <a14:hiddenEffects xmlns="" xmlns:a14="http://schemas.microsoft.com/office/drawing/2010/main">
+              <a14:hiddenEffects xmlns:a14="http://schemas.microsoft.com/office/drawing/2010/main" xmlns="">
                 <a:effectLst>
                   <a:outerShdw blurRad="63500" dist="38099" dir="2700000" algn="ctr" rotWithShape="0">
                     <a:schemeClr val="bg2">
@@ -20931,7 +20931,7 @@
           <a:effectLst/>
           <a:extLst>
             <a:ext uri="{AF507438-7753-43e0-B8FC-AC1667EBCBE1}">
-              <a14:hiddenEffects xmlns="" xmlns:a14="http://schemas.microsoft.com/office/drawing/2010/main">
+              <a14:hiddenEffects xmlns:a14="http://schemas.microsoft.com/office/drawing/2010/main" xmlns="">
                 <a:effectLst>
                   <a:outerShdw blurRad="63500" dist="38099" dir="2700000" algn="ctr" rotWithShape="0">
                     <a:schemeClr val="bg2">
@@ -21040,7 +21040,7 @@
           <a:effectLst/>
           <a:extLst>
             <a:ext uri="{AF507438-7753-43e0-B8FC-AC1667EBCBE1}">
-              <a14:hiddenEffects xmlns="" xmlns:a14="http://schemas.microsoft.com/office/drawing/2010/main">
+              <a14:hiddenEffects xmlns:a14="http://schemas.microsoft.com/office/drawing/2010/main" xmlns="">
                 <a:effectLst>
                   <a:outerShdw blurRad="63500" dist="38099" dir="2700000" algn="ctr" rotWithShape="0">
                     <a:schemeClr val="bg2">
@@ -21084,7 +21084,7 @@
           <a:effectLst/>
           <a:extLst>
             <a:ext uri="{AF507438-7753-43e0-B8FC-AC1667EBCBE1}">
-              <a14:hiddenEffects xmlns="" xmlns:a14="http://schemas.microsoft.com/office/drawing/2010/main">
+              <a14:hiddenEffects xmlns:a14="http://schemas.microsoft.com/office/drawing/2010/main" xmlns="">
                 <a:effectLst>
                   <a:outerShdw blurRad="63500" dist="38099" dir="2700000" algn="ctr" rotWithShape="0">
                     <a:schemeClr val="bg2">
@@ -21126,7 +21126,7 @@
           <a:effectLst/>
           <a:extLst>
             <a:ext uri="{AF507438-7753-43e0-B8FC-AC1667EBCBE1}">
-              <a14:hiddenEffects xmlns="" xmlns:a14="http://schemas.microsoft.com/office/drawing/2010/main">
+              <a14:hiddenEffects xmlns:a14="http://schemas.microsoft.com/office/drawing/2010/main" xmlns="">
                 <a:effectLst>
                   <a:outerShdw blurRad="63500" dist="38099" dir="2700000" algn="ctr" rotWithShape="0">
                     <a:schemeClr val="bg2">
@@ -21332,7 +21332,7 @@
           <a:effectLst/>
           <a:extLst>
             <a:ext uri="{AF507438-7753-43e0-B8FC-AC1667EBCBE1}">
-              <a14:hiddenEffects xmlns="" xmlns:a14="http://schemas.microsoft.com/office/drawing/2010/main">
+              <a14:hiddenEffects xmlns:a14="http://schemas.microsoft.com/office/drawing/2010/main" xmlns="">
                 <a:effectLst>
                   <a:outerShdw blurRad="63500" dist="38099" dir="2700000" algn="ctr" rotWithShape="0">
                     <a:schemeClr val="bg2">
@@ -21566,7 +21566,7 @@
           <a:effectLst/>
           <a:extLst>
             <a:ext uri="{AF507438-7753-43e0-B8FC-AC1667EBCBE1}">
-              <a14:hiddenEffects xmlns="" xmlns:a14="http://schemas.microsoft.com/office/drawing/2010/main">
+              <a14:hiddenEffects xmlns:a14="http://schemas.microsoft.com/office/drawing/2010/main" xmlns="">
                 <a:effectLst>
                   <a:outerShdw blurRad="63500" dist="38099" dir="2700000" algn="ctr" rotWithShape="0">
                     <a:schemeClr val="bg2">
@@ -21608,7 +21608,7 @@
           <a:effectLst/>
           <a:extLst>
             <a:ext uri="{AF507438-7753-43e0-B8FC-AC1667EBCBE1}">
-              <a14:hiddenEffects xmlns="" xmlns:a14="http://schemas.microsoft.com/office/drawing/2010/main">
+              <a14:hiddenEffects xmlns:a14="http://schemas.microsoft.com/office/drawing/2010/main" xmlns="">
                 <a:effectLst>
                   <a:outerShdw blurRad="63500" dist="38099" dir="2700000" algn="ctr" rotWithShape="0">
                     <a:schemeClr val="bg2">
@@ -21873,7 +21873,7 @@
           <a:effectLst/>
           <a:extLst>
             <a:ext uri="{AF507438-7753-43e0-B8FC-AC1667EBCBE1}">
-              <a14:hiddenEffects xmlns="" xmlns:a14="http://schemas.microsoft.com/office/drawing/2010/main">
+              <a14:hiddenEffects xmlns:a14="http://schemas.microsoft.com/office/drawing/2010/main" xmlns="">
                 <a:effectLst>
                   <a:outerShdw blurRad="63500" dist="38099" dir="2700000" algn="ctr" rotWithShape="0">
                     <a:schemeClr val="bg2">
@@ -22095,7 +22095,7 @@
           <a:effectLst/>
           <a:extLst>
             <a:ext uri="{AF507438-7753-43e0-B8FC-AC1667EBCBE1}">
-              <a14:hiddenEffects xmlns="" xmlns:a14="http://schemas.microsoft.com/office/drawing/2010/main">
+              <a14:hiddenEffects xmlns:a14="http://schemas.microsoft.com/office/drawing/2010/main" xmlns="">
                 <a:effectLst>
                   <a:outerShdw blurRad="63500" dist="38099" dir="2700000" algn="ctr" rotWithShape="0">
                     <a:schemeClr val="bg2">
@@ -22202,7 +22202,7 @@
           <a:effectLst/>
           <a:extLst>
             <a:ext uri="{AF507438-7753-43e0-B8FC-AC1667EBCBE1}">
-              <a14:hiddenEffects xmlns="" xmlns:a14="http://schemas.microsoft.com/office/drawing/2010/main">
+              <a14:hiddenEffects xmlns:a14="http://schemas.microsoft.com/office/drawing/2010/main" xmlns="">
                 <a:effectLst>
                   <a:outerShdw blurRad="63500" dist="38099" dir="2700000" algn="ctr" rotWithShape="0">
                     <a:schemeClr val="bg2">
@@ -22311,7 +22311,7 @@
           <a:effectLst/>
           <a:extLst>
             <a:ext uri="{AF507438-7753-43e0-B8FC-AC1667EBCBE1}">
-              <a14:hiddenEffects xmlns="" xmlns:a14="http://schemas.microsoft.com/office/drawing/2010/main">
+              <a14:hiddenEffects xmlns:a14="http://schemas.microsoft.com/office/drawing/2010/main" xmlns="">
                 <a:effectLst>
                   <a:outerShdw blurRad="63500" dist="38099" dir="2700000" algn="ctr" rotWithShape="0">
                     <a:schemeClr val="bg2">
@@ -22393,7 +22393,7 @@
           <a:effectLst/>
           <a:extLst>
             <a:ext uri="{AF507438-7753-43e0-B8FC-AC1667EBCBE1}">
-              <a14:hiddenEffects xmlns="" xmlns:a14="http://schemas.microsoft.com/office/drawing/2010/main">
+              <a14:hiddenEffects xmlns:a14="http://schemas.microsoft.com/office/drawing/2010/main" xmlns="">
                 <a:effectLst>
                   <a:outerShdw blurRad="63500" dist="38099" dir="2700000" algn="ctr" rotWithShape="0">
                     <a:schemeClr val="bg2">
@@ -22475,7 +22475,7 @@
           <a:effectLst/>
           <a:extLst>
             <a:ext uri="{AF507438-7753-43e0-B8FC-AC1667EBCBE1}">
-              <a14:hiddenEffects xmlns="" xmlns:a14="http://schemas.microsoft.com/office/drawing/2010/main">
+              <a14:hiddenEffects xmlns:a14="http://schemas.microsoft.com/office/drawing/2010/main" xmlns="">
                 <a:effectLst>
                   <a:outerShdw blurRad="63500" dist="38099" dir="2700000" algn="ctr" rotWithShape="0">
                     <a:schemeClr val="bg2">
@@ -23597,7 +23597,7 @@
           <a:effectLst/>
           <a:extLst>
             <a:ext uri="{AF507438-7753-43e0-B8FC-AC1667EBCBE1}">
-              <a14:hiddenEffects xmlns="" xmlns:a14="http://schemas.microsoft.com/office/drawing/2010/main">
+              <a14:hiddenEffects xmlns:a14="http://schemas.microsoft.com/office/drawing/2010/main" xmlns="">
                 <a:effectLst>
                   <a:outerShdw blurRad="63500" dist="38099" dir="2700000" algn="ctr" rotWithShape="0">
                     <a:schemeClr val="bg2">
@@ -23711,7 +23711,7 @@
           <a:effectLst/>
           <a:extLst>
             <a:ext uri="{AF507438-7753-43e0-B8FC-AC1667EBCBE1}">
-              <a14:hiddenEffects xmlns="" xmlns:a14="http://schemas.microsoft.com/office/drawing/2010/main">
+              <a14:hiddenEffects xmlns:a14="http://schemas.microsoft.com/office/drawing/2010/main" xmlns="">
                 <a:effectLst>
                   <a:outerShdw blurRad="63500" dist="38099" dir="2700000" algn="ctr" rotWithShape="0">
                     <a:schemeClr val="bg2">
@@ -23825,7 +23825,7 @@
           <a:effectLst/>
           <a:extLst>
             <a:ext uri="{AF507438-7753-43e0-B8FC-AC1667EBCBE1}">
-              <a14:hiddenEffects xmlns="" xmlns:a14="http://schemas.microsoft.com/office/drawing/2010/main">
+              <a14:hiddenEffects xmlns:a14="http://schemas.microsoft.com/office/drawing/2010/main" xmlns="">
                 <a:effectLst>
                   <a:outerShdw blurRad="63500" dist="38099" dir="2700000" algn="ctr" rotWithShape="0">
                     <a:schemeClr val="bg2">
@@ -23937,7 +23937,7 @@
           <a:effectLst/>
           <a:extLst>
             <a:ext uri="{AF507438-7753-43e0-B8FC-AC1667EBCBE1}">
-              <a14:hiddenEffects xmlns="" xmlns:a14="http://schemas.microsoft.com/office/drawing/2010/main">
+              <a14:hiddenEffects xmlns:a14="http://schemas.microsoft.com/office/drawing/2010/main" xmlns="">
                 <a:effectLst>
                   <a:outerShdw blurRad="63500" dist="38099" dir="2700000" algn="ctr" rotWithShape="0">
                     <a:schemeClr val="bg2">
@@ -23982,7 +23982,7 @@
           <a:effectLst/>
           <a:extLst>
             <a:ext uri="{AF507438-7753-43e0-B8FC-AC1667EBCBE1}">
-              <a14:hiddenEffects xmlns="" xmlns:a14="http://schemas.microsoft.com/office/drawing/2010/main">
+              <a14:hiddenEffects xmlns:a14="http://schemas.microsoft.com/office/drawing/2010/main" xmlns="">
                 <a:effectLst>
                   <a:outerShdw blurRad="63500" dist="38099" dir="2700000" algn="ctr" rotWithShape="0">
                     <a:schemeClr val="bg2">
@@ -24709,7 +24709,7 @@
           <a:effectLst/>
           <a:extLst>
             <a:ext uri="{AF507438-7753-43e0-B8FC-AC1667EBCBE1}">
-              <a14:hiddenEffects xmlns="" xmlns:a14="http://schemas.microsoft.com/office/drawing/2010/main">
+              <a14:hiddenEffects xmlns:a14="http://schemas.microsoft.com/office/drawing/2010/main" xmlns="">
                 <a:effectLst>
                   <a:outerShdw blurRad="63500" dist="38099" dir="2700000" algn="ctr" rotWithShape="0">
                     <a:schemeClr val="bg2">
@@ -24966,7 +24966,7 @@
           <a:effectLst/>
           <a:extLst>
             <a:ext uri="{AF507438-7753-43e0-B8FC-AC1667EBCBE1}">
-              <a14:hiddenEffects xmlns="" xmlns:a14="http://schemas.microsoft.com/office/drawing/2010/main">
+              <a14:hiddenEffects xmlns:a14="http://schemas.microsoft.com/office/drawing/2010/main" xmlns="">
                 <a:effectLst>
                   <a:outerShdw blurRad="63500" dist="38099" dir="2700000" algn="ctr" rotWithShape="0">
                     <a:schemeClr val="bg2">
@@ -25253,7 +25253,7 @@
           <a:effectLst/>
           <a:extLst>
             <a:ext uri="{AF507438-7753-43e0-B8FC-AC1667EBCBE1}">
-              <a14:hiddenEffects xmlns="" xmlns:a14="http://schemas.microsoft.com/office/drawing/2010/main">
+              <a14:hiddenEffects xmlns:a14="http://schemas.microsoft.com/office/drawing/2010/main" xmlns="">
                 <a:effectLst>
                   <a:outerShdw blurRad="63500" dist="38099" dir="2700000" algn="ctr" rotWithShape="0">
                     <a:schemeClr val="bg2">
@@ -25330,7 +25330,7 @@
           <a:effectLst/>
           <a:extLst>
             <a:ext uri="{AF507438-7753-43e0-B8FC-AC1667EBCBE1}">
-              <a14:hiddenEffects xmlns="" xmlns:a14="http://schemas.microsoft.com/office/drawing/2010/main">
+              <a14:hiddenEffects xmlns:a14="http://schemas.microsoft.com/office/drawing/2010/main" xmlns="">
                 <a:effectLst>
                   <a:outerShdw blurRad="63500" dist="38099" dir="2700000" algn="ctr" rotWithShape="0">
                     <a:schemeClr val="bg2">
@@ -25773,7 +25773,7 @@
           <a:effectLst/>
           <a:extLst>
             <a:ext uri="{AF507438-7753-43e0-B8FC-AC1667EBCBE1}">
-              <a14:hiddenEffects xmlns="" xmlns:a14="http://schemas.microsoft.com/office/drawing/2010/main">
+              <a14:hiddenEffects xmlns:a14="http://schemas.microsoft.com/office/drawing/2010/main" xmlns="">
                 <a:effectLst>
                   <a:outerShdw blurRad="63500" dist="38099" dir="2700000" algn="ctr" rotWithShape="0">
                     <a:schemeClr val="bg2">
@@ -25850,7 +25850,7 @@
           <a:effectLst/>
           <a:extLst>
             <a:ext uri="{AF507438-7753-43e0-B8FC-AC1667EBCBE1}">
-              <a14:hiddenEffects xmlns="" xmlns:a14="http://schemas.microsoft.com/office/drawing/2010/main">
+              <a14:hiddenEffects xmlns:a14="http://schemas.microsoft.com/office/drawing/2010/main" xmlns="">
                 <a:effectLst>
                   <a:outerShdw blurRad="63500" dist="38099" dir="2700000" algn="ctr" rotWithShape="0">
                     <a:schemeClr val="bg2">
@@ -26659,7 +26659,7 @@
           <a:effectLst/>
           <a:extLst>
             <a:ext uri="{AF507438-7753-43e0-B8FC-AC1667EBCBE1}">
-              <a14:hiddenEffects xmlns="" xmlns:a14="http://schemas.microsoft.com/office/drawing/2010/main">
+              <a14:hiddenEffects xmlns:a14="http://schemas.microsoft.com/office/drawing/2010/main" xmlns="">
                 <a:effectLst>
                   <a:outerShdw blurRad="63500" dist="38099" dir="2700000" algn="ctr" rotWithShape="0">
                     <a:schemeClr val="bg2">
@@ -26736,7 +26736,7 @@
           <a:effectLst/>
           <a:extLst>
             <a:ext uri="{AF507438-7753-43e0-B8FC-AC1667EBCBE1}">
-              <a14:hiddenEffects xmlns="" xmlns:a14="http://schemas.microsoft.com/office/drawing/2010/main">
+              <a14:hiddenEffects xmlns:a14="http://schemas.microsoft.com/office/drawing/2010/main" xmlns="">
                 <a:effectLst>
                   <a:outerShdw blurRad="63500" dist="38099" dir="2700000" algn="ctr" rotWithShape="0">
                     <a:schemeClr val="bg2">
@@ -27084,7 +27084,7 @@
           <a:effectLst/>
           <a:extLst>
             <a:ext uri="{AF507438-7753-43e0-B8FC-AC1667EBCBE1}">
-              <a14:hiddenEffects xmlns="" xmlns:a14="http://schemas.microsoft.com/office/drawing/2010/main">
+              <a14:hiddenEffects xmlns:a14="http://schemas.microsoft.com/office/drawing/2010/main" xmlns="">
                 <a:effectLst>
                   <a:outerShdw blurRad="63500" dist="38099" dir="2700000" algn="ctr" rotWithShape="0">
                     <a:schemeClr val="bg2">
@@ -27166,7 +27166,7 @@
           <a:effectLst/>
           <a:extLst>
             <a:ext uri="{AF507438-7753-43e0-B8FC-AC1667EBCBE1}">
-              <a14:hiddenEffects xmlns="" xmlns:a14="http://schemas.microsoft.com/office/drawing/2010/main">
+              <a14:hiddenEffects xmlns:a14="http://schemas.microsoft.com/office/drawing/2010/main" xmlns="">
                 <a:effectLst>
                   <a:outerShdw blurRad="63500" dist="38099" dir="2700000" algn="ctr" rotWithShape="0">
                     <a:schemeClr val="bg2">
@@ -27248,7 +27248,7 @@
           <a:effectLst/>
           <a:extLst>
             <a:ext uri="{AF507438-7753-43e0-B8FC-AC1667EBCBE1}">
-              <a14:hiddenEffects xmlns="" xmlns:a14="http://schemas.microsoft.com/office/drawing/2010/main">
+              <a14:hiddenEffects xmlns:a14="http://schemas.microsoft.com/office/drawing/2010/main" xmlns="">
                 <a:effectLst>
                   <a:outerShdw blurRad="63500" dist="38099" dir="2700000" algn="ctr" rotWithShape="0">
                     <a:schemeClr val="bg2">
@@ -27330,7 +27330,7 @@
           <a:effectLst/>
           <a:extLst>
             <a:ext uri="{AF507438-7753-43e0-B8FC-AC1667EBCBE1}">
-              <a14:hiddenEffects xmlns="" xmlns:a14="http://schemas.microsoft.com/office/drawing/2010/main">
+              <a14:hiddenEffects xmlns:a14="http://schemas.microsoft.com/office/drawing/2010/main" xmlns="">
                 <a:effectLst>
                   <a:outerShdw blurRad="63500" dist="38099" dir="2700000" algn="ctr" rotWithShape="0">
                     <a:schemeClr val="bg2">
@@ -27423,7 +27423,7 @@
           <a:effectLst/>
           <a:extLst>
             <a:ext uri="{AF507438-7753-43e0-B8FC-AC1667EBCBE1}">
-              <a14:hiddenEffects xmlns="" xmlns:a14="http://schemas.microsoft.com/office/drawing/2010/main">
+              <a14:hiddenEffects xmlns:a14="http://schemas.microsoft.com/office/drawing/2010/main" xmlns="">
                 <a:effectLst>
                   <a:outerShdw blurRad="63500" dist="38099" dir="2700000" algn="ctr" rotWithShape="0">
                     <a:schemeClr val="bg2">
@@ -27516,7 +27516,7 @@
           <a:effectLst/>
           <a:extLst>
             <a:ext uri="{AF507438-7753-43e0-B8FC-AC1667EBCBE1}">
-              <a14:hiddenEffects xmlns="" xmlns:a14="http://schemas.microsoft.com/office/drawing/2010/main">
+              <a14:hiddenEffects xmlns:a14="http://schemas.microsoft.com/office/drawing/2010/main" xmlns="">
                 <a:effectLst>
                   <a:outerShdw blurRad="63500" dist="38099" dir="2700000" algn="ctr" rotWithShape="0">
                     <a:schemeClr val="bg2">
@@ -27609,7 +27609,7 @@
           <a:effectLst/>
           <a:extLst>
             <a:ext uri="{AF507438-7753-43e0-B8FC-AC1667EBCBE1}">
-              <a14:hiddenEffects xmlns="" xmlns:a14="http://schemas.microsoft.com/office/drawing/2010/main">
+              <a14:hiddenEffects xmlns:a14="http://schemas.microsoft.com/office/drawing/2010/main" xmlns="">
                 <a:effectLst>
                   <a:outerShdw blurRad="63500" dist="38099" dir="2700000" algn="ctr" rotWithShape="0">
                     <a:schemeClr val="bg2">
@@ -27705,7 +27705,7 @@
           <a:effectLst/>
           <a:extLst>
             <a:ext uri="{AF507438-7753-43e0-B8FC-AC1667EBCBE1}">
-              <a14:hiddenEffects xmlns="" xmlns:a14="http://schemas.microsoft.com/office/drawing/2010/main">
+              <a14:hiddenEffects xmlns:a14="http://schemas.microsoft.com/office/drawing/2010/main" xmlns="">
                 <a:effectLst>
                   <a:outerShdw blurRad="63500" dist="38099" dir="2700000" algn="ctr" rotWithShape="0">
                     <a:schemeClr val="bg2">
@@ -27750,7 +27750,7 @@
           <a:effectLst/>
           <a:extLst>
             <a:ext uri="{AF507438-7753-43e0-B8FC-AC1667EBCBE1}">
-              <a14:hiddenEffects xmlns="" xmlns:a14="http://schemas.microsoft.com/office/drawing/2010/main">
+              <a14:hiddenEffects xmlns:a14="http://schemas.microsoft.com/office/drawing/2010/main" xmlns="">
                 <a:effectLst>
                   <a:outerShdw blurRad="63500" dist="38099" dir="2700000" algn="ctr" rotWithShape="0">
                     <a:schemeClr val="bg2">
@@ -27797,7 +27797,7 @@
           <a:effectLst/>
           <a:extLst>
             <a:ext uri="{AF507438-7753-43e0-B8FC-AC1667EBCBE1}">
-              <a14:hiddenEffects xmlns="" xmlns:a14="http://schemas.microsoft.com/office/drawing/2010/main">
+              <a14:hiddenEffects xmlns:a14="http://schemas.microsoft.com/office/drawing/2010/main" xmlns="">
                 <a:effectLst>
                   <a:outerShdw blurRad="63500" dist="38099" dir="2700000" algn="ctr" rotWithShape="0">
                     <a:schemeClr val="bg2">
@@ -28607,7 +28607,7 @@
             </a:r>
             <a:r>
               <a:rPr lang="en-US" dirty="0" err="1"/>
-              <a:t>Old_State</a:t>
+              <a:t>Current_State</a:t>
             </a:r>
             <a:r>
               <a:rPr lang="en-US" dirty="0"/>
@@ -28621,6 +28621,142 @@
           </a:p>
         </p:txBody>
       </p:sp>
+      <p:sp>
+        <p:nvSpPr>
+          <p:cNvPr id="5" name="Rectangle 4">
+            <a:extLst>
+              <a:ext uri="{FF2B5EF4-FFF2-40B4-BE49-F238E27FC236}">
+                <a16:creationId xmlns:a16="http://schemas.microsoft.com/office/drawing/2014/main" id="{5B664E98-99A2-7043-BEC9-B9749EDED31D}"/>
+              </a:ext>
+            </a:extLst>
+          </p:cNvPr>
+          <p:cNvSpPr/>
+          <p:nvPr/>
+        </p:nvSpPr>
+        <p:spPr bwMode="auto">
+          <a:xfrm>
+            <a:off x="4038600" y="5486400"/>
+            <a:ext cx="1905000" cy="381000"/>
+          </a:xfrm>
+          <a:prstGeom prst="rect">
+            <a:avLst/>
+          </a:prstGeom>
+          <a:solidFill>
+            <a:schemeClr val="accent1"/>
+          </a:solidFill>
+          <a:ln w="9525" cap="flat" cmpd="sng" algn="ctr">
+            <a:solidFill>
+              <a:schemeClr val="tx1"/>
+            </a:solidFill>
+            <a:prstDash val="solid"/>
+            <a:round/>
+            <a:headEnd type="none" w="med" len="med"/>
+            <a:tailEnd type="none" w="med" len="med"/>
+          </a:ln>
+          <a:effectLst/>
+          <a:extLst>
+            <a:ext uri="{AF507438-7753-43e0-B8FC-AC1667EBCBE1}">
+              <a14:hiddenEffects xmlns:a14="http://schemas.microsoft.com/office/drawing/2010/main" xmlns="">
+                <a:effectLst>
+                  <a:outerShdw blurRad="63500" dist="38099" dir="2700000" algn="ctr" rotWithShape="0">
+                    <a:schemeClr val="bg2">
+                      <a:alpha val="74998"/>
+                    </a:schemeClr>
+                  </a:outerShdw>
+                </a:effectLst>
+              </a14:hiddenEffects>
+            </a:ext>
+          </a:extLst>
+        </p:spPr>
+        <p:txBody>
+          <a:bodyPr vert="horz" wrap="none" lIns="91440" tIns="45720" rIns="91440" bIns="45720" numCol="1" rtlCol="0" anchor="t" anchorCtr="0" compatLnSpc="1">
+            <a:prstTxWarp prst="textNoShape">
+              <a:avLst/>
+            </a:prstTxWarp>
+          </a:bodyPr>
+          <a:lstStyle/>
+          <a:p>
+            <a:pPr marL="0" marR="0" indent="0" algn="l" defTabSz="914400" rtl="0" eaLnBrk="1" fontAlgn="base" latinLnBrk="0" hangingPunct="1">
+              <a:lnSpc>
+                <a:spcPct val="100000"/>
+              </a:lnSpc>
+              <a:spcBef>
+                <a:spcPct val="0"/>
+              </a:spcBef>
+              <a:spcAft>
+                <a:spcPct val="0"/>
+              </a:spcAft>
+              <a:buClrTx/>
+              <a:buSzTx/>
+              <a:buFontTx/>
+              <a:buNone/>
+              <a:tabLst/>
+            </a:pPr>
+            <a:r>
+              <a:rPr kumimoji="0" lang="en-US" sz="2400" b="0" i="0" u="none" strike="noStrike" cap="none" normalizeH="0" baseline="0" dirty="0">
+                <a:ln>
+                  <a:noFill/>
+                </a:ln>
+                <a:solidFill>
+                  <a:schemeClr val="tx1"/>
+                </a:solidFill>
+                <a:effectLst/>
+                <a:latin typeface="Tahoma" charset="0"/>
+                <a:ea typeface="ＭＳ Ｐゴシック" charset="0"/>
+              </a:rPr>
+              <a:t>Initial State</a:t>
+            </a:r>
+          </a:p>
+        </p:txBody>
+      </p:sp>
+      <p:cxnSp>
+        <p:nvCxnSpPr>
+          <p:cNvPr id="8" name="Straight Arrow Connector 7">
+            <a:extLst>
+              <a:ext uri="{FF2B5EF4-FFF2-40B4-BE49-F238E27FC236}">
+                <a16:creationId xmlns:a16="http://schemas.microsoft.com/office/drawing/2014/main" id="{3F1EC989-1810-D14F-9184-25FF9DB493DB}"/>
+              </a:ext>
+            </a:extLst>
+          </p:cNvPr>
+          <p:cNvCxnSpPr/>
+          <p:nvPr/>
+        </p:nvCxnSpPr>
+        <p:spPr bwMode="auto">
+          <a:xfrm flipH="1" flipV="1">
+            <a:off x="4572000" y="4876800"/>
+            <a:ext cx="381000" cy="533400"/>
+          </a:xfrm>
+          <a:prstGeom prst="straightConnector1">
+            <a:avLst/>
+          </a:prstGeom>
+          <a:solidFill>
+            <a:schemeClr val="accent1"/>
+          </a:solidFill>
+          <a:ln w="9525" cap="flat" cmpd="sng" algn="ctr">
+            <a:solidFill>
+              <a:schemeClr val="tx1"/>
+            </a:solidFill>
+            <a:prstDash val="solid"/>
+            <a:round/>
+            <a:headEnd type="none" w="med" len="med"/>
+            <a:tailEnd type="triangle"/>
+          </a:ln>
+          <a:effectLst/>
+          <a:extLst>
+            <a:ext uri="{AF507438-7753-43e0-B8FC-AC1667EBCBE1}">
+              <a14:hiddenEffects xmlns:a14="http://schemas.microsoft.com/office/drawing/2010/main" xmlns="">
+                <a:effectLst>
+                  <a:outerShdw blurRad="63500" dist="38099" dir="2700000" algn="ctr" rotWithShape="0">
+                    <a:schemeClr val="bg2">
+                      <a:alpha val="74998"/>
+                    </a:schemeClr>
+                  </a:outerShdw>
+                </a:effectLst>
+              </a14:hiddenEffects>
+            </a:ext>
+          </a:extLst>
+        </p:spPr>
+      </p:cxnSp>
     </p:spTree>
     <p:extLst>
       <p:ext uri="{BB962C8B-B14F-4D97-AF65-F5344CB8AC3E}">
@@ -28914,7 +29050,7 @@
           <a:effectLst/>
           <a:extLst>
             <a:ext uri="{AF507438-7753-43e0-B8FC-AC1667EBCBE1}">
-              <a14:hiddenEffects xmlns="" xmlns:a14="http://schemas.microsoft.com/office/drawing/2010/main">
+              <a14:hiddenEffects xmlns:a14="http://schemas.microsoft.com/office/drawing/2010/main" xmlns="">
                 <a:effectLst>
                   <a:outerShdw blurRad="63500" dist="38099" dir="2700000" algn="ctr" rotWithShape="0">
                     <a:schemeClr val="bg2">
@@ -29002,7 +29138,7 @@
           <a:effectLst/>
           <a:extLst>
             <a:ext uri="{AF507438-7753-43e0-B8FC-AC1667EBCBE1}">
-              <a14:hiddenEffects xmlns="" xmlns:a14="http://schemas.microsoft.com/office/drawing/2010/main">
+              <a14:hiddenEffects xmlns:a14="http://schemas.microsoft.com/office/drawing/2010/main" xmlns="">
                 <a:effectLst>
                   <a:outerShdw blurRad="63500" dist="38099" dir="2700000" algn="ctr" rotWithShape="0">
                     <a:schemeClr val="bg2">
@@ -29090,7 +29226,7 @@
           <a:effectLst/>
           <a:extLst>
             <a:ext uri="{AF507438-7753-43e0-B8FC-AC1667EBCBE1}">
-              <a14:hiddenEffects xmlns="" xmlns:a14="http://schemas.microsoft.com/office/drawing/2010/main">
+              <a14:hiddenEffects xmlns:a14="http://schemas.microsoft.com/office/drawing/2010/main" xmlns="">
                 <a:effectLst>
                   <a:outerShdw blurRad="63500" dist="38099" dir="2700000" algn="ctr" rotWithShape="0">
                     <a:schemeClr val="bg2">
@@ -29178,7 +29314,7 @@
           <a:effectLst/>
           <a:extLst>
             <a:ext uri="{AF507438-7753-43e0-B8FC-AC1667EBCBE1}">
-              <a14:hiddenEffects xmlns="" xmlns:a14="http://schemas.microsoft.com/office/drawing/2010/main">
+              <a14:hiddenEffects xmlns:a14="http://schemas.microsoft.com/office/drawing/2010/main" xmlns="">
                 <a:effectLst>
                   <a:outerShdw blurRad="63500" dist="38099" dir="2700000" algn="ctr" rotWithShape="0">
                     <a:schemeClr val="bg2">
@@ -29266,7 +29402,7 @@
           <a:effectLst/>
           <a:extLst>
             <a:ext uri="{AF507438-7753-43e0-B8FC-AC1667EBCBE1}">
-              <a14:hiddenEffects xmlns="" xmlns:a14="http://schemas.microsoft.com/office/drawing/2010/main">
+              <a14:hiddenEffects xmlns:a14="http://schemas.microsoft.com/office/drawing/2010/main" xmlns="">
                 <a:effectLst>
                   <a:outerShdw blurRad="63500" dist="38099" dir="2700000" algn="ctr" rotWithShape="0">
                     <a:schemeClr val="bg2">
@@ -29354,7 +29490,7 @@
           <a:effectLst/>
           <a:extLst>
             <a:ext uri="{AF507438-7753-43e0-B8FC-AC1667EBCBE1}">
-              <a14:hiddenEffects xmlns="" xmlns:a14="http://schemas.microsoft.com/office/drawing/2010/main">
+              <a14:hiddenEffects xmlns:a14="http://schemas.microsoft.com/office/drawing/2010/main" xmlns="">
                 <a:effectLst>
                   <a:outerShdw blurRad="63500" dist="38099" dir="2700000" algn="ctr" rotWithShape="0">
                     <a:schemeClr val="bg2">
@@ -29453,7 +29589,7 @@
           <a:effectLst/>
           <a:extLst>
             <a:ext uri="{AF507438-7753-43e0-B8FC-AC1667EBCBE1}">
-              <a14:hiddenEffects xmlns="" xmlns:a14="http://schemas.microsoft.com/office/drawing/2010/main">
+              <a14:hiddenEffects xmlns:a14="http://schemas.microsoft.com/office/drawing/2010/main" xmlns="">
                 <a:effectLst>
                   <a:outerShdw blurRad="63500" dist="38099" dir="2700000" algn="ctr" rotWithShape="0">
                     <a:schemeClr val="bg2">
@@ -29555,7 +29691,7 @@
           <a:effectLst/>
           <a:extLst>
             <a:ext uri="{AF507438-7753-43e0-B8FC-AC1667EBCBE1}">
-              <a14:hiddenEffects xmlns="" xmlns:a14="http://schemas.microsoft.com/office/drawing/2010/main">
+              <a14:hiddenEffects xmlns:a14="http://schemas.microsoft.com/office/drawing/2010/main" xmlns="">
                 <a:effectLst>
                   <a:outerShdw blurRad="63500" dist="38099" dir="2700000" algn="ctr" rotWithShape="0">
                     <a:schemeClr val="bg2">
@@ -29606,7 +29742,7 @@
           <a:effectLst/>
           <a:extLst>
             <a:ext uri="{AF507438-7753-43e0-B8FC-AC1667EBCBE1}">
-              <a14:hiddenEffects xmlns="" xmlns:a14="http://schemas.microsoft.com/office/drawing/2010/main">
+              <a14:hiddenEffects xmlns:a14="http://schemas.microsoft.com/office/drawing/2010/main" xmlns="">
                 <a:effectLst>
                   <a:outerShdw blurRad="63500" dist="38099" dir="2700000" algn="ctr" rotWithShape="0">
                     <a:schemeClr val="bg2">
@@ -29659,7 +29795,7 @@
           <a:effectLst/>
           <a:extLst>
             <a:ext uri="{AF507438-7753-43e0-B8FC-AC1667EBCBE1}">
-              <a14:hiddenEffects xmlns="" xmlns:a14="http://schemas.microsoft.com/office/drawing/2010/main">
+              <a14:hiddenEffects xmlns:a14="http://schemas.microsoft.com/office/drawing/2010/main" xmlns="">
                 <a:effectLst>
                   <a:outerShdw blurRad="63500" dist="38099" dir="2700000" algn="ctr" rotWithShape="0">
                     <a:schemeClr val="bg2">
@@ -29707,7 +29843,7 @@
           <a:effectLst/>
           <a:extLst>
             <a:ext uri="{AF507438-7753-43e0-B8FC-AC1667EBCBE1}">
-              <a14:hiddenEffects xmlns="" xmlns:a14="http://schemas.microsoft.com/office/drawing/2010/main">
+              <a14:hiddenEffects xmlns:a14="http://schemas.microsoft.com/office/drawing/2010/main" xmlns="">
                 <a:effectLst>
                   <a:outerShdw blurRad="63500" dist="38099" dir="2700000" algn="ctr" rotWithShape="0">
                     <a:schemeClr val="bg2">
@@ -29802,7 +29938,7 @@
           <a:effectLst/>
           <a:extLst>
             <a:ext uri="{AF507438-7753-43e0-B8FC-AC1667EBCBE1}">
-              <a14:hiddenEffects xmlns="" xmlns:a14="http://schemas.microsoft.com/office/drawing/2010/main">
+              <a14:hiddenEffects xmlns:a14="http://schemas.microsoft.com/office/drawing/2010/main" xmlns="">
                 <a:effectLst>
                   <a:outerShdw blurRad="63500" dist="38099" dir="2700000" algn="ctr" rotWithShape="0">
                     <a:schemeClr val="bg2">
@@ -29852,7 +29988,7 @@
           <a:effectLst/>
           <a:extLst>
             <a:ext uri="{AF507438-7753-43e0-B8FC-AC1667EBCBE1}">
-              <a14:hiddenEffects xmlns="" xmlns:a14="http://schemas.microsoft.com/office/drawing/2010/main">
+              <a14:hiddenEffects xmlns:a14="http://schemas.microsoft.com/office/drawing/2010/main" xmlns="">
                 <a:effectLst>
                   <a:outerShdw blurRad="63500" dist="38099" dir="2700000" algn="ctr" rotWithShape="0">
                     <a:schemeClr val="bg2">
@@ -29900,7 +30036,7 @@
           <a:effectLst/>
           <a:extLst>
             <a:ext uri="{AF507438-7753-43e0-B8FC-AC1667EBCBE1}">
-              <a14:hiddenEffects xmlns="" xmlns:a14="http://schemas.microsoft.com/office/drawing/2010/main">
+              <a14:hiddenEffects xmlns:a14="http://schemas.microsoft.com/office/drawing/2010/main" xmlns="">
                 <a:effectLst>
                   <a:outerShdw blurRad="63500" dist="38099" dir="2700000" algn="ctr" rotWithShape="0">
                     <a:schemeClr val="bg2">
@@ -30220,7 +30356,7 @@
           <a:effectLst/>
           <a:extLst>
             <a:ext uri="{AF507438-7753-43e0-B8FC-AC1667EBCBE1}">
-              <a14:hiddenEffects xmlns="" xmlns:a14="http://schemas.microsoft.com/office/drawing/2010/main">
+              <a14:hiddenEffects xmlns:a14="http://schemas.microsoft.com/office/drawing/2010/main" xmlns="">
                 <a:effectLst>
                   <a:outerShdw blurRad="63500" dist="38099" dir="2700000" algn="ctr" rotWithShape="0">
                     <a:schemeClr val="bg2">
@@ -30334,7 +30470,7 @@
           <a:effectLst/>
           <a:extLst>
             <a:ext uri="{AF507438-7753-43e0-B8FC-AC1667EBCBE1}">
-              <a14:hiddenEffects xmlns="" xmlns:a14="http://schemas.microsoft.com/office/drawing/2010/main">
+              <a14:hiddenEffects xmlns:a14="http://schemas.microsoft.com/office/drawing/2010/main" xmlns="">
                 <a:effectLst>
                   <a:outerShdw blurRad="63500" dist="38099" dir="2700000" algn="ctr" rotWithShape="0">
                     <a:schemeClr val="bg2">
@@ -30479,7 +30615,7 @@
           <a:effectLst/>
           <a:extLst>
             <a:ext uri="{AF507438-7753-43e0-B8FC-AC1667EBCBE1}">
-              <a14:hiddenEffects xmlns="" xmlns:a14="http://schemas.microsoft.com/office/drawing/2010/main">
+              <a14:hiddenEffects xmlns:a14="http://schemas.microsoft.com/office/drawing/2010/main" xmlns="">
                 <a:effectLst>
                   <a:outerShdw blurRad="63500" dist="38099" dir="2700000" algn="ctr" rotWithShape="0">
                     <a:schemeClr val="bg2">
@@ -30521,7 +30657,7 @@
           <a:effectLst/>
           <a:extLst>
             <a:ext uri="{AF507438-7753-43e0-B8FC-AC1667EBCBE1}">
-              <a14:hiddenEffects xmlns="" xmlns:a14="http://schemas.microsoft.com/office/drawing/2010/main">
+              <a14:hiddenEffects xmlns:a14="http://schemas.microsoft.com/office/drawing/2010/main" xmlns="">
                 <a:effectLst>
                   <a:outerShdw blurRad="63500" dist="38099" dir="2700000" algn="ctr" rotWithShape="0">
                     <a:schemeClr val="bg2">
@@ -30702,7 +30838,7 @@
           <a:effectLst/>
           <a:extLst>
             <a:ext uri="{AF507438-7753-43e0-B8FC-AC1667EBCBE1}">
-              <a14:hiddenEffects xmlns="" xmlns:a14="http://schemas.microsoft.com/office/drawing/2010/main">
+              <a14:hiddenEffects xmlns:a14="http://schemas.microsoft.com/office/drawing/2010/main" xmlns="">
                 <a:effectLst>
                   <a:outerShdw blurRad="63500" dist="38099" dir="2700000" algn="ctr" rotWithShape="0">
                     <a:schemeClr val="bg2">
@@ -30744,7 +30880,7 @@
           <a:effectLst/>
           <a:extLst>
             <a:ext uri="{AF507438-7753-43e0-B8FC-AC1667EBCBE1}">
-              <a14:hiddenEffects xmlns="" xmlns:a14="http://schemas.microsoft.com/office/drawing/2010/main">
+              <a14:hiddenEffects xmlns:a14="http://schemas.microsoft.com/office/drawing/2010/main" xmlns="">
                 <a:effectLst>
                   <a:outerShdw blurRad="63500" dist="38099" dir="2700000" algn="ctr" rotWithShape="0">
                     <a:schemeClr val="bg2">
@@ -30827,7 +30963,7 @@
           <a:effectLst/>
           <a:extLst>
             <a:ext uri="{AF507438-7753-43e0-B8FC-AC1667EBCBE1}">
-              <a14:hiddenEffects xmlns="" xmlns:a14="http://schemas.microsoft.com/office/drawing/2010/main">
+              <a14:hiddenEffects xmlns:a14="http://schemas.microsoft.com/office/drawing/2010/main" xmlns="">
                 <a:effectLst>
                   <a:outerShdw blurRad="63500" dist="38099" dir="2700000" algn="ctr" rotWithShape="0">
                     <a:schemeClr val="bg2">
@@ -30934,7 +31070,7 @@
           <a:effectLst/>
           <a:extLst>
             <a:ext uri="{AF507438-7753-43e0-B8FC-AC1667EBCBE1}">
-              <a14:hiddenEffects xmlns="" xmlns:a14="http://schemas.microsoft.com/office/drawing/2010/main">
+              <a14:hiddenEffects xmlns:a14="http://schemas.microsoft.com/office/drawing/2010/main" xmlns="">
                 <a:effectLst>
                   <a:outerShdw blurRad="63500" dist="38099" dir="2700000" algn="ctr" rotWithShape="0">
                     <a:schemeClr val="bg2">
@@ -30979,7 +31115,7 @@
           <a:effectLst/>
           <a:extLst>
             <a:ext uri="{AF507438-7753-43e0-B8FC-AC1667EBCBE1}">
-              <a14:hiddenEffects xmlns="" xmlns:a14="http://schemas.microsoft.com/office/drawing/2010/main">
+              <a14:hiddenEffects xmlns:a14="http://schemas.microsoft.com/office/drawing/2010/main" xmlns="">
                 <a:effectLst>
                   <a:outerShdw blurRad="63500" dist="38099" dir="2700000" algn="ctr" rotWithShape="0">
                     <a:schemeClr val="bg2">
@@ -31275,7 +31411,7 @@
           <a:effectLst/>
           <a:extLst>
             <a:ext uri="{AF507438-7753-43e0-B8FC-AC1667EBCBE1}">
-              <a14:hiddenEffects xmlns="" xmlns:a14="http://schemas.microsoft.com/office/drawing/2010/main">
+              <a14:hiddenEffects xmlns:a14="http://schemas.microsoft.com/office/drawing/2010/main" xmlns="">
                 <a:effectLst>
                   <a:outerShdw blurRad="63500" dist="38099" dir="2700000" algn="ctr" rotWithShape="0">
                     <a:schemeClr val="bg2">
@@ -31583,7 +31719,7 @@
           <a:effectLst/>
           <a:extLst>
             <a:ext uri="{AF507438-7753-43e0-B8FC-AC1667EBCBE1}">
-              <a14:hiddenEffects xmlns="" xmlns:a14="http://schemas.microsoft.com/office/drawing/2010/main">
+              <a14:hiddenEffects xmlns:a14="http://schemas.microsoft.com/office/drawing/2010/main" xmlns="">
                 <a:effectLst>
                   <a:outerShdw blurRad="63500" dist="38099" dir="2700000" algn="ctr" rotWithShape="0">
                     <a:schemeClr val="bg2">
@@ -31692,7 +31828,7 @@
           <a:effectLst/>
           <a:extLst>
             <a:ext uri="{AF507438-7753-43e0-B8FC-AC1667EBCBE1}">
-              <a14:hiddenEffects xmlns="" xmlns:a14="http://schemas.microsoft.com/office/drawing/2010/main">
+              <a14:hiddenEffects xmlns:a14="http://schemas.microsoft.com/office/drawing/2010/main" xmlns="">
                 <a:effectLst>
                   <a:outerShdw blurRad="63500" dist="38099" dir="2700000" algn="ctr" rotWithShape="0">
                     <a:schemeClr val="bg2">
@@ -31801,7 +31937,7 @@
           <a:effectLst/>
           <a:extLst>
             <a:ext uri="{AF507438-7753-43e0-B8FC-AC1667EBCBE1}">
-              <a14:hiddenEffects xmlns="" xmlns:a14="http://schemas.microsoft.com/office/drawing/2010/main">
+              <a14:hiddenEffects xmlns:a14="http://schemas.microsoft.com/office/drawing/2010/main" xmlns="">
                 <a:effectLst>
                   <a:outerShdw blurRad="63500" dist="38099" dir="2700000" algn="ctr" rotWithShape="0">
                     <a:schemeClr val="bg2">
@@ -31843,7 +31979,7 @@
           <a:effectLst/>
           <a:extLst>
             <a:ext uri="{AF507438-7753-43e0-B8FC-AC1667EBCBE1}">
-              <a14:hiddenEffects xmlns="" xmlns:a14="http://schemas.microsoft.com/office/drawing/2010/main">
+              <a14:hiddenEffects xmlns:a14="http://schemas.microsoft.com/office/drawing/2010/main" xmlns="">
                 <a:effectLst>
                   <a:outerShdw blurRad="63500" dist="38099" dir="2700000" algn="ctr" rotWithShape="0">
                     <a:schemeClr val="bg2">
@@ -32052,7 +32188,7 @@
           <a:effectLst/>
           <a:extLst>
             <a:ext uri="{AF507438-7753-43e0-B8FC-AC1667EBCBE1}">
-              <a14:hiddenEffects xmlns="" xmlns:a14="http://schemas.microsoft.com/office/drawing/2010/main">
+              <a14:hiddenEffects xmlns:a14="http://schemas.microsoft.com/office/drawing/2010/main" xmlns="">
                 <a:effectLst>
                   <a:outerShdw blurRad="63500" dist="38099" dir="2700000" algn="ctr" rotWithShape="0">
                     <a:schemeClr val="bg2">
@@ -32680,7 +32816,7 @@
           <a:effectLst/>
           <a:extLst>
             <a:ext uri="{AF507438-7753-43e0-B8FC-AC1667EBCBE1}">
-              <a14:hiddenEffects xmlns="" xmlns:a14="http://schemas.microsoft.com/office/drawing/2010/main">
+              <a14:hiddenEffects xmlns:a14="http://schemas.microsoft.com/office/drawing/2010/main" xmlns="">
                 <a:effectLst>
                   <a:outerShdw blurRad="63500" dist="38099" dir="2700000" algn="ctr" rotWithShape="0">
                     <a:schemeClr val="bg2">
@@ -32794,7 +32930,7 @@
           <a:effectLst/>
           <a:extLst>
             <a:ext uri="{AF507438-7753-43e0-B8FC-AC1667EBCBE1}">
-              <a14:hiddenEffects xmlns="" xmlns:a14="http://schemas.microsoft.com/office/drawing/2010/main">
+              <a14:hiddenEffects xmlns:a14="http://schemas.microsoft.com/office/drawing/2010/main" xmlns="">
                 <a:effectLst>
                   <a:outerShdw blurRad="63500" dist="38099" dir="2700000" algn="ctr" rotWithShape="0">
                     <a:schemeClr val="bg2">
@@ -32939,7 +33075,7 @@
           <a:effectLst/>
           <a:extLst>
             <a:ext uri="{AF507438-7753-43e0-B8FC-AC1667EBCBE1}">
-              <a14:hiddenEffects xmlns="" xmlns:a14="http://schemas.microsoft.com/office/drawing/2010/main">
+              <a14:hiddenEffects xmlns:a14="http://schemas.microsoft.com/office/drawing/2010/main" xmlns="">
                 <a:effectLst>
                   <a:outerShdw blurRad="63500" dist="38099" dir="2700000" algn="ctr" rotWithShape="0">
                     <a:schemeClr val="bg2">
@@ -32981,7 +33117,7 @@
           <a:effectLst/>
           <a:extLst>
             <a:ext uri="{AF507438-7753-43e0-B8FC-AC1667EBCBE1}">
-              <a14:hiddenEffects xmlns="" xmlns:a14="http://schemas.microsoft.com/office/drawing/2010/main">
+              <a14:hiddenEffects xmlns:a14="http://schemas.microsoft.com/office/drawing/2010/main" xmlns="">
                 <a:effectLst>
                   <a:outerShdw blurRad="63500" dist="38099" dir="2700000" algn="ctr" rotWithShape="0">
                     <a:schemeClr val="bg2">
@@ -33162,7 +33298,7 @@
           <a:effectLst/>
           <a:extLst>
             <a:ext uri="{AF507438-7753-43e0-B8FC-AC1667EBCBE1}">
-              <a14:hiddenEffects xmlns="" xmlns:a14="http://schemas.microsoft.com/office/drawing/2010/main">
+              <a14:hiddenEffects xmlns:a14="http://schemas.microsoft.com/office/drawing/2010/main" xmlns="">
                 <a:effectLst>
                   <a:outerShdw blurRad="63500" dist="38099" dir="2700000" algn="ctr" rotWithShape="0">
                     <a:schemeClr val="bg2">
@@ -33204,7 +33340,7 @@
           <a:effectLst/>
           <a:extLst>
             <a:ext uri="{AF507438-7753-43e0-B8FC-AC1667EBCBE1}">
-              <a14:hiddenEffects xmlns="" xmlns:a14="http://schemas.microsoft.com/office/drawing/2010/main">
+              <a14:hiddenEffects xmlns:a14="http://schemas.microsoft.com/office/drawing/2010/main" xmlns="">
                 <a:effectLst>
                   <a:outerShdw blurRad="63500" dist="38099" dir="2700000" algn="ctr" rotWithShape="0">
                     <a:schemeClr val="bg2">
@@ -33287,7 +33423,7 @@
           <a:effectLst/>
           <a:extLst>
             <a:ext uri="{AF507438-7753-43e0-B8FC-AC1667EBCBE1}">
-              <a14:hiddenEffects xmlns="" xmlns:a14="http://schemas.microsoft.com/office/drawing/2010/main">
+              <a14:hiddenEffects xmlns:a14="http://schemas.microsoft.com/office/drawing/2010/main" xmlns="">
                 <a:effectLst>
                   <a:outerShdw blurRad="63500" dist="38099" dir="2700000" algn="ctr" rotWithShape="0">
                     <a:schemeClr val="bg2">
@@ -33394,7 +33530,7 @@
           <a:effectLst/>
           <a:extLst>
             <a:ext uri="{AF507438-7753-43e0-B8FC-AC1667EBCBE1}">
-              <a14:hiddenEffects xmlns="" xmlns:a14="http://schemas.microsoft.com/office/drawing/2010/main">
+              <a14:hiddenEffects xmlns:a14="http://schemas.microsoft.com/office/drawing/2010/main" xmlns="">
                 <a:effectLst>
                   <a:outerShdw blurRad="63500" dist="38099" dir="2700000" algn="ctr" rotWithShape="0">
                     <a:schemeClr val="bg2">
@@ -33439,7 +33575,7 @@
           <a:effectLst/>
           <a:extLst>
             <a:ext uri="{AF507438-7753-43e0-B8FC-AC1667EBCBE1}">
-              <a14:hiddenEffects xmlns="" xmlns:a14="http://schemas.microsoft.com/office/drawing/2010/main">
+              <a14:hiddenEffects xmlns:a14="http://schemas.microsoft.com/office/drawing/2010/main" xmlns="">
                 <a:effectLst>
                   <a:outerShdw blurRad="63500" dist="38099" dir="2700000" algn="ctr" rotWithShape="0">
                     <a:schemeClr val="bg2">
@@ -33897,7 +34033,7 @@
           <a:effectLst/>
           <a:extLst>
             <a:ext uri="{AF507438-7753-43e0-B8FC-AC1667EBCBE1}">
-              <a14:hiddenEffects xmlns="" xmlns:a14="http://schemas.microsoft.com/office/drawing/2010/main">
+              <a14:hiddenEffects xmlns:a14="http://schemas.microsoft.com/office/drawing/2010/main" xmlns="">
                 <a:effectLst>
                   <a:outerShdw blurRad="63500" dist="38099" dir="2700000" algn="ctr" rotWithShape="0">
                     <a:schemeClr val="bg2">
@@ -34011,7 +34147,7 @@
           <a:effectLst/>
           <a:extLst>
             <a:ext uri="{AF507438-7753-43e0-B8FC-AC1667EBCBE1}">
-              <a14:hiddenEffects xmlns="" xmlns:a14="http://schemas.microsoft.com/office/drawing/2010/main">
+              <a14:hiddenEffects xmlns:a14="http://schemas.microsoft.com/office/drawing/2010/main" xmlns="">
                 <a:effectLst>
                   <a:outerShdw blurRad="63500" dist="38099" dir="2700000" algn="ctr" rotWithShape="0">
                     <a:schemeClr val="bg2">
@@ -34156,7 +34292,7 @@
           <a:effectLst/>
           <a:extLst>
             <a:ext uri="{AF507438-7753-43e0-B8FC-AC1667EBCBE1}">
-              <a14:hiddenEffects xmlns="" xmlns:a14="http://schemas.microsoft.com/office/drawing/2010/main">
+              <a14:hiddenEffects xmlns:a14="http://schemas.microsoft.com/office/drawing/2010/main" xmlns="">
                 <a:effectLst>
                   <a:outerShdw blurRad="63500" dist="38099" dir="2700000" algn="ctr" rotWithShape="0">
                     <a:schemeClr val="bg2">
@@ -34198,7 +34334,7 @@
           <a:effectLst/>
           <a:extLst>
             <a:ext uri="{AF507438-7753-43e0-B8FC-AC1667EBCBE1}">
-              <a14:hiddenEffects xmlns="" xmlns:a14="http://schemas.microsoft.com/office/drawing/2010/main">
+              <a14:hiddenEffects xmlns:a14="http://schemas.microsoft.com/office/drawing/2010/main" xmlns="">
                 <a:effectLst>
                   <a:outerShdw blurRad="63500" dist="38099" dir="2700000" algn="ctr" rotWithShape="0">
                     <a:schemeClr val="bg2">
@@ -34379,7 +34515,7 @@
           <a:effectLst/>
           <a:extLst>
             <a:ext uri="{AF507438-7753-43e0-B8FC-AC1667EBCBE1}">
-              <a14:hiddenEffects xmlns="" xmlns:a14="http://schemas.microsoft.com/office/drawing/2010/main">
+              <a14:hiddenEffects xmlns:a14="http://schemas.microsoft.com/office/drawing/2010/main" xmlns="">
                 <a:effectLst>
                   <a:outerShdw blurRad="63500" dist="38099" dir="2700000" algn="ctr" rotWithShape="0">
                     <a:schemeClr val="bg2">
@@ -34421,7 +34557,7 @@
           <a:effectLst/>
           <a:extLst>
             <a:ext uri="{AF507438-7753-43e0-B8FC-AC1667EBCBE1}">
-              <a14:hiddenEffects xmlns="" xmlns:a14="http://schemas.microsoft.com/office/drawing/2010/main">
+              <a14:hiddenEffects xmlns:a14="http://schemas.microsoft.com/office/drawing/2010/main" xmlns="">
                 <a:effectLst>
                   <a:outerShdw blurRad="63500" dist="38099" dir="2700000" algn="ctr" rotWithShape="0">
                     <a:schemeClr val="bg2">
@@ -34506,7 +34642,7 @@
           <a:effectLst/>
           <a:extLst>
             <a:ext uri="{AF507438-7753-43e0-B8FC-AC1667EBCBE1}">
-              <a14:hiddenEffects xmlns="" xmlns:a14="http://schemas.microsoft.com/office/drawing/2010/main">
+              <a14:hiddenEffects xmlns:a14="http://schemas.microsoft.com/office/drawing/2010/main" xmlns="">
                 <a:effectLst>
                   <a:outerShdw blurRad="63500" dist="38099" dir="2700000" algn="ctr" rotWithShape="0">
                     <a:schemeClr val="bg2">
@@ -34644,7 +34780,7 @@
           <a:effectLst/>
           <a:extLst>
             <a:ext uri="{AF507438-7753-43e0-B8FC-AC1667EBCBE1}">
-              <a14:hiddenEffects xmlns="" xmlns:a14="http://schemas.microsoft.com/office/drawing/2010/main">
+              <a14:hiddenEffects xmlns:a14="http://schemas.microsoft.com/office/drawing/2010/main" xmlns="">
                 <a:effectLst>
                   <a:outerShdw blurRad="63500" dist="38099" dir="2700000" algn="ctr" rotWithShape="0">
                     <a:schemeClr val="bg2">
@@ -34836,7 +34972,7 @@
           <a:effectLst/>
           <a:extLst>
             <a:ext uri="{AF507438-7753-43e0-B8FC-AC1667EBCBE1}">
-              <a14:hiddenEffects xmlns="" xmlns:a14="http://schemas.microsoft.com/office/drawing/2010/main">
+              <a14:hiddenEffects xmlns:a14="http://schemas.microsoft.com/office/drawing/2010/main" xmlns="">
                 <a:effectLst>
                   <a:outerShdw blurRad="63500" dist="38099" dir="2700000" algn="ctr" rotWithShape="0">
                     <a:schemeClr val="bg2">
@@ -35108,7 +35244,7 @@
         <a:effectLst/>
         <a:extLst>
           <a:ext uri="{AF507438-7753-43e0-B8FC-AC1667EBCBE1}">
-            <a14:hiddenEffects xmlns="" xmlns:a14="http://schemas.microsoft.com/office/drawing/2010/main">
+            <a14:hiddenEffects xmlns:a14="http://schemas.microsoft.com/office/drawing/2010/main" xmlns="">
               <a:effectLst>
                 <a:outerShdw blurRad="63500" dist="38099" dir="2700000" algn="ctr" rotWithShape="0">
                   <a:schemeClr val="bg2">
@@ -35184,7 +35320,7 @@
         <a:effectLst/>
         <a:extLst>
           <a:ext uri="{AF507438-7753-43e0-B8FC-AC1667EBCBE1}">
-            <a14:hiddenEffects xmlns="" xmlns:a14="http://schemas.microsoft.com/office/drawing/2010/main">
+            <a14:hiddenEffects xmlns:a14="http://schemas.microsoft.com/office/drawing/2010/main" xmlns="">
               <a:effectLst>
                 <a:outerShdw blurRad="63500" dist="38099" dir="2700000" algn="ctr" rotWithShape="0">
                   <a:schemeClr val="bg2">
